--- a/汇报资料/Group4_脚本研读.pptx
+++ b/汇报资料/Group4_脚本研读.pptx
@@ -8,17 +8,21 @@
     <p:sldId id="421" r:id="rId2"/>
     <p:sldId id="422" r:id="rId3"/>
     <p:sldId id="430" r:id="rId4"/>
-    <p:sldId id="423" r:id="rId5"/>
-    <p:sldId id="429" r:id="rId6"/>
-    <p:sldId id="431" r:id="rId7"/>
-    <p:sldId id="432" r:id="rId8"/>
-    <p:sldId id="433" r:id="rId9"/>
-    <p:sldId id="434" r:id="rId10"/>
-    <p:sldId id="435" r:id="rId11"/>
-    <p:sldId id="436" r:id="rId12"/>
-    <p:sldId id="437" r:id="rId13"/>
-    <p:sldId id="438" r:id="rId14"/>
-    <p:sldId id="439" r:id="rId15"/>
+    <p:sldId id="440" r:id="rId5"/>
+    <p:sldId id="423" r:id="rId6"/>
+    <p:sldId id="429" r:id="rId7"/>
+    <p:sldId id="431" r:id="rId8"/>
+    <p:sldId id="432" r:id="rId9"/>
+    <p:sldId id="433" r:id="rId10"/>
+    <p:sldId id="434" r:id="rId11"/>
+    <p:sldId id="441" r:id="rId12"/>
+    <p:sldId id="442" r:id="rId13"/>
+    <p:sldId id="436" r:id="rId14"/>
+    <p:sldId id="437" r:id="rId15"/>
+    <p:sldId id="438" r:id="rId16"/>
+    <p:sldId id="443" r:id="rId17"/>
+    <p:sldId id="439" r:id="rId18"/>
+    <p:sldId id="444" r:id="rId19"/>
   </p:sldIdLst>
   <p:sldSz cx="12192000" cy="6858000"/>
   <p:notesSz cx="6858000" cy="9144000"/>
@@ -117,6 +121,11 @@
       </a:defRPr>
     </a:lvl9pPr>
   </p:defaultTextStyle>
+  <p:extLst>
+    <p:ext uri="{EFAFB233-063F-42B5-8137-9DF3F51BA10A}">
+      <p15:sldGuideLst xmlns:p15="http://schemas.microsoft.com/office/powerpoint/2012/main"/>
+    </p:ext>
+  </p:extLst>
 </p:presentation>
 </file>
 
@@ -267,7 +276,7 @@
           <a:p>
             <a:fld id="{C18E308C-462E-40DB-9943-3A1BB72F7A2A}" type="datetimeFigureOut">
               <a:rPr lang="zh-CN" altLang="en-US" smtClean="0"/>
-              <a:t>2019/6/3</a:t>
+              <a:t>2019/6/9</a:t>
             </a:fld>
             <a:endParaRPr lang="zh-CN" altLang="en-US"/>
           </a:p>
@@ -465,7 +474,7 @@
           <a:p>
             <a:fld id="{C18E308C-462E-40DB-9943-3A1BB72F7A2A}" type="datetimeFigureOut">
               <a:rPr lang="zh-CN" altLang="en-US" smtClean="0"/>
-              <a:t>2019/6/3</a:t>
+              <a:t>2019/6/9</a:t>
             </a:fld>
             <a:endParaRPr lang="zh-CN" altLang="en-US"/>
           </a:p>
@@ -673,7 +682,7 @@
           <a:p>
             <a:fld id="{C18E308C-462E-40DB-9943-3A1BB72F7A2A}" type="datetimeFigureOut">
               <a:rPr lang="zh-CN" altLang="en-US" smtClean="0"/>
-              <a:t>2019/6/3</a:t>
+              <a:t>2019/6/9</a:t>
             </a:fld>
             <a:endParaRPr lang="zh-CN" altLang="en-US"/>
           </a:p>
@@ -871,7 +880,7 @@
           <a:p>
             <a:fld id="{C18E308C-462E-40DB-9943-3A1BB72F7A2A}" type="datetimeFigureOut">
               <a:rPr lang="zh-CN" altLang="en-US" smtClean="0"/>
-              <a:t>2019/6/3</a:t>
+              <a:t>2019/6/9</a:t>
             </a:fld>
             <a:endParaRPr lang="zh-CN" altLang="en-US"/>
           </a:p>
@@ -1146,7 +1155,7 @@
           <a:p>
             <a:fld id="{C18E308C-462E-40DB-9943-3A1BB72F7A2A}" type="datetimeFigureOut">
               <a:rPr lang="zh-CN" altLang="en-US" smtClean="0"/>
-              <a:t>2019/6/3</a:t>
+              <a:t>2019/6/9</a:t>
             </a:fld>
             <a:endParaRPr lang="zh-CN" altLang="en-US"/>
           </a:p>
@@ -1411,7 +1420,7 @@
           <a:p>
             <a:fld id="{C18E308C-462E-40DB-9943-3A1BB72F7A2A}" type="datetimeFigureOut">
               <a:rPr lang="zh-CN" altLang="en-US" smtClean="0"/>
-              <a:t>2019/6/3</a:t>
+              <a:t>2019/6/9</a:t>
             </a:fld>
             <a:endParaRPr lang="zh-CN" altLang="en-US"/>
           </a:p>
@@ -1823,7 +1832,7 @@
           <a:p>
             <a:fld id="{C18E308C-462E-40DB-9943-3A1BB72F7A2A}" type="datetimeFigureOut">
               <a:rPr lang="zh-CN" altLang="en-US" smtClean="0"/>
-              <a:t>2019/6/3</a:t>
+              <a:t>2019/6/9</a:t>
             </a:fld>
             <a:endParaRPr lang="zh-CN" altLang="en-US"/>
           </a:p>
@@ -1964,7 +1973,7 @@
           <a:p>
             <a:fld id="{C18E308C-462E-40DB-9943-3A1BB72F7A2A}" type="datetimeFigureOut">
               <a:rPr lang="zh-CN" altLang="en-US" smtClean="0"/>
-              <a:t>2019/6/3</a:t>
+              <a:t>2019/6/9</a:t>
             </a:fld>
             <a:endParaRPr lang="zh-CN" altLang="en-US"/>
           </a:p>
@@ -2077,7 +2086,7 @@
           <a:p>
             <a:fld id="{C18E308C-462E-40DB-9943-3A1BB72F7A2A}" type="datetimeFigureOut">
               <a:rPr lang="zh-CN" altLang="en-US" smtClean="0"/>
-              <a:t>2019/6/3</a:t>
+              <a:t>2019/6/9</a:t>
             </a:fld>
             <a:endParaRPr lang="zh-CN" altLang="en-US"/>
           </a:p>
@@ -2388,7 +2397,7 @@
           <a:p>
             <a:fld id="{C18E308C-462E-40DB-9943-3A1BB72F7A2A}" type="datetimeFigureOut">
               <a:rPr lang="zh-CN" altLang="en-US" smtClean="0"/>
-              <a:t>2019/6/3</a:t>
+              <a:t>2019/6/9</a:t>
             </a:fld>
             <a:endParaRPr lang="zh-CN" altLang="en-US"/>
           </a:p>
@@ -2676,7 +2685,7 @@
           <a:p>
             <a:fld id="{C18E308C-462E-40DB-9943-3A1BB72F7A2A}" type="datetimeFigureOut">
               <a:rPr lang="zh-CN" altLang="en-US" smtClean="0"/>
-              <a:t>2019/6/3</a:t>
+              <a:t>2019/6/9</a:t>
             </a:fld>
             <a:endParaRPr lang="zh-CN" altLang="en-US"/>
           </a:p>
@@ -2917,7 +2926,7 @@
           <a:p>
             <a:fld id="{C18E308C-462E-40DB-9943-3A1BB72F7A2A}" type="datetimeFigureOut">
               <a:rPr lang="zh-CN" altLang="en-US" smtClean="0"/>
-              <a:t>2019/6/3</a:t>
+              <a:t>2019/6/9</a:t>
             </a:fld>
             <a:endParaRPr lang="zh-CN" altLang="en-US"/>
           </a:p>
@@ -3766,229 +3775,6 @@
           </a:p>
         </p:txBody>
       </p:sp>
-      <p:sp>
-        <p:nvSpPr>
-          <p:cNvPr id="5" name="稻壳儿小白白(http://dwz.cn/Wu2UP)">
-            <a:extLst>
-              <a:ext uri="{FF2B5EF4-FFF2-40B4-BE49-F238E27FC236}">
-                <a16:creationId xmlns:a16="http://schemas.microsoft.com/office/drawing/2014/main" id="{075D127A-495F-45C7-BB31-6E051A453D18}"/>
-              </a:ext>
-            </a:extLst>
-          </p:cNvPr>
-          <p:cNvSpPr txBox="1">
-            <a:spLocks noChangeArrowheads="1"/>
-          </p:cNvSpPr>
-          <p:nvPr/>
-        </p:nvSpPr>
-        <p:spPr bwMode="auto">
-          <a:xfrm>
-            <a:off x="6552507" y="4120221"/>
-            <a:ext cx="6096000" cy="461665"/>
-          </a:xfrm>
-          <a:prstGeom prst="rect">
-            <a:avLst/>
-          </a:prstGeom>
-          <a:noFill/>
-          <a:ln>
-            <a:noFill/>
-          </a:ln>
-          <a:extLst>
-            <a:ext uri="{909E8E84-426E-40DD-AFC4-6F175D3DCCD1}">
-              <a14:hiddenFill xmlns:a14="http://schemas.microsoft.com/office/drawing/2010/main">
-                <a:solidFill>
-                  <a:srgbClr val="FFFFFF"/>
-                </a:solidFill>
-              </a14:hiddenFill>
-            </a:ext>
-            <a:ext uri="{91240B29-F687-4F45-9708-019B960494DF}">
-              <a14:hiddenLine xmlns:a14="http://schemas.microsoft.com/office/drawing/2010/main" w="9525">
-                <a:solidFill>
-                  <a:srgbClr val="000000"/>
-                </a:solidFill>
-                <a:miter lim="800000"/>
-                <a:headEnd/>
-                <a:tailEnd/>
-              </a14:hiddenLine>
-            </a:ext>
-          </a:extLst>
-        </p:spPr>
-        <p:txBody>
-          <a:bodyPr wrap="square">
-            <a:spAutoFit/>
-          </a:bodyPr>
-          <a:lstStyle>
-            <a:lvl1pPr>
-              <a:buFont typeface="Arial" panose="020B0604020202020204" pitchFamily="34" charset="0"/>
-              <a:defRPr>
-                <a:solidFill>
-                  <a:schemeClr val="tx1"/>
-                </a:solidFill>
-                <a:latin typeface="Arial" panose="020B0604020202020204" pitchFamily="34" charset="0"/>
-                <a:ea typeface="微软雅黑" panose="020B0503020204020204" pitchFamily="34" charset="-122"/>
-              </a:defRPr>
-            </a:lvl1pPr>
-            <a:lvl2pPr marL="742950" indent="-285750">
-              <a:buFont typeface="Arial" panose="020B0604020202020204" pitchFamily="34" charset="0"/>
-              <a:defRPr>
-                <a:solidFill>
-                  <a:schemeClr val="tx1"/>
-                </a:solidFill>
-                <a:latin typeface="Arial" panose="020B0604020202020204" pitchFamily="34" charset="0"/>
-                <a:ea typeface="微软雅黑" panose="020B0503020204020204" pitchFamily="34" charset="-122"/>
-              </a:defRPr>
-            </a:lvl2pPr>
-            <a:lvl3pPr marL="1143000" indent="-228600">
-              <a:buFont typeface="Arial" panose="020B0604020202020204" pitchFamily="34" charset="0"/>
-              <a:defRPr>
-                <a:solidFill>
-                  <a:schemeClr val="tx1"/>
-                </a:solidFill>
-                <a:latin typeface="Arial" panose="020B0604020202020204" pitchFamily="34" charset="0"/>
-                <a:ea typeface="微软雅黑" panose="020B0503020204020204" pitchFamily="34" charset="-122"/>
-              </a:defRPr>
-            </a:lvl3pPr>
-            <a:lvl4pPr marL="1600200" indent="-228600">
-              <a:buFont typeface="Arial" panose="020B0604020202020204" pitchFamily="34" charset="0"/>
-              <a:defRPr>
-                <a:solidFill>
-                  <a:schemeClr val="tx1"/>
-                </a:solidFill>
-                <a:latin typeface="Arial" panose="020B0604020202020204" pitchFamily="34" charset="0"/>
-                <a:ea typeface="微软雅黑" panose="020B0503020204020204" pitchFamily="34" charset="-122"/>
-              </a:defRPr>
-            </a:lvl4pPr>
-            <a:lvl5pPr marL="2057400" indent="-228600">
-              <a:buFont typeface="Arial" panose="020B0604020202020204" pitchFamily="34" charset="0"/>
-              <a:defRPr>
-                <a:solidFill>
-                  <a:schemeClr val="tx1"/>
-                </a:solidFill>
-                <a:latin typeface="Arial" panose="020B0604020202020204" pitchFamily="34" charset="0"/>
-                <a:ea typeface="微软雅黑" panose="020B0503020204020204" pitchFamily="34" charset="-122"/>
-              </a:defRPr>
-            </a:lvl5pPr>
-            <a:lvl6pPr marL="2514600" indent="-228600" eaLnBrk="0" fontAlgn="base" hangingPunct="0">
-              <a:spcBef>
-                <a:spcPct val="0"/>
-              </a:spcBef>
-              <a:spcAft>
-                <a:spcPct val="0"/>
-              </a:spcAft>
-              <a:buFont typeface="Arial" panose="020B0604020202020204" pitchFamily="34" charset="0"/>
-              <a:defRPr>
-                <a:solidFill>
-                  <a:schemeClr val="tx1"/>
-                </a:solidFill>
-                <a:latin typeface="Arial" panose="020B0604020202020204" pitchFamily="34" charset="0"/>
-                <a:ea typeface="微软雅黑" panose="020B0503020204020204" pitchFamily="34" charset="-122"/>
-              </a:defRPr>
-            </a:lvl6pPr>
-            <a:lvl7pPr marL="2971800" indent="-228600" eaLnBrk="0" fontAlgn="base" hangingPunct="0">
-              <a:spcBef>
-                <a:spcPct val="0"/>
-              </a:spcBef>
-              <a:spcAft>
-                <a:spcPct val="0"/>
-              </a:spcAft>
-              <a:buFont typeface="Arial" panose="020B0604020202020204" pitchFamily="34" charset="0"/>
-              <a:defRPr>
-                <a:solidFill>
-                  <a:schemeClr val="tx1"/>
-                </a:solidFill>
-                <a:latin typeface="Arial" panose="020B0604020202020204" pitchFamily="34" charset="0"/>
-                <a:ea typeface="微软雅黑" panose="020B0503020204020204" pitchFamily="34" charset="-122"/>
-              </a:defRPr>
-            </a:lvl7pPr>
-            <a:lvl8pPr marL="3429000" indent="-228600" eaLnBrk="0" fontAlgn="base" hangingPunct="0">
-              <a:spcBef>
-                <a:spcPct val="0"/>
-              </a:spcBef>
-              <a:spcAft>
-                <a:spcPct val="0"/>
-              </a:spcAft>
-              <a:buFont typeface="Arial" panose="020B0604020202020204" pitchFamily="34" charset="0"/>
-              <a:defRPr>
-                <a:solidFill>
-                  <a:schemeClr val="tx1"/>
-                </a:solidFill>
-                <a:latin typeface="Arial" panose="020B0604020202020204" pitchFamily="34" charset="0"/>
-                <a:ea typeface="微软雅黑" panose="020B0503020204020204" pitchFamily="34" charset="-122"/>
-              </a:defRPr>
-            </a:lvl8pPr>
-            <a:lvl9pPr marL="3886200" indent="-228600" eaLnBrk="0" fontAlgn="base" hangingPunct="0">
-              <a:spcBef>
-                <a:spcPct val="0"/>
-              </a:spcBef>
-              <a:spcAft>
-                <a:spcPct val="0"/>
-              </a:spcAft>
-              <a:buFont typeface="Arial" panose="020B0604020202020204" pitchFamily="34" charset="0"/>
-              <a:defRPr>
-                <a:solidFill>
-                  <a:schemeClr val="tx1"/>
-                </a:solidFill>
-                <a:latin typeface="Arial" panose="020B0604020202020204" pitchFamily="34" charset="0"/>
-                <a:ea typeface="微软雅黑" panose="020B0503020204020204" pitchFamily="34" charset="-122"/>
-              </a:defRPr>
-            </a:lvl9pPr>
-          </a:lstStyle>
-          <a:p>
-            <a:pPr eaLnBrk="1" hangingPunct="1"/>
-            <a:r>
-              <a:rPr lang="zh-CN" altLang="en-US" sz="2400" dirty="0">
-                <a:solidFill>
-                  <a:srgbClr val="16856B"/>
-                </a:solidFill>
-                <a:latin typeface="方正粗活意简体" panose="03000509000000000000" pitchFamily="65" charset="-122"/>
-                <a:ea typeface="方正粗活意简体" panose="03000509000000000000" pitchFamily="65" charset="-122"/>
-                <a:sym typeface="Arial" panose="020B0604020202020204" pitchFamily="34" charset="0"/>
-              </a:rPr>
-              <a:t>汇报人：优品</a:t>
-            </a:r>
-            <a:r>
-              <a:rPr lang="en-US" altLang="zh-CN" sz="2400" dirty="0">
-                <a:solidFill>
-                  <a:srgbClr val="16856B"/>
-                </a:solidFill>
-                <a:latin typeface="方正粗活意简体" panose="03000509000000000000" pitchFamily="65" charset="-122"/>
-                <a:ea typeface="方正粗活意简体" panose="03000509000000000000" pitchFamily="65" charset="-122"/>
-                <a:sym typeface="Arial" panose="020B0604020202020204" pitchFamily="34" charset="0"/>
-              </a:rPr>
-              <a:t>PPT</a:t>
-            </a:r>
-            <a:r>
-              <a:rPr lang="zh-CN" altLang="en-US" sz="2400" dirty="0">
-                <a:solidFill>
-                  <a:srgbClr val="16856B"/>
-                </a:solidFill>
-                <a:latin typeface="方正粗活意简体" panose="03000509000000000000" pitchFamily="65" charset="-122"/>
-                <a:ea typeface="方正粗活意简体" panose="03000509000000000000" pitchFamily="65" charset="-122"/>
-                <a:sym typeface="Arial" panose="020B0604020202020204" pitchFamily="34" charset="0"/>
-              </a:rPr>
-              <a:t> 汇报时间：</a:t>
-            </a:r>
-            <a:r>
-              <a:rPr lang="en-US" altLang="zh-CN" sz="2400" dirty="0">
-                <a:solidFill>
-                  <a:srgbClr val="16856B"/>
-                </a:solidFill>
-                <a:latin typeface="方正粗活意简体" panose="03000509000000000000" pitchFamily="65" charset="-122"/>
-                <a:ea typeface="方正粗活意简体" panose="03000509000000000000" pitchFamily="65" charset="-122"/>
-                <a:sym typeface="Arial" panose="020B0604020202020204" pitchFamily="34" charset="0"/>
-              </a:rPr>
-              <a:t>XXX</a:t>
-            </a:r>
-            <a:endParaRPr lang="zh-CN" altLang="en-US" sz="2400" dirty="0">
-              <a:solidFill>
-                <a:srgbClr val="16856B"/>
-              </a:solidFill>
-              <a:latin typeface="方正粗活意简体" panose="03000509000000000000" pitchFamily="65" charset="-122"/>
-              <a:ea typeface="方正粗活意简体" panose="03000509000000000000" pitchFamily="65" charset="-122"/>
-              <a:sym typeface="Arial" panose="020B0604020202020204" pitchFamily="34" charset="0"/>
-            </a:endParaRPr>
-          </a:p>
-        </p:txBody>
-      </p:sp>
     </p:spTree>
   </p:cSld>
   <p:clrMapOvr>
@@ -4015,12 +3801,209 @@
           <a:chExt cx="0" cy="0"/>
         </a:xfrm>
       </p:grpSpPr>
+      <p:sp>
+        <p:nvSpPr>
+          <p:cNvPr id="2" name="文本框 20">
+            <a:extLst>
+              <a:ext uri="{FF2B5EF4-FFF2-40B4-BE49-F238E27FC236}">
+                <a16:creationId xmlns:a16="http://schemas.microsoft.com/office/drawing/2014/main" id="{DE3889F8-6551-4A68-BC45-154B108E5FE8}"/>
+              </a:ext>
+            </a:extLst>
+          </p:cNvPr>
+          <p:cNvSpPr txBox="1">
+            <a:spLocks noChangeArrowheads="1"/>
+          </p:cNvSpPr>
+          <p:nvPr/>
+        </p:nvSpPr>
+        <p:spPr bwMode="auto">
+          <a:xfrm>
+            <a:off x="568853" y="273314"/>
+            <a:ext cx="6970935" cy="461665"/>
+          </a:xfrm>
+          <a:prstGeom prst="rect">
+            <a:avLst/>
+          </a:prstGeom>
+          <a:noFill/>
+          <a:ln>
+            <a:noFill/>
+          </a:ln>
+          <a:extLst>
+            <a:ext uri="{909E8E84-426E-40DD-AFC4-6F175D3DCCD1}">
+              <a14:hiddenFill xmlns:a14="http://schemas.microsoft.com/office/drawing/2010/main">
+                <a:solidFill>
+                  <a:srgbClr val="FFFFFF"/>
+                </a:solidFill>
+              </a14:hiddenFill>
+            </a:ext>
+            <a:ext uri="{91240B29-F687-4F45-9708-019B960494DF}">
+              <a14:hiddenLine xmlns:a14="http://schemas.microsoft.com/office/drawing/2010/main" w="9525">
+                <a:solidFill>
+                  <a:srgbClr val="000000"/>
+                </a:solidFill>
+                <a:miter lim="800000"/>
+                <a:headEnd/>
+                <a:tailEnd/>
+              </a14:hiddenLine>
+            </a:ext>
+          </a:extLst>
+        </p:spPr>
+        <p:txBody>
+          <a:bodyPr wrap="square">
+            <a:spAutoFit/>
+          </a:bodyPr>
+          <a:lstStyle>
+            <a:lvl1pPr>
+              <a:buFont typeface="Arial" panose="020B0604020202020204" pitchFamily="34" charset="0"/>
+              <a:defRPr>
+                <a:solidFill>
+                  <a:schemeClr val="tx1"/>
+                </a:solidFill>
+                <a:latin typeface="Arial" panose="020B0604020202020204" pitchFamily="34" charset="0"/>
+                <a:ea typeface="微软雅黑" panose="020B0503020204020204" pitchFamily="34" charset="-122"/>
+              </a:defRPr>
+            </a:lvl1pPr>
+            <a:lvl2pPr marL="742950" indent="-285750">
+              <a:buFont typeface="Arial" panose="020B0604020202020204" pitchFamily="34" charset="0"/>
+              <a:defRPr>
+                <a:solidFill>
+                  <a:schemeClr val="tx1"/>
+                </a:solidFill>
+                <a:latin typeface="Arial" panose="020B0604020202020204" pitchFamily="34" charset="0"/>
+                <a:ea typeface="微软雅黑" panose="020B0503020204020204" pitchFamily="34" charset="-122"/>
+              </a:defRPr>
+            </a:lvl2pPr>
+            <a:lvl3pPr marL="1143000" indent="-228600">
+              <a:buFont typeface="Arial" panose="020B0604020202020204" pitchFamily="34" charset="0"/>
+              <a:defRPr>
+                <a:solidFill>
+                  <a:schemeClr val="tx1"/>
+                </a:solidFill>
+                <a:latin typeface="Arial" panose="020B0604020202020204" pitchFamily="34" charset="0"/>
+                <a:ea typeface="微软雅黑" panose="020B0503020204020204" pitchFamily="34" charset="-122"/>
+              </a:defRPr>
+            </a:lvl3pPr>
+            <a:lvl4pPr marL="1600200" indent="-228600">
+              <a:buFont typeface="Arial" panose="020B0604020202020204" pitchFamily="34" charset="0"/>
+              <a:defRPr>
+                <a:solidFill>
+                  <a:schemeClr val="tx1"/>
+                </a:solidFill>
+                <a:latin typeface="Arial" panose="020B0604020202020204" pitchFamily="34" charset="0"/>
+                <a:ea typeface="微软雅黑" panose="020B0503020204020204" pitchFamily="34" charset="-122"/>
+              </a:defRPr>
+            </a:lvl4pPr>
+            <a:lvl5pPr marL="2057400" indent="-228600">
+              <a:buFont typeface="Arial" panose="020B0604020202020204" pitchFamily="34" charset="0"/>
+              <a:defRPr>
+                <a:solidFill>
+                  <a:schemeClr val="tx1"/>
+                </a:solidFill>
+                <a:latin typeface="Arial" panose="020B0604020202020204" pitchFamily="34" charset="0"/>
+                <a:ea typeface="微软雅黑" panose="020B0503020204020204" pitchFamily="34" charset="-122"/>
+              </a:defRPr>
+            </a:lvl5pPr>
+            <a:lvl6pPr marL="2514600" indent="-228600" eaLnBrk="0" fontAlgn="base" hangingPunct="0">
+              <a:spcBef>
+                <a:spcPct val="0"/>
+              </a:spcBef>
+              <a:spcAft>
+                <a:spcPct val="0"/>
+              </a:spcAft>
+              <a:buFont typeface="Arial" panose="020B0604020202020204" pitchFamily="34" charset="0"/>
+              <a:defRPr>
+                <a:solidFill>
+                  <a:schemeClr val="tx1"/>
+                </a:solidFill>
+                <a:latin typeface="Arial" panose="020B0604020202020204" pitchFamily="34" charset="0"/>
+                <a:ea typeface="微软雅黑" panose="020B0503020204020204" pitchFamily="34" charset="-122"/>
+              </a:defRPr>
+            </a:lvl6pPr>
+            <a:lvl7pPr marL="2971800" indent="-228600" eaLnBrk="0" fontAlgn="base" hangingPunct="0">
+              <a:spcBef>
+                <a:spcPct val="0"/>
+              </a:spcBef>
+              <a:spcAft>
+                <a:spcPct val="0"/>
+              </a:spcAft>
+              <a:buFont typeface="Arial" panose="020B0604020202020204" pitchFamily="34" charset="0"/>
+              <a:defRPr>
+                <a:solidFill>
+                  <a:schemeClr val="tx1"/>
+                </a:solidFill>
+                <a:latin typeface="Arial" panose="020B0604020202020204" pitchFamily="34" charset="0"/>
+                <a:ea typeface="微软雅黑" panose="020B0503020204020204" pitchFamily="34" charset="-122"/>
+              </a:defRPr>
+            </a:lvl7pPr>
+            <a:lvl8pPr marL="3429000" indent="-228600" eaLnBrk="0" fontAlgn="base" hangingPunct="0">
+              <a:spcBef>
+                <a:spcPct val="0"/>
+              </a:spcBef>
+              <a:spcAft>
+                <a:spcPct val="0"/>
+              </a:spcAft>
+              <a:buFont typeface="Arial" panose="020B0604020202020204" pitchFamily="34" charset="0"/>
+              <a:defRPr>
+                <a:solidFill>
+                  <a:schemeClr val="tx1"/>
+                </a:solidFill>
+                <a:latin typeface="Arial" panose="020B0604020202020204" pitchFamily="34" charset="0"/>
+                <a:ea typeface="微软雅黑" panose="020B0503020204020204" pitchFamily="34" charset="-122"/>
+              </a:defRPr>
+            </a:lvl8pPr>
+            <a:lvl9pPr marL="3886200" indent="-228600" eaLnBrk="0" fontAlgn="base" hangingPunct="0">
+              <a:spcBef>
+                <a:spcPct val="0"/>
+              </a:spcBef>
+              <a:spcAft>
+                <a:spcPct val="0"/>
+              </a:spcAft>
+              <a:buFont typeface="Arial" panose="020B0604020202020204" pitchFamily="34" charset="0"/>
+              <a:defRPr>
+                <a:solidFill>
+                  <a:schemeClr val="tx1"/>
+                </a:solidFill>
+                <a:latin typeface="Arial" panose="020B0604020202020204" pitchFamily="34" charset="0"/>
+                <a:ea typeface="微软雅黑" panose="020B0503020204020204" pitchFamily="34" charset="-122"/>
+              </a:defRPr>
+            </a:lvl9pPr>
+          </a:lstStyle>
+          <a:p>
+            <a:r>
+              <a:rPr lang="zh-CN" altLang="en-US" sz="2400" b="1" dirty="0">
+                <a:solidFill>
+                  <a:srgbClr val="007F58"/>
+                </a:solidFill>
+                <a:latin typeface="微软雅黑" panose="020B0503020204020204" pitchFamily="34" charset="-122"/>
+              </a:rPr>
+              <a:t>用来生成证书、私钥、配置等文件的函数，共</a:t>
+            </a:r>
+            <a:r>
+              <a:rPr lang="en-US" altLang="zh-CN" sz="2400" b="1" dirty="0">
+                <a:solidFill>
+                  <a:srgbClr val="007F58"/>
+                </a:solidFill>
+                <a:latin typeface="微软雅黑" panose="020B0503020204020204" pitchFamily="34" charset="-122"/>
+              </a:rPr>
+              <a:t>18</a:t>
+            </a:r>
+            <a:r>
+              <a:rPr lang="zh-CN" altLang="en-US" sz="2400" b="1" dirty="0">
+                <a:solidFill>
+                  <a:srgbClr val="007F58"/>
+                </a:solidFill>
+                <a:latin typeface="微软雅黑" panose="020B0503020204020204" pitchFamily="34" charset="-122"/>
+              </a:rPr>
+              <a:t>个</a:t>
+            </a:r>
+          </a:p>
+        </p:txBody>
+      </p:sp>
       <p:graphicFrame>
         <p:nvGraphicFramePr>
-          <p:cNvPr id="2" name="表格 1">
+          <p:cNvPr id="3" name="表格 2">
             <a:extLst>
               <a:ext uri="{FF2B5EF4-FFF2-40B4-BE49-F238E27FC236}">
-                <a16:creationId xmlns:a16="http://schemas.microsoft.com/office/drawing/2014/main" id="{D7C74988-A480-48E1-935A-E999327E3FD3}"/>
+                <a16:creationId xmlns:a16="http://schemas.microsoft.com/office/drawing/2014/main" id="{426923CA-DD5F-4F31-ABAA-67790CFE3E25}"/>
               </a:ext>
             </a:extLst>
           </p:cNvPr>
@@ -4030,14 +4013,14 @@
           <p:nvPr>
             <p:extLst>
               <p:ext uri="{D42A27DB-BD31-4B8C-83A1-F6EECF244321}">
-                <p14:modId xmlns:p14="http://schemas.microsoft.com/office/powerpoint/2010/main" val="492435837"/>
+                <p14:modId xmlns:p14="http://schemas.microsoft.com/office/powerpoint/2010/main" val="2077220880"/>
               </p:ext>
             </p:extLst>
           </p:nvPr>
         </p:nvGraphicFramePr>
         <p:xfrm>
-          <a:off x="2032000" y="1481666"/>
-          <a:ext cx="8128000" cy="1483360"/>
+          <a:off x="460888" y="734979"/>
+          <a:ext cx="11270223" cy="5969000"/>
         </p:xfrm>
         <a:graphic>
           <a:graphicData uri="http://schemas.openxmlformats.org/drawingml/2006/table">
@@ -4046,21 +4029,745 @@
                 <a:tableStyleId>{5C22544A-7EE6-4342-B048-85BDC9FD1C3A}</a:tableStyleId>
               </a:tblPr>
               <a:tblGrid>
-                <a:gridCol w="4064000">
+                <a:gridCol w="907020">
                   <a:extLst>
                     <a:ext uri="{9D8B030D-6E8A-4147-A177-3AD203B41FA5}">
-                      <a16:colId xmlns:a16="http://schemas.microsoft.com/office/drawing/2014/main" val="720016489"/>
+                      <a16:colId xmlns:a16="http://schemas.microsoft.com/office/drawing/2014/main" val="1165937765"/>
                     </a:ext>
                   </a:extLst>
                 </a:gridCol>
-                <a:gridCol w="4064000">
+                <a:gridCol w="2353860">
                   <a:extLst>
                     <a:ext uri="{9D8B030D-6E8A-4147-A177-3AD203B41FA5}">
-                      <a16:colId xmlns:a16="http://schemas.microsoft.com/office/drawing/2014/main" val="89581596"/>
+                      <a16:colId xmlns:a16="http://schemas.microsoft.com/office/drawing/2014/main" val="275840825"/>
+                    </a:ext>
+                  </a:extLst>
+                </a:gridCol>
+                <a:gridCol w="8009343">
+                  <a:extLst>
+                    <a:ext uri="{9D8B030D-6E8A-4147-A177-3AD203B41FA5}">
+                      <a16:colId xmlns:a16="http://schemas.microsoft.com/office/drawing/2014/main" val="2921224805"/>
                     </a:ext>
                   </a:extLst>
                 </a:gridCol>
               </a:tblGrid>
+              <a:tr h="370840">
+                <a:tc>
+                  <a:txBody>
+                    <a:bodyPr/>
+                    <a:lstStyle/>
+                    <a:p>
+                      <a:r>
+                        <a:rPr lang="zh-CN" altLang="en-US" b="0" dirty="0"/>
+                        <a:t>编号</a:t>
+                      </a:r>
+                    </a:p>
+                  </a:txBody>
+                  <a:tcPr/>
+                </a:tc>
+                <a:tc>
+                  <a:txBody>
+                    <a:bodyPr/>
+                    <a:lstStyle/>
+                    <a:p>
+                      <a:r>
+                        <a:rPr lang="zh-CN" altLang="en-US" b="0" dirty="0"/>
+                        <a:t>函数名</a:t>
+                      </a:r>
+                    </a:p>
+                  </a:txBody>
+                  <a:tcPr/>
+                </a:tc>
+                <a:tc>
+                  <a:txBody>
+                    <a:bodyPr/>
+                    <a:lstStyle/>
+                    <a:p>
+                      <a:r>
+                        <a:rPr lang="zh-CN" altLang="en-US" b="0" dirty="0"/>
+                        <a:t>功能描述</a:t>
+                      </a:r>
+                    </a:p>
+                  </a:txBody>
+                  <a:tcPr/>
+                </a:tc>
+                <a:extLst>
+                  <a:ext uri="{0D108BD9-81ED-4DB2-BD59-A6C34878D82A}">
+                    <a16:rowId xmlns:a16="http://schemas.microsoft.com/office/drawing/2014/main" val="2319463917"/>
+                  </a:ext>
+                </a:extLst>
+              </a:tr>
+              <a:tr h="370840">
+                <a:tc>
+                  <a:txBody>
+                    <a:bodyPr/>
+                    <a:lstStyle/>
+                    <a:p>
+                      <a:r>
+                        <a:rPr lang="en-US" altLang="zh-CN" sz="1800" b="0" i="0" kern="1200" dirty="0">
+                          <a:solidFill>
+                            <a:schemeClr val="dk1"/>
+                          </a:solidFill>
+                          <a:effectLst/>
+                          <a:latin typeface="+mn-lt"/>
+                          <a:ea typeface="+mn-ea"/>
+                          <a:cs typeface="+mn-cs"/>
+                        </a:rPr>
+                        <a:t>1</a:t>
+                      </a:r>
+                    </a:p>
+                  </a:txBody>
+                  <a:tcPr/>
+                </a:tc>
+                <a:tc>
+                  <a:txBody>
+                    <a:bodyPr/>
+                    <a:lstStyle/>
+                    <a:p>
+                      <a:r>
+                        <a:rPr lang="en-US" altLang="zh-CN" sz="1800" b="0" i="0" kern="1200" dirty="0" err="1">
+                          <a:solidFill>
+                            <a:schemeClr val="dk1"/>
+                          </a:solidFill>
+                          <a:effectLst/>
+                          <a:latin typeface="+mn-lt"/>
+                          <a:ea typeface="+mn-ea"/>
+                          <a:cs typeface="+mn-cs"/>
+                        </a:rPr>
+                        <a:t>gen_chain_cert</a:t>
+                      </a:r>
+                      <a:r>
+                        <a:rPr lang="en-US" altLang="zh-CN" sz="1800" b="0" i="0" kern="1200" dirty="0">
+                          <a:solidFill>
+                            <a:schemeClr val="dk1"/>
+                          </a:solidFill>
+                          <a:effectLst/>
+                          <a:latin typeface="+mn-lt"/>
+                          <a:ea typeface="+mn-ea"/>
+                          <a:cs typeface="+mn-cs"/>
+                        </a:rPr>
+                        <a:t>()</a:t>
+                      </a:r>
+                    </a:p>
+                  </a:txBody>
+                  <a:tcPr/>
+                </a:tc>
+                <a:tc>
+                  <a:txBody>
+                    <a:bodyPr/>
+                    <a:lstStyle/>
+                    <a:p>
+                      <a:r>
+                        <a:rPr lang="zh-CN" altLang="en-US" sz="1800" b="0" i="0" kern="1200" dirty="0">
+                          <a:solidFill>
+                            <a:schemeClr val="dk1"/>
+                          </a:solidFill>
+                          <a:effectLst/>
+                          <a:latin typeface="+mn-lt"/>
+                          <a:ea typeface="+mn-ea"/>
+                          <a:cs typeface="+mn-cs"/>
+                        </a:rPr>
+                        <a:t>生成区块链私钥和证书：   </a:t>
+                      </a:r>
+                    </a:p>
+                    <a:p>
+                      <a:r>
+                        <a:rPr lang="en-US" altLang="zh-CN" sz="1800" b="0" i="0" kern="1200" dirty="0" err="1">
+                          <a:solidFill>
+                            <a:schemeClr val="dk1"/>
+                          </a:solidFill>
+                          <a:effectLst/>
+                          <a:latin typeface="+mn-lt"/>
+                          <a:ea typeface="+mn-ea"/>
+                          <a:cs typeface="+mn-cs"/>
+                        </a:rPr>
+                        <a:t>pwd</a:t>
+                      </a:r>
+                      <a:r>
+                        <a:rPr lang="en-US" altLang="zh-CN" sz="1800" b="0" i="0" kern="1200" dirty="0">
+                          <a:solidFill>
+                            <a:schemeClr val="dk1"/>
+                          </a:solidFill>
+                          <a:effectLst/>
+                          <a:latin typeface="+mn-lt"/>
+                          <a:ea typeface="+mn-ea"/>
+                          <a:cs typeface="+mn-cs"/>
+                        </a:rPr>
+                        <a:t>/nodes/cert/</a:t>
+                      </a:r>
+                      <a:r>
+                        <a:rPr lang="en-US" altLang="zh-CN" sz="1800" b="0" i="0" kern="1200" dirty="0" err="1">
+                          <a:solidFill>
+                            <a:schemeClr val="dk1"/>
+                          </a:solidFill>
+                          <a:effectLst/>
+                          <a:latin typeface="+mn-lt"/>
+                          <a:ea typeface="+mn-ea"/>
+                          <a:cs typeface="+mn-cs"/>
+                        </a:rPr>
+                        <a:t>ca.key</a:t>
+                      </a:r>
+                      <a:r>
+                        <a:rPr lang="en-US" altLang="zh-CN" sz="1800" b="0" i="0" kern="1200" dirty="0">
+                          <a:solidFill>
+                            <a:schemeClr val="dk1"/>
+                          </a:solidFill>
+                          <a:effectLst/>
+                          <a:latin typeface="+mn-lt"/>
+                          <a:ea typeface="+mn-ea"/>
+                          <a:cs typeface="+mn-cs"/>
+                        </a:rPr>
+                        <a:t>    </a:t>
+                      </a:r>
+                    </a:p>
+                    <a:p>
+                      <a:r>
+                        <a:rPr lang="en-US" altLang="zh-CN" sz="1800" b="0" i="0" kern="1200" dirty="0" err="1">
+                          <a:solidFill>
+                            <a:schemeClr val="dk1"/>
+                          </a:solidFill>
+                          <a:effectLst/>
+                          <a:latin typeface="+mn-lt"/>
+                          <a:ea typeface="+mn-ea"/>
+                          <a:cs typeface="+mn-cs"/>
+                        </a:rPr>
+                        <a:t>pwd</a:t>
+                      </a:r>
+                      <a:r>
+                        <a:rPr lang="en-US" altLang="zh-CN" sz="1800" b="0" i="0" kern="1200" dirty="0">
+                          <a:solidFill>
+                            <a:schemeClr val="dk1"/>
+                          </a:solidFill>
+                          <a:effectLst/>
+                          <a:latin typeface="+mn-lt"/>
+                          <a:ea typeface="+mn-ea"/>
+                          <a:cs typeface="+mn-cs"/>
+                        </a:rPr>
+                        <a:t>/nodes/cert/</a:t>
+                      </a:r>
+                      <a:r>
+                        <a:rPr lang="en-US" altLang="zh-CN" sz="1800" b="0" i="0" kern="1200" dirty="0" err="1">
+                          <a:solidFill>
+                            <a:schemeClr val="dk1"/>
+                          </a:solidFill>
+                          <a:effectLst/>
+                          <a:latin typeface="+mn-lt"/>
+                          <a:ea typeface="+mn-ea"/>
+                          <a:cs typeface="+mn-cs"/>
+                        </a:rPr>
+                        <a:t>ca.cert</a:t>
+                      </a:r>
+                      <a:r>
+                        <a:rPr lang="en-US" altLang="zh-CN" sz="1800" b="0" i="0" kern="1200" dirty="0">
+                          <a:solidFill>
+                            <a:schemeClr val="dk1"/>
+                          </a:solidFill>
+                          <a:effectLst/>
+                          <a:latin typeface="+mn-lt"/>
+                          <a:ea typeface="+mn-ea"/>
+                          <a:cs typeface="+mn-cs"/>
+                        </a:rPr>
+                        <a:t>   </a:t>
+                      </a:r>
+                    </a:p>
+                    <a:p>
+                      <a:r>
+                        <a:rPr lang="zh-CN" altLang="en-US" sz="1800" b="0" i="0" kern="1200" dirty="0">
+                          <a:solidFill>
+                            <a:schemeClr val="dk1"/>
+                          </a:solidFill>
+                          <a:effectLst/>
+                          <a:latin typeface="+mn-lt"/>
+                          <a:ea typeface="+mn-ea"/>
+                          <a:cs typeface="+mn-cs"/>
+                        </a:rPr>
+                        <a:t>将</a:t>
+                      </a:r>
+                      <a:r>
+                        <a:rPr lang="en-US" altLang="zh-CN" sz="1800" b="0" i="0" kern="1200" dirty="0" err="1">
+                          <a:solidFill>
+                            <a:schemeClr val="dk1"/>
+                          </a:solidFill>
+                          <a:effectLst/>
+                          <a:latin typeface="+mn-lt"/>
+                          <a:ea typeface="+mn-ea"/>
+                          <a:cs typeface="+mn-cs"/>
+                        </a:rPr>
+                        <a:t>cert.cnf</a:t>
+                      </a:r>
+                      <a:r>
+                        <a:rPr lang="zh-CN" altLang="en-US" sz="1800" b="0" i="0" kern="1200" dirty="0">
+                          <a:solidFill>
+                            <a:schemeClr val="dk1"/>
+                          </a:solidFill>
+                          <a:effectLst/>
+                          <a:latin typeface="+mn-lt"/>
+                          <a:ea typeface="+mn-ea"/>
+                          <a:cs typeface="+mn-cs"/>
+                        </a:rPr>
+                        <a:t>移动到</a:t>
+                      </a:r>
+                      <a:r>
+                        <a:rPr lang="en-US" altLang="zh-CN" sz="1800" b="0" i="0" kern="1200" dirty="0" err="1">
+                          <a:solidFill>
+                            <a:schemeClr val="dk1"/>
+                          </a:solidFill>
+                          <a:effectLst/>
+                          <a:latin typeface="+mn-lt"/>
+                          <a:ea typeface="+mn-ea"/>
+                          <a:cs typeface="+mn-cs"/>
+                        </a:rPr>
+                        <a:t>pwd</a:t>
+                      </a:r>
+                      <a:r>
+                        <a:rPr lang="en-US" altLang="zh-CN" sz="1800" b="0" i="0" kern="1200" dirty="0">
+                          <a:solidFill>
+                            <a:schemeClr val="dk1"/>
+                          </a:solidFill>
+                          <a:effectLst/>
+                          <a:latin typeface="+mn-lt"/>
+                          <a:ea typeface="+mn-ea"/>
+                          <a:cs typeface="+mn-cs"/>
+                        </a:rPr>
+                        <a:t>/nodes/cert/</a:t>
+                      </a:r>
+                      <a:r>
+                        <a:rPr lang="zh-CN" altLang="en-US" sz="1800" b="0" i="0" kern="1200" dirty="0">
+                          <a:solidFill>
+                            <a:schemeClr val="dk1"/>
+                          </a:solidFill>
+                          <a:effectLst/>
+                          <a:latin typeface="+mn-lt"/>
+                          <a:ea typeface="+mn-ea"/>
+                          <a:cs typeface="+mn-cs"/>
+                        </a:rPr>
+                        <a:t>里 </a:t>
+                      </a:r>
+                      <a:endParaRPr lang="zh-CN" altLang="en-US" b="0" dirty="0"/>
+                    </a:p>
+                  </a:txBody>
+                  <a:tcPr/>
+                </a:tc>
+                <a:extLst>
+                  <a:ext uri="{0D108BD9-81ED-4DB2-BD59-A6C34878D82A}">
+                    <a16:rowId xmlns:a16="http://schemas.microsoft.com/office/drawing/2014/main" val="1414814724"/>
+                  </a:ext>
+                </a:extLst>
+              </a:tr>
+              <a:tr h="370840">
+                <a:tc>
+                  <a:txBody>
+                    <a:bodyPr/>
+                    <a:lstStyle/>
+                    <a:p>
+                      <a:r>
+                        <a:rPr lang="en-US" altLang="zh-CN" sz="1800" b="0" i="0" kern="1200" dirty="0">
+                          <a:solidFill>
+                            <a:schemeClr val="dk1"/>
+                          </a:solidFill>
+                          <a:effectLst/>
+                          <a:latin typeface="+mn-lt"/>
+                          <a:ea typeface="+mn-ea"/>
+                          <a:cs typeface="+mn-cs"/>
+                        </a:rPr>
+                        <a:t>2</a:t>
+                      </a:r>
+                    </a:p>
+                  </a:txBody>
+                  <a:tcPr/>
+                </a:tc>
+                <a:tc>
+                  <a:txBody>
+                    <a:bodyPr/>
+                    <a:lstStyle/>
+                    <a:p>
+                      <a:r>
+                        <a:rPr lang="en-US" altLang="zh-CN" sz="1800" b="0" i="0" kern="1200" dirty="0" err="1">
+                          <a:solidFill>
+                            <a:schemeClr val="dk1"/>
+                          </a:solidFill>
+                          <a:effectLst/>
+                          <a:latin typeface="+mn-lt"/>
+                          <a:ea typeface="+mn-ea"/>
+                          <a:cs typeface="+mn-cs"/>
+                        </a:rPr>
+                        <a:t>gen_chain_cert_gm</a:t>
+                      </a:r>
+                      <a:r>
+                        <a:rPr lang="en-US" altLang="zh-CN" sz="1800" b="0" i="0" kern="1200" dirty="0">
+                          <a:solidFill>
+                            <a:schemeClr val="dk1"/>
+                          </a:solidFill>
+                          <a:effectLst/>
+                          <a:latin typeface="+mn-lt"/>
+                          <a:ea typeface="+mn-ea"/>
+                          <a:cs typeface="+mn-cs"/>
+                        </a:rPr>
+                        <a:t>()</a:t>
+                      </a:r>
+                    </a:p>
+                  </a:txBody>
+                  <a:tcPr/>
+                </a:tc>
+                <a:tc>
+                  <a:txBody>
+                    <a:bodyPr/>
+                    <a:lstStyle/>
+                    <a:p>
+                      <a:r>
+                        <a:rPr lang="zh-CN" altLang="en-US" sz="1800" b="0" i="0" kern="1200" dirty="0">
+                          <a:solidFill>
+                            <a:schemeClr val="dk1"/>
+                          </a:solidFill>
+                          <a:effectLst/>
+                          <a:latin typeface="+mn-lt"/>
+                          <a:ea typeface="+mn-ea"/>
+                          <a:cs typeface="+mn-cs"/>
+                        </a:rPr>
+                        <a:t>生成国密版区块链私钥和证书</a:t>
+                      </a:r>
+                      <a:endParaRPr lang="zh-CN" altLang="en-US" b="0" dirty="0"/>
+                    </a:p>
+                  </a:txBody>
+                  <a:tcPr/>
+                </a:tc>
+                <a:extLst>
+                  <a:ext uri="{0D108BD9-81ED-4DB2-BD59-A6C34878D82A}">
+                    <a16:rowId xmlns:a16="http://schemas.microsoft.com/office/drawing/2014/main" val="1746408502"/>
+                  </a:ext>
+                </a:extLst>
+              </a:tr>
+              <a:tr h="370840">
+                <a:tc>
+                  <a:txBody>
+                    <a:bodyPr/>
+                    <a:lstStyle/>
+                    <a:p>
+                      <a:r>
+                        <a:rPr lang="en-US" altLang="zh-CN" sz="1800" b="0" i="0" kern="1200" dirty="0">
+                          <a:solidFill>
+                            <a:schemeClr val="dk1"/>
+                          </a:solidFill>
+                          <a:effectLst/>
+                          <a:latin typeface="+mn-lt"/>
+                          <a:ea typeface="+mn-ea"/>
+                          <a:cs typeface="+mn-cs"/>
+                        </a:rPr>
+                        <a:t>3</a:t>
+                      </a:r>
+                    </a:p>
+                  </a:txBody>
+                  <a:tcPr/>
+                </a:tc>
+                <a:tc>
+                  <a:txBody>
+                    <a:bodyPr/>
+                    <a:lstStyle/>
+                    <a:p>
+                      <a:r>
+                        <a:rPr lang="en-US" altLang="zh-CN" sz="1800" b="0" i="0" kern="1200" dirty="0" err="1">
+                          <a:solidFill>
+                            <a:schemeClr val="dk1"/>
+                          </a:solidFill>
+                          <a:effectLst/>
+                          <a:latin typeface="+mn-lt"/>
+                          <a:ea typeface="+mn-ea"/>
+                          <a:cs typeface="+mn-cs"/>
+                        </a:rPr>
+                        <a:t>gen_agency_cert</a:t>
+                      </a:r>
+                      <a:r>
+                        <a:rPr lang="en-US" altLang="zh-CN" sz="1800" b="0" i="0" kern="1200" dirty="0">
+                          <a:solidFill>
+                            <a:schemeClr val="dk1"/>
+                          </a:solidFill>
+                          <a:effectLst/>
+                          <a:latin typeface="+mn-lt"/>
+                          <a:ea typeface="+mn-ea"/>
+                          <a:cs typeface="+mn-cs"/>
+                        </a:rPr>
+                        <a:t>()</a:t>
+                      </a:r>
+                    </a:p>
+                  </a:txBody>
+                  <a:tcPr/>
+                </a:tc>
+                <a:tc>
+                  <a:txBody>
+                    <a:bodyPr/>
+                    <a:lstStyle/>
+                    <a:p>
+                      <a:r>
+                        <a:rPr lang="zh-CN" altLang="en-US" sz="1800" b="0" i="0" kern="1200" dirty="0">
+                          <a:solidFill>
+                            <a:schemeClr val="dk1"/>
+                          </a:solidFill>
+                          <a:effectLst/>
+                          <a:latin typeface="+mn-lt"/>
+                          <a:ea typeface="+mn-ea"/>
+                          <a:cs typeface="+mn-cs"/>
+                        </a:rPr>
+                        <a:t>生成机构私钥和证书：   </a:t>
+                      </a:r>
+                    </a:p>
+                    <a:p>
+                      <a:r>
+                        <a:rPr lang="en-US" altLang="zh-CN" sz="1800" b="0" i="0" kern="1200" dirty="0" err="1">
+                          <a:solidFill>
+                            <a:schemeClr val="dk1"/>
+                          </a:solidFill>
+                          <a:effectLst/>
+                          <a:latin typeface="+mn-lt"/>
+                          <a:ea typeface="+mn-ea"/>
+                          <a:cs typeface="+mn-cs"/>
+                        </a:rPr>
+                        <a:t>pwd</a:t>
+                      </a:r>
+                      <a:r>
+                        <a:rPr lang="en-US" altLang="zh-CN" sz="1800" b="0" i="0" kern="1200" dirty="0">
+                          <a:solidFill>
+                            <a:schemeClr val="dk1"/>
+                          </a:solidFill>
+                          <a:effectLst/>
+                          <a:latin typeface="+mn-lt"/>
+                          <a:ea typeface="+mn-ea"/>
+                          <a:cs typeface="+mn-cs"/>
+                        </a:rPr>
+                        <a:t>/nodes/cert/agency/</a:t>
+                      </a:r>
+                      <a:r>
+                        <a:rPr lang="en-US" altLang="zh-CN" sz="1800" b="0" i="0" kern="1200" dirty="0" err="1">
+                          <a:solidFill>
+                            <a:schemeClr val="dk1"/>
+                          </a:solidFill>
+                          <a:effectLst/>
+                          <a:latin typeface="+mn-lt"/>
+                          <a:ea typeface="+mn-ea"/>
+                          <a:cs typeface="+mn-cs"/>
+                        </a:rPr>
+                        <a:t>agency.key</a:t>
+                      </a:r>
+                      <a:r>
+                        <a:rPr lang="en-US" altLang="zh-CN" sz="1800" b="0" i="0" kern="1200" dirty="0">
+                          <a:solidFill>
+                            <a:schemeClr val="dk1"/>
+                          </a:solidFill>
+                          <a:effectLst/>
+                          <a:latin typeface="+mn-lt"/>
+                          <a:ea typeface="+mn-ea"/>
+                          <a:cs typeface="+mn-cs"/>
+                        </a:rPr>
+                        <a:t>    </a:t>
+                      </a:r>
+                    </a:p>
+                    <a:p>
+                      <a:r>
+                        <a:rPr lang="en-US" altLang="zh-CN" sz="1800" b="0" i="0" kern="1200" dirty="0" err="1">
+                          <a:solidFill>
+                            <a:schemeClr val="dk1"/>
+                          </a:solidFill>
+                          <a:effectLst/>
+                          <a:latin typeface="+mn-lt"/>
+                          <a:ea typeface="+mn-ea"/>
+                          <a:cs typeface="+mn-cs"/>
+                        </a:rPr>
+                        <a:t>pwd</a:t>
+                      </a:r>
+                      <a:r>
+                        <a:rPr lang="en-US" altLang="zh-CN" sz="1800" b="0" i="0" kern="1200" dirty="0">
+                          <a:solidFill>
+                            <a:schemeClr val="dk1"/>
+                          </a:solidFill>
+                          <a:effectLst/>
+                          <a:latin typeface="+mn-lt"/>
+                          <a:ea typeface="+mn-ea"/>
+                          <a:cs typeface="+mn-cs"/>
+                        </a:rPr>
+                        <a:t>/nodes/cert/agency/agency.crt    </a:t>
+                      </a:r>
+                    </a:p>
+                    <a:p>
+                      <a:r>
+                        <a:rPr lang="zh-CN" altLang="en-US" sz="1800" b="0" i="0" kern="1200" dirty="0">
+                          <a:solidFill>
+                            <a:schemeClr val="dk1"/>
+                          </a:solidFill>
+                          <a:effectLst/>
+                          <a:latin typeface="+mn-lt"/>
+                          <a:ea typeface="+mn-ea"/>
+                          <a:cs typeface="+mn-cs"/>
+                        </a:rPr>
+                        <a:t>将</a:t>
+                      </a:r>
+                      <a:r>
+                        <a:rPr lang="en-US" altLang="zh-CN" sz="1800" b="0" i="0" kern="1200" dirty="0">
+                          <a:solidFill>
+                            <a:schemeClr val="dk1"/>
+                          </a:solidFill>
+                          <a:effectLst/>
+                          <a:latin typeface="+mn-lt"/>
+                          <a:ea typeface="+mn-ea"/>
+                          <a:cs typeface="+mn-cs"/>
+                        </a:rPr>
+                        <a:t>ca.crt</a:t>
+                      </a:r>
+                      <a:r>
+                        <a:rPr lang="zh-CN" altLang="en-US" sz="1800" b="0" i="0" kern="1200" dirty="0">
+                          <a:solidFill>
+                            <a:schemeClr val="dk1"/>
+                          </a:solidFill>
+                          <a:effectLst/>
+                          <a:latin typeface="+mn-lt"/>
+                          <a:ea typeface="+mn-ea"/>
+                          <a:cs typeface="+mn-cs"/>
+                        </a:rPr>
+                        <a:t>和</a:t>
+                      </a:r>
+                      <a:r>
+                        <a:rPr lang="en-US" altLang="zh-CN" sz="1800" b="0" i="0" kern="1200" dirty="0" err="1">
+                          <a:solidFill>
+                            <a:schemeClr val="dk1"/>
+                          </a:solidFill>
+                          <a:effectLst/>
+                          <a:latin typeface="+mn-lt"/>
+                          <a:ea typeface="+mn-ea"/>
+                          <a:cs typeface="+mn-cs"/>
+                        </a:rPr>
+                        <a:t>cert.cnf</a:t>
+                      </a:r>
+                      <a:r>
+                        <a:rPr lang="zh-CN" altLang="en-US" sz="1800" b="0" i="0" kern="1200" dirty="0">
+                          <a:solidFill>
+                            <a:schemeClr val="dk1"/>
+                          </a:solidFill>
+                          <a:effectLst/>
+                          <a:latin typeface="+mn-lt"/>
+                          <a:ea typeface="+mn-ea"/>
+                          <a:cs typeface="+mn-cs"/>
+                        </a:rPr>
+                        <a:t>复制到</a:t>
+                      </a:r>
+                      <a:r>
+                        <a:rPr lang="en-US" altLang="zh-CN" sz="1800" b="0" i="0" kern="1200" dirty="0" err="1">
+                          <a:solidFill>
+                            <a:schemeClr val="dk1"/>
+                          </a:solidFill>
+                          <a:effectLst/>
+                          <a:latin typeface="+mn-lt"/>
+                          <a:ea typeface="+mn-ea"/>
+                          <a:cs typeface="+mn-cs"/>
+                        </a:rPr>
+                        <a:t>pwd</a:t>
+                      </a:r>
+                      <a:r>
+                        <a:rPr lang="en-US" altLang="zh-CN" sz="1800" b="0" i="0" kern="1200" dirty="0">
+                          <a:solidFill>
+                            <a:schemeClr val="dk1"/>
+                          </a:solidFill>
+                          <a:effectLst/>
+                          <a:latin typeface="+mn-lt"/>
+                          <a:ea typeface="+mn-ea"/>
+                          <a:cs typeface="+mn-cs"/>
+                        </a:rPr>
+                        <a:t>/nodes/cert/agency/</a:t>
+                      </a:r>
+                      <a:r>
+                        <a:rPr lang="zh-CN" altLang="en-US" sz="1800" b="0" i="0" kern="1200" dirty="0">
+                          <a:solidFill>
+                            <a:schemeClr val="dk1"/>
+                          </a:solidFill>
+                          <a:effectLst/>
+                          <a:latin typeface="+mn-lt"/>
+                          <a:ea typeface="+mn-ea"/>
+                          <a:cs typeface="+mn-cs"/>
+                        </a:rPr>
+                        <a:t>里    </a:t>
+                      </a:r>
+                    </a:p>
+                    <a:p>
+                      <a:r>
+                        <a:rPr lang="zh-CN" altLang="en-US" sz="1800" b="0" i="0" kern="1200" dirty="0">
+                          <a:solidFill>
+                            <a:schemeClr val="dk1"/>
+                          </a:solidFill>
+                          <a:effectLst/>
+                          <a:latin typeface="+mn-lt"/>
+                          <a:ea typeface="+mn-ea"/>
+                          <a:cs typeface="+mn-cs"/>
+                        </a:rPr>
+                        <a:t>然后用</a:t>
+                      </a:r>
+                      <a:r>
+                        <a:rPr lang="en-US" altLang="zh-CN" sz="1800" b="0" i="0" kern="1200" dirty="0">
+                          <a:solidFill>
+                            <a:schemeClr val="dk1"/>
+                          </a:solidFill>
+                          <a:effectLst/>
+                          <a:latin typeface="+mn-lt"/>
+                          <a:ea typeface="+mn-ea"/>
+                          <a:cs typeface="+mn-cs"/>
+                        </a:rPr>
+                        <a:t>ca.crt</a:t>
+                      </a:r>
+                      <a:r>
+                        <a:rPr lang="zh-CN" altLang="en-US" sz="1800" b="0" i="0" kern="1200" dirty="0">
+                          <a:solidFill>
+                            <a:schemeClr val="dk1"/>
+                          </a:solidFill>
+                          <a:effectLst/>
+                          <a:latin typeface="+mn-lt"/>
+                          <a:ea typeface="+mn-ea"/>
+                          <a:cs typeface="+mn-cs"/>
+                        </a:rPr>
+                        <a:t>和</a:t>
+                      </a:r>
+                      <a:r>
+                        <a:rPr lang="en-US" altLang="zh-CN" sz="1800" b="0" i="0" kern="1200" dirty="0">
+                          <a:solidFill>
+                            <a:schemeClr val="dk1"/>
+                          </a:solidFill>
+                          <a:effectLst/>
+                          <a:latin typeface="+mn-lt"/>
+                          <a:ea typeface="+mn-ea"/>
+                          <a:cs typeface="+mn-cs"/>
+                        </a:rPr>
+                        <a:t>agency.crt</a:t>
+                      </a:r>
+                      <a:r>
+                        <a:rPr lang="zh-CN" altLang="en-US" sz="1800" b="0" i="0" kern="1200" dirty="0">
+                          <a:solidFill>
+                            <a:schemeClr val="dk1"/>
+                          </a:solidFill>
+                          <a:effectLst/>
+                          <a:latin typeface="+mn-lt"/>
+                          <a:ea typeface="+mn-ea"/>
+                          <a:cs typeface="+mn-cs"/>
+                        </a:rPr>
+                        <a:t>生成</a:t>
+                      </a:r>
+                      <a:r>
+                        <a:rPr lang="en-US" altLang="zh-CN" sz="1800" b="0" i="0" kern="1200" dirty="0">
+                          <a:solidFill>
+                            <a:schemeClr val="dk1"/>
+                          </a:solidFill>
+                          <a:effectLst/>
+                          <a:latin typeface="+mn-lt"/>
+                          <a:ea typeface="+mn-ea"/>
+                          <a:cs typeface="+mn-cs"/>
+                        </a:rPr>
+                        <a:t>ca-agency.crt </a:t>
+                      </a:r>
+                      <a:endParaRPr lang="zh-CN" altLang="en-US" b="0" dirty="0"/>
+                    </a:p>
+                  </a:txBody>
+                  <a:tcPr/>
+                </a:tc>
+                <a:extLst>
+                  <a:ext uri="{0D108BD9-81ED-4DB2-BD59-A6C34878D82A}">
+                    <a16:rowId xmlns:a16="http://schemas.microsoft.com/office/drawing/2014/main" val="1347231957"/>
+                  </a:ext>
+                </a:extLst>
+              </a:tr>
               <a:tr h="370840">
                 <a:tc>
                   <a:txBody>
@@ -4085,8 +4792,16 @@
                         <a:defRPr/>
                       </a:pPr>
                       <a:r>
-                        <a:rPr lang="zh-CN" altLang="en-US" b="0" dirty="0"/>
-                        <a:t>函数名</a:t>
+                        <a:rPr lang="en-US" altLang="zh-CN" sz="1800" b="0" i="0" kern="1200" dirty="0">
+                          <a:solidFill>
+                            <a:schemeClr val="dk1"/>
+                          </a:solidFill>
+                          <a:effectLst/>
+                          <a:latin typeface="+mn-lt"/>
+                          <a:ea typeface="+mn-ea"/>
+                          <a:cs typeface="+mn-cs"/>
+                        </a:rPr>
+                        <a:t>4</a:t>
                       </a:r>
                     </a:p>
                   </a:txBody>
@@ -4115,16 +4830,50 @@
                         <a:defRPr/>
                       </a:pPr>
                       <a:r>
+                        <a:rPr lang="en-US" altLang="zh-CN" sz="1800" b="0" i="0" kern="1200" dirty="0" err="1">
+                          <a:solidFill>
+                            <a:schemeClr val="dk1"/>
+                          </a:solidFill>
+                          <a:effectLst/>
+                          <a:latin typeface="+mn-lt"/>
+                          <a:ea typeface="+mn-ea"/>
+                          <a:cs typeface="+mn-cs"/>
+                        </a:rPr>
+                        <a:t>gen_agency_cert_gm</a:t>
+                      </a:r>
+                      <a:r>
+                        <a:rPr lang="en-US" altLang="zh-CN" sz="1800" b="0" i="0" kern="1200" dirty="0">
+                          <a:solidFill>
+                            <a:schemeClr val="dk1"/>
+                          </a:solidFill>
+                          <a:effectLst/>
+                          <a:latin typeface="+mn-lt"/>
+                          <a:ea typeface="+mn-ea"/>
+                          <a:cs typeface="+mn-cs"/>
+                        </a:rPr>
+                        <a:t>()</a:t>
+                      </a:r>
+                    </a:p>
+                  </a:txBody>
+                  <a:tcPr/>
+                </a:tc>
+                <a:tc>
+                  <a:txBody>
+                    <a:bodyPr/>
+                    <a:lstStyle/>
+                    <a:p>
+                      <a:r>
                         <a:rPr lang="zh-CN" altLang="en-US" b="0" dirty="0"/>
-                        <a:t>功能描述</a:t>
-                      </a:r>
+                        <a:t>生成国密版机构私钥和证书 </a:t>
+                      </a:r>
+                      <a:endParaRPr lang="en-US" altLang="zh-CN" b="0" dirty="0"/>
                     </a:p>
                   </a:txBody>
                   <a:tcPr/>
                 </a:tc>
                 <a:extLst>
                   <a:ext uri="{0D108BD9-81ED-4DB2-BD59-A6C34878D82A}">
-                    <a16:rowId xmlns:a16="http://schemas.microsoft.com/office/drawing/2014/main" val="4281535232"/>
+                    <a16:rowId xmlns:a16="http://schemas.microsoft.com/office/drawing/2014/main" val="2524831023"/>
                   </a:ext>
                 </a:extLst>
               </a:tr>
@@ -4152,18 +4901,6 @@
                         <a:defRPr/>
                       </a:pPr>
                       <a:r>
-                        <a:rPr lang="en-US" altLang="zh-CN" sz="1800" b="0" i="0" kern="1200" dirty="0" err="1">
-                          <a:solidFill>
-                            <a:schemeClr val="dk1"/>
-                          </a:solidFill>
-                          <a:effectLst/>
-                          <a:latin typeface="+mn-lt"/>
-                          <a:ea typeface="+mn-ea"/>
-                          <a:cs typeface="+mn-cs"/>
-                        </a:rPr>
-                        <a:t>generate_node_scripts</a:t>
-                      </a:r>
-                      <a:r>
                         <a:rPr lang="en-US" altLang="zh-CN" sz="1800" b="0" i="0" kern="1200" dirty="0">
                           <a:solidFill>
                             <a:schemeClr val="dk1"/>
@@ -4173,33 +4910,12 @@
                           <a:ea typeface="+mn-ea"/>
                           <a:cs typeface="+mn-cs"/>
                         </a:rPr>
-                        <a:t>()</a:t>
+                        <a:t>5</a:t>
                       </a:r>
                     </a:p>
                   </a:txBody>
                   <a:tcPr/>
                 </a:tc>
-                <a:tc>
-                  <a:txBody>
-                    <a:bodyPr/>
-                    <a:lstStyle/>
-                    <a:p>
-                      <a:r>
-                        <a:rPr lang="en-US" altLang="zh-CN" dirty="0"/>
-                        <a:t>…</a:t>
-                      </a:r>
-                      <a:endParaRPr lang="zh-CN" altLang="en-US" dirty="0"/>
-                    </a:p>
-                  </a:txBody>
-                  <a:tcPr/>
-                </a:tc>
-                <a:extLst>
-                  <a:ext uri="{0D108BD9-81ED-4DB2-BD59-A6C34878D82A}">
-                    <a16:rowId xmlns:a16="http://schemas.microsoft.com/office/drawing/2014/main" val="1177549028"/>
-                  </a:ext>
-                </a:extLst>
-              </a:tr>
-              <a:tr h="370840">
                 <a:tc>
                   <a:txBody>
                     <a:bodyPr/>
@@ -4232,7 +4948,7 @@
                           <a:ea typeface="+mn-ea"/>
                           <a:cs typeface="+mn-cs"/>
                         </a:rPr>
-                        <a:t>genTransTest</a:t>
+                        <a:t>gen_node_cert</a:t>
                       </a:r>
                       <a:r>
                         <a:rPr lang="en-US" altLang="zh-CN" sz="1800" b="0" i="0" kern="1200" dirty="0">
@@ -4256,17 +4972,137 @@
                     <a:lstStyle/>
                     <a:p>
                       <a:r>
-                        <a:rPr lang="en-US" altLang="zh-CN" dirty="0"/>
-                        <a:t>…</a:t>
-                      </a:r>
-                      <a:endParaRPr lang="zh-CN" altLang="en-US" dirty="0"/>
+                        <a:rPr lang="zh-CN" altLang="en-US" b="0" dirty="0"/>
+                        <a:t>生成节点</a:t>
+                      </a:r>
+                      <a:r>
+                        <a:rPr lang="en-US" altLang="zh-CN" b="0" dirty="0"/>
+                        <a:t>id</a:t>
+                      </a:r>
+                      <a:r>
+                        <a:rPr lang="zh-CN" altLang="en-US" b="0" dirty="0"/>
+                        <a:t>、私钥和证书：   </a:t>
+                      </a:r>
+                    </a:p>
+                    <a:p>
+                      <a:r>
+                        <a:rPr lang="en-US" altLang="zh-CN" b="0" dirty="0" err="1"/>
+                        <a:t>pwd</a:t>
+                      </a:r>
+                      <a:r>
+                        <a:rPr lang="en-US" altLang="zh-CN" b="0" dirty="0"/>
+                        <a:t>/nodes/</a:t>
+                      </a:r>
+                      <a:r>
+                        <a:rPr lang="en-US" altLang="zh-CN" b="0" dirty="0" err="1"/>
+                        <a:t>ip_addr</a:t>
+                      </a:r>
+                      <a:r>
+                        <a:rPr lang="en-US" altLang="zh-CN" b="0" dirty="0"/>
+                        <a:t>/node*/conf/node.crt    </a:t>
+                      </a:r>
+                    </a:p>
+                    <a:p>
+                      <a:r>
+                        <a:rPr lang="en-US" altLang="zh-CN" b="0" dirty="0" err="1"/>
+                        <a:t>pwd</a:t>
+                      </a:r>
+                      <a:r>
+                        <a:rPr lang="en-US" altLang="zh-CN" b="0" dirty="0"/>
+                        <a:t>/nodes/</a:t>
+                      </a:r>
+                      <a:r>
+                        <a:rPr lang="en-US" altLang="zh-CN" b="0" dirty="0" err="1"/>
+                        <a:t>ip_addr</a:t>
+                      </a:r>
+                      <a:r>
+                        <a:rPr lang="en-US" altLang="zh-CN" b="0" dirty="0"/>
+                        <a:t>/node*/conf/</a:t>
+                      </a:r>
+                      <a:r>
+                        <a:rPr lang="en-US" altLang="zh-CN" b="0" dirty="0" err="1"/>
+                        <a:t>node.key</a:t>
+                      </a:r>
+                      <a:r>
+                        <a:rPr lang="en-US" altLang="zh-CN" b="0" dirty="0"/>
+                        <a:t>   </a:t>
+                      </a:r>
+                    </a:p>
+                    <a:p>
+                      <a:r>
+                        <a:rPr lang="en-US" altLang="zh-CN" b="0" dirty="0" err="1"/>
+                        <a:t>pwd</a:t>
+                      </a:r>
+                      <a:r>
+                        <a:rPr lang="en-US" altLang="zh-CN" b="0" dirty="0"/>
+                        <a:t>/nodes/</a:t>
+                      </a:r>
+                      <a:r>
+                        <a:rPr lang="en-US" altLang="zh-CN" b="0" dirty="0" err="1"/>
+                        <a:t>ip_addr</a:t>
+                      </a:r>
+                      <a:r>
+                        <a:rPr lang="en-US" altLang="zh-CN" b="0" dirty="0"/>
+                        <a:t>/node*/conf/</a:t>
+                      </a:r>
+                      <a:r>
+                        <a:rPr lang="en-US" altLang="zh-CN" b="0" dirty="0" err="1"/>
+                        <a:t>node.nodeid</a:t>
+                      </a:r>
+                      <a:r>
+                        <a:rPr lang="en-US" altLang="zh-CN" b="0" dirty="0"/>
+                        <a:t>    </a:t>
+                      </a:r>
+                    </a:p>
+                    <a:p>
+                      <a:r>
+                        <a:rPr lang="zh-CN" altLang="en-US" b="0" dirty="0"/>
+                        <a:t>将</a:t>
+                      </a:r>
+                      <a:r>
+                        <a:rPr lang="en-US" altLang="zh-CN" b="0" dirty="0"/>
+                        <a:t>ca.crt</a:t>
+                      </a:r>
+                      <a:r>
+                        <a:rPr lang="zh-CN" altLang="en-US" b="0" dirty="0"/>
+                        <a:t>和</a:t>
+                      </a:r>
+                      <a:r>
+                        <a:rPr lang="en-US" altLang="zh-CN" b="0" dirty="0"/>
+                        <a:t>agency.crt</a:t>
+                      </a:r>
+                      <a:r>
+                        <a:rPr lang="zh-CN" altLang="en-US" b="0" dirty="0"/>
+                        <a:t>复制到</a:t>
+                      </a:r>
+                      <a:r>
+                        <a:rPr lang="en-US" altLang="zh-CN" b="0" dirty="0" err="1"/>
+                        <a:t>pwd</a:t>
+                      </a:r>
+                      <a:r>
+                        <a:rPr lang="en-US" altLang="zh-CN" b="0" dirty="0"/>
+                        <a:t>/nodes/</a:t>
+                      </a:r>
+                      <a:r>
+                        <a:rPr lang="en-US" altLang="zh-CN" b="0" dirty="0" err="1"/>
+                        <a:t>ip_addr</a:t>
+                      </a:r>
+                      <a:r>
+                        <a:rPr lang="en-US" altLang="zh-CN" b="0" dirty="0"/>
+                        <a:t>/node*/conf/</a:t>
+                      </a:r>
+                      <a:r>
+                        <a:rPr lang="zh-CN" altLang="en-US" b="0" dirty="0"/>
+                        <a:t>里 </a:t>
+                      </a:r>
+                      <a:endParaRPr lang="en-US" altLang="zh-CN" b="0" dirty="0"/>
                     </a:p>
                   </a:txBody>
                   <a:tcPr/>
                 </a:tc>
                 <a:extLst>
                   <a:ext uri="{0D108BD9-81ED-4DB2-BD59-A6C34878D82A}">
-                    <a16:rowId xmlns:a16="http://schemas.microsoft.com/office/drawing/2014/main" val="1816054892"/>
+                    <a16:rowId xmlns:a16="http://schemas.microsoft.com/office/drawing/2014/main" val="3204236790"/>
                   </a:ext>
                 </a:extLst>
               </a:tr>
@@ -4294,18 +5130,6 @@
                         <a:defRPr/>
                       </a:pPr>
                       <a:r>
-                        <a:rPr lang="en-US" altLang="zh-CN" sz="1800" b="0" i="0" kern="1200" dirty="0" err="1">
-                          <a:solidFill>
-                            <a:schemeClr val="dk1"/>
-                          </a:solidFill>
-                          <a:effectLst/>
-                          <a:latin typeface="+mn-lt"/>
-                          <a:ea typeface="+mn-ea"/>
-                          <a:cs typeface="+mn-cs"/>
-                        </a:rPr>
-                        <a:t>generate_server_scripts</a:t>
-                      </a:r>
-                      <a:r>
                         <a:rPr lang="en-US" altLang="zh-CN" sz="1800" b="0" i="0" kern="1200" dirty="0">
                           <a:solidFill>
                             <a:schemeClr val="dk1"/>
@@ -4315,7 +5139,7 @@
                           <a:ea typeface="+mn-ea"/>
                           <a:cs typeface="+mn-cs"/>
                         </a:rPr>
-                        <a:t>()</a:t>
+                        <a:t>6</a:t>
                       </a:r>
                     </a:p>
                   </a:txBody>
@@ -4326,18 +5150,173 @@
                     <a:bodyPr/>
                     <a:lstStyle/>
                     <a:p>
-                      <a:r>
-                        <a:rPr lang="en-US" altLang="zh-CN" dirty="0"/>
-                        <a:t>…</a:t>
-                      </a:r>
-                      <a:endParaRPr lang="zh-CN" altLang="en-US" dirty="0"/>
+                      <a:pPr marL="0" marR="0" lvl="0" indent="0" algn="l" defTabSz="914400" rtl="0" eaLnBrk="1" fontAlgn="auto" latinLnBrk="0" hangingPunct="1">
+                        <a:lnSpc>
+                          <a:spcPct val="100000"/>
+                        </a:lnSpc>
+                        <a:spcBef>
+                          <a:spcPts val="0"/>
+                        </a:spcBef>
+                        <a:spcAft>
+                          <a:spcPts val="0"/>
+                        </a:spcAft>
+                        <a:buClrTx/>
+                        <a:buSzTx/>
+                        <a:buFontTx/>
+                        <a:buNone/>
+                        <a:tabLst/>
+                        <a:defRPr/>
+                      </a:pPr>
+                      <a:r>
+                        <a:rPr lang="en-US" altLang="zh-CN" sz="1800" b="0" i="0" kern="1200" dirty="0" err="1">
+                          <a:solidFill>
+                            <a:schemeClr val="dk1"/>
+                          </a:solidFill>
+                          <a:effectLst/>
+                          <a:latin typeface="+mn-lt"/>
+                          <a:ea typeface="+mn-ea"/>
+                          <a:cs typeface="+mn-cs"/>
+                        </a:rPr>
+                        <a:t>gen_node_cert_gm</a:t>
+                      </a:r>
+                      <a:r>
+                        <a:rPr lang="en-US" altLang="zh-CN" sz="1800" b="0" i="0" kern="1200" dirty="0">
+                          <a:solidFill>
+                            <a:schemeClr val="dk1"/>
+                          </a:solidFill>
+                          <a:effectLst/>
+                          <a:latin typeface="+mn-lt"/>
+                          <a:ea typeface="+mn-ea"/>
+                          <a:cs typeface="+mn-cs"/>
+                        </a:rPr>
+                        <a:t>()</a:t>
+                      </a:r>
+                    </a:p>
+                  </a:txBody>
+                  <a:tcPr/>
+                </a:tc>
+                <a:tc>
+                  <a:txBody>
+                    <a:bodyPr/>
+                    <a:lstStyle/>
+                    <a:p>
+                      <a:r>
+                        <a:rPr lang="zh-CN" altLang="en-US" b="0" dirty="0"/>
+                        <a:t>生成国密版的节点私钥和证书</a:t>
+                      </a:r>
+                      <a:endParaRPr lang="en-US" altLang="zh-CN" b="0" dirty="0"/>
                     </a:p>
                   </a:txBody>
                   <a:tcPr/>
                 </a:tc>
                 <a:extLst>
                   <a:ext uri="{0D108BD9-81ED-4DB2-BD59-A6C34878D82A}">
-                    <a16:rowId xmlns:a16="http://schemas.microsoft.com/office/drawing/2014/main" val="419095519"/>
+                    <a16:rowId xmlns:a16="http://schemas.microsoft.com/office/drawing/2014/main" val="4082999756"/>
+                  </a:ext>
+                </a:extLst>
+              </a:tr>
+              <a:tr h="370840">
+                <a:tc>
+                  <a:txBody>
+                    <a:bodyPr/>
+                    <a:lstStyle/>
+                    <a:p>
+                      <a:pPr marL="0" marR="0" lvl="0" indent="0" algn="l" defTabSz="914400" rtl="0" eaLnBrk="1" fontAlgn="auto" latinLnBrk="0" hangingPunct="1">
+                        <a:lnSpc>
+                          <a:spcPct val="100000"/>
+                        </a:lnSpc>
+                        <a:spcBef>
+                          <a:spcPts val="0"/>
+                        </a:spcBef>
+                        <a:spcAft>
+                          <a:spcPts val="0"/>
+                        </a:spcAft>
+                        <a:buClrTx/>
+                        <a:buSzTx/>
+                        <a:buFontTx/>
+                        <a:buNone/>
+                        <a:tabLst/>
+                        <a:defRPr/>
+                      </a:pPr>
+                      <a:r>
+                        <a:rPr lang="en-US" altLang="zh-CN" sz="1800" b="0" i="0" kern="1200" dirty="0">
+                          <a:solidFill>
+                            <a:schemeClr val="dk1"/>
+                          </a:solidFill>
+                          <a:effectLst/>
+                          <a:latin typeface="+mn-lt"/>
+                          <a:ea typeface="+mn-ea"/>
+                          <a:cs typeface="+mn-cs"/>
+                        </a:rPr>
+                        <a:t>7</a:t>
+                      </a:r>
+                    </a:p>
+                  </a:txBody>
+                  <a:tcPr/>
+                </a:tc>
+                <a:tc>
+                  <a:txBody>
+                    <a:bodyPr/>
+                    <a:lstStyle/>
+                    <a:p>
+                      <a:pPr marL="0" marR="0" lvl="0" indent="0" algn="l" defTabSz="914400" rtl="0" eaLnBrk="1" fontAlgn="auto" latinLnBrk="0" hangingPunct="1">
+                        <a:lnSpc>
+                          <a:spcPct val="100000"/>
+                        </a:lnSpc>
+                        <a:spcBef>
+                          <a:spcPts val="0"/>
+                        </a:spcBef>
+                        <a:spcAft>
+                          <a:spcPts val="0"/>
+                        </a:spcAft>
+                        <a:buClrTx/>
+                        <a:buSzTx/>
+                        <a:buFontTx/>
+                        <a:buNone/>
+                        <a:tabLst/>
+                        <a:defRPr/>
+                      </a:pPr>
+                      <a:r>
+                        <a:rPr lang="en-US" altLang="zh-CN" sz="1800" b="0" i="0" kern="1200" dirty="0">
+                          <a:solidFill>
+                            <a:schemeClr val="dk1"/>
+                          </a:solidFill>
+                          <a:effectLst/>
+                          <a:latin typeface="+mn-lt"/>
+                          <a:ea typeface="+mn-ea"/>
+                          <a:cs typeface="+mn-cs"/>
+                        </a:rPr>
+                        <a:t>gen_cert_secp256k1()</a:t>
+                      </a:r>
+                    </a:p>
+                  </a:txBody>
+                  <a:tcPr/>
+                </a:tc>
+                <a:tc>
+                  <a:txBody>
+                    <a:bodyPr/>
+                    <a:lstStyle/>
+                    <a:p>
+                      <a:r>
+                        <a:rPr lang="zh-CN" altLang="en-US" b="0" dirty="0"/>
+                        <a:t>在</a:t>
+                      </a:r>
+                      <a:r>
+                        <a:rPr lang="en-US" altLang="zh-CN" b="0" dirty="0" err="1"/>
+                        <a:t>gen_node_cert</a:t>
+                      </a:r>
+                      <a:r>
+                        <a:rPr lang="zh-CN" altLang="en-US" b="0" dirty="0"/>
+                        <a:t>函数中被调用，用椭圆曲线加密算法生成节点的私钥和证书</a:t>
+                      </a:r>
+                      <a:endParaRPr lang="en-US" altLang="zh-CN" b="0" dirty="0"/>
+                    </a:p>
+                  </a:txBody>
+                  <a:tcPr/>
+                </a:tc>
+                <a:extLst>
+                  <a:ext uri="{0D108BD9-81ED-4DB2-BD59-A6C34878D82A}">
+                    <a16:rowId xmlns:a16="http://schemas.microsoft.com/office/drawing/2014/main" val="1972875420"/>
                   </a:ext>
                 </a:extLst>
               </a:tr>
@@ -4345,189 +5324,10 @@
           </a:graphicData>
         </a:graphic>
       </p:graphicFrame>
-      <p:sp>
-        <p:nvSpPr>
-          <p:cNvPr id="4" name="文本框 20">
-            <a:extLst>
-              <a:ext uri="{FF2B5EF4-FFF2-40B4-BE49-F238E27FC236}">
-                <a16:creationId xmlns:a16="http://schemas.microsoft.com/office/drawing/2014/main" id="{22D07778-8D3C-4AC4-A8E5-EA9AE7994F06}"/>
-              </a:ext>
-            </a:extLst>
-          </p:cNvPr>
-          <p:cNvSpPr txBox="1">
-            <a:spLocks noChangeArrowheads="1"/>
-          </p:cNvSpPr>
-          <p:nvPr/>
-        </p:nvSpPr>
-        <p:spPr bwMode="auto">
-          <a:xfrm>
-            <a:off x="568854" y="273314"/>
-            <a:ext cx="5527146" cy="461665"/>
-          </a:xfrm>
-          <a:prstGeom prst="rect">
-            <a:avLst/>
-          </a:prstGeom>
-          <a:noFill/>
-          <a:ln>
-            <a:noFill/>
-          </a:ln>
-          <a:extLst>
-            <a:ext uri="{909E8E84-426E-40DD-AFC4-6F175D3DCCD1}">
-              <a14:hiddenFill xmlns:a14="http://schemas.microsoft.com/office/drawing/2010/main">
-                <a:solidFill>
-                  <a:srgbClr val="FFFFFF"/>
-                </a:solidFill>
-              </a14:hiddenFill>
-            </a:ext>
-            <a:ext uri="{91240B29-F687-4F45-9708-019B960494DF}">
-              <a14:hiddenLine xmlns:a14="http://schemas.microsoft.com/office/drawing/2010/main" w="9525">
-                <a:solidFill>
-                  <a:srgbClr val="000000"/>
-                </a:solidFill>
-                <a:miter lim="800000"/>
-                <a:headEnd/>
-                <a:tailEnd/>
-              </a14:hiddenLine>
-            </a:ext>
-          </a:extLst>
-        </p:spPr>
-        <p:txBody>
-          <a:bodyPr wrap="square">
-            <a:spAutoFit/>
-          </a:bodyPr>
-          <a:lstStyle>
-            <a:lvl1pPr>
-              <a:buFont typeface="Arial" panose="020B0604020202020204" pitchFamily="34" charset="0"/>
-              <a:defRPr>
-                <a:solidFill>
-                  <a:schemeClr val="tx1"/>
-                </a:solidFill>
-                <a:latin typeface="Arial" panose="020B0604020202020204" pitchFamily="34" charset="0"/>
-                <a:ea typeface="微软雅黑" panose="020B0503020204020204" pitchFamily="34" charset="-122"/>
-              </a:defRPr>
-            </a:lvl1pPr>
-            <a:lvl2pPr marL="742950" indent="-285750">
-              <a:buFont typeface="Arial" panose="020B0604020202020204" pitchFamily="34" charset="0"/>
-              <a:defRPr>
-                <a:solidFill>
-                  <a:schemeClr val="tx1"/>
-                </a:solidFill>
-                <a:latin typeface="Arial" panose="020B0604020202020204" pitchFamily="34" charset="0"/>
-                <a:ea typeface="微软雅黑" panose="020B0503020204020204" pitchFamily="34" charset="-122"/>
-              </a:defRPr>
-            </a:lvl2pPr>
-            <a:lvl3pPr marL="1143000" indent="-228600">
-              <a:buFont typeface="Arial" panose="020B0604020202020204" pitchFamily="34" charset="0"/>
-              <a:defRPr>
-                <a:solidFill>
-                  <a:schemeClr val="tx1"/>
-                </a:solidFill>
-                <a:latin typeface="Arial" panose="020B0604020202020204" pitchFamily="34" charset="0"/>
-                <a:ea typeface="微软雅黑" panose="020B0503020204020204" pitchFamily="34" charset="-122"/>
-              </a:defRPr>
-            </a:lvl3pPr>
-            <a:lvl4pPr marL="1600200" indent="-228600">
-              <a:buFont typeface="Arial" panose="020B0604020202020204" pitchFamily="34" charset="0"/>
-              <a:defRPr>
-                <a:solidFill>
-                  <a:schemeClr val="tx1"/>
-                </a:solidFill>
-                <a:latin typeface="Arial" panose="020B0604020202020204" pitchFamily="34" charset="0"/>
-                <a:ea typeface="微软雅黑" panose="020B0503020204020204" pitchFamily="34" charset="-122"/>
-              </a:defRPr>
-            </a:lvl4pPr>
-            <a:lvl5pPr marL="2057400" indent="-228600">
-              <a:buFont typeface="Arial" panose="020B0604020202020204" pitchFamily="34" charset="0"/>
-              <a:defRPr>
-                <a:solidFill>
-                  <a:schemeClr val="tx1"/>
-                </a:solidFill>
-                <a:latin typeface="Arial" panose="020B0604020202020204" pitchFamily="34" charset="0"/>
-                <a:ea typeface="微软雅黑" panose="020B0503020204020204" pitchFamily="34" charset="-122"/>
-              </a:defRPr>
-            </a:lvl5pPr>
-            <a:lvl6pPr marL="2514600" indent="-228600" eaLnBrk="0" fontAlgn="base" hangingPunct="0">
-              <a:spcBef>
-                <a:spcPct val="0"/>
-              </a:spcBef>
-              <a:spcAft>
-                <a:spcPct val="0"/>
-              </a:spcAft>
-              <a:buFont typeface="Arial" panose="020B0604020202020204" pitchFamily="34" charset="0"/>
-              <a:defRPr>
-                <a:solidFill>
-                  <a:schemeClr val="tx1"/>
-                </a:solidFill>
-                <a:latin typeface="Arial" panose="020B0604020202020204" pitchFamily="34" charset="0"/>
-                <a:ea typeface="微软雅黑" panose="020B0503020204020204" pitchFamily="34" charset="-122"/>
-              </a:defRPr>
-            </a:lvl6pPr>
-            <a:lvl7pPr marL="2971800" indent="-228600" eaLnBrk="0" fontAlgn="base" hangingPunct="0">
-              <a:spcBef>
-                <a:spcPct val="0"/>
-              </a:spcBef>
-              <a:spcAft>
-                <a:spcPct val="0"/>
-              </a:spcAft>
-              <a:buFont typeface="Arial" panose="020B0604020202020204" pitchFamily="34" charset="0"/>
-              <a:defRPr>
-                <a:solidFill>
-                  <a:schemeClr val="tx1"/>
-                </a:solidFill>
-                <a:latin typeface="Arial" panose="020B0604020202020204" pitchFamily="34" charset="0"/>
-                <a:ea typeface="微软雅黑" panose="020B0503020204020204" pitchFamily="34" charset="-122"/>
-              </a:defRPr>
-            </a:lvl7pPr>
-            <a:lvl8pPr marL="3429000" indent="-228600" eaLnBrk="0" fontAlgn="base" hangingPunct="0">
-              <a:spcBef>
-                <a:spcPct val="0"/>
-              </a:spcBef>
-              <a:spcAft>
-                <a:spcPct val="0"/>
-              </a:spcAft>
-              <a:buFont typeface="Arial" panose="020B0604020202020204" pitchFamily="34" charset="0"/>
-              <a:defRPr>
-                <a:solidFill>
-                  <a:schemeClr val="tx1"/>
-                </a:solidFill>
-                <a:latin typeface="Arial" panose="020B0604020202020204" pitchFamily="34" charset="0"/>
-                <a:ea typeface="微软雅黑" panose="020B0503020204020204" pitchFamily="34" charset="-122"/>
-              </a:defRPr>
-            </a:lvl8pPr>
-            <a:lvl9pPr marL="3886200" indent="-228600" eaLnBrk="0" fontAlgn="base" hangingPunct="0">
-              <a:spcBef>
-                <a:spcPct val="0"/>
-              </a:spcBef>
-              <a:spcAft>
-                <a:spcPct val="0"/>
-              </a:spcAft>
-              <a:buFont typeface="Arial" panose="020B0604020202020204" pitchFamily="34" charset="0"/>
-              <a:defRPr>
-                <a:solidFill>
-                  <a:schemeClr val="tx1"/>
-                </a:solidFill>
-                <a:latin typeface="Arial" panose="020B0604020202020204" pitchFamily="34" charset="0"/>
-                <a:ea typeface="微软雅黑" panose="020B0503020204020204" pitchFamily="34" charset="-122"/>
-              </a:defRPr>
-            </a:lvl9pPr>
-          </a:lstStyle>
-          <a:p>
-            <a:r>
-              <a:rPr lang="zh-CN" altLang="en-US" sz="2400" b="1" dirty="0">
-                <a:solidFill>
-                  <a:srgbClr val="007F58"/>
-                </a:solidFill>
-                <a:latin typeface="微软雅黑" panose="020B0503020204020204" pitchFamily="34" charset="-122"/>
-              </a:rPr>
-              <a:t>用来生成证书、密钥、配置文件的函数</a:t>
-            </a:r>
-          </a:p>
-        </p:txBody>
-      </p:sp>
     </p:spTree>
     <p:extLst>
       <p:ext uri="{BB962C8B-B14F-4D97-AF65-F5344CB8AC3E}">
-        <p14:creationId xmlns:p14="http://schemas.microsoft.com/office/powerpoint/2010/main" val="610644441"/>
+        <p14:creationId xmlns:p14="http://schemas.microsoft.com/office/powerpoint/2010/main" val="2171223688"/>
       </p:ext>
     </p:extLst>
   </p:cSld>
@@ -4570,8 +5370,8 @@
         </p:nvSpPr>
         <p:spPr bwMode="auto">
           <a:xfrm>
-            <a:off x="568854" y="273314"/>
-            <a:ext cx="4485746" cy="461665"/>
+            <a:off x="568853" y="273314"/>
+            <a:ext cx="6970935" cy="461665"/>
           </a:xfrm>
           <a:prstGeom prst="rect">
             <a:avLst/>
@@ -4728,7 +5528,25 @@
                 </a:solidFill>
                 <a:latin typeface="微软雅黑" panose="020B0503020204020204" pitchFamily="34" charset="-122"/>
               </a:rPr>
-              <a:t>解析函数</a:t>
+              <a:t>用来生成证书、私钥、配置等文件的函数，共</a:t>
+            </a:r>
+            <a:r>
+              <a:rPr lang="en-US" altLang="zh-CN" sz="2400" b="1" dirty="0">
+                <a:solidFill>
+                  <a:srgbClr val="007F58"/>
+                </a:solidFill>
+                <a:latin typeface="微软雅黑" panose="020B0503020204020204" pitchFamily="34" charset="-122"/>
+              </a:rPr>
+              <a:t>18</a:t>
+            </a:r>
+            <a:r>
+              <a:rPr lang="zh-CN" altLang="en-US" sz="2400" b="1" dirty="0">
+                <a:solidFill>
+                  <a:srgbClr val="007F58"/>
+                </a:solidFill>
+                <a:latin typeface="微软雅黑" panose="020B0503020204020204" pitchFamily="34" charset="-122"/>
+              </a:rPr>
+              <a:t>个</a:t>
             </a:r>
           </a:p>
         </p:txBody>
@@ -4748,14 +5566,14 @@
           <p:nvPr>
             <p:extLst>
               <p:ext uri="{D42A27DB-BD31-4B8C-83A1-F6EECF244321}">
-                <p14:modId xmlns:p14="http://schemas.microsoft.com/office/powerpoint/2010/main" val="3855642005"/>
+                <p14:modId xmlns:p14="http://schemas.microsoft.com/office/powerpoint/2010/main" val="2600083447"/>
               </p:ext>
             </p:extLst>
           </p:nvPr>
         </p:nvGraphicFramePr>
         <p:xfrm>
-          <a:off x="2032000" y="2082799"/>
-          <a:ext cx="8128000" cy="3022600"/>
+          <a:off x="460888" y="863600"/>
+          <a:ext cx="11270223" cy="5130800"/>
         </p:xfrm>
         <a:graphic>
           <a:graphicData uri="http://schemas.openxmlformats.org/drawingml/2006/table">
@@ -4764,14 +5582,21 @@
                 <a:tableStyleId>{5C22544A-7EE6-4342-B048-85BDC9FD1C3A}</a:tableStyleId>
               </a:tblPr>
               <a:tblGrid>
-                <a:gridCol w="4064000">
+                <a:gridCol w="907020">
+                  <a:extLst>
+                    <a:ext uri="{9D8B030D-6E8A-4147-A177-3AD203B41FA5}">
+                      <a16:colId xmlns:a16="http://schemas.microsoft.com/office/drawing/2014/main" val="1165937765"/>
+                    </a:ext>
+                  </a:extLst>
+                </a:gridCol>
+                <a:gridCol w="3930233">
                   <a:extLst>
                     <a:ext uri="{9D8B030D-6E8A-4147-A177-3AD203B41FA5}">
                       <a16:colId xmlns:a16="http://schemas.microsoft.com/office/drawing/2014/main" val="275840825"/>
                     </a:ext>
                   </a:extLst>
                 </a:gridCol>
-                <a:gridCol w="4064000">
+                <a:gridCol w="6432970">
                   <a:extLst>
                     <a:ext uri="{9D8B030D-6E8A-4147-A177-3AD203B41FA5}">
                       <a16:colId xmlns:a16="http://schemas.microsoft.com/office/drawing/2014/main" val="2921224805"/>
@@ -4786,8 +5611,8 @@
                     <a:lstStyle/>
                     <a:p>
                       <a:r>
-                        <a:rPr lang="zh-CN" altLang="en-US" dirty="0"/>
-                        <a:t>函数名</a:t>
+                        <a:rPr lang="zh-CN" altLang="en-US" b="0" dirty="0"/>
+                        <a:t>编号</a:t>
                       </a:r>
                     </a:p>
                   </a:txBody>
@@ -4799,7 +5624,20 @@
                     <a:lstStyle/>
                     <a:p>
                       <a:r>
-                        <a:rPr lang="zh-CN" altLang="en-US" dirty="0"/>
+                        <a:rPr lang="zh-CN" altLang="en-US" b="0" dirty="0"/>
+                        <a:t>函数名</a:t>
+                      </a:r>
+                    </a:p>
+                  </a:txBody>
+                  <a:tcPr/>
+                </a:tc>
+                <a:tc>
+                  <a:txBody>
+                    <a:bodyPr/>
+                    <a:lstStyle/>
+                    <a:p>
+                      <a:r>
+                        <a:rPr lang="zh-CN" altLang="en-US" b="0" dirty="0"/>
                         <a:t>功能描述</a:t>
                       </a:r>
                     </a:p>
@@ -4809,6 +5647,350 @@
                 <a:extLst>
                   <a:ext uri="{0D108BD9-81ED-4DB2-BD59-A6C34878D82A}">
                     <a16:rowId xmlns:a16="http://schemas.microsoft.com/office/drawing/2014/main" val="2319463917"/>
+                  </a:ext>
+                </a:extLst>
+              </a:tr>
+              <a:tr h="370840">
+                <a:tc>
+                  <a:txBody>
+                    <a:bodyPr/>
+                    <a:lstStyle/>
+                    <a:p>
+                      <a:r>
+                        <a:rPr lang="en-US" altLang="zh-CN" sz="1800" b="0" i="0" kern="1200" dirty="0">
+                          <a:solidFill>
+                            <a:schemeClr val="dk1"/>
+                          </a:solidFill>
+                          <a:effectLst/>
+                          <a:latin typeface="+mn-lt"/>
+                          <a:ea typeface="+mn-ea"/>
+                          <a:cs typeface="+mn-cs"/>
+                        </a:rPr>
+                        <a:t>8</a:t>
+                      </a:r>
+                    </a:p>
+                  </a:txBody>
+                  <a:tcPr/>
+                </a:tc>
+                <a:tc>
+                  <a:txBody>
+                    <a:bodyPr/>
+                    <a:lstStyle/>
+                    <a:p>
+                      <a:r>
+                        <a:rPr lang="en-US" altLang="zh-CN" sz="1800" b="0" i="0" kern="1200" dirty="0" err="1">
+                          <a:solidFill>
+                            <a:schemeClr val="dk1"/>
+                          </a:solidFill>
+                          <a:effectLst/>
+                          <a:latin typeface="+mn-lt"/>
+                          <a:ea typeface="+mn-ea"/>
+                          <a:cs typeface="+mn-cs"/>
+                        </a:rPr>
+                        <a:t>gen_node_cert_with_extensions_gm</a:t>
+                      </a:r>
+                      <a:r>
+                        <a:rPr lang="en-US" altLang="zh-CN" sz="1800" b="0" i="0" kern="1200" dirty="0">
+                          <a:solidFill>
+                            <a:schemeClr val="dk1"/>
+                          </a:solidFill>
+                          <a:effectLst/>
+                          <a:latin typeface="+mn-lt"/>
+                          <a:ea typeface="+mn-ea"/>
+                          <a:cs typeface="+mn-cs"/>
+                        </a:rPr>
+                        <a:t>()</a:t>
+                      </a:r>
+                    </a:p>
+                  </a:txBody>
+                  <a:tcPr/>
+                </a:tc>
+                <a:tc>
+                  <a:txBody>
+                    <a:bodyPr/>
+                    <a:lstStyle/>
+                    <a:p>
+                      <a:r>
+                        <a:rPr lang="zh-CN" altLang="en-US" sz="1800" b="0" i="0" kern="1200" dirty="0">
+                          <a:solidFill>
+                            <a:schemeClr val="dk1"/>
+                          </a:solidFill>
+                          <a:effectLst/>
+                          <a:latin typeface="+mn-lt"/>
+                          <a:ea typeface="+mn-ea"/>
+                          <a:cs typeface="+mn-cs"/>
+                        </a:rPr>
+                        <a:t>在</a:t>
+                      </a:r>
+                      <a:r>
+                        <a:rPr lang="en-US" altLang="zh-CN" sz="1800" b="0" i="0" kern="1200" dirty="0" err="1">
+                          <a:solidFill>
+                            <a:schemeClr val="dk1"/>
+                          </a:solidFill>
+                          <a:effectLst/>
+                          <a:latin typeface="+mn-lt"/>
+                          <a:ea typeface="+mn-ea"/>
+                          <a:cs typeface="+mn-cs"/>
+                        </a:rPr>
+                        <a:t>gen_node_cert_gm</a:t>
+                      </a:r>
+                      <a:r>
+                        <a:rPr lang="zh-CN" altLang="en-US" sz="1800" b="0" i="0" kern="1200" dirty="0">
+                          <a:solidFill>
+                            <a:schemeClr val="dk1"/>
+                          </a:solidFill>
+                          <a:effectLst/>
+                          <a:latin typeface="+mn-lt"/>
+                          <a:ea typeface="+mn-ea"/>
+                          <a:cs typeface="+mn-cs"/>
+                        </a:rPr>
+                        <a:t>函数中被调用，用来生成国密版节点私钥和证书</a:t>
+                      </a:r>
+                      <a:endParaRPr lang="zh-CN" altLang="en-US" b="0" dirty="0"/>
+                    </a:p>
+                  </a:txBody>
+                  <a:tcPr/>
+                </a:tc>
+                <a:extLst>
+                  <a:ext uri="{0D108BD9-81ED-4DB2-BD59-A6C34878D82A}">
+                    <a16:rowId xmlns:a16="http://schemas.microsoft.com/office/drawing/2014/main" val="1414814724"/>
+                  </a:ext>
+                </a:extLst>
+              </a:tr>
+              <a:tr h="370840">
+                <a:tc>
+                  <a:txBody>
+                    <a:bodyPr/>
+                    <a:lstStyle/>
+                    <a:p>
+                      <a:r>
+                        <a:rPr lang="en-US" altLang="zh-CN" sz="1800" b="0" i="0" kern="1200" dirty="0">
+                          <a:solidFill>
+                            <a:schemeClr val="dk1"/>
+                          </a:solidFill>
+                          <a:effectLst/>
+                          <a:latin typeface="+mn-lt"/>
+                          <a:ea typeface="+mn-ea"/>
+                          <a:cs typeface="+mn-cs"/>
+                        </a:rPr>
+                        <a:t>9</a:t>
+                      </a:r>
+                    </a:p>
+                  </a:txBody>
+                  <a:tcPr/>
+                </a:tc>
+                <a:tc>
+                  <a:txBody>
+                    <a:bodyPr/>
+                    <a:lstStyle/>
+                    <a:p>
+                      <a:r>
+                        <a:rPr lang="en-US" altLang="zh-CN" sz="1800" b="0" i="0" kern="1200" dirty="0">
+                          <a:solidFill>
+                            <a:schemeClr val="dk1"/>
+                          </a:solidFill>
+                          <a:effectLst/>
+                          <a:latin typeface="+mn-lt"/>
+                          <a:ea typeface="+mn-ea"/>
+                          <a:cs typeface="+mn-cs"/>
+                        </a:rPr>
+                        <a:t>generate_gmsm2_param()</a:t>
+                      </a:r>
+                    </a:p>
+                  </a:txBody>
+                  <a:tcPr/>
+                </a:tc>
+                <a:tc>
+                  <a:txBody>
+                    <a:bodyPr/>
+                    <a:lstStyle/>
+                    <a:p>
+                      <a:r>
+                        <a:rPr lang="zh-CN" altLang="en-US" sz="1800" b="0" i="0" kern="1200" dirty="0">
+                          <a:solidFill>
+                            <a:schemeClr val="dk1"/>
+                          </a:solidFill>
+                          <a:effectLst/>
+                          <a:latin typeface="+mn-lt"/>
+                          <a:ea typeface="+mn-ea"/>
+                          <a:cs typeface="+mn-cs"/>
+                        </a:rPr>
+                        <a:t>在</a:t>
+                      </a:r>
+                      <a:r>
+                        <a:rPr lang="en-US" altLang="zh-CN" sz="1800" b="0" i="0" kern="1200" dirty="0" err="1">
+                          <a:solidFill>
+                            <a:schemeClr val="dk1"/>
+                          </a:solidFill>
+                          <a:effectLst/>
+                          <a:latin typeface="+mn-lt"/>
+                          <a:ea typeface="+mn-ea"/>
+                          <a:cs typeface="+mn-cs"/>
+                        </a:rPr>
+                        <a:t>gen_chain_cert_gm</a:t>
+                      </a:r>
+                      <a:r>
+                        <a:rPr lang="zh-CN" altLang="en-US" sz="1800" b="0" i="0" kern="1200" dirty="0">
+                          <a:solidFill>
+                            <a:schemeClr val="dk1"/>
+                          </a:solidFill>
+                          <a:effectLst/>
+                          <a:latin typeface="+mn-lt"/>
+                          <a:ea typeface="+mn-ea"/>
+                          <a:cs typeface="+mn-cs"/>
+                        </a:rPr>
+                        <a:t>函数中被调用，用来辅助生成国密版区块链私钥和证书</a:t>
+                      </a:r>
+                      <a:endParaRPr lang="zh-CN" altLang="en-US" b="0" dirty="0"/>
+                    </a:p>
+                  </a:txBody>
+                  <a:tcPr/>
+                </a:tc>
+                <a:extLst>
+                  <a:ext uri="{0D108BD9-81ED-4DB2-BD59-A6C34878D82A}">
+                    <a16:rowId xmlns:a16="http://schemas.microsoft.com/office/drawing/2014/main" val="1746408502"/>
+                  </a:ext>
+                </a:extLst>
+              </a:tr>
+              <a:tr h="370840">
+                <a:tc>
+                  <a:txBody>
+                    <a:bodyPr/>
+                    <a:lstStyle/>
+                    <a:p>
+                      <a:r>
+                        <a:rPr lang="en-US" altLang="zh-CN" sz="1800" b="0" i="0" kern="1200" dirty="0">
+                          <a:solidFill>
+                            <a:schemeClr val="dk1"/>
+                          </a:solidFill>
+                          <a:effectLst/>
+                          <a:latin typeface="+mn-lt"/>
+                          <a:ea typeface="+mn-ea"/>
+                          <a:cs typeface="+mn-cs"/>
+                        </a:rPr>
+                        <a:t>10</a:t>
+                      </a:r>
+                    </a:p>
+                  </a:txBody>
+                  <a:tcPr/>
+                </a:tc>
+                <a:tc>
+                  <a:txBody>
+                    <a:bodyPr/>
+                    <a:lstStyle/>
+                    <a:p>
+                      <a:r>
+                        <a:rPr lang="en-US" altLang="zh-CN" sz="1800" b="0" i="0" kern="1200" dirty="0" err="1">
+                          <a:solidFill>
+                            <a:schemeClr val="dk1"/>
+                          </a:solidFill>
+                          <a:effectLst/>
+                          <a:latin typeface="+mn-lt"/>
+                          <a:ea typeface="+mn-ea"/>
+                          <a:cs typeface="+mn-cs"/>
+                        </a:rPr>
+                        <a:t>generate_config_ini</a:t>
+                      </a:r>
+                      <a:r>
+                        <a:rPr lang="en-US" altLang="zh-CN" sz="1800" b="0" i="0" kern="1200" dirty="0">
+                          <a:solidFill>
+                            <a:schemeClr val="dk1"/>
+                          </a:solidFill>
+                          <a:effectLst/>
+                          <a:latin typeface="+mn-lt"/>
+                          <a:ea typeface="+mn-ea"/>
+                          <a:cs typeface="+mn-cs"/>
+                        </a:rPr>
+                        <a:t>()</a:t>
+                      </a:r>
+                    </a:p>
+                  </a:txBody>
+                  <a:tcPr/>
+                </a:tc>
+                <a:tc>
+                  <a:txBody>
+                    <a:bodyPr/>
+                    <a:lstStyle/>
+                    <a:p>
+                      <a:r>
+                        <a:rPr lang="zh-CN" altLang="en-US" sz="1800" b="0" i="0" kern="1200" dirty="0">
+                          <a:solidFill>
+                            <a:schemeClr val="dk1"/>
+                          </a:solidFill>
+                          <a:effectLst/>
+                          <a:latin typeface="+mn-lt"/>
+                          <a:ea typeface="+mn-ea"/>
+                          <a:cs typeface="+mn-cs"/>
+                        </a:rPr>
+                        <a:t>生成节点的配置文件：</a:t>
+                      </a:r>
+                      <a:endParaRPr lang="en-US" altLang="zh-CN" sz="1800" b="0" i="0" kern="1200" dirty="0">
+                        <a:solidFill>
+                          <a:schemeClr val="dk1"/>
+                        </a:solidFill>
+                        <a:effectLst/>
+                        <a:latin typeface="+mn-lt"/>
+                        <a:ea typeface="+mn-ea"/>
+                        <a:cs typeface="+mn-cs"/>
+                      </a:endParaRPr>
+                    </a:p>
+                    <a:p>
+                      <a:r>
+                        <a:rPr lang="en-US" altLang="zh-CN" sz="1800" b="0" i="0" kern="1200" dirty="0" err="1">
+                          <a:solidFill>
+                            <a:schemeClr val="dk1"/>
+                          </a:solidFill>
+                          <a:effectLst/>
+                          <a:latin typeface="+mn-lt"/>
+                          <a:ea typeface="+mn-ea"/>
+                          <a:cs typeface="+mn-cs"/>
+                        </a:rPr>
+                        <a:t>pwd</a:t>
+                      </a:r>
+                      <a:r>
+                        <a:rPr lang="en-US" altLang="zh-CN" sz="1800" b="0" i="0" kern="1200" dirty="0">
+                          <a:solidFill>
+                            <a:schemeClr val="dk1"/>
+                          </a:solidFill>
+                          <a:effectLst/>
+                          <a:latin typeface="+mn-lt"/>
+                          <a:ea typeface="+mn-ea"/>
+                          <a:cs typeface="+mn-cs"/>
+                        </a:rPr>
+                        <a:t>/nodes/</a:t>
+                      </a:r>
+                      <a:r>
+                        <a:rPr lang="en-US" altLang="zh-CN" sz="1800" b="0" i="0" kern="1200" dirty="0" err="1">
+                          <a:solidFill>
+                            <a:schemeClr val="dk1"/>
+                          </a:solidFill>
+                          <a:effectLst/>
+                          <a:latin typeface="+mn-lt"/>
+                          <a:ea typeface="+mn-ea"/>
+                          <a:cs typeface="+mn-cs"/>
+                        </a:rPr>
+                        <a:t>ip_addr</a:t>
+                      </a:r>
+                      <a:r>
+                        <a:rPr lang="en-US" altLang="zh-CN" sz="1800" b="0" i="0" kern="1200" dirty="0">
+                          <a:solidFill>
+                            <a:schemeClr val="dk1"/>
+                          </a:solidFill>
+                          <a:effectLst/>
+                          <a:latin typeface="+mn-lt"/>
+                          <a:ea typeface="+mn-ea"/>
+                          <a:cs typeface="+mn-cs"/>
+                        </a:rPr>
+                        <a:t>/node*/config.ini</a:t>
+                      </a:r>
+                      <a:endParaRPr lang="zh-CN" altLang="en-US" b="0" dirty="0"/>
+                    </a:p>
+                  </a:txBody>
+                  <a:tcPr/>
+                </a:tc>
+                <a:extLst>
+                  <a:ext uri="{0D108BD9-81ED-4DB2-BD59-A6C34878D82A}">
+                    <a16:rowId xmlns:a16="http://schemas.microsoft.com/office/drawing/2014/main" val="1347231957"/>
                   </a:ext>
                 </a:extLst>
               </a:tr>
@@ -4836,18 +6018,6 @@
                         <a:defRPr/>
                       </a:pPr>
                       <a:r>
-                        <a:rPr lang="en-US" altLang="zh-CN" sz="1800" b="0" i="0" kern="1200" dirty="0" err="1">
-                          <a:solidFill>
-                            <a:schemeClr val="dk1"/>
-                          </a:solidFill>
-                          <a:effectLst/>
-                          <a:latin typeface="+mn-lt"/>
-                          <a:ea typeface="+mn-ea"/>
-                          <a:cs typeface="+mn-cs"/>
-                        </a:rPr>
-                        <a:t>parse_params</a:t>
-                      </a:r>
-                      <a:r>
                         <a:rPr lang="en-US" altLang="zh-CN" sz="1800" b="0" i="0" kern="1200" dirty="0">
                           <a:solidFill>
                             <a:schemeClr val="dk1"/>
@@ -4857,9 +6027,8 @@
                           <a:ea typeface="+mn-ea"/>
                           <a:cs typeface="+mn-cs"/>
                         </a:rPr>
-                        <a:t>()</a:t>
-                      </a:r>
-                      <a:endParaRPr lang="zh-CN" altLang="en-US" dirty="0"/>
+                        <a:t>11</a:t>
+                      </a:r>
                     </a:p>
                   </a:txBody>
                   <a:tcPr/>
@@ -4869,17 +6038,34 @@
                     <a:bodyPr/>
                     <a:lstStyle/>
                     <a:p>
-                      <a:r>
-                        <a:rPr lang="zh-CN" altLang="en-US" sz="1800" b="0" i="0" kern="1200" dirty="0">
-                          <a:solidFill>
-                            <a:schemeClr val="dk1"/>
-                          </a:solidFill>
-                          <a:effectLst/>
-                          <a:latin typeface="+mn-lt"/>
-                          <a:ea typeface="+mn-ea"/>
-                          <a:cs typeface="+mn-cs"/>
-                        </a:rPr>
-                        <a:t>解析命令行参数，总共有</a:t>
+                      <a:pPr marL="0" marR="0" lvl="0" indent="0" algn="l" defTabSz="914400" rtl="0" eaLnBrk="1" fontAlgn="auto" latinLnBrk="0" hangingPunct="1">
+                        <a:lnSpc>
+                          <a:spcPct val="100000"/>
+                        </a:lnSpc>
+                        <a:spcBef>
+                          <a:spcPts val="0"/>
+                        </a:spcBef>
+                        <a:spcAft>
+                          <a:spcPts val="0"/>
+                        </a:spcAft>
+                        <a:buClrTx/>
+                        <a:buSzTx/>
+                        <a:buFontTx/>
+                        <a:buNone/>
+                        <a:tabLst/>
+                        <a:defRPr/>
+                      </a:pPr>
+                      <a:r>
+                        <a:rPr lang="en-US" altLang="zh-CN" sz="1800" b="0" i="0" kern="1200" dirty="0" err="1">
+                          <a:solidFill>
+                            <a:schemeClr val="dk1"/>
+                          </a:solidFill>
+                          <a:effectLst/>
+                          <a:latin typeface="+mn-lt"/>
+                          <a:ea typeface="+mn-ea"/>
+                          <a:cs typeface="+mn-cs"/>
+                        </a:rPr>
+                        <a:t>generate_group_genesis</a:t>
                       </a:r>
                       <a:r>
                         <a:rPr lang="en-US" altLang="zh-CN" sz="1800" b="0" i="0" kern="1200" dirty="0">
@@ -4891,280 +6077,55 @@
                           <a:ea typeface="+mn-ea"/>
                           <a:cs typeface="+mn-cs"/>
                         </a:rPr>
-                        <a:t>18</a:t>
-                      </a:r>
-                      <a:r>
-                        <a:rPr lang="zh-CN" altLang="en-US" sz="1800" b="0" i="0" kern="1200" dirty="0">
-                          <a:solidFill>
-                            <a:schemeClr val="dk1"/>
-                          </a:solidFill>
-                          <a:effectLst/>
-                          <a:latin typeface="+mn-lt"/>
-                          <a:ea typeface="+mn-ea"/>
-                          <a:cs typeface="+mn-cs"/>
-                        </a:rPr>
-                        <a:t>个选项，</a:t>
-                      </a:r>
-                      <a:r>
-                        <a:rPr lang="en-US" altLang="zh-CN" sz="1800" b="0" i="0" kern="1200" dirty="0">
-                          <a:solidFill>
-                            <a:schemeClr val="dk1"/>
-                          </a:solidFill>
-                          <a:effectLst/>
-                          <a:latin typeface="+mn-lt"/>
-                          <a:ea typeface="+mn-ea"/>
-                          <a:cs typeface="+mn-cs"/>
-                        </a:rPr>
-                        <a:t>help</a:t>
-                      </a:r>
-                      <a:r>
-                        <a:rPr lang="zh-CN" altLang="en-US" sz="1800" b="0" i="0" kern="1200" dirty="0">
-                          <a:solidFill>
-                            <a:schemeClr val="dk1"/>
-                          </a:solidFill>
-                          <a:effectLst/>
-                          <a:latin typeface="+mn-lt"/>
-                          <a:ea typeface="+mn-ea"/>
-                          <a:cs typeface="+mn-cs"/>
-                        </a:rPr>
-                        <a:t>函数中给出了这</a:t>
-                      </a:r>
-                      <a:r>
-                        <a:rPr lang="en-US" altLang="zh-CN" sz="1800" b="0" i="0" kern="1200" dirty="0">
-                          <a:solidFill>
-                            <a:schemeClr val="dk1"/>
-                          </a:solidFill>
-                          <a:effectLst/>
-                          <a:latin typeface="+mn-lt"/>
-                          <a:ea typeface="+mn-ea"/>
-                          <a:cs typeface="+mn-cs"/>
-                        </a:rPr>
-                        <a:t>18</a:t>
-                      </a:r>
-                      <a:r>
-                        <a:rPr lang="zh-CN" altLang="en-US" sz="1800" b="0" i="0" kern="1200" dirty="0">
-                          <a:solidFill>
-                            <a:schemeClr val="dk1"/>
-                          </a:solidFill>
-                          <a:effectLst/>
-                          <a:latin typeface="+mn-lt"/>
-                          <a:ea typeface="+mn-ea"/>
-                          <a:cs typeface="+mn-cs"/>
-                        </a:rPr>
-                        <a:t>个选项的作用，如</a:t>
-                      </a:r>
-                      <a:r>
-                        <a:rPr lang="en-US" altLang="zh-CN" sz="1800" b="0" i="0" kern="1200" dirty="0">
-                          <a:solidFill>
-                            <a:schemeClr val="dk1"/>
-                          </a:solidFill>
-                          <a:effectLst/>
-                          <a:latin typeface="+mn-lt"/>
-                          <a:ea typeface="+mn-ea"/>
-                          <a:cs typeface="+mn-cs"/>
-                        </a:rPr>
-                        <a:t>-C</a:t>
-                      </a:r>
-                      <a:r>
-                        <a:rPr lang="zh-CN" altLang="en-US" sz="1800" b="0" i="0" kern="1200" dirty="0">
-                          <a:solidFill>
-                            <a:schemeClr val="dk1"/>
-                          </a:solidFill>
-                          <a:effectLst/>
-                          <a:latin typeface="+mn-lt"/>
-                          <a:ea typeface="+mn-ea"/>
-                          <a:cs typeface="+mn-cs"/>
-                        </a:rPr>
-                        <a:t>用来设置生成的区块链的</a:t>
-                      </a:r>
-                      <a:r>
-                        <a:rPr lang="en-US" altLang="zh-CN" sz="1800" b="0" i="0" kern="1200" dirty="0">
-                          <a:solidFill>
-                            <a:schemeClr val="dk1"/>
-                          </a:solidFill>
-                          <a:effectLst/>
-                          <a:latin typeface="+mn-lt"/>
-                          <a:ea typeface="+mn-ea"/>
-                          <a:cs typeface="+mn-cs"/>
-                        </a:rPr>
-                        <a:t>id</a:t>
-                      </a:r>
-                      <a:r>
-                        <a:rPr lang="zh-CN" altLang="en-US" sz="1800" b="0" i="0" kern="1200" dirty="0">
-                          <a:solidFill>
-                            <a:schemeClr val="dk1"/>
-                          </a:solidFill>
-                          <a:effectLst/>
-                          <a:latin typeface="+mn-lt"/>
-                          <a:ea typeface="+mn-ea"/>
-                          <a:cs typeface="+mn-cs"/>
-                        </a:rPr>
-                        <a:t>，</a:t>
-                      </a:r>
-                      <a:r>
-                        <a:rPr lang="en-US" altLang="zh-CN" sz="1800" b="0" i="0" kern="1200" dirty="0">
-                          <a:solidFill>
-                            <a:schemeClr val="dk1"/>
-                          </a:solidFill>
-                          <a:effectLst/>
-                          <a:latin typeface="+mn-lt"/>
-                          <a:ea typeface="+mn-ea"/>
-                          <a:cs typeface="+mn-cs"/>
-                        </a:rPr>
-                        <a:t>-f</a:t>
-                      </a:r>
-                      <a:r>
-                        <a:rPr lang="zh-CN" altLang="en-US" sz="1800" b="0" i="0" kern="1200" dirty="0">
-                          <a:solidFill>
-                            <a:schemeClr val="dk1"/>
-                          </a:solidFill>
-                          <a:effectLst/>
-                          <a:latin typeface="+mn-lt"/>
-                          <a:ea typeface="+mn-ea"/>
-                          <a:cs typeface="+mn-cs"/>
-                        </a:rPr>
-                        <a:t>用来指定</a:t>
-                      </a:r>
-                      <a:r>
-                        <a:rPr lang="en-US" altLang="zh-CN" sz="1800" b="0" i="0" kern="1200" dirty="0" err="1">
-                          <a:solidFill>
-                            <a:schemeClr val="dk1"/>
-                          </a:solidFill>
-                          <a:effectLst/>
-                          <a:latin typeface="+mn-lt"/>
-                          <a:ea typeface="+mn-ea"/>
-                          <a:cs typeface="+mn-cs"/>
-                        </a:rPr>
-                        <a:t>ip</a:t>
-                      </a:r>
-                      <a:r>
-                        <a:rPr lang="zh-CN" altLang="en-US" sz="1800" b="0" i="0" kern="1200" dirty="0">
-                          <a:solidFill>
-                            <a:schemeClr val="dk1"/>
-                          </a:solidFill>
-                          <a:effectLst/>
-                          <a:latin typeface="+mn-lt"/>
-                          <a:ea typeface="+mn-ea"/>
-                          <a:cs typeface="+mn-cs"/>
-                        </a:rPr>
-                        <a:t>文件，而如果有</a:t>
-                      </a:r>
-                      <a:r>
-                        <a:rPr lang="en-US" altLang="zh-CN" sz="1800" b="0" i="0" kern="1200" dirty="0">
-                          <a:solidFill>
-                            <a:schemeClr val="dk1"/>
-                          </a:solidFill>
-                          <a:effectLst/>
-                          <a:latin typeface="+mn-lt"/>
-                          <a:ea typeface="+mn-ea"/>
-                          <a:cs typeface="+mn-cs"/>
-                        </a:rPr>
-                        <a:t>-c</a:t>
-                      </a:r>
-                      <a:r>
-                        <a:rPr lang="zh-CN" altLang="en-US" sz="1800" b="0" i="0" kern="1200" dirty="0">
-                          <a:solidFill>
-                            <a:schemeClr val="dk1"/>
-                          </a:solidFill>
-                          <a:effectLst/>
-                          <a:latin typeface="+mn-lt"/>
-                          <a:ea typeface="+mn-ea"/>
-                          <a:cs typeface="+mn-cs"/>
-                        </a:rPr>
-                        <a:t>则使用</a:t>
-                      </a:r>
-                      <a:r>
-                        <a:rPr lang="en-US" altLang="zh-CN" sz="1800" b="0" i="0" kern="1200" dirty="0">
-                          <a:solidFill>
-                            <a:schemeClr val="dk1"/>
-                          </a:solidFill>
-                          <a:effectLst/>
-                          <a:latin typeface="+mn-lt"/>
-                          <a:ea typeface="+mn-ea"/>
-                          <a:cs typeface="+mn-cs"/>
-                        </a:rPr>
-                        <a:t>Raft</a:t>
-                      </a:r>
-                      <a:r>
-                        <a:rPr lang="zh-CN" altLang="en-US" sz="1800" b="0" i="0" kern="1200" dirty="0">
-                          <a:solidFill>
-                            <a:schemeClr val="dk1"/>
-                          </a:solidFill>
-                          <a:effectLst/>
-                          <a:latin typeface="+mn-lt"/>
-                          <a:ea typeface="+mn-ea"/>
-                          <a:cs typeface="+mn-cs"/>
-                        </a:rPr>
-                        <a:t>共识算法，没有</a:t>
-                      </a:r>
-                      <a:r>
-                        <a:rPr lang="en-US" altLang="zh-CN" sz="1800" b="0" i="0" kern="1200" dirty="0">
-                          <a:solidFill>
-                            <a:schemeClr val="dk1"/>
-                          </a:solidFill>
-                          <a:effectLst/>
-                          <a:latin typeface="+mn-lt"/>
-                          <a:ea typeface="+mn-ea"/>
-                          <a:cs typeface="+mn-cs"/>
-                        </a:rPr>
-                        <a:t>-c</a:t>
-                      </a:r>
-                      <a:r>
-                        <a:rPr lang="zh-CN" altLang="en-US" sz="1800" b="0" i="0" kern="1200" dirty="0">
-                          <a:solidFill>
-                            <a:schemeClr val="dk1"/>
-                          </a:solidFill>
-                          <a:effectLst/>
-                          <a:latin typeface="+mn-lt"/>
-                          <a:ea typeface="+mn-ea"/>
-                          <a:cs typeface="+mn-cs"/>
-                        </a:rPr>
-                        <a:t>则默认使用</a:t>
-                      </a:r>
-                      <a:r>
-                        <a:rPr lang="en-US" altLang="zh-CN" sz="1800" b="0" i="0" kern="1200" dirty="0">
-                          <a:solidFill>
-                            <a:schemeClr val="dk1"/>
-                          </a:solidFill>
-                          <a:effectLst/>
-                          <a:latin typeface="+mn-lt"/>
-                          <a:ea typeface="+mn-ea"/>
-                          <a:cs typeface="+mn-cs"/>
-                        </a:rPr>
-                        <a:t>PBFT</a:t>
-                      </a:r>
-                      <a:r>
-                        <a:rPr lang="zh-CN" altLang="en-US" sz="1800" b="0" i="0" kern="1200" dirty="0">
-                          <a:solidFill>
-                            <a:schemeClr val="dk1"/>
-                          </a:solidFill>
-                          <a:effectLst/>
-                          <a:latin typeface="+mn-lt"/>
-                          <a:ea typeface="+mn-ea"/>
-                          <a:cs typeface="+mn-cs"/>
-                        </a:rPr>
-                        <a:t>共识算法</a:t>
-                      </a:r>
-                      <a:r>
-                        <a:rPr lang="en-US" altLang="zh-CN" sz="1800" b="0" i="0" kern="1200" dirty="0">
-                          <a:solidFill>
-                            <a:schemeClr val="dk1"/>
-                          </a:solidFill>
-                          <a:effectLst/>
-                          <a:latin typeface="+mn-lt"/>
-                          <a:ea typeface="+mn-ea"/>
-                          <a:cs typeface="+mn-cs"/>
-                        </a:rPr>
-                        <a:t>......</a:t>
-                      </a:r>
-                      <a:endParaRPr lang="zh-CN" altLang="en-US" dirty="0"/>
+                        <a:t>()</a:t>
+                      </a:r>
+                    </a:p>
+                  </a:txBody>
+                  <a:tcPr/>
+                </a:tc>
+                <a:tc>
+                  <a:txBody>
+                    <a:bodyPr/>
+                    <a:lstStyle/>
+                    <a:p>
+                      <a:r>
+                        <a:rPr lang="zh-CN" altLang="en-US" b="0" dirty="0"/>
+                        <a:t>生成群组的</a:t>
+                      </a:r>
+                      <a:r>
+                        <a:rPr lang="en-US" altLang="zh-CN" b="0" dirty="0"/>
+                        <a:t>genesis</a:t>
+                      </a:r>
+                      <a:r>
+                        <a:rPr lang="zh-CN" altLang="en-US" b="0" dirty="0"/>
+                        <a:t>文件：</a:t>
+                      </a:r>
+                      <a:endParaRPr lang="en-US" altLang="zh-CN" b="0" dirty="0"/>
+                    </a:p>
+                    <a:p>
+                      <a:r>
+                        <a:rPr lang="en-US" altLang="zh-CN" b="0" dirty="0" err="1"/>
+                        <a:t>pwd</a:t>
+                      </a:r>
+                      <a:r>
+                        <a:rPr lang="en-US" altLang="zh-CN" b="0" dirty="0"/>
+                        <a:t>/nodes/</a:t>
+                      </a:r>
+                      <a:r>
+                        <a:rPr lang="en-US" altLang="zh-CN" b="0" dirty="0" err="1"/>
+                        <a:t>ip_addr</a:t>
+                      </a:r>
+                      <a:r>
+                        <a:rPr lang="en-US" altLang="zh-CN" b="0" dirty="0"/>
+                        <a:t>/node*/conf/group.1.genesis</a:t>
+                      </a:r>
                     </a:p>
                   </a:txBody>
                   <a:tcPr/>
                 </a:tc>
                 <a:extLst>
                   <a:ext uri="{0D108BD9-81ED-4DB2-BD59-A6C34878D82A}">
-                    <a16:rowId xmlns:a16="http://schemas.microsoft.com/office/drawing/2014/main" val="1414814724"/>
+                    <a16:rowId xmlns:a16="http://schemas.microsoft.com/office/drawing/2014/main" val="2524831023"/>
                   </a:ext>
                 </a:extLst>
               </a:tr>
@@ -5174,18 +6135,23 @@
                     <a:bodyPr/>
                     <a:lstStyle/>
                     <a:p>
-                      <a:r>
-                        <a:rPr lang="en-US" altLang="zh-CN" sz="1800" b="0" i="0" kern="1200" dirty="0" err="1">
-                          <a:solidFill>
-                            <a:schemeClr val="dk1"/>
-                          </a:solidFill>
-                          <a:effectLst/>
-                          <a:latin typeface="+mn-lt"/>
-                          <a:ea typeface="+mn-ea"/>
-                          <a:cs typeface="+mn-cs"/>
-                        </a:rPr>
-                        <a:t>parse_ip_config</a:t>
-                      </a:r>
+                      <a:pPr marL="0" marR="0" lvl="0" indent="0" algn="l" defTabSz="914400" rtl="0" eaLnBrk="1" fontAlgn="auto" latinLnBrk="0" hangingPunct="1">
+                        <a:lnSpc>
+                          <a:spcPct val="100000"/>
+                        </a:lnSpc>
+                        <a:spcBef>
+                          <a:spcPts val="0"/>
+                        </a:spcBef>
+                        <a:spcAft>
+                          <a:spcPts val="0"/>
+                        </a:spcAft>
+                        <a:buClrTx/>
+                        <a:buSzTx/>
+                        <a:buFontTx/>
+                        <a:buNone/>
+                        <a:tabLst/>
+                        <a:defRPr/>
+                      </a:pPr>
                       <a:r>
                         <a:rPr lang="en-US" altLang="zh-CN" sz="1800" b="0" i="0" kern="1200" dirty="0">
                           <a:solidFill>
@@ -5196,9 +6162,8 @@
                           <a:ea typeface="+mn-ea"/>
                           <a:cs typeface="+mn-cs"/>
                         </a:rPr>
-                        <a:t>()</a:t>
-                      </a:r>
-                      <a:endParaRPr lang="zh-CN" altLang="en-US" dirty="0"/>
+                        <a:t>12</a:t>
+                      </a:r>
                     </a:p>
                   </a:txBody>
                   <a:tcPr/>
@@ -5208,18 +6173,23 @@
                     <a:bodyPr/>
                     <a:lstStyle/>
                     <a:p>
-                      <a:r>
-                        <a:rPr lang="zh-CN" altLang="en-US" sz="1800" b="0" i="0" kern="1200" dirty="0">
-                          <a:solidFill>
-                            <a:schemeClr val="dk1"/>
-                          </a:solidFill>
-                          <a:effectLst/>
-                          <a:latin typeface="+mn-lt"/>
-                          <a:ea typeface="+mn-ea"/>
-                          <a:cs typeface="+mn-cs"/>
-                        </a:rPr>
-                        <a:t>解析</a:t>
-                      </a:r>
+                      <a:pPr marL="0" marR="0" lvl="0" indent="0" algn="l" defTabSz="914400" rtl="0" eaLnBrk="1" fontAlgn="auto" latinLnBrk="0" hangingPunct="1">
+                        <a:lnSpc>
+                          <a:spcPct val="100000"/>
+                        </a:lnSpc>
+                        <a:spcBef>
+                          <a:spcPts val="0"/>
+                        </a:spcBef>
+                        <a:spcAft>
+                          <a:spcPts val="0"/>
+                        </a:spcAft>
+                        <a:buClrTx/>
+                        <a:buSzTx/>
+                        <a:buFontTx/>
+                        <a:buNone/>
+                        <a:tabLst/>
+                        <a:defRPr/>
+                      </a:pPr>
                       <a:r>
                         <a:rPr lang="en-US" altLang="zh-CN" sz="1800" b="0" i="0" kern="1200" dirty="0" err="1">
                           <a:solidFill>
@@ -5230,43 +6200,7 @@
                           <a:ea typeface="+mn-ea"/>
                           <a:cs typeface="+mn-cs"/>
                         </a:rPr>
-                        <a:t>ip</a:t>
-                      </a:r>
-                      <a:r>
-                        <a:rPr lang="zh-CN" altLang="en-US" sz="1800" b="0" i="0" kern="1200" dirty="0">
-                          <a:solidFill>
-                            <a:schemeClr val="dk1"/>
-                          </a:solidFill>
-                          <a:effectLst/>
-                          <a:latin typeface="+mn-lt"/>
-                          <a:ea typeface="+mn-ea"/>
-                          <a:cs typeface="+mn-cs"/>
-                        </a:rPr>
-                        <a:t>配置：如果命令行参数中有指定</a:t>
-                      </a:r>
-                      <a:r>
-                        <a:rPr lang="en-US" altLang="zh-CN" sz="1800" b="0" i="0" kern="1200" dirty="0" err="1">
-                          <a:solidFill>
-                            <a:schemeClr val="dk1"/>
-                          </a:solidFill>
-                          <a:effectLst/>
-                          <a:latin typeface="+mn-lt"/>
-                          <a:ea typeface="+mn-ea"/>
-                          <a:cs typeface="+mn-cs"/>
-                        </a:rPr>
-                        <a:t>ip</a:t>
-                      </a:r>
-                      <a:r>
-                        <a:rPr lang="zh-CN" altLang="en-US" sz="1800" b="0" i="0" kern="1200" dirty="0">
-                          <a:solidFill>
-                            <a:schemeClr val="dk1"/>
-                          </a:solidFill>
-                          <a:effectLst/>
-                          <a:latin typeface="+mn-lt"/>
-                          <a:ea typeface="+mn-ea"/>
-                          <a:cs typeface="+mn-cs"/>
-                        </a:rPr>
-                        <a:t>文件，那么在</a:t>
+                        <a:t>generate_group_ini</a:t>
                       </a:r>
                       <a:r>
                         <a:rPr lang="en-US" altLang="zh-CN" sz="1800" b="0" i="0" kern="1200" dirty="0">
@@ -5278,40 +6212,324 @@
                           <a:ea typeface="+mn-ea"/>
                           <a:cs typeface="+mn-cs"/>
                         </a:rPr>
-                        <a:t>main</a:t>
-                      </a:r>
-                      <a:r>
-                        <a:rPr lang="zh-CN" altLang="en-US" sz="1800" b="0" i="0" kern="1200" dirty="0">
-                          <a:solidFill>
-                            <a:schemeClr val="dk1"/>
-                          </a:solidFill>
-                          <a:effectLst/>
-                          <a:latin typeface="+mn-lt"/>
-                          <a:ea typeface="+mn-ea"/>
-                          <a:cs typeface="+mn-cs"/>
-                        </a:rPr>
-                        <a:t>函数中就会调用这个函数，然后从文件中读取</a:t>
-                      </a:r>
-                      <a:r>
-                        <a:rPr lang="en-US" altLang="zh-CN" sz="1800" b="0" i="0" kern="1200" dirty="0" err="1">
-                          <a:solidFill>
-                            <a:schemeClr val="dk1"/>
-                          </a:solidFill>
-                          <a:effectLst/>
-                          <a:latin typeface="+mn-lt"/>
-                          <a:ea typeface="+mn-ea"/>
-                          <a:cs typeface="+mn-cs"/>
-                        </a:rPr>
-                        <a:t>ip</a:t>
-                      </a:r>
-                      <a:endParaRPr lang="zh-CN" altLang="en-US" dirty="0"/>
+                        <a:t>()</a:t>
+                      </a:r>
+                    </a:p>
+                  </a:txBody>
+                  <a:tcPr/>
+                </a:tc>
+                <a:tc>
+                  <a:txBody>
+                    <a:bodyPr/>
+                    <a:lstStyle/>
+                    <a:p>
+                      <a:r>
+                        <a:rPr lang="zh-CN" altLang="en-US" b="0" dirty="0"/>
+                        <a:t>生成群组的配置文件</a:t>
+                      </a:r>
+                      <a:endParaRPr lang="en-US" altLang="zh-CN" b="0" dirty="0"/>
+                    </a:p>
+                    <a:p>
+                      <a:r>
+                        <a:rPr lang="en-US" altLang="zh-CN" b="0" dirty="0" err="1"/>
+                        <a:t>pwd</a:t>
+                      </a:r>
+                      <a:r>
+                        <a:rPr lang="en-US" altLang="zh-CN" b="0" dirty="0"/>
+                        <a:t>/nodes/</a:t>
+                      </a:r>
+                      <a:r>
+                        <a:rPr lang="en-US" altLang="zh-CN" b="0" dirty="0" err="1"/>
+                        <a:t>ip_addr</a:t>
+                      </a:r>
+                      <a:r>
+                        <a:rPr lang="en-US" altLang="zh-CN" b="0" dirty="0"/>
+                        <a:t>/node*/conf/group.1.ini</a:t>
+                      </a:r>
                     </a:p>
                   </a:txBody>
                   <a:tcPr/>
                 </a:tc>
                 <a:extLst>
                   <a:ext uri="{0D108BD9-81ED-4DB2-BD59-A6C34878D82A}">
-                    <a16:rowId xmlns:a16="http://schemas.microsoft.com/office/drawing/2014/main" val="1746408502"/>
+                    <a16:rowId xmlns:a16="http://schemas.microsoft.com/office/drawing/2014/main" val="3204236790"/>
+                  </a:ext>
+                </a:extLst>
+              </a:tr>
+              <a:tr h="370840">
+                <a:tc>
+                  <a:txBody>
+                    <a:bodyPr/>
+                    <a:lstStyle/>
+                    <a:p>
+                      <a:pPr marL="0" marR="0" lvl="0" indent="0" algn="l" defTabSz="914400" rtl="0" eaLnBrk="1" fontAlgn="auto" latinLnBrk="0" hangingPunct="1">
+                        <a:lnSpc>
+                          <a:spcPct val="100000"/>
+                        </a:lnSpc>
+                        <a:spcBef>
+                          <a:spcPts val="0"/>
+                        </a:spcBef>
+                        <a:spcAft>
+                          <a:spcPts val="0"/>
+                        </a:spcAft>
+                        <a:buClrTx/>
+                        <a:buSzTx/>
+                        <a:buFontTx/>
+                        <a:buNone/>
+                        <a:tabLst/>
+                        <a:defRPr/>
+                      </a:pPr>
+                      <a:r>
+                        <a:rPr lang="en-US" altLang="zh-CN" sz="1800" b="0" i="0" kern="1200" dirty="0">
+                          <a:solidFill>
+                            <a:schemeClr val="dk1"/>
+                          </a:solidFill>
+                          <a:effectLst/>
+                          <a:latin typeface="+mn-lt"/>
+                          <a:ea typeface="+mn-ea"/>
+                          <a:cs typeface="+mn-cs"/>
+                        </a:rPr>
+                        <a:t>13</a:t>
+                      </a:r>
+                    </a:p>
+                  </a:txBody>
+                  <a:tcPr/>
+                </a:tc>
+                <a:tc>
+                  <a:txBody>
+                    <a:bodyPr/>
+                    <a:lstStyle/>
+                    <a:p>
+                      <a:pPr marL="0" marR="0" lvl="0" indent="0" algn="l" defTabSz="914400" rtl="0" eaLnBrk="1" fontAlgn="auto" latinLnBrk="0" hangingPunct="1">
+                        <a:lnSpc>
+                          <a:spcPct val="100000"/>
+                        </a:lnSpc>
+                        <a:spcBef>
+                          <a:spcPts val="0"/>
+                        </a:spcBef>
+                        <a:spcAft>
+                          <a:spcPts val="0"/>
+                        </a:spcAft>
+                        <a:buClrTx/>
+                        <a:buSzTx/>
+                        <a:buFontTx/>
+                        <a:buNone/>
+                        <a:tabLst/>
+                        <a:defRPr/>
+                      </a:pPr>
+                      <a:r>
+                        <a:rPr lang="en-US" altLang="zh-CN" sz="1800" b="0" i="0" kern="1200" dirty="0" err="1">
+                          <a:solidFill>
+                            <a:schemeClr val="dk1"/>
+                          </a:solidFill>
+                          <a:effectLst/>
+                          <a:latin typeface="+mn-lt"/>
+                          <a:ea typeface="+mn-ea"/>
+                          <a:cs typeface="+mn-cs"/>
+                        </a:rPr>
+                        <a:t>generate_cert_conf</a:t>
+                      </a:r>
+                      <a:r>
+                        <a:rPr lang="en-US" altLang="zh-CN" sz="1800" b="0" i="0" kern="1200" dirty="0">
+                          <a:solidFill>
+                            <a:schemeClr val="dk1"/>
+                          </a:solidFill>
+                          <a:effectLst/>
+                          <a:latin typeface="+mn-lt"/>
+                          <a:ea typeface="+mn-ea"/>
+                          <a:cs typeface="+mn-cs"/>
+                        </a:rPr>
+                        <a:t>()</a:t>
+                      </a:r>
+                    </a:p>
+                  </a:txBody>
+                  <a:tcPr/>
+                </a:tc>
+                <a:tc>
+                  <a:txBody>
+                    <a:bodyPr/>
+                    <a:lstStyle/>
+                    <a:p>
+                      <a:r>
+                        <a:rPr lang="zh-CN" altLang="en-US" b="0" dirty="0"/>
+                        <a:t>生成区块链证书的配置文件：</a:t>
+                      </a:r>
+                      <a:endParaRPr lang="en-US" altLang="zh-CN" b="0" dirty="0"/>
+                    </a:p>
+                    <a:p>
+                      <a:r>
+                        <a:rPr lang="en-US" altLang="zh-CN" b="0" dirty="0" err="1"/>
+                        <a:t>pwd</a:t>
+                      </a:r>
+                      <a:r>
+                        <a:rPr lang="en-US" altLang="zh-CN" b="0" dirty="0"/>
+                        <a:t>/nodes/</a:t>
+                      </a:r>
+                      <a:r>
+                        <a:rPr lang="en-US" altLang="zh-CN" b="0" dirty="0" err="1"/>
+                        <a:t>cert.cnf</a:t>
+                      </a:r>
+                      <a:r>
+                        <a:rPr lang="zh-CN" altLang="en-US" b="0" dirty="0"/>
+                        <a:t>之后这个文件会在</a:t>
+                      </a:r>
+                      <a:r>
+                        <a:rPr lang="en-US" altLang="zh-CN" b="0" dirty="0" err="1"/>
+                        <a:t>gen_chain_cert</a:t>
+                      </a:r>
+                      <a:r>
+                        <a:rPr lang="zh-CN" altLang="en-US" b="0" dirty="0"/>
+                        <a:t>函数中被移动到</a:t>
+                      </a:r>
+                      <a:r>
+                        <a:rPr lang="en-US" altLang="zh-CN" b="0" dirty="0" err="1"/>
+                        <a:t>pwd</a:t>
+                      </a:r>
+                      <a:r>
+                        <a:rPr lang="en-US" altLang="zh-CN" b="0" dirty="0"/>
+                        <a:t>/nodes/cert/</a:t>
+                      </a:r>
+                      <a:r>
+                        <a:rPr lang="zh-CN" altLang="en-US" b="0" dirty="0"/>
+                        <a:t>里面，在</a:t>
+                      </a:r>
+                      <a:r>
+                        <a:rPr lang="en-US" altLang="zh-CN" b="0" dirty="0" err="1"/>
+                        <a:t>gen_agency_cert</a:t>
+                      </a:r>
+                      <a:r>
+                        <a:rPr lang="zh-CN" altLang="en-US" b="0" dirty="0"/>
+                        <a:t>函数中被复制到</a:t>
+                      </a:r>
+                      <a:r>
+                        <a:rPr lang="en-US" altLang="zh-CN" b="0" dirty="0" err="1"/>
+                        <a:t>pwd</a:t>
+                      </a:r>
+                      <a:r>
+                        <a:rPr lang="en-US" altLang="zh-CN" b="0" dirty="0"/>
+                        <a:t>/nodes/cert/agency/</a:t>
+                      </a:r>
+                      <a:r>
+                        <a:rPr lang="zh-CN" altLang="en-US" b="0" dirty="0"/>
+                        <a:t>里</a:t>
+                      </a:r>
+                      <a:endParaRPr lang="en-US" altLang="zh-CN" b="0" dirty="0"/>
+                    </a:p>
+                  </a:txBody>
+                  <a:tcPr/>
+                </a:tc>
+                <a:extLst>
+                  <a:ext uri="{0D108BD9-81ED-4DB2-BD59-A6C34878D82A}">
+                    <a16:rowId xmlns:a16="http://schemas.microsoft.com/office/drawing/2014/main" val="4082999756"/>
+                  </a:ext>
+                </a:extLst>
+              </a:tr>
+              <a:tr h="370840">
+                <a:tc>
+                  <a:txBody>
+                    <a:bodyPr/>
+                    <a:lstStyle/>
+                    <a:p>
+                      <a:pPr marL="0" marR="0" lvl="0" indent="0" algn="l" defTabSz="914400" rtl="0" eaLnBrk="1" fontAlgn="auto" latinLnBrk="0" hangingPunct="1">
+                        <a:lnSpc>
+                          <a:spcPct val="100000"/>
+                        </a:lnSpc>
+                        <a:spcBef>
+                          <a:spcPts val="0"/>
+                        </a:spcBef>
+                        <a:spcAft>
+                          <a:spcPts val="0"/>
+                        </a:spcAft>
+                        <a:buClrTx/>
+                        <a:buSzTx/>
+                        <a:buFontTx/>
+                        <a:buNone/>
+                        <a:tabLst/>
+                        <a:defRPr/>
+                      </a:pPr>
+                      <a:r>
+                        <a:rPr lang="en-US" altLang="zh-CN" sz="1800" b="0" i="0" kern="1200" dirty="0">
+                          <a:solidFill>
+                            <a:schemeClr val="dk1"/>
+                          </a:solidFill>
+                          <a:effectLst/>
+                          <a:latin typeface="+mn-lt"/>
+                          <a:ea typeface="+mn-ea"/>
+                          <a:cs typeface="+mn-cs"/>
+                        </a:rPr>
+                        <a:t>14</a:t>
+                      </a:r>
+                    </a:p>
+                  </a:txBody>
+                  <a:tcPr/>
+                </a:tc>
+                <a:tc>
+                  <a:txBody>
+                    <a:bodyPr/>
+                    <a:lstStyle/>
+                    <a:p>
+                      <a:pPr marL="0" marR="0" lvl="0" indent="0" algn="l" defTabSz="914400" rtl="0" eaLnBrk="1" fontAlgn="auto" latinLnBrk="0" hangingPunct="1">
+                        <a:lnSpc>
+                          <a:spcPct val="100000"/>
+                        </a:lnSpc>
+                        <a:spcBef>
+                          <a:spcPts val="0"/>
+                        </a:spcBef>
+                        <a:spcAft>
+                          <a:spcPts val="0"/>
+                        </a:spcAft>
+                        <a:buClrTx/>
+                        <a:buSzTx/>
+                        <a:buFontTx/>
+                        <a:buNone/>
+                        <a:tabLst/>
+                        <a:defRPr/>
+                      </a:pPr>
+                      <a:r>
+                        <a:rPr lang="en-US" altLang="zh-CN" sz="1800" b="0" i="0" kern="1200" dirty="0" err="1">
+                          <a:solidFill>
+                            <a:schemeClr val="dk1"/>
+                          </a:solidFill>
+                          <a:effectLst/>
+                          <a:latin typeface="+mn-lt"/>
+                          <a:ea typeface="+mn-ea"/>
+                          <a:cs typeface="+mn-cs"/>
+                        </a:rPr>
+                        <a:t>generate_cert_conf_gm</a:t>
+                      </a:r>
+                      <a:r>
+                        <a:rPr lang="en-US" altLang="zh-CN" sz="1800" b="0" i="0" kern="1200" dirty="0">
+                          <a:solidFill>
+                            <a:schemeClr val="dk1"/>
+                          </a:solidFill>
+                          <a:effectLst/>
+                          <a:latin typeface="+mn-lt"/>
+                          <a:ea typeface="+mn-ea"/>
+                          <a:cs typeface="+mn-cs"/>
+                        </a:rPr>
+                        <a:t>()</a:t>
+                      </a:r>
+                    </a:p>
+                  </a:txBody>
+                  <a:tcPr/>
+                </a:tc>
+                <a:tc>
+                  <a:txBody>
+                    <a:bodyPr/>
+                    <a:lstStyle/>
+                    <a:p>
+                      <a:r>
+                        <a:rPr lang="zh-CN" altLang="en-US" b="0" dirty="0"/>
+                        <a:t>生成国密版区块链证书的配置文件</a:t>
+                      </a:r>
+                      <a:endParaRPr lang="en-US" altLang="zh-CN" b="0" dirty="0"/>
+                    </a:p>
+                  </a:txBody>
+                  <a:tcPr/>
+                </a:tc>
+                <a:extLst>
+                  <a:ext uri="{0D108BD9-81ED-4DB2-BD59-A6C34878D82A}">
+                    <a16:rowId xmlns:a16="http://schemas.microsoft.com/office/drawing/2014/main" val="1972875420"/>
                   </a:ext>
                 </a:extLst>
               </a:tr>
@@ -5322,7 +6540,7 @@
     </p:spTree>
     <p:extLst>
       <p:ext uri="{BB962C8B-B14F-4D97-AF65-F5344CB8AC3E}">
-        <p14:creationId xmlns:p14="http://schemas.microsoft.com/office/powerpoint/2010/main" val="1166144409"/>
+        <p14:creationId xmlns:p14="http://schemas.microsoft.com/office/powerpoint/2010/main" val="1119689612"/>
       </p:ext>
     </p:extLst>
   </p:cSld>
@@ -5365,8 +6583,8 @@
         </p:nvSpPr>
         <p:spPr bwMode="auto">
           <a:xfrm>
-            <a:off x="568854" y="273314"/>
-            <a:ext cx="4485746" cy="461665"/>
+            <a:off x="568853" y="273314"/>
+            <a:ext cx="6970935" cy="461665"/>
           </a:xfrm>
           <a:prstGeom prst="rect">
             <a:avLst/>
@@ -5523,7 +6741,25 @@
                 </a:solidFill>
                 <a:latin typeface="微软雅黑" panose="020B0503020204020204" pitchFamily="34" charset="-122"/>
               </a:rPr>
-              <a:t>其他函数</a:t>
+              <a:t>用来生成证书、私钥、配置等文件的函数，共</a:t>
+            </a:r>
+            <a:r>
+              <a:rPr lang="en-US" altLang="zh-CN" sz="2400" b="1" dirty="0">
+                <a:solidFill>
+                  <a:srgbClr val="007F58"/>
+                </a:solidFill>
+                <a:latin typeface="微软雅黑" panose="020B0503020204020204" pitchFamily="34" charset="-122"/>
+              </a:rPr>
+              <a:t>18</a:t>
+            </a:r>
+            <a:r>
+              <a:rPr lang="zh-CN" altLang="en-US" sz="2400" b="1" dirty="0">
+                <a:solidFill>
+                  <a:srgbClr val="007F58"/>
+                </a:solidFill>
+                <a:latin typeface="微软雅黑" panose="020B0503020204020204" pitchFamily="34" charset="-122"/>
+              </a:rPr>
+              <a:t>个</a:t>
             </a:r>
           </a:p>
         </p:txBody>
@@ -5543,14 +6779,14 @@
           <p:nvPr>
             <p:extLst>
               <p:ext uri="{D42A27DB-BD31-4B8C-83A1-F6EECF244321}">
-                <p14:modId xmlns:p14="http://schemas.microsoft.com/office/powerpoint/2010/main" val="923053326"/>
+                <p14:modId xmlns:p14="http://schemas.microsoft.com/office/powerpoint/2010/main" val="1699402200"/>
               </p:ext>
             </p:extLst>
           </p:nvPr>
         </p:nvGraphicFramePr>
         <p:xfrm>
-          <a:off x="2032000" y="2082799"/>
-          <a:ext cx="8128000" cy="1112520"/>
+          <a:off x="460888" y="1111026"/>
+          <a:ext cx="11270223" cy="4033520"/>
         </p:xfrm>
         <a:graphic>
           <a:graphicData uri="http://schemas.openxmlformats.org/drawingml/2006/table">
@@ -5559,14 +6795,21 @@
                 <a:tableStyleId>{5C22544A-7EE6-4342-B048-85BDC9FD1C3A}</a:tableStyleId>
               </a:tblPr>
               <a:tblGrid>
-                <a:gridCol w="4064000">
+                <a:gridCol w="907020">
+                  <a:extLst>
+                    <a:ext uri="{9D8B030D-6E8A-4147-A177-3AD203B41FA5}">
+                      <a16:colId xmlns:a16="http://schemas.microsoft.com/office/drawing/2014/main" val="1165937765"/>
+                    </a:ext>
+                  </a:extLst>
+                </a:gridCol>
+                <a:gridCol w="3930233">
                   <a:extLst>
                     <a:ext uri="{9D8B030D-6E8A-4147-A177-3AD203B41FA5}">
                       <a16:colId xmlns:a16="http://schemas.microsoft.com/office/drawing/2014/main" val="275840825"/>
                     </a:ext>
                   </a:extLst>
                 </a:gridCol>
-                <a:gridCol w="4064000">
+                <a:gridCol w="6432970">
                   <a:extLst>
                     <a:ext uri="{9D8B030D-6E8A-4147-A177-3AD203B41FA5}">
                       <a16:colId xmlns:a16="http://schemas.microsoft.com/office/drawing/2014/main" val="2921224805"/>
@@ -5581,8 +6824,8 @@
                     <a:lstStyle/>
                     <a:p>
                       <a:r>
-                        <a:rPr lang="zh-CN" altLang="en-US" dirty="0"/>
-                        <a:t>函数名</a:t>
+                        <a:rPr lang="zh-CN" altLang="en-US" b="0" dirty="0"/>
+                        <a:t>编号</a:t>
                       </a:r>
                     </a:p>
                   </a:txBody>
@@ -5594,7 +6837,20 @@
                     <a:lstStyle/>
                     <a:p>
                       <a:r>
-                        <a:rPr lang="zh-CN" altLang="en-US" dirty="0"/>
+                        <a:rPr lang="zh-CN" altLang="en-US" b="0" dirty="0"/>
+                        <a:t>函数名</a:t>
+                      </a:r>
+                    </a:p>
+                  </a:txBody>
+                  <a:tcPr/>
+                </a:tc>
+                <a:tc>
+                  <a:txBody>
+                    <a:bodyPr/>
+                    <a:lstStyle/>
+                    <a:p>
+                      <a:r>
+                        <a:rPr lang="zh-CN" altLang="en-US" b="0" dirty="0"/>
                         <a:t>功能描述</a:t>
                       </a:r>
                     </a:p>
@@ -5604,6 +6860,618 @@
                 <a:extLst>
                   <a:ext uri="{0D108BD9-81ED-4DB2-BD59-A6C34878D82A}">
                     <a16:rowId xmlns:a16="http://schemas.microsoft.com/office/drawing/2014/main" val="2319463917"/>
+                  </a:ext>
+                </a:extLst>
+              </a:tr>
+              <a:tr h="370840">
+                <a:tc>
+                  <a:txBody>
+                    <a:bodyPr/>
+                    <a:lstStyle/>
+                    <a:p>
+                      <a:r>
+                        <a:rPr lang="en-US" altLang="zh-CN" sz="1800" b="0" i="0" kern="1200" dirty="0">
+                          <a:solidFill>
+                            <a:schemeClr val="dk1"/>
+                          </a:solidFill>
+                          <a:effectLst/>
+                          <a:latin typeface="+mn-lt"/>
+                          <a:ea typeface="+mn-ea"/>
+                          <a:cs typeface="+mn-cs"/>
+                        </a:rPr>
+                        <a:t>15</a:t>
+                      </a:r>
+                    </a:p>
+                  </a:txBody>
+                  <a:tcPr/>
+                </a:tc>
+                <a:tc>
+                  <a:txBody>
+                    <a:bodyPr/>
+                    <a:lstStyle/>
+                    <a:p>
+                      <a:r>
+                        <a:rPr lang="en-US" altLang="zh-CN" sz="1800" b="0" i="0" kern="1200" dirty="0" err="1">
+                          <a:solidFill>
+                            <a:schemeClr val="dk1"/>
+                          </a:solidFill>
+                          <a:effectLst/>
+                          <a:latin typeface="+mn-lt"/>
+                          <a:ea typeface="+mn-ea"/>
+                          <a:cs typeface="+mn-cs"/>
+                        </a:rPr>
+                        <a:t>generate_script_template</a:t>
+                      </a:r>
+                      <a:r>
+                        <a:rPr lang="en-US" altLang="zh-CN" sz="1800" b="0" i="0" kern="1200" dirty="0">
+                          <a:solidFill>
+                            <a:schemeClr val="dk1"/>
+                          </a:solidFill>
+                          <a:effectLst/>
+                          <a:latin typeface="+mn-lt"/>
+                          <a:ea typeface="+mn-ea"/>
+                          <a:cs typeface="+mn-cs"/>
+                        </a:rPr>
+                        <a:t>()</a:t>
+                      </a:r>
+                    </a:p>
+                  </a:txBody>
+                  <a:tcPr/>
+                </a:tc>
+                <a:tc>
+                  <a:txBody>
+                    <a:bodyPr/>
+                    <a:lstStyle/>
+                    <a:p>
+                      <a:r>
+                        <a:rPr lang="en-US" altLang="zh-CN" sz="1800" b="0" i="0" kern="1200" dirty="0" err="1">
+                          <a:solidFill>
+                            <a:schemeClr val="dk1"/>
+                          </a:solidFill>
+                          <a:effectLst/>
+                          <a:latin typeface="+mn-lt"/>
+                          <a:ea typeface="+mn-ea"/>
+                          <a:cs typeface="+mn-cs"/>
+                        </a:rPr>
+                        <a:t>generate_script_template</a:t>
+                      </a:r>
+                      <a:r>
+                        <a:rPr lang="en-US" altLang="zh-CN" sz="1800" b="0" i="0" kern="1200" dirty="0">
+                          <a:solidFill>
+                            <a:schemeClr val="dk1"/>
+                          </a:solidFill>
+                          <a:effectLst/>
+                          <a:latin typeface="+mn-lt"/>
+                          <a:ea typeface="+mn-ea"/>
+                          <a:cs typeface="+mn-cs"/>
+                        </a:rPr>
+                        <a:t>()</a:t>
+                      </a:r>
+                      <a:r>
+                        <a:rPr lang="zh-CN" altLang="en-US" sz="1800" b="0" i="0" kern="1200" dirty="0">
+                          <a:solidFill>
+                            <a:schemeClr val="dk1"/>
+                          </a:solidFill>
+                          <a:effectLst/>
+                          <a:latin typeface="+mn-lt"/>
+                          <a:ea typeface="+mn-ea"/>
+                          <a:cs typeface="+mn-cs"/>
+                        </a:rPr>
+                        <a:t>生成节点脚本的模板，这个函数会在后面的 </a:t>
+                      </a:r>
+                      <a:r>
+                        <a:rPr lang="en-US" altLang="zh-CN" sz="1800" b="0" i="0" kern="1200" dirty="0" err="1">
+                          <a:solidFill>
+                            <a:schemeClr val="dk1"/>
+                          </a:solidFill>
+                          <a:effectLst/>
+                          <a:latin typeface="+mn-lt"/>
+                          <a:ea typeface="+mn-ea"/>
+                          <a:cs typeface="+mn-cs"/>
+                        </a:rPr>
+                        <a:t>generate_node_scripts</a:t>
+                      </a:r>
+                      <a:r>
+                        <a:rPr lang="zh-CN" altLang="en-US" sz="1800" b="0" i="0" kern="1200" dirty="0">
+                          <a:solidFill>
+                            <a:schemeClr val="dk1"/>
+                          </a:solidFill>
+                          <a:effectLst/>
+                          <a:latin typeface="+mn-lt"/>
+                          <a:ea typeface="+mn-ea"/>
+                          <a:cs typeface="+mn-cs"/>
+                        </a:rPr>
+                        <a:t>、</a:t>
+                      </a:r>
+                      <a:r>
+                        <a:rPr lang="en-US" altLang="zh-CN" sz="1800" b="0" i="0" kern="1200" dirty="0" err="1">
+                          <a:solidFill>
+                            <a:schemeClr val="dk1"/>
+                          </a:solidFill>
+                          <a:effectLst/>
+                          <a:latin typeface="+mn-lt"/>
+                          <a:ea typeface="+mn-ea"/>
+                          <a:cs typeface="+mn-cs"/>
+                        </a:rPr>
+                        <a:t>genTransTest</a:t>
+                      </a:r>
+                      <a:r>
+                        <a:rPr lang="zh-CN" altLang="en-US" sz="1800" b="0" i="0" kern="1200" dirty="0">
+                          <a:solidFill>
+                            <a:schemeClr val="dk1"/>
+                          </a:solidFill>
+                          <a:effectLst/>
+                          <a:latin typeface="+mn-lt"/>
+                          <a:ea typeface="+mn-ea"/>
+                          <a:cs typeface="+mn-cs"/>
+                        </a:rPr>
+                        <a:t>和</a:t>
+                      </a:r>
+                      <a:r>
+                        <a:rPr lang="en-US" altLang="zh-CN" sz="1800" b="0" i="0" kern="1200" dirty="0" err="1">
+                          <a:solidFill>
+                            <a:schemeClr val="dk1"/>
+                          </a:solidFill>
+                          <a:effectLst/>
+                          <a:latin typeface="+mn-lt"/>
+                          <a:ea typeface="+mn-ea"/>
+                          <a:cs typeface="+mn-cs"/>
+                        </a:rPr>
+                        <a:t>generate_server_scripts</a:t>
+                      </a:r>
+                      <a:r>
+                        <a:rPr lang="zh-CN" altLang="en-US" sz="1800" b="0" i="0" kern="1200" dirty="0">
+                          <a:solidFill>
+                            <a:schemeClr val="dk1"/>
+                          </a:solidFill>
+                          <a:effectLst/>
+                          <a:latin typeface="+mn-lt"/>
+                          <a:ea typeface="+mn-ea"/>
+                          <a:cs typeface="+mn-cs"/>
+                        </a:rPr>
+                        <a:t>这三个函数中被调用，作用就是为每个生成的脚本文件的一开始加上下面这两行代码：</a:t>
+                      </a:r>
+                      <a:endParaRPr lang="en-US" altLang="zh-CN" sz="1800" b="0" i="0" kern="1200" dirty="0">
+                        <a:solidFill>
+                          <a:schemeClr val="dk1"/>
+                        </a:solidFill>
+                        <a:effectLst/>
+                        <a:latin typeface="+mn-lt"/>
+                        <a:ea typeface="+mn-ea"/>
+                        <a:cs typeface="+mn-cs"/>
+                      </a:endParaRPr>
+                    </a:p>
+                    <a:p>
+                      <a:r>
+                        <a:rPr lang="en-US" altLang="zh-CN" sz="1800" b="0" i="0" kern="1200" dirty="0">
+                          <a:solidFill>
+                            <a:schemeClr val="dk1"/>
+                          </a:solidFill>
+                          <a:effectLst/>
+                          <a:latin typeface="+mn-lt"/>
+                          <a:ea typeface="+mn-ea"/>
+                          <a:cs typeface="+mn-cs"/>
+                        </a:rPr>
+                        <a:t>#!/bin/bash</a:t>
+                      </a:r>
+                    </a:p>
+                    <a:p>
+                      <a:r>
+                        <a:rPr lang="en-US" altLang="zh-CN" sz="1800" b="0" i="0" kern="1200" dirty="0">
+                          <a:solidFill>
+                            <a:schemeClr val="dk1"/>
+                          </a:solidFill>
+                          <a:effectLst/>
+                          <a:latin typeface="+mn-lt"/>
+                          <a:ea typeface="+mn-ea"/>
+                          <a:cs typeface="+mn-cs"/>
+                        </a:rPr>
+                        <a:t>SHELL_FOLDER=\$(cd \$(</a:t>
+                      </a:r>
+                      <a:r>
+                        <a:rPr lang="en-US" altLang="zh-CN" sz="1800" b="0" i="0" kern="1200" dirty="0" err="1">
+                          <a:solidFill>
+                            <a:schemeClr val="dk1"/>
+                          </a:solidFill>
+                          <a:effectLst/>
+                          <a:latin typeface="+mn-lt"/>
+                          <a:ea typeface="+mn-ea"/>
+                          <a:cs typeface="+mn-cs"/>
+                        </a:rPr>
+                        <a:t>dirname</a:t>
+                      </a:r>
+                      <a:r>
+                        <a:rPr lang="en-US" altLang="zh-CN" sz="1800" b="0" i="0" kern="1200" dirty="0">
+                          <a:solidFill>
+                            <a:schemeClr val="dk1"/>
+                          </a:solidFill>
+                          <a:effectLst/>
+                          <a:latin typeface="+mn-lt"/>
+                          <a:ea typeface="+mn-ea"/>
+                          <a:cs typeface="+mn-cs"/>
+                        </a:rPr>
+                        <a:t> \$0);</a:t>
+                      </a:r>
+                      <a:r>
+                        <a:rPr lang="en-US" altLang="zh-CN" sz="1800" b="0" i="0" kern="1200" dirty="0" err="1">
+                          <a:solidFill>
+                            <a:schemeClr val="dk1"/>
+                          </a:solidFill>
+                          <a:effectLst/>
+                          <a:latin typeface="+mn-lt"/>
+                          <a:ea typeface="+mn-ea"/>
+                          <a:cs typeface="+mn-cs"/>
+                        </a:rPr>
+                        <a:t>pwd</a:t>
+                      </a:r>
+                      <a:r>
+                        <a:rPr lang="en-US" altLang="zh-CN" sz="1800" b="0" i="0" kern="1200" dirty="0">
+                          <a:solidFill>
+                            <a:schemeClr val="dk1"/>
+                          </a:solidFill>
+                          <a:effectLst/>
+                          <a:latin typeface="+mn-lt"/>
+                          <a:ea typeface="+mn-ea"/>
+                          <a:cs typeface="+mn-cs"/>
+                        </a:rPr>
+                        <a:t>)</a:t>
+                      </a:r>
+                    </a:p>
+                    <a:p>
+                      <a:r>
+                        <a:rPr lang="zh-CN" altLang="en-US" sz="1800" b="0" i="0" kern="1200" dirty="0">
+                          <a:solidFill>
+                            <a:schemeClr val="dk1"/>
+                          </a:solidFill>
+                          <a:effectLst/>
+                          <a:latin typeface="+mn-lt"/>
+                          <a:ea typeface="+mn-ea"/>
+                          <a:cs typeface="+mn-cs"/>
+                        </a:rPr>
+                        <a:t>并且把脚本文件的权限改成</a:t>
+                      </a:r>
+                      <a:r>
+                        <a:rPr lang="en-US" altLang="zh-CN" sz="1800" b="0" i="0" kern="1200" dirty="0">
+                          <a:solidFill>
+                            <a:schemeClr val="dk1"/>
+                          </a:solidFill>
+                          <a:effectLst/>
+                          <a:latin typeface="+mn-lt"/>
+                          <a:ea typeface="+mn-ea"/>
+                          <a:cs typeface="+mn-cs"/>
+                        </a:rPr>
+                        <a:t>+x</a:t>
+                      </a:r>
+                      <a:endParaRPr lang="zh-CN" altLang="en-US" b="0" dirty="0"/>
+                    </a:p>
+                  </a:txBody>
+                  <a:tcPr/>
+                </a:tc>
+                <a:extLst>
+                  <a:ext uri="{0D108BD9-81ED-4DB2-BD59-A6C34878D82A}">
+                    <a16:rowId xmlns:a16="http://schemas.microsoft.com/office/drawing/2014/main" val="1414814724"/>
+                  </a:ext>
+                </a:extLst>
+              </a:tr>
+              <a:tr h="370840">
+                <a:tc>
+                  <a:txBody>
+                    <a:bodyPr/>
+                    <a:lstStyle/>
+                    <a:p>
+                      <a:r>
+                        <a:rPr lang="en-US" altLang="zh-CN" sz="1800" b="0" i="0" kern="1200" dirty="0">
+                          <a:solidFill>
+                            <a:schemeClr val="dk1"/>
+                          </a:solidFill>
+                          <a:effectLst/>
+                          <a:latin typeface="+mn-lt"/>
+                          <a:ea typeface="+mn-ea"/>
+                          <a:cs typeface="+mn-cs"/>
+                        </a:rPr>
+                        <a:t>16</a:t>
+                      </a:r>
+                    </a:p>
+                  </a:txBody>
+                  <a:tcPr/>
+                </a:tc>
+                <a:tc>
+                  <a:txBody>
+                    <a:bodyPr/>
+                    <a:lstStyle/>
+                    <a:p>
+                      <a:r>
+                        <a:rPr lang="en-US" altLang="zh-CN" sz="1800" b="0" i="0" kern="1200" dirty="0" err="1">
+                          <a:solidFill>
+                            <a:schemeClr val="dk1"/>
+                          </a:solidFill>
+                          <a:effectLst/>
+                          <a:latin typeface="+mn-lt"/>
+                          <a:ea typeface="+mn-ea"/>
+                          <a:cs typeface="+mn-cs"/>
+                        </a:rPr>
+                        <a:t>generate_node_scripts</a:t>
+                      </a:r>
+                      <a:r>
+                        <a:rPr lang="en-US" altLang="zh-CN" sz="1800" b="0" i="0" kern="1200" dirty="0">
+                          <a:solidFill>
+                            <a:schemeClr val="dk1"/>
+                          </a:solidFill>
+                          <a:effectLst/>
+                          <a:latin typeface="+mn-lt"/>
+                          <a:ea typeface="+mn-ea"/>
+                          <a:cs typeface="+mn-cs"/>
+                        </a:rPr>
+                        <a:t>()</a:t>
+                      </a:r>
+                    </a:p>
+                  </a:txBody>
+                  <a:tcPr/>
+                </a:tc>
+                <a:tc>
+                  <a:txBody>
+                    <a:bodyPr/>
+                    <a:lstStyle/>
+                    <a:p>
+                      <a:r>
+                        <a:rPr lang="zh-CN" altLang="en-US" sz="1800" b="0" i="0" kern="1200" dirty="0">
+                          <a:solidFill>
+                            <a:schemeClr val="dk1"/>
+                          </a:solidFill>
+                          <a:effectLst/>
+                          <a:latin typeface="+mn-lt"/>
+                          <a:ea typeface="+mn-ea"/>
+                          <a:cs typeface="+mn-cs"/>
+                        </a:rPr>
+                        <a:t>生成节点的脚本，也就是</a:t>
+                      </a:r>
+                      <a:r>
+                        <a:rPr lang="en-US" altLang="zh-CN" sz="1800" b="0" i="0" kern="1200" dirty="0" err="1">
+                          <a:solidFill>
+                            <a:schemeClr val="dk1"/>
+                          </a:solidFill>
+                          <a:effectLst/>
+                          <a:latin typeface="+mn-lt"/>
+                          <a:ea typeface="+mn-ea"/>
+                          <a:cs typeface="+mn-cs"/>
+                        </a:rPr>
+                        <a:t>pwd</a:t>
+                      </a:r>
+                      <a:r>
+                        <a:rPr lang="en-US" altLang="zh-CN" sz="1800" b="0" i="0" kern="1200" dirty="0">
+                          <a:solidFill>
+                            <a:schemeClr val="dk1"/>
+                          </a:solidFill>
+                          <a:effectLst/>
+                          <a:latin typeface="+mn-lt"/>
+                          <a:ea typeface="+mn-ea"/>
+                          <a:cs typeface="+mn-cs"/>
+                        </a:rPr>
+                        <a:t>/nodes/</a:t>
+                      </a:r>
+                      <a:r>
+                        <a:rPr lang="en-US" altLang="zh-CN" sz="1800" b="0" i="0" kern="1200" dirty="0" err="1">
+                          <a:solidFill>
+                            <a:schemeClr val="dk1"/>
+                          </a:solidFill>
+                          <a:effectLst/>
+                          <a:latin typeface="+mn-lt"/>
+                          <a:ea typeface="+mn-ea"/>
+                          <a:cs typeface="+mn-cs"/>
+                        </a:rPr>
+                        <a:t>ip_addr</a:t>
+                      </a:r>
+                      <a:r>
+                        <a:rPr lang="en-US" altLang="zh-CN" sz="1800" b="0" i="0" kern="1200" dirty="0">
+                          <a:solidFill>
+                            <a:schemeClr val="dk1"/>
+                          </a:solidFill>
+                          <a:effectLst/>
+                          <a:latin typeface="+mn-lt"/>
+                          <a:ea typeface="+mn-ea"/>
+                          <a:cs typeface="+mn-cs"/>
+                        </a:rPr>
+                        <a:t>/node*/</a:t>
+                      </a:r>
+                      <a:r>
+                        <a:rPr lang="zh-CN" altLang="en-US" sz="1800" b="0" i="0" kern="1200" dirty="0">
+                          <a:solidFill>
+                            <a:schemeClr val="dk1"/>
+                          </a:solidFill>
+                          <a:effectLst/>
+                          <a:latin typeface="+mn-lt"/>
+                          <a:ea typeface="+mn-ea"/>
+                          <a:cs typeface="+mn-cs"/>
+                        </a:rPr>
+                        <a:t>文件夹里的</a:t>
+                      </a:r>
+                      <a:r>
+                        <a:rPr lang="en-US" altLang="zh-CN" sz="1800" b="0" i="0" kern="1200" dirty="0" err="1">
+                          <a:solidFill>
+                            <a:schemeClr val="dk1"/>
+                          </a:solidFill>
+                          <a:effectLst/>
+                          <a:latin typeface="+mn-lt"/>
+                          <a:ea typeface="+mn-ea"/>
+                          <a:cs typeface="+mn-cs"/>
+                        </a:rPr>
+                        <a:t>nohup.out</a:t>
+                      </a:r>
+                      <a:r>
+                        <a:rPr lang="zh-CN" altLang="en-US" sz="1800" b="0" i="0" kern="1200" dirty="0">
+                          <a:solidFill>
+                            <a:schemeClr val="dk1"/>
+                          </a:solidFill>
+                          <a:effectLst/>
+                          <a:latin typeface="+mn-lt"/>
+                          <a:ea typeface="+mn-ea"/>
+                          <a:cs typeface="+mn-cs"/>
+                        </a:rPr>
+                        <a:t>、</a:t>
+                      </a:r>
+                      <a:r>
+                        <a:rPr lang="en-US" altLang="zh-CN" sz="1800" b="0" i="0" kern="1200" dirty="0">
+                          <a:solidFill>
+                            <a:schemeClr val="dk1"/>
+                          </a:solidFill>
+                          <a:effectLst/>
+                          <a:latin typeface="+mn-lt"/>
+                          <a:ea typeface="+mn-ea"/>
+                          <a:cs typeface="+mn-cs"/>
+                        </a:rPr>
+                        <a:t>start.sh</a:t>
+                      </a:r>
+                      <a:r>
+                        <a:rPr lang="zh-CN" altLang="en-US" sz="1800" b="0" i="0" kern="1200" dirty="0">
+                          <a:solidFill>
+                            <a:schemeClr val="dk1"/>
+                          </a:solidFill>
+                          <a:effectLst/>
+                          <a:latin typeface="+mn-lt"/>
+                          <a:ea typeface="+mn-ea"/>
+                          <a:cs typeface="+mn-cs"/>
+                        </a:rPr>
+                        <a:t>和</a:t>
+                      </a:r>
+                      <a:r>
+                        <a:rPr lang="en-US" altLang="zh-CN" sz="1800" b="0" i="0" kern="1200" dirty="0">
+                          <a:solidFill>
+                            <a:schemeClr val="dk1"/>
+                          </a:solidFill>
+                          <a:effectLst/>
+                          <a:latin typeface="+mn-lt"/>
+                          <a:ea typeface="+mn-ea"/>
+                          <a:cs typeface="+mn-cs"/>
+                        </a:rPr>
+                        <a:t>stop.sh</a:t>
+                      </a:r>
+                      <a:r>
+                        <a:rPr lang="zh-CN" altLang="en-US" sz="1800" b="0" i="0" kern="1200" dirty="0">
+                          <a:solidFill>
+                            <a:schemeClr val="dk1"/>
+                          </a:solidFill>
+                          <a:effectLst/>
+                          <a:latin typeface="+mn-lt"/>
+                          <a:ea typeface="+mn-ea"/>
+                          <a:cs typeface="+mn-cs"/>
+                        </a:rPr>
+                        <a:t>这三个文件</a:t>
+                      </a:r>
+                      <a:endParaRPr lang="zh-CN" altLang="en-US" b="0" dirty="0"/>
+                    </a:p>
+                  </a:txBody>
+                  <a:tcPr/>
+                </a:tc>
+                <a:extLst>
+                  <a:ext uri="{0D108BD9-81ED-4DB2-BD59-A6C34878D82A}">
+                    <a16:rowId xmlns:a16="http://schemas.microsoft.com/office/drawing/2014/main" val="1746408502"/>
+                  </a:ext>
+                </a:extLst>
+              </a:tr>
+              <a:tr h="370840">
+                <a:tc>
+                  <a:txBody>
+                    <a:bodyPr/>
+                    <a:lstStyle/>
+                    <a:p>
+                      <a:r>
+                        <a:rPr lang="en-US" altLang="zh-CN" sz="1800" b="0" i="0" kern="1200" dirty="0">
+                          <a:solidFill>
+                            <a:schemeClr val="dk1"/>
+                          </a:solidFill>
+                          <a:effectLst/>
+                          <a:latin typeface="+mn-lt"/>
+                          <a:ea typeface="+mn-ea"/>
+                          <a:cs typeface="+mn-cs"/>
+                        </a:rPr>
+                        <a:t>17</a:t>
+                      </a:r>
+                    </a:p>
+                  </a:txBody>
+                  <a:tcPr/>
+                </a:tc>
+                <a:tc>
+                  <a:txBody>
+                    <a:bodyPr/>
+                    <a:lstStyle/>
+                    <a:p>
+                      <a:r>
+                        <a:rPr lang="en-US" altLang="zh-CN" sz="1800" b="0" i="0" kern="1200" dirty="0" err="1">
+                          <a:solidFill>
+                            <a:schemeClr val="dk1"/>
+                          </a:solidFill>
+                          <a:effectLst/>
+                          <a:latin typeface="+mn-lt"/>
+                          <a:ea typeface="+mn-ea"/>
+                          <a:cs typeface="+mn-cs"/>
+                        </a:rPr>
+                        <a:t>genTransTest</a:t>
+                      </a:r>
+                      <a:r>
+                        <a:rPr lang="en-US" altLang="zh-CN" sz="1800" b="0" i="0" kern="1200" dirty="0">
+                          <a:solidFill>
+                            <a:schemeClr val="dk1"/>
+                          </a:solidFill>
+                          <a:effectLst/>
+                          <a:latin typeface="+mn-lt"/>
+                          <a:ea typeface="+mn-ea"/>
+                          <a:cs typeface="+mn-cs"/>
+                        </a:rPr>
+                        <a:t>()</a:t>
+                      </a:r>
+                    </a:p>
+                  </a:txBody>
+                  <a:tcPr/>
+                </a:tc>
+                <a:tc>
+                  <a:txBody>
+                    <a:bodyPr/>
+                    <a:lstStyle/>
+                    <a:p>
+                      <a:r>
+                        <a:rPr lang="zh-CN" altLang="en-US" sz="1800" b="0" i="0" kern="1200" dirty="0">
+                          <a:solidFill>
+                            <a:schemeClr val="dk1"/>
+                          </a:solidFill>
+                          <a:effectLst/>
+                          <a:latin typeface="+mn-lt"/>
+                          <a:ea typeface="+mn-ea"/>
+                          <a:cs typeface="+mn-cs"/>
+                        </a:rPr>
+                        <a:t>生成</a:t>
+                      </a:r>
+                      <a:r>
+                        <a:rPr lang="en-US" altLang="zh-CN" sz="1800" b="0" i="0" kern="1200" dirty="0">
+                          <a:solidFill>
+                            <a:schemeClr val="dk1"/>
+                          </a:solidFill>
+                          <a:effectLst/>
+                          <a:latin typeface="+mn-lt"/>
+                          <a:ea typeface="+mn-ea"/>
+                          <a:cs typeface="+mn-cs"/>
+                        </a:rPr>
+                        <a:t>pwd/nodes/ip_addr/.transTest.sh</a:t>
+                      </a:r>
+                      <a:r>
+                        <a:rPr lang="zh-CN" altLang="en-US" sz="1800" b="0" i="0" kern="1200" dirty="0">
+                          <a:solidFill>
+                            <a:schemeClr val="dk1"/>
+                          </a:solidFill>
+                          <a:effectLst/>
+                          <a:latin typeface="+mn-lt"/>
+                          <a:ea typeface="+mn-ea"/>
+                          <a:cs typeface="+mn-cs"/>
+                        </a:rPr>
+                        <a:t>，它是一个隐藏文件</a:t>
+                      </a:r>
+                      <a:endParaRPr lang="zh-CN" altLang="en-US" b="0" dirty="0"/>
+                    </a:p>
+                  </a:txBody>
+                  <a:tcPr/>
+                </a:tc>
+                <a:extLst>
+                  <a:ext uri="{0D108BD9-81ED-4DB2-BD59-A6C34878D82A}">
+                    <a16:rowId xmlns:a16="http://schemas.microsoft.com/office/drawing/2014/main" val="1347231957"/>
                   </a:ext>
                 </a:extLst>
               </a:tr>
@@ -5631,18 +7499,6 @@
                         <a:defRPr/>
                       </a:pPr>
                       <a:r>
-                        <a:rPr lang="en-US" altLang="zh-CN" sz="1800" b="0" i="0" kern="1200" dirty="0" err="1">
-                          <a:solidFill>
-                            <a:schemeClr val="dk1"/>
-                          </a:solidFill>
-                          <a:effectLst/>
-                          <a:latin typeface="+mn-lt"/>
-                          <a:ea typeface="+mn-ea"/>
-                          <a:cs typeface="+mn-cs"/>
-                        </a:rPr>
-                        <a:t>getname</a:t>
-                      </a:r>
-                      <a:r>
                         <a:rPr lang="en-US" altLang="zh-CN" sz="1800" b="0" i="0" kern="1200" dirty="0">
                           <a:solidFill>
                             <a:schemeClr val="dk1"/>
@@ -5652,9 +7508,8 @@
                           <a:ea typeface="+mn-ea"/>
                           <a:cs typeface="+mn-cs"/>
                         </a:rPr>
-                        <a:t>()</a:t>
-                      </a:r>
-                      <a:endParaRPr lang="zh-CN" altLang="en-US" dirty="0"/>
+                        <a:t>18</a:t>
+                      </a:r>
                     </a:p>
                   </a:txBody>
                   <a:tcPr/>
@@ -5664,35 +7519,35 @@
                     <a:bodyPr/>
                     <a:lstStyle/>
                     <a:p>
-                      <a:r>
-                        <a:rPr lang="zh-CN" altLang="en-US" sz="1800" b="0" i="0" kern="1200" dirty="0">
-                          <a:solidFill>
-                            <a:schemeClr val="dk1"/>
-                          </a:solidFill>
-                          <a:effectLst/>
-                          <a:latin typeface="+mn-lt"/>
-                          <a:ea typeface="+mn-ea"/>
-                          <a:cs typeface="+mn-cs"/>
-                        </a:rPr>
-                        <a:t>根据路径生成名字</a:t>
-                      </a:r>
-                      <a:endParaRPr lang="zh-CN" altLang="en-US" dirty="0"/>
-                    </a:p>
-                  </a:txBody>
-                  <a:tcPr/>
-                </a:tc>
-                <a:extLst>
-                  <a:ext uri="{0D108BD9-81ED-4DB2-BD59-A6C34878D82A}">
-                    <a16:rowId xmlns:a16="http://schemas.microsoft.com/office/drawing/2014/main" val="1414814724"/>
-                  </a:ext>
-                </a:extLst>
-              </a:tr>
-              <a:tr h="370840">
-                <a:tc>
-                  <a:txBody>
-                    <a:bodyPr/>
-                    <a:lstStyle/>
-                    <a:p>
+                      <a:pPr marL="0" marR="0" lvl="0" indent="0" algn="l" defTabSz="914400" rtl="0" eaLnBrk="1" fontAlgn="auto" latinLnBrk="0" hangingPunct="1">
+                        <a:lnSpc>
+                          <a:spcPct val="100000"/>
+                        </a:lnSpc>
+                        <a:spcBef>
+                          <a:spcPts val="0"/>
+                        </a:spcBef>
+                        <a:spcAft>
+                          <a:spcPts val="0"/>
+                        </a:spcAft>
+                        <a:buClrTx/>
+                        <a:buSzTx/>
+                        <a:buFontTx/>
+                        <a:buNone/>
+                        <a:tabLst/>
+                        <a:defRPr/>
+                      </a:pPr>
+                      <a:r>
+                        <a:rPr lang="en-US" altLang="zh-CN" sz="1800" b="0" i="0" kern="1200" dirty="0" err="1">
+                          <a:solidFill>
+                            <a:schemeClr val="dk1"/>
+                          </a:solidFill>
+                          <a:effectLst/>
+                          <a:latin typeface="+mn-lt"/>
+                          <a:ea typeface="+mn-ea"/>
+                          <a:cs typeface="+mn-cs"/>
+                        </a:rPr>
+                        <a:t>generate_server_scripts</a:t>
+                      </a:r>
                       <a:r>
                         <a:rPr lang="en-US" altLang="zh-CN" sz="1800" b="0" i="0" kern="1200" dirty="0">
                           <a:solidFill>
@@ -5703,9 +7558,8 @@
                           <a:ea typeface="+mn-ea"/>
                           <a:cs typeface="+mn-cs"/>
                         </a:rPr>
-                        <a:t>main()</a:t>
-                      </a:r>
-                      <a:endParaRPr lang="zh-CN" altLang="en-US" dirty="0"/>
+                        <a:t>()</a:t>
+                      </a:r>
                     </a:p>
                   </a:txBody>
                   <a:tcPr/>
@@ -5716,17 +7570,53 @@
                     <a:lstStyle/>
                     <a:p>
                       <a:r>
-                        <a:rPr lang="en-US" altLang="zh-CN" dirty="0"/>
-                        <a:t>…</a:t>
-                      </a:r>
-                      <a:endParaRPr lang="zh-CN" altLang="en-US" dirty="0"/>
+                        <a:rPr lang="zh-CN" altLang="en-US" b="0" dirty="0"/>
+                        <a:t>生成服务器脚本，也就是</a:t>
+                      </a:r>
+                      <a:r>
+                        <a:rPr lang="en-US" altLang="zh-CN" b="0" dirty="0" err="1"/>
+                        <a:t>pwd</a:t>
+                      </a:r>
+                      <a:r>
+                        <a:rPr lang="en-US" altLang="zh-CN" b="0" dirty="0"/>
+                        <a:t>/nodes/</a:t>
+                      </a:r>
+                      <a:r>
+                        <a:rPr lang="en-US" altLang="zh-CN" b="0" dirty="0" err="1"/>
+                        <a:t>ip_addr</a:t>
+                      </a:r>
+                      <a:r>
+                        <a:rPr lang="en-US" altLang="zh-CN" b="0" dirty="0"/>
+                        <a:t>/</a:t>
+                      </a:r>
+                      <a:r>
+                        <a:rPr lang="zh-CN" altLang="en-US" b="0" dirty="0"/>
+                        <a:t>文件夹里的</a:t>
+                      </a:r>
+                      <a:r>
+                        <a:rPr lang="en-US" altLang="zh-CN" b="0" dirty="0"/>
+                        <a:t>start_all.sh</a:t>
+                      </a:r>
+                      <a:r>
+                        <a:rPr lang="zh-CN" altLang="en-US" b="0" dirty="0"/>
+                        <a:t>和</a:t>
+                      </a:r>
+                      <a:r>
+                        <a:rPr lang="en-US" altLang="zh-CN" b="0" dirty="0"/>
+                        <a:t>stop_all.sh</a:t>
+                      </a:r>
+                      <a:r>
+                        <a:rPr lang="zh-CN" altLang="en-US" b="0" dirty="0"/>
+                        <a:t>这两个文件</a:t>
+                      </a:r>
+                      <a:endParaRPr lang="en-US" altLang="zh-CN" b="0" dirty="0"/>
                     </a:p>
                   </a:txBody>
                   <a:tcPr/>
                 </a:tc>
                 <a:extLst>
                   <a:ext uri="{0D108BD9-81ED-4DB2-BD59-A6C34878D82A}">
-                    <a16:rowId xmlns:a16="http://schemas.microsoft.com/office/drawing/2014/main" val="1746408502"/>
+                    <a16:rowId xmlns:a16="http://schemas.microsoft.com/office/drawing/2014/main" val="2524831023"/>
                   </a:ext>
                 </a:extLst>
               </a:tr>
@@ -5737,7 +7627,7 @@
     </p:spTree>
     <p:extLst>
       <p:ext uri="{BB962C8B-B14F-4D97-AF65-F5344CB8AC3E}">
-        <p14:creationId xmlns:p14="http://schemas.microsoft.com/office/powerpoint/2010/main" val="1800337807"/>
+        <p14:creationId xmlns:p14="http://schemas.microsoft.com/office/powerpoint/2010/main" val="1887666626"/>
       </p:ext>
     </p:extLst>
   </p:cSld>
@@ -5938,6 +7828,1523 @@
                 </a:solidFill>
                 <a:latin typeface="微软雅黑" panose="020B0503020204020204" pitchFamily="34" charset="-122"/>
               </a:rPr>
+              <a:t>解析函数</a:t>
+            </a:r>
+          </a:p>
+        </p:txBody>
+      </p:sp>
+      <p:graphicFrame>
+        <p:nvGraphicFramePr>
+          <p:cNvPr id="3" name="表格 2">
+            <a:extLst>
+              <a:ext uri="{FF2B5EF4-FFF2-40B4-BE49-F238E27FC236}">
+                <a16:creationId xmlns:a16="http://schemas.microsoft.com/office/drawing/2014/main" id="{426923CA-DD5F-4F31-ABAA-67790CFE3E25}"/>
+              </a:ext>
+            </a:extLst>
+          </p:cNvPr>
+          <p:cNvGraphicFramePr>
+            <a:graphicFrameLocks noGrp="1"/>
+          </p:cNvGraphicFramePr>
+          <p:nvPr>
+            <p:extLst>
+              <p:ext uri="{D42A27DB-BD31-4B8C-83A1-F6EECF244321}">
+                <p14:modId xmlns:p14="http://schemas.microsoft.com/office/powerpoint/2010/main" val="2883962137"/>
+              </p:ext>
+            </p:extLst>
+          </p:nvPr>
+        </p:nvGraphicFramePr>
+        <p:xfrm>
+          <a:off x="2032000" y="1917700"/>
+          <a:ext cx="8128000" cy="3022600"/>
+        </p:xfrm>
+        <a:graphic>
+          <a:graphicData uri="http://schemas.openxmlformats.org/drawingml/2006/table">
+            <a:tbl>
+              <a:tblPr firstRow="1" bandRow="1">
+                <a:tableStyleId>{5C22544A-7EE6-4342-B048-85BDC9FD1C3A}</a:tableStyleId>
+              </a:tblPr>
+              <a:tblGrid>
+                <a:gridCol w="4064000">
+                  <a:extLst>
+                    <a:ext uri="{9D8B030D-6E8A-4147-A177-3AD203B41FA5}">
+                      <a16:colId xmlns:a16="http://schemas.microsoft.com/office/drawing/2014/main" val="275840825"/>
+                    </a:ext>
+                  </a:extLst>
+                </a:gridCol>
+                <a:gridCol w="4064000">
+                  <a:extLst>
+                    <a:ext uri="{9D8B030D-6E8A-4147-A177-3AD203B41FA5}">
+                      <a16:colId xmlns:a16="http://schemas.microsoft.com/office/drawing/2014/main" val="2921224805"/>
+                    </a:ext>
+                  </a:extLst>
+                </a:gridCol>
+              </a:tblGrid>
+              <a:tr h="370840">
+                <a:tc>
+                  <a:txBody>
+                    <a:bodyPr/>
+                    <a:lstStyle/>
+                    <a:p>
+                      <a:r>
+                        <a:rPr lang="zh-CN" altLang="en-US" dirty="0"/>
+                        <a:t>函数名</a:t>
+                      </a:r>
+                    </a:p>
+                  </a:txBody>
+                  <a:tcPr/>
+                </a:tc>
+                <a:tc>
+                  <a:txBody>
+                    <a:bodyPr/>
+                    <a:lstStyle/>
+                    <a:p>
+                      <a:r>
+                        <a:rPr lang="zh-CN" altLang="en-US" dirty="0"/>
+                        <a:t>功能描述</a:t>
+                      </a:r>
+                    </a:p>
+                  </a:txBody>
+                  <a:tcPr/>
+                </a:tc>
+                <a:extLst>
+                  <a:ext uri="{0D108BD9-81ED-4DB2-BD59-A6C34878D82A}">
+                    <a16:rowId xmlns:a16="http://schemas.microsoft.com/office/drawing/2014/main" val="2319463917"/>
+                  </a:ext>
+                </a:extLst>
+              </a:tr>
+              <a:tr h="370840">
+                <a:tc>
+                  <a:txBody>
+                    <a:bodyPr/>
+                    <a:lstStyle/>
+                    <a:p>
+                      <a:pPr marL="0" marR="0" lvl="0" indent="0" algn="l" defTabSz="914400" rtl="0" eaLnBrk="1" fontAlgn="auto" latinLnBrk="0" hangingPunct="1">
+                        <a:lnSpc>
+                          <a:spcPct val="100000"/>
+                        </a:lnSpc>
+                        <a:spcBef>
+                          <a:spcPts val="0"/>
+                        </a:spcBef>
+                        <a:spcAft>
+                          <a:spcPts val="0"/>
+                        </a:spcAft>
+                        <a:buClrTx/>
+                        <a:buSzTx/>
+                        <a:buFontTx/>
+                        <a:buNone/>
+                        <a:tabLst/>
+                        <a:defRPr/>
+                      </a:pPr>
+                      <a:r>
+                        <a:rPr lang="en-US" altLang="zh-CN" sz="1800" b="0" i="0" kern="1200" dirty="0" err="1">
+                          <a:solidFill>
+                            <a:schemeClr val="dk1"/>
+                          </a:solidFill>
+                          <a:effectLst/>
+                          <a:latin typeface="+mn-lt"/>
+                          <a:ea typeface="+mn-ea"/>
+                          <a:cs typeface="+mn-cs"/>
+                        </a:rPr>
+                        <a:t>parse_params</a:t>
+                      </a:r>
+                      <a:r>
+                        <a:rPr lang="en-US" altLang="zh-CN" sz="1800" b="0" i="0" kern="1200" dirty="0">
+                          <a:solidFill>
+                            <a:schemeClr val="dk1"/>
+                          </a:solidFill>
+                          <a:effectLst/>
+                          <a:latin typeface="+mn-lt"/>
+                          <a:ea typeface="+mn-ea"/>
+                          <a:cs typeface="+mn-cs"/>
+                        </a:rPr>
+                        <a:t>()</a:t>
+                      </a:r>
+                      <a:endParaRPr lang="zh-CN" altLang="en-US" dirty="0"/>
+                    </a:p>
+                  </a:txBody>
+                  <a:tcPr/>
+                </a:tc>
+                <a:tc>
+                  <a:txBody>
+                    <a:bodyPr/>
+                    <a:lstStyle/>
+                    <a:p>
+                      <a:r>
+                        <a:rPr lang="zh-CN" altLang="en-US" sz="1800" b="0" i="0" kern="1200" dirty="0">
+                          <a:solidFill>
+                            <a:schemeClr val="dk1"/>
+                          </a:solidFill>
+                          <a:effectLst/>
+                          <a:latin typeface="+mn-lt"/>
+                          <a:ea typeface="+mn-ea"/>
+                          <a:cs typeface="+mn-cs"/>
+                        </a:rPr>
+                        <a:t>解析命令行参数，总共有</a:t>
+                      </a:r>
+                      <a:r>
+                        <a:rPr lang="en-US" altLang="zh-CN" sz="1800" b="0" i="0" kern="1200" dirty="0">
+                          <a:solidFill>
+                            <a:schemeClr val="dk1"/>
+                          </a:solidFill>
+                          <a:effectLst/>
+                          <a:latin typeface="+mn-lt"/>
+                          <a:ea typeface="+mn-ea"/>
+                          <a:cs typeface="+mn-cs"/>
+                        </a:rPr>
+                        <a:t>18</a:t>
+                      </a:r>
+                      <a:r>
+                        <a:rPr lang="zh-CN" altLang="en-US" sz="1800" b="0" i="0" kern="1200" dirty="0">
+                          <a:solidFill>
+                            <a:schemeClr val="dk1"/>
+                          </a:solidFill>
+                          <a:effectLst/>
+                          <a:latin typeface="+mn-lt"/>
+                          <a:ea typeface="+mn-ea"/>
+                          <a:cs typeface="+mn-cs"/>
+                        </a:rPr>
+                        <a:t>个选项，</a:t>
+                      </a:r>
+                      <a:r>
+                        <a:rPr lang="en-US" altLang="zh-CN" sz="1800" b="0" i="0" kern="1200" dirty="0">
+                          <a:solidFill>
+                            <a:schemeClr val="dk1"/>
+                          </a:solidFill>
+                          <a:effectLst/>
+                          <a:latin typeface="+mn-lt"/>
+                          <a:ea typeface="+mn-ea"/>
+                          <a:cs typeface="+mn-cs"/>
+                        </a:rPr>
+                        <a:t>help</a:t>
+                      </a:r>
+                      <a:r>
+                        <a:rPr lang="zh-CN" altLang="en-US" sz="1800" b="0" i="0" kern="1200" dirty="0">
+                          <a:solidFill>
+                            <a:schemeClr val="dk1"/>
+                          </a:solidFill>
+                          <a:effectLst/>
+                          <a:latin typeface="+mn-lt"/>
+                          <a:ea typeface="+mn-ea"/>
+                          <a:cs typeface="+mn-cs"/>
+                        </a:rPr>
+                        <a:t>函数中给出了这</a:t>
+                      </a:r>
+                      <a:r>
+                        <a:rPr lang="en-US" altLang="zh-CN" sz="1800" b="0" i="0" kern="1200" dirty="0">
+                          <a:solidFill>
+                            <a:schemeClr val="dk1"/>
+                          </a:solidFill>
+                          <a:effectLst/>
+                          <a:latin typeface="+mn-lt"/>
+                          <a:ea typeface="+mn-ea"/>
+                          <a:cs typeface="+mn-cs"/>
+                        </a:rPr>
+                        <a:t>18</a:t>
+                      </a:r>
+                      <a:r>
+                        <a:rPr lang="zh-CN" altLang="en-US" sz="1800" b="0" i="0" kern="1200" dirty="0">
+                          <a:solidFill>
+                            <a:schemeClr val="dk1"/>
+                          </a:solidFill>
+                          <a:effectLst/>
+                          <a:latin typeface="+mn-lt"/>
+                          <a:ea typeface="+mn-ea"/>
+                          <a:cs typeface="+mn-cs"/>
+                        </a:rPr>
+                        <a:t>个选项的作用，如</a:t>
+                      </a:r>
+                      <a:r>
+                        <a:rPr lang="en-US" altLang="zh-CN" sz="1800" b="0" i="0" kern="1200" dirty="0">
+                          <a:solidFill>
+                            <a:schemeClr val="dk1"/>
+                          </a:solidFill>
+                          <a:effectLst/>
+                          <a:latin typeface="+mn-lt"/>
+                          <a:ea typeface="+mn-ea"/>
+                          <a:cs typeface="+mn-cs"/>
+                        </a:rPr>
+                        <a:t>-C</a:t>
+                      </a:r>
+                      <a:r>
+                        <a:rPr lang="zh-CN" altLang="en-US" sz="1800" b="0" i="0" kern="1200" dirty="0">
+                          <a:solidFill>
+                            <a:schemeClr val="dk1"/>
+                          </a:solidFill>
+                          <a:effectLst/>
+                          <a:latin typeface="+mn-lt"/>
+                          <a:ea typeface="+mn-ea"/>
+                          <a:cs typeface="+mn-cs"/>
+                        </a:rPr>
+                        <a:t>用来设置生成的区块链的</a:t>
+                      </a:r>
+                      <a:r>
+                        <a:rPr lang="en-US" altLang="zh-CN" sz="1800" b="0" i="0" kern="1200" dirty="0">
+                          <a:solidFill>
+                            <a:schemeClr val="dk1"/>
+                          </a:solidFill>
+                          <a:effectLst/>
+                          <a:latin typeface="+mn-lt"/>
+                          <a:ea typeface="+mn-ea"/>
+                          <a:cs typeface="+mn-cs"/>
+                        </a:rPr>
+                        <a:t>id</a:t>
+                      </a:r>
+                      <a:r>
+                        <a:rPr lang="zh-CN" altLang="en-US" sz="1800" b="0" i="0" kern="1200" dirty="0">
+                          <a:solidFill>
+                            <a:schemeClr val="dk1"/>
+                          </a:solidFill>
+                          <a:effectLst/>
+                          <a:latin typeface="+mn-lt"/>
+                          <a:ea typeface="+mn-ea"/>
+                          <a:cs typeface="+mn-cs"/>
+                        </a:rPr>
+                        <a:t>，</a:t>
+                      </a:r>
+                      <a:r>
+                        <a:rPr lang="en-US" altLang="zh-CN" sz="1800" b="0" i="0" kern="1200" dirty="0">
+                          <a:solidFill>
+                            <a:schemeClr val="dk1"/>
+                          </a:solidFill>
+                          <a:effectLst/>
+                          <a:latin typeface="+mn-lt"/>
+                          <a:ea typeface="+mn-ea"/>
+                          <a:cs typeface="+mn-cs"/>
+                        </a:rPr>
+                        <a:t>-f</a:t>
+                      </a:r>
+                      <a:r>
+                        <a:rPr lang="zh-CN" altLang="en-US" sz="1800" b="0" i="0" kern="1200" dirty="0">
+                          <a:solidFill>
+                            <a:schemeClr val="dk1"/>
+                          </a:solidFill>
+                          <a:effectLst/>
+                          <a:latin typeface="+mn-lt"/>
+                          <a:ea typeface="+mn-ea"/>
+                          <a:cs typeface="+mn-cs"/>
+                        </a:rPr>
+                        <a:t>用来指定</a:t>
+                      </a:r>
+                      <a:r>
+                        <a:rPr lang="en-US" altLang="zh-CN" sz="1800" b="0" i="0" kern="1200" dirty="0" err="1">
+                          <a:solidFill>
+                            <a:schemeClr val="dk1"/>
+                          </a:solidFill>
+                          <a:effectLst/>
+                          <a:latin typeface="+mn-lt"/>
+                          <a:ea typeface="+mn-ea"/>
+                          <a:cs typeface="+mn-cs"/>
+                        </a:rPr>
+                        <a:t>ip</a:t>
+                      </a:r>
+                      <a:r>
+                        <a:rPr lang="zh-CN" altLang="en-US" sz="1800" b="0" i="0" kern="1200" dirty="0">
+                          <a:solidFill>
+                            <a:schemeClr val="dk1"/>
+                          </a:solidFill>
+                          <a:effectLst/>
+                          <a:latin typeface="+mn-lt"/>
+                          <a:ea typeface="+mn-ea"/>
+                          <a:cs typeface="+mn-cs"/>
+                        </a:rPr>
+                        <a:t>文件，而如果有</a:t>
+                      </a:r>
+                      <a:r>
+                        <a:rPr lang="en-US" altLang="zh-CN" sz="1800" b="0" i="0" kern="1200" dirty="0">
+                          <a:solidFill>
+                            <a:schemeClr val="dk1"/>
+                          </a:solidFill>
+                          <a:effectLst/>
+                          <a:latin typeface="+mn-lt"/>
+                          <a:ea typeface="+mn-ea"/>
+                          <a:cs typeface="+mn-cs"/>
+                        </a:rPr>
+                        <a:t>-c</a:t>
+                      </a:r>
+                      <a:r>
+                        <a:rPr lang="zh-CN" altLang="en-US" sz="1800" b="0" i="0" kern="1200" dirty="0">
+                          <a:solidFill>
+                            <a:schemeClr val="dk1"/>
+                          </a:solidFill>
+                          <a:effectLst/>
+                          <a:latin typeface="+mn-lt"/>
+                          <a:ea typeface="+mn-ea"/>
+                          <a:cs typeface="+mn-cs"/>
+                        </a:rPr>
+                        <a:t>则使用</a:t>
+                      </a:r>
+                      <a:r>
+                        <a:rPr lang="en-US" altLang="zh-CN" sz="1800" b="0" i="0" kern="1200" dirty="0">
+                          <a:solidFill>
+                            <a:schemeClr val="dk1"/>
+                          </a:solidFill>
+                          <a:effectLst/>
+                          <a:latin typeface="+mn-lt"/>
+                          <a:ea typeface="+mn-ea"/>
+                          <a:cs typeface="+mn-cs"/>
+                        </a:rPr>
+                        <a:t>Raft</a:t>
+                      </a:r>
+                      <a:r>
+                        <a:rPr lang="zh-CN" altLang="en-US" sz="1800" b="0" i="0" kern="1200" dirty="0">
+                          <a:solidFill>
+                            <a:schemeClr val="dk1"/>
+                          </a:solidFill>
+                          <a:effectLst/>
+                          <a:latin typeface="+mn-lt"/>
+                          <a:ea typeface="+mn-ea"/>
+                          <a:cs typeface="+mn-cs"/>
+                        </a:rPr>
+                        <a:t>共识算法，没有</a:t>
+                      </a:r>
+                      <a:r>
+                        <a:rPr lang="en-US" altLang="zh-CN" sz="1800" b="0" i="0" kern="1200" dirty="0">
+                          <a:solidFill>
+                            <a:schemeClr val="dk1"/>
+                          </a:solidFill>
+                          <a:effectLst/>
+                          <a:latin typeface="+mn-lt"/>
+                          <a:ea typeface="+mn-ea"/>
+                          <a:cs typeface="+mn-cs"/>
+                        </a:rPr>
+                        <a:t>-c</a:t>
+                      </a:r>
+                      <a:r>
+                        <a:rPr lang="zh-CN" altLang="en-US" sz="1800" b="0" i="0" kern="1200" dirty="0">
+                          <a:solidFill>
+                            <a:schemeClr val="dk1"/>
+                          </a:solidFill>
+                          <a:effectLst/>
+                          <a:latin typeface="+mn-lt"/>
+                          <a:ea typeface="+mn-ea"/>
+                          <a:cs typeface="+mn-cs"/>
+                        </a:rPr>
+                        <a:t>则默认使用</a:t>
+                      </a:r>
+                      <a:r>
+                        <a:rPr lang="en-US" altLang="zh-CN" sz="1800" b="0" i="0" kern="1200" dirty="0">
+                          <a:solidFill>
+                            <a:schemeClr val="dk1"/>
+                          </a:solidFill>
+                          <a:effectLst/>
+                          <a:latin typeface="+mn-lt"/>
+                          <a:ea typeface="+mn-ea"/>
+                          <a:cs typeface="+mn-cs"/>
+                        </a:rPr>
+                        <a:t>PBFT</a:t>
+                      </a:r>
+                      <a:r>
+                        <a:rPr lang="zh-CN" altLang="en-US" sz="1800" b="0" i="0" kern="1200" dirty="0">
+                          <a:solidFill>
+                            <a:schemeClr val="dk1"/>
+                          </a:solidFill>
+                          <a:effectLst/>
+                          <a:latin typeface="+mn-lt"/>
+                          <a:ea typeface="+mn-ea"/>
+                          <a:cs typeface="+mn-cs"/>
+                        </a:rPr>
+                        <a:t>共识算法</a:t>
+                      </a:r>
+                      <a:r>
+                        <a:rPr lang="en-US" altLang="zh-CN" sz="1800" b="0" i="0" kern="1200" dirty="0">
+                          <a:solidFill>
+                            <a:schemeClr val="dk1"/>
+                          </a:solidFill>
+                          <a:effectLst/>
+                          <a:latin typeface="+mn-lt"/>
+                          <a:ea typeface="+mn-ea"/>
+                          <a:cs typeface="+mn-cs"/>
+                        </a:rPr>
+                        <a:t>......</a:t>
+                      </a:r>
+                      <a:endParaRPr lang="zh-CN" altLang="en-US" dirty="0"/>
+                    </a:p>
+                  </a:txBody>
+                  <a:tcPr/>
+                </a:tc>
+                <a:extLst>
+                  <a:ext uri="{0D108BD9-81ED-4DB2-BD59-A6C34878D82A}">
+                    <a16:rowId xmlns:a16="http://schemas.microsoft.com/office/drawing/2014/main" val="1414814724"/>
+                  </a:ext>
+                </a:extLst>
+              </a:tr>
+              <a:tr h="370840">
+                <a:tc>
+                  <a:txBody>
+                    <a:bodyPr/>
+                    <a:lstStyle/>
+                    <a:p>
+                      <a:r>
+                        <a:rPr lang="en-US" altLang="zh-CN" sz="1800" b="0" i="0" kern="1200" dirty="0" err="1">
+                          <a:solidFill>
+                            <a:schemeClr val="dk1"/>
+                          </a:solidFill>
+                          <a:effectLst/>
+                          <a:latin typeface="+mn-lt"/>
+                          <a:ea typeface="+mn-ea"/>
+                          <a:cs typeface="+mn-cs"/>
+                        </a:rPr>
+                        <a:t>parse_ip_config</a:t>
+                      </a:r>
+                      <a:r>
+                        <a:rPr lang="en-US" altLang="zh-CN" sz="1800" b="0" i="0" kern="1200" dirty="0">
+                          <a:solidFill>
+                            <a:schemeClr val="dk1"/>
+                          </a:solidFill>
+                          <a:effectLst/>
+                          <a:latin typeface="+mn-lt"/>
+                          <a:ea typeface="+mn-ea"/>
+                          <a:cs typeface="+mn-cs"/>
+                        </a:rPr>
+                        <a:t>()</a:t>
+                      </a:r>
+                      <a:endParaRPr lang="zh-CN" altLang="en-US" dirty="0"/>
+                    </a:p>
+                  </a:txBody>
+                  <a:tcPr/>
+                </a:tc>
+                <a:tc>
+                  <a:txBody>
+                    <a:bodyPr/>
+                    <a:lstStyle/>
+                    <a:p>
+                      <a:r>
+                        <a:rPr lang="zh-CN" altLang="en-US" sz="1800" b="0" i="0" kern="1200" dirty="0">
+                          <a:solidFill>
+                            <a:schemeClr val="dk1"/>
+                          </a:solidFill>
+                          <a:effectLst/>
+                          <a:latin typeface="+mn-lt"/>
+                          <a:ea typeface="+mn-ea"/>
+                          <a:cs typeface="+mn-cs"/>
+                        </a:rPr>
+                        <a:t>解析</a:t>
+                      </a:r>
+                      <a:r>
+                        <a:rPr lang="en-US" altLang="zh-CN" sz="1800" b="0" i="0" kern="1200" dirty="0" err="1">
+                          <a:solidFill>
+                            <a:schemeClr val="dk1"/>
+                          </a:solidFill>
+                          <a:effectLst/>
+                          <a:latin typeface="+mn-lt"/>
+                          <a:ea typeface="+mn-ea"/>
+                          <a:cs typeface="+mn-cs"/>
+                        </a:rPr>
+                        <a:t>ip</a:t>
+                      </a:r>
+                      <a:r>
+                        <a:rPr lang="zh-CN" altLang="en-US" sz="1800" b="0" i="0" kern="1200" dirty="0">
+                          <a:solidFill>
+                            <a:schemeClr val="dk1"/>
+                          </a:solidFill>
+                          <a:effectLst/>
+                          <a:latin typeface="+mn-lt"/>
+                          <a:ea typeface="+mn-ea"/>
+                          <a:cs typeface="+mn-cs"/>
+                        </a:rPr>
+                        <a:t>配置：如果命令行参数中有指定</a:t>
+                      </a:r>
+                      <a:r>
+                        <a:rPr lang="en-US" altLang="zh-CN" sz="1800" b="0" i="0" kern="1200" dirty="0" err="1">
+                          <a:solidFill>
+                            <a:schemeClr val="dk1"/>
+                          </a:solidFill>
+                          <a:effectLst/>
+                          <a:latin typeface="+mn-lt"/>
+                          <a:ea typeface="+mn-ea"/>
+                          <a:cs typeface="+mn-cs"/>
+                        </a:rPr>
+                        <a:t>ip</a:t>
+                      </a:r>
+                      <a:r>
+                        <a:rPr lang="zh-CN" altLang="en-US" sz="1800" b="0" i="0" kern="1200" dirty="0">
+                          <a:solidFill>
+                            <a:schemeClr val="dk1"/>
+                          </a:solidFill>
+                          <a:effectLst/>
+                          <a:latin typeface="+mn-lt"/>
+                          <a:ea typeface="+mn-ea"/>
+                          <a:cs typeface="+mn-cs"/>
+                        </a:rPr>
+                        <a:t>文件，那么在</a:t>
+                      </a:r>
+                      <a:r>
+                        <a:rPr lang="en-US" altLang="zh-CN" sz="1800" b="0" i="0" kern="1200" dirty="0">
+                          <a:solidFill>
+                            <a:schemeClr val="dk1"/>
+                          </a:solidFill>
+                          <a:effectLst/>
+                          <a:latin typeface="+mn-lt"/>
+                          <a:ea typeface="+mn-ea"/>
+                          <a:cs typeface="+mn-cs"/>
+                        </a:rPr>
+                        <a:t>main</a:t>
+                      </a:r>
+                      <a:r>
+                        <a:rPr lang="zh-CN" altLang="en-US" sz="1800" b="0" i="0" kern="1200" dirty="0">
+                          <a:solidFill>
+                            <a:schemeClr val="dk1"/>
+                          </a:solidFill>
+                          <a:effectLst/>
+                          <a:latin typeface="+mn-lt"/>
+                          <a:ea typeface="+mn-ea"/>
+                          <a:cs typeface="+mn-cs"/>
+                        </a:rPr>
+                        <a:t>函数中就会调用这个函数，然后从文件中读取</a:t>
+                      </a:r>
+                      <a:r>
+                        <a:rPr lang="en-US" altLang="zh-CN" sz="1800" b="0" i="0" kern="1200" dirty="0" err="1">
+                          <a:solidFill>
+                            <a:schemeClr val="dk1"/>
+                          </a:solidFill>
+                          <a:effectLst/>
+                          <a:latin typeface="+mn-lt"/>
+                          <a:ea typeface="+mn-ea"/>
+                          <a:cs typeface="+mn-cs"/>
+                        </a:rPr>
+                        <a:t>ip</a:t>
+                      </a:r>
+                      <a:endParaRPr lang="zh-CN" altLang="en-US" dirty="0"/>
+                    </a:p>
+                  </a:txBody>
+                  <a:tcPr/>
+                </a:tc>
+                <a:extLst>
+                  <a:ext uri="{0D108BD9-81ED-4DB2-BD59-A6C34878D82A}">
+                    <a16:rowId xmlns:a16="http://schemas.microsoft.com/office/drawing/2014/main" val="1746408502"/>
+                  </a:ext>
+                </a:extLst>
+              </a:tr>
+            </a:tbl>
+          </a:graphicData>
+        </a:graphic>
+      </p:graphicFrame>
+    </p:spTree>
+    <p:extLst>
+      <p:ext uri="{BB962C8B-B14F-4D97-AF65-F5344CB8AC3E}">
+        <p14:creationId xmlns:p14="http://schemas.microsoft.com/office/powerpoint/2010/main" val="1166144409"/>
+      </p:ext>
+    </p:extLst>
+  </p:cSld>
+  <p:clrMapOvr>
+    <a:masterClrMapping/>
+  </p:clrMapOvr>
+</p:sld>
+</file>
+
+<file path=ppt/slides/slide14.xml><?xml version="1.0" encoding="utf-8"?>
+<p:sld xmlns:a="http://schemas.openxmlformats.org/drawingml/2006/main" xmlns:r="http://schemas.openxmlformats.org/officeDocument/2006/relationships" xmlns:p="http://schemas.openxmlformats.org/presentationml/2006/main">
+  <p:cSld>
+    <p:spTree>
+      <p:nvGrpSpPr>
+        <p:cNvPr id="1" name=""/>
+        <p:cNvGrpSpPr/>
+        <p:nvPr/>
+      </p:nvGrpSpPr>
+      <p:grpSpPr>
+        <a:xfrm>
+          <a:off x="0" y="0"/>
+          <a:ext cx="0" cy="0"/>
+          <a:chOff x="0" y="0"/>
+          <a:chExt cx="0" cy="0"/>
+        </a:xfrm>
+      </p:grpSpPr>
+      <p:sp>
+        <p:nvSpPr>
+          <p:cNvPr id="2" name="文本框 20">
+            <a:extLst>
+              <a:ext uri="{FF2B5EF4-FFF2-40B4-BE49-F238E27FC236}">
+                <a16:creationId xmlns:a16="http://schemas.microsoft.com/office/drawing/2014/main" id="{DE3889F8-6551-4A68-BC45-154B108E5FE8}"/>
+              </a:ext>
+            </a:extLst>
+          </p:cNvPr>
+          <p:cNvSpPr txBox="1">
+            <a:spLocks noChangeArrowheads="1"/>
+          </p:cNvSpPr>
+          <p:nvPr/>
+        </p:nvSpPr>
+        <p:spPr bwMode="auto">
+          <a:xfrm>
+            <a:off x="568854" y="273314"/>
+            <a:ext cx="4485746" cy="461665"/>
+          </a:xfrm>
+          <a:prstGeom prst="rect">
+            <a:avLst/>
+          </a:prstGeom>
+          <a:noFill/>
+          <a:ln>
+            <a:noFill/>
+          </a:ln>
+          <a:extLst>
+            <a:ext uri="{909E8E84-426E-40DD-AFC4-6F175D3DCCD1}">
+              <a14:hiddenFill xmlns:a14="http://schemas.microsoft.com/office/drawing/2010/main">
+                <a:solidFill>
+                  <a:srgbClr val="FFFFFF"/>
+                </a:solidFill>
+              </a14:hiddenFill>
+            </a:ext>
+            <a:ext uri="{91240B29-F687-4F45-9708-019B960494DF}">
+              <a14:hiddenLine xmlns:a14="http://schemas.microsoft.com/office/drawing/2010/main" w="9525">
+                <a:solidFill>
+                  <a:srgbClr val="000000"/>
+                </a:solidFill>
+                <a:miter lim="800000"/>
+                <a:headEnd/>
+                <a:tailEnd/>
+              </a14:hiddenLine>
+            </a:ext>
+          </a:extLst>
+        </p:spPr>
+        <p:txBody>
+          <a:bodyPr wrap="square">
+            <a:spAutoFit/>
+          </a:bodyPr>
+          <a:lstStyle>
+            <a:lvl1pPr>
+              <a:buFont typeface="Arial" panose="020B0604020202020204" pitchFamily="34" charset="0"/>
+              <a:defRPr>
+                <a:solidFill>
+                  <a:schemeClr val="tx1"/>
+                </a:solidFill>
+                <a:latin typeface="Arial" panose="020B0604020202020204" pitchFamily="34" charset="0"/>
+                <a:ea typeface="微软雅黑" panose="020B0503020204020204" pitchFamily="34" charset="-122"/>
+              </a:defRPr>
+            </a:lvl1pPr>
+            <a:lvl2pPr marL="742950" indent="-285750">
+              <a:buFont typeface="Arial" panose="020B0604020202020204" pitchFamily="34" charset="0"/>
+              <a:defRPr>
+                <a:solidFill>
+                  <a:schemeClr val="tx1"/>
+                </a:solidFill>
+                <a:latin typeface="Arial" panose="020B0604020202020204" pitchFamily="34" charset="0"/>
+                <a:ea typeface="微软雅黑" panose="020B0503020204020204" pitchFamily="34" charset="-122"/>
+              </a:defRPr>
+            </a:lvl2pPr>
+            <a:lvl3pPr marL="1143000" indent="-228600">
+              <a:buFont typeface="Arial" panose="020B0604020202020204" pitchFamily="34" charset="0"/>
+              <a:defRPr>
+                <a:solidFill>
+                  <a:schemeClr val="tx1"/>
+                </a:solidFill>
+                <a:latin typeface="Arial" panose="020B0604020202020204" pitchFamily="34" charset="0"/>
+                <a:ea typeface="微软雅黑" panose="020B0503020204020204" pitchFamily="34" charset="-122"/>
+              </a:defRPr>
+            </a:lvl3pPr>
+            <a:lvl4pPr marL="1600200" indent="-228600">
+              <a:buFont typeface="Arial" panose="020B0604020202020204" pitchFamily="34" charset="0"/>
+              <a:defRPr>
+                <a:solidFill>
+                  <a:schemeClr val="tx1"/>
+                </a:solidFill>
+                <a:latin typeface="Arial" panose="020B0604020202020204" pitchFamily="34" charset="0"/>
+                <a:ea typeface="微软雅黑" panose="020B0503020204020204" pitchFamily="34" charset="-122"/>
+              </a:defRPr>
+            </a:lvl4pPr>
+            <a:lvl5pPr marL="2057400" indent="-228600">
+              <a:buFont typeface="Arial" panose="020B0604020202020204" pitchFamily="34" charset="0"/>
+              <a:defRPr>
+                <a:solidFill>
+                  <a:schemeClr val="tx1"/>
+                </a:solidFill>
+                <a:latin typeface="Arial" panose="020B0604020202020204" pitchFamily="34" charset="0"/>
+                <a:ea typeface="微软雅黑" panose="020B0503020204020204" pitchFamily="34" charset="-122"/>
+              </a:defRPr>
+            </a:lvl5pPr>
+            <a:lvl6pPr marL="2514600" indent="-228600" eaLnBrk="0" fontAlgn="base" hangingPunct="0">
+              <a:spcBef>
+                <a:spcPct val="0"/>
+              </a:spcBef>
+              <a:spcAft>
+                <a:spcPct val="0"/>
+              </a:spcAft>
+              <a:buFont typeface="Arial" panose="020B0604020202020204" pitchFamily="34" charset="0"/>
+              <a:defRPr>
+                <a:solidFill>
+                  <a:schemeClr val="tx1"/>
+                </a:solidFill>
+                <a:latin typeface="Arial" panose="020B0604020202020204" pitchFamily="34" charset="0"/>
+                <a:ea typeface="微软雅黑" panose="020B0503020204020204" pitchFamily="34" charset="-122"/>
+              </a:defRPr>
+            </a:lvl6pPr>
+            <a:lvl7pPr marL="2971800" indent="-228600" eaLnBrk="0" fontAlgn="base" hangingPunct="0">
+              <a:spcBef>
+                <a:spcPct val="0"/>
+              </a:spcBef>
+              <a:spcAft>
+                <a:spcPct val="0"/>
+              </a:spcAft>
+              <a:buFont typeface="Arial" panose="020B0604020202020204" pitchFamily="34" charset="0"/>
+              <a:defRPr>
+                <a:solidFill>
+                  <a:schemeClr val="tx1"/>
+                </a:solidFill>
+                <a:latin typeface="Arial" panose="020B0604020202020204" pitchFamily="34" charset="0"/>
+                <a:ea typeface="微软雅黑" panose="020B0503020204020204" pitchFamily="34" charset="-122"/>
+              </a:defRPr>
+            </a:lvl7pPr>
+            <a:lvl8pPr marL="3429000" indent="-228600" eaLnBrk="0" fontAlgn="base" hangingPunct="0">
+              <a:spcBef>
+                <a:spcPct val="0"/>
+              </a:spcBef>
+              <a:spcAft>
+                <a:spcPct val="0"/>
+              </a:spcAft>
+              <a:buFont typeface="Arial" panose="020B0604020202020204" pitchFamily="34" charset="0"/>
+              <a:defRPr>
+                <a:solidFill>
+                  <a:schemeClr val="tx1"/>
+                </a:solidFill>
+                <a:latin typeface="Arial" panose="020B0604020202020204" pitchFamily="34" charset="0"/>
+                <a:ea typeface="微软雅黑" panose="020B0503020204020204" pitchFamily="34" charset="-122"/>
+              </a:defRPr>
+            </a:lvl8pPr>
+            <a:lvl9pPr marL="3886200" indent="-228600" eaLnBrk="0" fontAlgn="base" hangingPunct="0">
+              <a:spcBef>
+                <a:spcPct val="0"/>
+              </a:spcBef>
+              <a:spcAft>
+                <a:spcPct val="0"/>
+              </a:spcAft>
+              <a:buFont typeface="Arial" panose="020B0604020202020204" pitchFamily="34" charset="0"/>
+              <a:defRPr>
+                <a:solidFill>
+                  <a:schemeClr val="tx1"/>
+                </a:solidFill>
+                <a:latin typeface="Arial" panose="020B0604020202020204" pitchFamily="34" charset="0"/>
+                <a:ea typeface="微软雅黑" panose="020B0503020204020204" pitchFamily="34" charset="-122"/>
+              </a:defRPr>
+            </a:lvl9pPr>
+          </a:lstStyle>
+          <a:p>
+            <a:r>
+              <a:rPr lang="zh-CN" altLang="en-US" sz="2400" b="1" dirty="0">
+                <a:solidFill>
+                  <a:srgbClr val="007F58"/>
+                </a:solidFill>
+                <a:latin typeface="微软雅黑" panose="020B0503020204020204" pitchFamily="34" charset="-122"/>
+              </a:rPr>
+              <a:t>其他函数</a:t>
+            </a:r>
+          </a:p>
+        </p:txBody>
+      </p:sp>
+      <p:graphicFrame>
+        <p:nvGraphicFramePr>
+          <p:cNvPr id="3" name="表格 2">
+            <a:extLst>
+              <a:ext uri="{FF2B5EF4-FFF2-40B4-BE49-F238E27FC236}">
+                <a16:creationId xmlns:a16="http://schemas.microsoft.com/office/drawing/2014/main" id="{426923CA-DD5F-4F31-ABAA-67790CFE3E25}"/>
+              </a:ext>
+            </a:extLst>
+          </p:cNvPr>
+          <p:cNvGraphicFramePr>
+            <a:graphicFrameLocks noGrp="1"/>
+          </p:cNvGraphicFramePr>
+          <p:nvPr>
+            <p:extLst>
+              <p:ext uri="{D42A27DB-BD31-4B8C-83A1-F6EECF244321}">
+                <p14:modId xmlns:p14="http://schemas.microsoft.com/office/powerpoint/2010/main" val="2483206241"/>
+              </p:ext>
+            </p:extLst>
+          </p:nvPr>
+        </p:nvGraphicFramePr>
+        <p:xfrm>
+          <a:off x="1417170" y="1778000"/>
+          <a:ext cx="9357660" cy="3302000"/>
+        </p:xfrm>
+        <a:graphic>
+          <a:graphicData uri="http://schemas.openxmlformats.org/drawingml/2006/table">
+            <a:tbl>
+              <a:tblPr firstRow="1" bandRow="1">
+                <a:tableStyleId>{5C22544A-7EE6-4342-B048-85BDC9FD1C3A}</a:tableStyleId>
+              </a:tblPr>
+              <a:tblGrid>
+                <a:gridCol w="1934884">
+                  <a:extLst>
+                    <a:ext uri="{9D8B030D-6E8A-4147-A177-3AD203B41FA5}">
+                      <a16:colId xmlns:a16="http://schemas.microsoft.com/office/drawing/2014/main" val="275840825"/>
+                    </a:ext>
+                  </a:extLst>
+                </a:gridCol>
+                <a:gridCol w="7422776">
+                  <a:extLst>
+                    <a:ext uri="{9D8B030D-6E8A-4147-A177-3AD203B41FA5}">
+                      <a16:colId xmlns:a16="http://schemas.microsoft.com/office/drawing/2014/main" val="2921224805"/>
+                    </a:ext>
+                  </a:extLst>
+                </a:gridCol>
+              </a:tblGrid>
+              <a:tr h="370840">
+                <a:tc>
+                  <a:txBody>
+                    <a:bodyPr/>
+                    <a:lstStyle/>
+                    <a:p>
+                      <a:r>
+                        <a:rPr lang="zh-CN" altLang="en-US" dirty="0"/>
+                        <a:t>函数名</a:t>
+                      </a:r>
+                    </a:p>
+                  </a:txBody>
+                  <a:tcPr/>
+                </a:tc>
+                <a:tc>
+                  <a:txBody>
+                    <a:bodyPr/>
+                    <a:lstStyle/>
+                    <a:p>
+                      <a:r>
+                        <a:rPr lang="zh-CN" altLang="en-US" dirty="0"/>
+                        <a:t>功能描述</a:t>
+                      </a:r>
+                    </a:p>
+                  </a:txBody>
+                  <a:tcPr/>
+                </a:tc>
+                <a:extLst>
+                  <a:ext uri="{0D108BD9-81ED-4DB2-BD59-A6C34878D82A}">
+                    <a16:rowId xmlns:a16="http://schemas.microsoft.com/office/drawing/2014/main" val="2319463917"/>
+                  </a:ext>
+                </a:extLst>
+              </a:tr>
+              <a:tr h="370840">
+                <a:tc>
+                  <a:txBody>
+                    <a:bodyPr/>
+                    <a:lstStyle/>
+                    <a:p>
+                      <a:pPr marL="0" marR="0" lvl="0" indent="0" algn="l" defTabSz="914400" rtl="0" eaLnBrk="1" fontAlgn="auto" latinLnBrk="0" hangingPunct="1">
+                        <a:lnSpc>
+                          <a:spcPct val="100000"/>
+                        </a:lnSpc>
+                        <a:spcBef>
+                          <a:spcPts val="0"/>
+                        </a:spcBef>
+                        <a:spcAft>
+                          <a:spcPts val="0"/>
+                        </a:spcAft>
+                        <a:buClrTx/>
+                        <a:buSzTx/>
+                        <a:buFontTx/>
+                        <a:buNone/>
+                        <a:tabLst/>
+                        <a:defRPr/>
+                      </a:pPr>
+                      <a:r>
+                        <a:rPr lang="en-US" altLang="zh-CN" sz="1800" b="0" i="0" kern="1200" dirty="0" err="1">
+                          <a:solidFill>
+                            <a:schemeClr val="dk1"/>
+                          </a:solidFill>
+                          <a:effectLst/>
+                          <a:latin typeface="+mn-lt"/>
+                          <a:ea typeface="+mn-ea"/>
+                          <a:cs typeface="+mn-cs"/>
+                        </a:rPr>
+                        <a:t>getname</a:t>
+                      </a:r>
+                      <a:r>
+                        <a:rPr lang="en-US" altLang="zh-CN" sz="1800" b="0" i="0" kern="1200" dirty="0">
+                          <a:solidFill>
+                            <a:schemeClr val="dk1"/>
+                          </a:solidFill>
+                          <a:effectLst/>
+                          <a:latin typeface="+mn-lt"/>
+                          <a:ea typeface="+mn-ea"/>
+                          <a:cs typeface="+mn-cs"/>
+                        </a:rPr>
+                        <a:t>()</a:t>
+                      </a:r>
+                      <a:endParaRPr lang="zh-CN" altLang="en-US" dirty="0"/>
+                    </a:p>
+                  </a:txBody>
+                  <a:tcPr/>
+                </a:tc>
+                <a:tc>
+                  <a:txBody>
+                    <a:bodyPr/>
+                    <a:lstStyle/>
+                    <a:p>
+                      <a:r>
+                        <a:rPr lang="zh-CN" altLang="en-US" sz="1800" b="0" i="0" kern="1200" dirty="0">
+                          <a:solidFill>
+                            <a:schemeClr val="dk1"/>
+                          </a:solidFill>
+                          <a:effectLst/>
+                          <a:latin typeface="+mn-lt"/>
+                          <a:ea typeface="+mn-ea"/>
+                          <a:cs typeface="+mn-cs"/>
+                        </a:rPr>
+                        <a:t>根据路径生成名字。这个函数主要是使用</a:t>
+                      </a:r>
+                      <a:r>
+                        <a:rPr lang="en-US" altLang="zh-CN" sz="1800" b="0" i="0" kern="1200" dirty="0" err="1">
+                          <a:solidFill>
+                            <a:schemeClr val="dk1"/>
+                          </a:solidFill>
+                          <a:effectLst/>
+                          <a:latin typeface="+mn-lt"/>
+                          <a:ea typeface="+mn-ea"/>
+                          <a:cs typeface="+mn-cs"/>
+                        </a:rPr>
+                        <a:t>openssl</a:t>
+                      </a:r>
+                      <a:r>
+                        <a:rPr lang="zh-CN" altLang="en-US" sz="1800" b="0" i="0" kern="1200" dirty="0">
+                          <a:solidFill>
+                            <a:schemeClr val="dk1"/>
+                          </a:solidFill>
+                          <a:effectLst/>
+                          <a:latin typeface="+mn-lt"/>
+                          <a:ea typeface="+mn-ea"/>
+                          <a:cs typeface="+mn-cs"/>
+                        </a:rPr>
+                        <a:t>生成证书的时候用到的。在使用</a:t>
+                      </a:r>
+                      <a:r>
+                        <a:rPr lang="en-US" altLang="zh-CN" sz="1800" b="0" i="0" kern="1200" dirty="0" err="1">
+                          <a:solidFill>
+                            <a:schemeClr val="dk1"/>
+                          </a:solidFill>
+                          <a:effectLst/>
+                          <a:latin typeface="+mn-lt"/>
+                          <a:ea typeface="+mn-ea"/>
+                          <a:cs typeface="+mn-cs"/>
+                        </a:rPr>
+                        <a:t>openssl</a:t>
+                      </a:r>
+                      <a:r>
+                        <a:rPr lang="zh-CN" altLang="en-US" sz="1800" b="0" i="0" kern="1200" dirty="0">
+                          <a:solidFill>
+                            <a:schemeClr val="dk1"/>
+                          </a:solidFill>
+                          <a:effectLst/>
+                          <a:latin typeface="+mn-lt"/>
+                          <a:ea typeface="+mn-ea"/>
+                          <a:cs typeface="+mn-cs"/>
+                        </a:rPr>
+                        <a:t>生成证书的时候，可以使用</a:t>
+                      </a:r>
+                      <a:r>
+                        <a:rPr lang="en-US" altLang="zh-CN" sz="1800" b="0" i="0" kern="1200" dirty="0">
+                          <a:solidFill>
+                            <a:schemeClr val="dk1"/>
+                          </a:solidFill>
+                          <a:effectLst/>
+                          <a:latin typeface="+mn-lt"/>
+                          <a:ea typeface="+mn-ea"/>
+                          <a:cs typeface="+mn-cs"/>
+                        </a:rPr>
+                        <a:t>-subj</a:t>
+                      </a:r>
+                      <a:r>
+                        <a:rPr lang="zh-CN" altLang="en-US" sz="1800" b="0" i="0" kern="1200" dirty="0">
+                          <a:solidFill>
+                            <a:schemeClr val="dk1"/>
+                          </a:solidFill>
+                          <a:effectLst/>
+                          <a:latin typeface="+mn-lt"/>
+                          <a:ea typeface="+mn-ea"/>
+                          <a:cs typeface="+mn-cs"/>
+                        </a:rPr>
+                        <a:t>选项指定生成的证书请求的用户信息。而</a:t>
+                      </a:r>
+                      <a:r>
+                        <a:rPr lang="en-US" altLang="zh-CN" sz="1800" b="0" i="0" kern="1200" dirty="0" err="1">
+                          <a:solidFill>
+                            <a:schemeClr val="dk1"/>
+                          </a:solidFill>
+                          <a:effectLst/>
+                          <a:latin typeface="+mn-lt"/>
+                          <a:ea typeface="+mn-ea"/>
+                          <a:cs typeface="+mn-cs"/>
+                        </a:rPr>
+                        <a:t>getname</a:t>
+                      </a:r>
+                      <a:r>
+                        <a:rPr lang="zh-CN" altLang="en-US" sz="1800" b="0" i="0" kern="1200" dirty="0">
+                          <a:solidFill>
+                            <a:schemeClr val="dk1"/>
+                          </a:solidFill>
+                          <a:effectLst/>
+                          <a:latin typeface="+mn-lt"/>
+                          <a:ea typeface="+mn-ea"/>
+                          <a:cs typeface="+mn-cs"/>
+                        </a:rPr>
+                        <a:t>就是根据文件的路径来生成常用名</a:t>
+                      </a:r>
+                      <a:r>
+                        <a:rPr lang="en-US" altLang="zh-CN" sz="1800" b="0" i="0" kern="1200" dirty="0">
+                          <a:solidFill>
+                            <a:schemeClr val="dk1"/>
+                          </a:solidFill>
+                          <a:effectLst/>
+                          <a:latin typeface="+mn-lt"/>
+                          <a:ea typeface="+mn-ea"/>
+                          <a:cs typeface="+mn-cs"/>
+                        </a:rPr>
+                        <a:t>(CN, </a:t>
+                      </a:r>
+                      <a:r>
+                        <a:rPr lang="en-US" altLang="zh-CN" sz="1800" b="0" i="0" kern="1200" dirty="0" err="1">
+                          <a:solidFill>
+                            <a:schemeClr val="dk1"/>
+                          </a:solidFill>
+                          <a:effectLst/>
+                          <a:latin typeface="+mn-lt"/>
+                          <a:ea typeface="+mn-ea"/>
+                          <a:cs typeface="+mn-cs"/>
+                        </a:rPr>
+                        <a:t>CommonName</a:t>
+                      </a:r>
+                      <a:r>
+                        <a:rPr lang="en-US" altLang="zh-CN" sz="1800" b="0" i="0" kern="1200" dirty="0">
+                          <a:solidFill>
+                            <a:schemeClr val="dk1"/>
+                          </a:solidFill>
+                          <a:effectLst/>
+                          <a:latin typeface="+mn-lt"/>
+                          <a:ea typeface="+mn-ea"/>
+                          <a:cs typeface="+mn-cs"/>
+                        </a:rPr>
+                        <a:t>)</a:t>
+                      </a:r>
+                      <a:r>
+                        <a:rPr lang="zh-CN" altLang="en-US" sz="1800" b="0" i="0" kern="1200" dirty="0">
+                          <a:solidFill>
+                            <a:schemeClr val="dk1"/>
+                          </a:solidFill>
+                          <a:effectLst/>
+                          <a:latin typeface="+mn-lt"/>
+                          <a:ea typeface="+mn-ea"/>
+                          <a:cs typeface="+mn-cs"/>
+                        </a:rPr>
+                        <a:t>，比如：</a:t>
+                      </a:r>
+                      <a:endParaRPr lang="en-US" altLang="zh-CN" sz="1800" b="0" i="0" kern="1200" dirty="0">
+                        <a:solidFill>
+                          <a:schemeClr val="dk1"/>
+                        </a:solidFill>
+                        <a:effectLst/>
+                        <a:latin typeface="+mn-lt"/>
+                        <a:ea typeface="+mn-ea"/>
+                        <a:cs typeface="+mn-cs"/>
+                      </a:endParaRPr>
+                    </a:p>
+                    <a:p>
+                      <a:r>
+                        <a:rPr lang="en-US" altLang="zh-CN" sz="1800" b="0" i="0" kern="1200" dirty="0">
+                          <a:solidFill>
+                            <a:schemeClr val="dk1"/>
+                          </a:solidFill>
+                          <a:effectLst/>
+                          <a:latin typeface="+mn-lt"/>
+                          <a:ea typeface="+mn-ea"/>
+                          <a:cs typeface="+mn-cs"/>
+                        </a:rPr>
+                        <a:t>....</a:t>
+                      </a:r>
+                    </a:p>
+                    <a:p>
+                      <a:r>
+                        <a:rPr lang="en-US" altLang="zh-CN" sz="1800" b="0" i="0" kern="1200" dirty="0">
+                          <a:solidFill>
+                            <a:schemeClr val="dk1"/>
+                          </a:solidFill>
+                          <a:effectLst/>
+                          <a:latin typeface="+mn-lt"/>
+                          <a:ea typeface="+mn-ea"/>
+                          <a:cs typeface="+mn-cs"/>
+                        </a:rPr>
+                        <a:t>name=$(</a:t>
+                      </a:r>
+                      <a:r>
+                        <a:rPr lang="en-US" altLang="zh-CN" sz="1800" b="0" i="0" kern="1200" dirty="0" err="1">
+                          <a:solidFill>
+                            <a:schemeClr val="dk1"/>
+                          </a:solidFill>
+                          <a:effectLst/>
+                          <a:latin typeface="+mn-lt"/>
+                          <a:ea typeface="+mn-ea"/>
+                          <a:cs typeface="+mn-cs"/>
+                        </a:rPr>
+                        <a:t>getname</a:t>
+                      </a:r>
+                      <a:r>
+                        <a:rPr lang="en-US" altLang="zh-CN" sz="1800" b="0" i="0" kern="1200" dirty="0">
+                          <a:solidFill>
+                            <a:schemeClr val="dk1"/>
+                          </a:solidFill>
+                          <a:effectLst/>
+                          <a:latin typeface="+mn-lt"/>
+                          <a:ea typeface="+mn-ea"/>
+                          <a:cs typeface="+mn-cs"/>
+                        </a:rPr>
+                        <a:t> "$</a:t>
+                      </a:r>
+                      <a:r>
+                        <a:rPr lang="en-US" altLang="zh-CN" sz="1800" b="0" i="0" kern="1200" dirty="0" err="1">
+                          <a:solidFill>
+                            <a:schemeClr val="dk1"/>
+                          </a:solidFill>
+                          <a:effectLst/>
+                          <a:latin typeface="+mn-lt"/>
+                          <a:ea typeface="+mn-ea"/>
+                          <a:cs typeface="+mn-cs"/>
+                        </a:rPr>
+                        <a:t>agencypath</a:t>
+                      </a:r>
+                      <a:r>
+                        <a:rPr lang="en-US" altLang="zh-CN" sz="1800" b="0" i="0" kern="1200" dirty="0">
+                          <a:solidFill>
+                            <a:schemeClr val="dk1"/>
+                          </a:solidFill>
+                          <a:effectLst/>
+                          <a:latin typeface="+mn-lt"/>
+                          <a:ea typeface="+mn-ea"/>
+                          <a:cs typeface="+mn-cs"/>
+                        </a:rPr>
+                        <a:t>")</a:t>
+                      </a:r>
+                    </a:p>
+                    <a:p>
+                      <a:r>
+                        <a:rPr lang="en-US" altLang="zh-CN" sz="1800" b="0" i="0" kern="1200" dirty="0">
+                          <a:solidFill>
+                            <a:schemeClr val="dk1"/>
+                          </a:solidFill>
+                          <a:effectLst/>
+                          <a:latin typeface="+mn-lt"/>
+                          <a:ea typeface="+mn-ea"/>
+                          <a:cs typeface="+mn-cs"/>
+                        </a:rPr>
+                        <a:t>....</a:t>
+                      </a:r>
+                    </a:p>
+                    <a:p>
+                      <a:r>
+                        <a:rPr lang="en-US" altLang="zh-CN" sz="1800" b="0" i="0" kern="1200" dirty="0" err="1">
+                          <a:solidFill>
+                            <a:schemeClr val="dk1"/>
+                          </a:solidFill>
+                          <a:effectLst/>
+                          <a:latin typeface="+mn-lt"/>
+                          <a:ea typeface="+mn-ea"/>
+                          <a:cs typeface="+mn-cs"/>
+                        </a:rPr>
+                        <a:t>openssl</a:t>
+                      </a:r>
+                      <a:r>
+                        <a:rPr lang="en-US" altLang="zh-CN" sz="1800" b="0" i="0" kern="1200" dirty="0">
+                          <a:solidFill>
+                            <a:schemeClr val="dk1"/>
+                          </a:solidFill>
+                          <a:effectLst/>
+                          <a:latin typeface="+mn-lt"/>
+                          <a:ea typeface="+mn-ea"/>
+                          <a:cs typeface="+mn-cs"/>
+                        </a:rPr>
+                        <a:t> .... -subj "/CN=$name/O=</a:t>
+                      </a:r>
+                      <a:r>
+                        <a:rPr lang="en-US" altLang="zh-CN" sz="1800" b="0" i="0" kern="1200" dirty="0" err="1">
+                          <a:solidFill>
+                            <a:schemeClr val="dk1"/>
+                          </a:solidFill>
+                          <a:effectLst/>
+                          <a:latin typeface="+mn-lt"/>
+                          <a:ea typeface="+mn-ea"/>
+                          <a:cs typeface="+mn-cs"/>
+                        </a:rPr>
+                        <a:t>fisco-bcos</a:t>
+                      </a:r>
+                      <a:r>
+                        <a:rPr lang="en-US" altLang="zh-CN" sz="1800" b="0" i="0" kern="1200" dirty="0">
+                          <a:solidFill>
+                            <a:schemeClr val="dk1"/>
+                          </a:solidFill>
+                          <a:effectLst/>
+                          <a:latin typeface="+mn-lt"/>
+                          <a:ea typeface="+mn-ea"/>
+                          <a:cs typeface="+mn-cs"/>
+                        </a:rPr>
+                        <a:t>/OU=agency" </a:t>
+                      </a:r>
+                    </a:p>
+                    <a:p>
+                      <a:r>
+                        <a:rPr lang="en-US" altLang="zh-CN" sz="1800" b="0" i="0" kern="1200" dirty="0">
+                          <a:solidFill>
+                            <a:schemeClr val="dk1"/>
+                          </a:solidFill>
+                          <a:effectLst/>
+                          <a:latin typeface="+mn-lt"/>
+                          <a:ea typeface="+mn-ea"/>
+                          <a:cs typeface="+mn-cs"/>
+                        </a:rPr>
+                        <a:t>........</a:t>
+                      </a:r>
+                      <a:endParaRPr lang="zh-CN" altLang="en-US" dirty="0"/>
+                    </a:p>
+                  </a:txBody>
+                  <a:tcPr/>
+                </a:tc>
+                <a:extLst>
+                  <a:ext uri="{0D108BD9-81ED-4DB2-BD59-A6C34878D82A}">
+                    <a16:rowId xmlns:a16="http://schemas.microsoft.com/office/drawing/2014/main" val="1414814724"/>
+                  </a:ext>
+                </a:extLst>
+              </a:tr>
+              <a:tr h="370840">
+                <a:tc>
+                  <a:txBody>
+                    <a:bodyPr/>
+                    <a:lstStyle/>
+                    <a:p>
+                      <a:r>
+                        <a:rPr lang="en-US" altLang="zh-CN" sz="1800" b="0" i="0" kern="1200" dirty="0">
+                          <a:solidFill>
+                            <a:schemeClr val="dk1"/>
+                          </a:solidFill>
+                          <a:effectLst/>
+                          <a:latin typeface="+mn-lt"/>
+                          <a:ea typeface="+mn-ea"/>
+                          <a:cs typeface="+mn-cs"/>
+                        </a:rPr>
+                        <a:t>main()</a:t>
+                      </a:r>
+                      <a:endParaRPr lang="zh-CN" altLang="en-US" dirty="0"/>
+                    </a:p>
+                  </a:txBody>
+                  <a:tcPr/>
+                </a:tc>
+                <a:tc>
+                  <a:txBody>
+                    <a:bodyPr/>
+                    <a:lstStyle/>
+                    <a:p>
+                      <a:r>
+                        <a:rPr lang="en-US" altLang="zh-CN" dirty="0"/>
+                        <a:t>…</a:t>
+                      </a:r>
+                      <a:endParaRPr lang="zh-CN" altLang="en-US" dirty="0"/>
+                    </a:p>
+                  </a:txBody>
+                  <a:tcPr/>
+                </a:tc>
+                <a:extLst>
+                  <a:ext uri="{0D108BD9-81ED-4DB2-BD59-A6C34878D82A}">
+                    <a16:rowId xmlns:a16="http://schemas.microsoft.com/office/drawing/2014/main" val="1746408502"/>
+                  </a:ext>
+                </a:extLst>
+              </a:tr>
+            </a:tbl>
+          </a:graphicData>
+        </a:graphic>
+      </p:graphicFrame>
+    </p:spTree>
+    <p:extLst>
+      <p:ext uri="{BB962C8B-B14F-4D97-AF65-F5344CB8AC3E}">
+        <p14:creationId xmlns:p14="http://schemas.microsoft.com/office/powerpoint/2010/main" val="1800337807"/>
+      </p:ext>
+    </p:extLst>
+  </p:cSld>
+  <p:clrMapOvr>
+    <a:masterClrMapping/>
+  </p:clrMapOvr>
+</p:sld>
+</file>
+
+<file path=ppt/slides/slide15.xml><?xml version="1.0" encoding="utf-8"?>
+<p:sld xmlns:a="http://schemas.openxmlformats.org/drawingml/2006/main" xmlns:r="http://schemas.openxmlformats.org/officeDocument/2006/relationships" xmlns:p="http://schemas.openxmlformats.org/presentationml/2006/main">
+  <p:cSld>
+    <p:spTree>
+      <p:nvGrpSpPr>
+        <p:cNvPr id="1" name=""/>
+        <p:cNvGrpSpPr/>
+        <p:nvPr/>
+      </p:nvGrpSpPr>
+      <p:grpSpPr>
+        <a:xfrm>
+          <a:off x="0" y="0"/>
+          <a:ext cx="0" cy="0"/>
+          <a:chOff x="0" y="0"/>
+          <a:chExt cx="0" cy="0"/>
+        </a:xfrm>
+      </p:grpSpPr>
+      <p:sp>
+        <p:nvSpPr>
+          <p:cNvPr id="2" name="文本框 20">
+            <a:extLst>
+              <a:ext uri="{FF2B5EF4-FFF2-40B4-BE49-F238E27FC236}">
+                <a16:creationId xmlns:a16="http://schemas.microsoft.com/office/drawing/2014/main" id="{DE3889F8-6551-4A68-BC45-154B108E5FE8}"/>
+              </a:ext>
+            </a:extLst>
+          </p:cNvPr>
+          <p:cNvSpPr txBox="1">
+            <a:spLocks noChangeArrowheads="1"/>
+          </p:cNvSpPr>
+          <p:nvPr/>
+        </p:nvSpPr>
+        <p:spPr bwMode="auto">
+          <a:xfrm>
+            <a:off x="229489" y="282741"/>
+            <a:ext cx="4485746" cy="461665"/>
+          </a:xfrm>
+          <a:prstGeom prst="rect">
+            <a:avLst/>
+          </a:prstGeom>
+          <a:noFill/>
+          <a:ln>
+            <a:noFill/>
+          </a:ln>
+          <a:extLst>
+            <a:ext uri="{909E8E84-426E-40DD-AFC4-6F175D3DCCD1}">
+              <a14:hiddenFill xmlns:a14="http://schemas.microsoft.com/office/drawing/2010/main">
+                <a:solidFill>
+                  <a:srgbClr val="FFFFFF"/>
+                </a:solidFill>
+              </a14:hiddenFill>
+            </a:ext>
+            <a:ext uri="{91240B29-F687-4F45-9708-019B960494DF}">
+              <a14:hiddenLine xmlns:a14="http://schemas.microsoft.com/office/drawing/2010/main" w="9525">
+                <a:solidFill>
+                  <a:srgbClr val="000000"/>
+                </a:solidFill>
+                <a:miter lim="800000"/>
+                <a:headEnd/>
+                <a:tailEnd/>
+              </a14:hiddenLine>
+            </a:ext>
+          </a:extLst>
+        </p:spPr>
+        <p:txBody>
+          <a:bodyPr wrap="square">
+            <a:spAutoFit/>
+          </a:bodyPr>
+          <a:lstStyle>
+            <a:lvl1pPr>
+              <a:buFont typeface="Arial" panose="020B0604020202020204" pitchFamily="34" charset="0"/>
+              <a:defRPr>
+                <a:solidFill>
+                  <a:schemeClr val="tx1"/>
+                </a:solidFill>
+                <a:latin typeface="Arial" panose="020B0604020202020204" pitchFamily="34" charset="0"/>
+                <a:ea typeface="微软雅黑" panose="020B0503020204020204" pitchFamily="34" charset="-122"/>
+              </a:defRPr>
+            </a:lvl1pPr>
+            <a:lvl2pPr marL="742950" indent="-285750">
+              <a:buFont typeface="Arial" panose="020B0604020202020204" pitchFamily="34" charset="0"/>
+              <a:defRPr>
+                <a:solidFill>
+                  <a:schemeClr val="tx1"/>
+                </a:solidFill>
+                <a:latin typeface="Arial" panose="020B0604020202020204" pitchFamily="34" charset="0"/>
+                <a:ea typeface="微软雅黑" panose="020B0503020204020204" pitchFamily="34" charset="-122"/>
+              </a:defRPr>
+            </a:lvl2pPr>
+            <a:lvl3pPr marL="1143000" indent="-228600">
+              <a:buFont typeface="Arial" panose="020B0604020202020204" pitchFamily="34" charset="0"/>
+              <a:defRPr>
+                <a:solidFill>
+                  <a:schemeClr val="tx1"/>
+                </a:solidFill>
+                <a:latin typeface="Arial" panose="020B0604020202020204" pitchFamily="34" charset="0"/>
+                <a:ea typeface="微软雅黑" panose="020B0503020204020204" pitchFamily="34" charset="-122"/>
+              </a:defRPr>
+            </a:lvl3pPr>
+            <a:lvl4pPr marL="1600200" indent="-228600">
+              <a:buFont typeface="Arial" panose="020B0604020202020204" pitchFamily="34" charset="0"/>
+              <a:defRPr>
+                <a:solidFill>
+                  <a:schemeClr val="tx1"/>
+                </a:solidFill>
+                <a:latin typeface="Arial" panose="020B0604020202020204" pitchFamily="34" charset="0"/>
+                <a:ea typeface="微软雅黑" panose="020B0503020204020204" pitchFamily="34" charset="-122"/>
+              </a:defRPr>
+            </a:lvl4pPr>
+            <a:lvl5pPr marL="2057400" indent="-228600">
+              <a:buFont typeface="Arial" panose="020B0604020202020204" pitchFamily="34" charset="0"/>
+              <a:defRPr>
+                <a:solidFill>
+                  <a:schemeClr val="tx1"/>
+                </a:solidFill>
+                <a:latin typeface="Arial" panose="020B0604020202020204" pitchFamily="34" charset="0"/>
+                <a:ea typeface="微软雅黑" panose="020B0503020204020204" pitchFamily="34" charset="-122"/>
+              </a:defRPr>
+            </a:lvl5pPr>
+            <a:lvl6pPr marL="2514600" indent="-228600" eaLnBrk="0" fontAlgn="base" hangingPunct="0">
+              <a:spcBef>
+                <a:spcPct val="0"/>
+              </a:spcBef>
+              <a:spcAft>
+                <a:spcPct val="0"/>
+              </a:spcAft>
+              <a:buFont typeface="Arial" panose="020B0604020202020204" pitchFamily="34" charset="0"/>
+              <a:defRPr>
+                <a:solidFill>
+                  <a:schemeClr val="tx1"/>
+                </a:solidFill>
+                <a:latin typeface="Arial" panose="020B0604020202020204" pitchFamily="34" charset="0"/>
+                <a:ea typeface="微软雅黑" panose="020B0503020204020204" pitchFamily="34" charset="-122"/>
+              </a:defRPr>
+            </a:lvl6pPr>
+            <a:lvl7pPr marL="2971800" indent="-228600" eaLnBrk="0" fontAlgn="base" hangingPunct="0">
+              <a:spcBef>
+                <a:spcPct val="0"/>
+              </a:spcBef>
+              <a:spcAft>
+                <a:spcPct val="0"/>
+              </a:spcAft>
+              <a:buFont typeface="Arial" panose="020B0604020202020204" pitchFamily="34" charset="0"/>
+              <a:defRPr>
+                <a:solidFill>
+                  <a:schemeClr val="tx1"/>
+                </a:solidFill>
+                <a:latin typeface="Arial" panose="020B0604020202020204" pitchFamily="34" charset="0"/>
+                <a:ea typeface="微软雅黑" panose="020B0503020204020204" pitchFamily="34" charset="-122"/>
+              </a:defRPr>
+            </a:lvl7pPr>
+            <a:lvl8pPr marL="3429000" indent="-228600" eaLnBrk="0" fontAlgn="base" hangingPunct="0">
+              <a:spcBef>
+                <a:spcPct val="0"/>
+              </a:spcBef>
+              <a:spcAft>
+                <a:spcPct val="0"/>
+              </a:spcAft>
+              <a:buFont typeface="Arial" panose="020B0604020202020204" pitchFamily="34" charset="0"/>
+              <a:defRPr>
+                <a:solidFill>
+                  <a:schemeClr val="tx1"/>
+                </a:solidFill>
+                <a:latin typeface="Arial" panose="020B0604020202020204" pitchFamily="34" charset="0"/>
+                <a:ea typeface="微软雅黑" panose="020B0503020204020204" pitchFamily="34" charset="-122"/>
+              </a:defRPr>
+            </a:lvl8pPr>
+            <a:lvl9pPr marL="3886200" indent="-228600" eaLnBrk="0" fontAlgn="base" hangingPunct="0">
+              <a:spcBef>
+                <a:spcPct val="0"/>
+              </a:spcBef>
+              <a:spcAft>
+                <a:spcPct val="0"/>
+              </a:spcAft>
+              <a:buFont typeface="Arial" panose="020B0604020202020204" pitchFamily="34" charset="0"/>
+              <a:defRPr>
+                <a:solidFill>
+                  <a:schemeClr val="tx1"/>
+                </a:solidFill>
+                <a:latin typeface="Arial" panose="020B0604020202020204" pitchFamily="34" charset="0"/>
+                <a:ea typeface="微软雅黑" panose="020B0503020204020204" pitchFamily="34" charset="-122"/>
+              </a:defRPr>
+            </a:lvl9pPr>
+          </a:lstStyle>
+          <a:p>
+            <a:r>
+              <a:rPr lang="zh-CN" altLang="en-US" sz="2400" b="1" dirty="0">
+                <a:solidFill>
+                  <a:srgbClr val="007F58"/>
+                </a:solidFill>
+                <a:latin typeface="微软雅黑" panose="020B0503020204020204" pitchFamily="34" charset="-122"/>
+              </a:rPr>
               <a:t>其他函数（</a:t>
             </a:r>
             <a:r>
@@ -5963,10 +9370,10 @@
       </p:sp>
       <p:pic>
         <p:nvPicPr>
-          <p:cNvPr id="5" name="图片 4">
+          <p:cNvPr id="4" name="图片 3">
             <a:extLst>
               <a:ext uri="{FF2B5EF4-FFF2-40B4-BE49-F238E27FC236}">
-                <a16:creationId xmlns:a16="http://schemas.microsoft.com/office/drawing/2014/main" id="{755E0F4F-D29B-4514-9A17-D49CABF880B0}"/>
+                <a16:creationId xmlns:a16="http://schemas.microsoft.com/office/drawing/2014/main" id="{14728004-049C-43BD-8380-9FA364AB7F6A}"/>
               </a:ext>
             </a:extLst>
           </p:cNvPr>
@@ -5989,14 +9396,83 @@
         </p:blipFill>
         <p:spPr>
           <a:xfrm>
-            <a:off x="1843087" y="1223962"/>
-            <a:ext cx="8505825" cy="4410075"/>
+            <a:off x="3893270" y="111371"/>
+            <a:ext cx="8223315" cy="6635257"/>
           </a:xfrm>
           <a:prstGeom prst="rect">
             <a:avLst/>
           </a:prstGeom>
         </p:spPr>
       </p:pic>
+      <p:sp>
+        <p:nvSpPr>
+          <p:cNvPr id="6" name="矩形 5">
+            <a:extLst>
+              <a:ext uri="{FF2B5EF4-FFF2-40B4-BE49-F238E27FC236}">
+                <a16:creationId xmlns:a16="http://schemas.microsoft.com/office/drawing/2014/main" id="{10608DF1-AC12-429E-9534-F95CD7A0FCC2}"/>
+              </a:ext>
+            </a:extLst>
+          </p:cNvPr>
+          <p:cNvSpPr/>
+          <p:nvPr/>
+        </p:nvSpPr>
+        <p:spPr>
+          <a:xfrm>
+            <a:off x="441593" y="2871280"/>
+            <a:ext cx="3088746" cy="1115437"/>
+          </a:xfrm>
+          <a:prstGeom prst="rect">
+            <a:avLst/>
+          </a:prstGeom>
+          <a:solidFill>
+            <a:schemeClr val="bg1"/>
+          </a:solidFill>
+          <a:ln>
+            <a:solidFill>
+              <a:schemeClr val="bg1"/>
+            </a:solidFill>
+          </a:ln>
+        </p:spPr>
+        <p:style>
+          <a:lnRef idx="2">
+            <a:schemeClr val="accent1">
+              <a:shade val="50000"/>
+            </a:schemeClr>
+          </a:lnRef>
+          <a:fillRef idx="1">
+            <a:schemeClr val="accent1"/>
+          </a:fillRef>
+          <a:effectRef idx="0">
+            <a:schemeClr val="accent1"/>
+          </a:effectRef>
+          <a:fontRef idx="minor">
+            <a:schemeClr val="lt1"/>
+          </a:fontRef>
+        </p:style>
+        <p:txBody>
+          <a:bodyPr rtlCol="0" anchor="ctr"/>
+          <a:lstStyle/>
+          <a:p>
+            <a:pPr algn="ctr"/>
+            <a:r>
+              <a:rPr lang="en-US" altLang="zh-CN" sz="2800" dirty="0">
+                <a:solidFill>
+                  <a:schemeClr val="tx1"/>
+                </a:solidFill>
+              </a:rPr>
+              <a:t>main</a:t>
+            </a:r>
+            <a:r>
+              <a:rPr lang="zh-CN" altLang="en-US" sz="2800" dirty="0">
+                <a:solidFill>
+                  <a:schemeClr val="tx1"/>
+                </a:solidFill>
+              </a:rPr>
+              <a:t>函数可以分为七个部分，如图：</a:t>
+            </a:r>
+          </a:p>
+        </p:txBody>
+      </p:sp>
     </p:spTree>
     <p:extLst>
       <p:ext uri="{BB962C8B-B14F-4D97-AF65-F5344CB8AC3E}">
@@ -6010,7 +9486,653 @@
 </p:sld>
 </file>
 
-<file path=ppt/slides/slide14.xml><?xml version="1.0" encoding="utf-8"?>
+<file path=ppt/slides/slide16.xml><?xml version="1.0" encoding="utf-8"?>
+<p:sld xmlns:a="http://schemas.openxmlformats.org/drawingml/2006/main" xmlns:r="http://schemas.openxmlformats.org/officeDocument/2006/relationships" xmlns:p="http://schemas.openxmlformats.org/presentationml/2006/main">
+  <p:cSld>
+    <p:spTree>
+      <p:nvGrpSpPr>
+        <p:cNvPr id="1" name=""/>
+        <p:cNvGrpSpPr/>
+        <p:nvPr/>
+      </p:nvGrpSpPr>
+      <p:grpSpPr>
+        <a:xfrm>
+          <a:off x="0" y="0"/>
+          <a:ext cx="0" cy="0"/>
+          <a:chOff x="0" y="0"/>
+          <a:chExt cx="0" cy="0"/>
+        </a:xfrm>
+      </p:grpSpPr>
+      <p:sp>
+        <p:nvSpPr>
+          <p:cNvPr id="2" name="文本框 20">
+            <a:extLst>
+              <a:ext uri="{FF2B5EF4-FFF2-40B4-BE49-F238E27FC236}">
+                <a16:creationId xmlns:a16="http://schemas.microsoft.com/office/drawing/2014/main" id="{DE3889F8-6551-4A68-BC45-154B108E5FE8}"/>
+              </a:ext>
+            </a:extLst>
+          </p:cNvPr>
+          <p:cNvSpPr txBox="1">
+            <a:spLocks noChangeArrowheads="1"/>
+          </p:cNvSpPr>
+          <p:nvPr/>
+        </p:nvSpPr>
+        <p:spPr bwMode="auto">
+          <a:xfrm>
+            <a:off x="229489" y="282741"/>
+            <a:ext cx="4485746" cy="461665"/>
+          </a:xfrm>
+          <a:prstGeom prst="rect">
+            <a:avLst/>
+          </a:prstGeom>
+          <a:noFill/>
+          <a:ln>
+            <a:noFill/>
+          </a:ln>
+          <a:extLst>
+            <a:ext uri="{909E8E84-426E-40DD-AFC4-6F175D3DCCD1}">
+              <a14:hiddenFill xmlns:a14="http://schemas.microsoft.com/office/drawing/2010/main">
+                <a:solidFill>
+                  <a:srgbClr val="FFFFFF"/>
+                </a:solidFill>
+              </a14:hiddenFill>
+            </a:ext>
+            <a:ext uri="{91240B29-F687-4F45-9708-019B960494DF}">
+              <a14:hiddenLine xmlns:a14="http://schemas.microsoft.com/office/drawing/2010/main" w="9525">
+                <a:solidFill>
+                  <a:srgbClr val="000000"/>
+                </a:solidFill>
+                <a:miter lim="800000"/>
+                <a:headEnd/>
+                <a:tailEnd/>
+              </a14:hiddenLine>
+            </a:ext>
+          </a:extLst>
+        </p:spPr>
+        <p:txBody>
+          <a:bodyPr wrap="square">
+            <a:spAutoFit/>
+          </a:bodyPr>
+          <a:lstStyle>
+            <a:lvl1pPr>
+              <a:buFont typeface="Arial" panose="020B0604020202020204" pitchFamily="34" charset="0"/>
+              <a:defRPr>
+                <a:solidFill>
+                  <a:schemeClr val="tx1"/>
+                </a:solidFill>
+                <a:latin typeface="Arial" panose="020B0604020202020204" pitchFamily="34" charset="0"/>
+                <a:ea typeface="微软雅黑" panose="020B0503020204020204" pitchFamily="34" charset="-122"/>
+              </a:defRPr>
+            </a:lvl1pPr>
+            <a:lvl2pPr marL="742950" indent="-285750">
+              <a:buFont typeface="Arial" panose="020B0604020202020204" pitchFamily="34" charset="0"/>
+              <a:defRPr>
+                <a:solidFill>
+                  <a:schemeClr val="tx1"/>
+                </a:solidFill>
+                <a:latin typeface="Arial" panose="020B0604020202020204" pitchFamily="34" charset="0"/>
+                <a:ea typeface="微软雅黑" panose="020B0503020204020204" pitchFamily="34" charset="-122"/>
+              </a:defRPr>
+            </a:lvl2pPr>
+            <a:lvl3pPr marL="1143000" indent="-228600">
+              <a:buFont typeface="Arial" panose="020B0604020202020204" pitchFamily="34" charset="0"/>
+              <a:defRPr>
+                <a:solidFill>
+                  <a:schemeClr val="tx1"/>
+                </a:solidFill>
+                <a:latin typeface="Arial" panose="020B0604020202020204" pitchFamily="34" charset="0"/>
+                <a:ea typeface="微软雅黑" panose="020B0503020204020204" pitchFamily="34" charset="-122"/>
+              </a:defRPr>
+            </a:lvl3pPr>
+            <a:lvl4pPr marL="1600200" indent="-228600">
+              <a:buFont typeface="Arial" panose="020B0604020202020204" pitchFamily="34" charset="0"/>
+              <a:defRPr>
+                <a:solidFill>
+                  <a:schemeClr val="tx1"/>
+                </a:solidFill>
+                <a:latin typeface="Arial" panose="020B0604020202020204" pitchFamily="34" charset="0"/>
+                <a:ea typeface="微软雅黑" panose="020B0503020204020204" pitchFamily="34" charset="-122"/>
+              </a:defRPr>
+            </a:lvl4pPr>
+            <a:lvl5pPr marL="2057400" indent="-228600">
+              <a:buFont typeface="Arial" panose="020B0604020202020204" pitchFamily="34" charset="0"/>
+              <a:defRPr>
+                <a:solidFill>
+                  <a:schemeClr val="tx1"/>
+                </a:solidFill>
+                <a:latin typeface="Arial" panose="020B0604020202020204" pitchFamily="34" charset="0"/>
+                <a:ea typeface="微软雅黑" panose="020B0503020204020204" pitchFamily="34" charset="-122"/>
+              </a:defRPr>
+            </a:lvl5pPr>
+            <a:lvl6pPr marL="2514600" indent="-228600" eaLnBrk="0" fontAlgn="base" hangingPunct="0">
+              <a:spcBef>
+                <a:spcPct val="0"/>
+              </a:spcBef>
+              <a:spcAft>
+                <a:spcPct val="0"/>
+              </a:spcAft>
+              <a:buFont typeface="Arial" panose="020B0604020202020204" pitchFamily="34" charset="0"/>
+              <a:defRPr>
+                <a:solidFill>
+                  <a:schemeClr val="tx1"/>
+                </a:solidFill>
+                <a:latin typeface="Arial" panose="020B0604020202020204" pitchFamily="34" charset="0"/>
+                <a:ea typeface="微软雅黑" panose="020B0503020204020204" pitchFamily="34" charset="-122"/>
+              </a:defRPr>
+            </a:lvl6pPr>
+            <a:lvl7pPr marL="2971800" indent="-228600" eaLnBrk="0" fontAlgn="base" hangingPunct="0">
+              <a:spcBef>
+                <a:spcPct val="0"/>
+              </a:spcBef>
+              <a:spcAft>
+                <a:spcPct val="0"/>
+              </a:spcAft>
+              <a:buFont typeface="Arial" panose="020B0604020202020204" pitchFamily="34" charset="0"/>
+              <a:defRPr>
+                <a:solidFill>
+                  <a:schemeClr val="tx1"/>
+                </a:solidFill>
+                <a:latin typeface="Arial" panose="020B0604020202020204" pitchFamily="34" charset="0"/>
+                <a:ea typeface="微软雅黑" panose="020B0503020204020204" pitchFamily="34" charset="-122"/>
+              </a:defRPr>
+            </a:lvl7pPr>
+            <a:lvl8pPr marL="3429000" indent="-228600" eaLnBrk="0" fontAlgn="base" hangingPunct="0">
+              <a:spcBef>
+                <a:spcPct val="0"/>
+              </a:spcBef>
+              <a:spcAft>
+                <a:spcPct val="0"/>
+              </a:spcAft>
+              <a:buFont typeface="Arial" panose="020B0604020202020204" pitchFamily="34" charset="0"/>
+              <a:defRPr>
+                <a:solidFill>
+                  <a:schemeClr val="tx1"/>
+                </a:solidFill>
+                <a:latin typeface="Arial" panose="020B0604020202020204" pitchFamily="34" charset="0"/>
+                <a:ea typeface="微软雅黑" panose="020B0503020204020204" pitchFamily="34" charset="-122"/>
+              </a:defRPr>
+            </a:lvl8pPr>
+            <a:lvl9pPr marL="3886200" indent="-228600" eaLnBrk="0" fontAlgn="base" hangingPunct="0">
+              <a:spcBef>
+                <a:spcPct val="0"/>
+              </a:spcBef>
+              <a:spcAft>
+                <a:spcPct val="0"/>
+              </a:spcAft>
+              <a:buFont typeface="Arial" panose="020B0604020202020204" pitchFamily="34" charset="0"/>
+              <a:defRPr>
+                <a:solidFill>
+                  <a:schemeClr val="tx1"/>
+                </a:solidFill>
+                <a:latin typeface="Arial" panose="020B0604020202020204" pitchFamily="34" charset="0"/>
+                <a:ea typeface="微软雅黑" panose="020B0503020204020204" pitchFamily="34" charset="-122"/>
+              </a:defRPr>
+            </a:lvl9pPr>
+          </a:lstStyle>
+          <a:p>
+            <a:r>
+              <a:rPr lang="zh-CN" altLang="en-US" sz="2400" b="1" dirty="0">
+                <a:solidFill>
+                  <a:srgbClr val="007F58"/>
+                </a:solidFill>
+                <a:latin typeface="微软雅黑" panose="020B0503020204020204" pitchFamily="34" charset="-122"/>
+              </a:rPr>
+              <a:t>其他函数（</a:t>
+            </a:r>
+            <a:r>
+              <a:rPr lang="en-US" altLang="zh-CN" sz="2400" b="1" dirty="0">
+                <a:solidFill>
+                  <a:srgbClr val="007F58"/>
+                </a:solidFill>
+                <a:latin typeface="微软雅黑" panose="020B0503020204020204" pitchFamily="34" charset="-122"/>
+              </a:rPr>
+              <a:t>main</a:t>
+            </a:r>
+            <a:r>
+              <a:rPr lang="zh-CN" altLang="en-US" sz="2400" b="1" dirty="0">
+                <a:solidFill>
+                  <a:srgbClr val="007F58"/>
+                </a:solidFill>
+                <a:latin typeface="微软雅黑" panose="020B0503020204020204" pitchFamily="34" charset="-122"/>
+              </a:rPr>
+              <a:t>函数）</a:t>
+            </a:r>
+          </a:p>
+        </p:txBody>
+      </p:sp>
+      <p:sp>
+        <p:nvSpPr>
+          <p:cNvPr id="3" name="矩形 2">
+            <a:extLst>
+              <a:ext uri="{FF2B5EF4-FFF2-40B4-BE49-F238E27FC236}">
+                <a16:creationId xmlns:a16="http://schemas.microsoft.com/office/drawing/2014/main" id="{C00ACE07-B1A1-4BB0-94EC-EEA02CE1D036}"/>
+              </a:ext>
+            </a:extLst>
+          </p:cNvPr>
+          <p:cNvSpPr/>
+          <p:nvPr/>
+        </p:nvSpPr>
+        <p:spPr>
+          <a:xfrm>
+            <a:off x="750216" y="942948"/>
+            <a:ext cx="10691567" cy="5632311"/>
+          </a:xfrm>
+          <a:prstGeom prst="rect">
+            <a:avLst/>
+          </a:prstGeom>
+        </p:spPr>
+        <p:txBody>
+          <a:bodyPr wrap="square">
+            <a:spAutoFit/>
+          </a:bodyPr>
+          <a:lstStyle/>
+          <a:p>
+            <a:r>
+              <a:rPr lang="en-US" altLang="zh-CN" dirty="0"/>
+              <a:t>1. </a:t>
+            </a:r>
+            <a:r>
+              <a:rPr lang="zh-CN" altLang="en-US" dirty="0"/>
+              <a:t>准备输出目录   </a:t>
+            </a:r>
+          </a:p>
+          <a:p>
+            <a:r>
+              <a:rPr lang="zh-CN" altLang="en-US" dirty="0"/>
+              <a:t>    确保输出目录不存在，并且创建目录。默认的输出目录名是</a:t>
+            </a:r>
+            <a:r>
+              <a:rPr lang="en-US" altLang="zh-CN" dirty="0"/>
+              <a:t>nodes</a:t>
+            </a:r>
+            <a:r>
+              <a:rPr lang="zh-CN" altLang="en-US" dirty="0"/>
+              <a:t>，可以通过</a:t>
+            </a:r>
+            <a:r>
+              <a:rPr lang="en-US" altLang="zh-CN" dirty="0"/>
+              <a:t>-o</a:t>
+            </a:r>
+            <a:r>
+              <a:rPr lang="zh-CN" altLang="en-US" dirty="0"/>
+              <a:t>选项指定目录名。</a:t>
+            </a:r>
+          </a:p>
+          <a:p>
+            <a:r>
+              <a:rPr lang="en-US" altLang="zh-CN" dirty="0"/>
+              <a:t>2. </a:t>
+            </a:r>
+            <a:r>
+              <a:rPr lang="zh-CN" altLang="en-US" dirty="0"/>
+              <a:t>处理</a:t>
+            </a:r>
+            <a:r>
+              <a:rPr lang="en-US" altLang="zh-CN" dirty="0" err="1"/>
+              <a:t>ip</a:t>
+            </a:r>
+            <a:r>
+              <a:rPr lang="zh-CN" altLang="en-US" dirty="0"/>
+              <a:t>参数   </a:t>
+            </a:r>
+          </a:p>
+          <a:p>
+            <a:r>
+              <a:rPr lang="zh-CN" altLang="en-US" dirty="0"/>
+              <a:t>    可以通过</a:t>
+            </a:r>
+            <a:r>
+              <a:rPr lang="en-US" altLang="zh-CN" dirty="0"/>
+              <a:t>-l</a:t>
+            </a:r>
+            <a:r>
+              <a:rPr lang="zh-CN" altLang="en-US" dirty="0"/>
+              <a:t>选项从命令行给出</a:t>
+            </a:r>
+            <a:r>
+              <a:rPr lang="en-US" altLang="zh-CN" dirty="0" err="1"/>
+              <a:t>ip</a:t>
+            </a:r>
+            <a:r>
+              <a:rPr lang="zh-CN" altLang="en-US" dirty="0"/>
+              <a:t>地址（可以有多个，用逗号分隔），也可以通过</a:t>
+            </a:r>
+            <a:r>
+              <a:rPr lang="en-US" altLang="zh-CN" dirty="0"/>
+              <a:t>-f</a:t>
+            </a:r>
+            <a:r>
+              <a:rPr lang="zh-CN" altLang="en-US" dirty="0"/>
+              <a:t>选项从指定的文件给出</a:t>
+            </a:r>
+            <a:r>
+              <a:rPr lang="en-US" altLang="zh-CN" dirty="0" err="1"/>
+              <a:t>ip</a:t>
+            </a:r>
+            <a:r>
+              <a:rPr lang="zh-CN" altLang="en-US" dirty="0"/>
+              <a:t>地址。有多少个</a:t>
+            </a:r>
+            <a:r>
+              <a:rPr lang="en-US" altLang="zh-CN" dirty="0" err="1"/>
+              <a:t>ip</a:t>
+            </a:r>
+            <a:r>
+              <a:rPr lang="zh-CN" altLang="en-US" dirty="0"/>
+              <a:t>地址，就有多少个</a:t>
+            </a:r>
+            <a:r>
+              <a:rPr lang="en-US" altLang="zh-CN" dirty="0"/>
+              <a:t>agency</a:t>
+            </a:r>
+            <a:r>
+              <a:rPr lang="zh-CN" altLang="en-US" dirty="0"/>
+              <a:t>和</a:t>
+            </a:r>
+            <a:r>
+              <a:rPr lang="en-US" altLang="zh-CN" dirty="0"/>
+              <a:t>group</a:t>
+            </a:r>
+            <a:r>
+              <a:rPr lang="zh-CN" altLang="en-US" dirty="0"/>
+              <a:t>；如果是用命令行参数给出</a:t>
+            </a:r>
+            <a:r>
+              <a:rPr lang="en-US" altLang="zh-CN" dirty="0" err="1"/>
+              <a:t>ip</a:t>
+            </a:r>
+            <a:r>
+              <a:rPr lang="zh-CN" altLang="en-US" dirty="0"/>
+              <a:t>地址，那么</a:t>
+            </a:r>
+            <a:r>
+              <a:rPr lang="en-US" altLang="zh-CN" dirty="0"/>
+              <a:t>agency</a:t>
+            </a:r>
+            <a:r>
+              <a:rPr lang="zh-CN" altLang="en-US" dirty="0"/>
+              <a:t>默认是</a:t>
+            </a:r>
+            <a:r>
+              <a:rPr lang="en-US" altLang="zh-CN" dirty="0"/>
+              <a:t>"agency"</a:t>
+            </a:r>
+            <a:r>
+              <a:rPr lang="zh-CN" altLang="en-US" dirty="0"/>
+              <a:t>，</a:t>
+            </a:r>
+            <a:r>
+              <a:rPr lang="en-US" altLang="zh-CN" dirty="0"/>
+              <a:t>group</a:t>
+            </a:r>
+            <a:r>
+              <a:rPr lang="zh-CN" altLang="en-US" dirty="0"/>
+              <a:t>默认是</a:t>
+            </a:r>
+            <a:r>
+              <a:rPr lang="en-US" altLang="zh-CN" dirty="0"/>
+              <a:t>1</a:t>
+            </a:r>
+            <a:r>
+              <a:rPr lang="zh-CN" altLang="en-US" dirty="0"/>
+              <a:t>；根据参数或者文件得到</a:t>
+            </a:r>
+            <a:r>
+              <a:rPr lang="en-US" altLang="zh-CN" dirty="0" err="1"/>
+              <a:t>ip_array</a:t>
+            </a:r>
+            <a:r>
+              <a:rPr lang="zh-CN" altLang="en-US" dirty="0"/>
+              <a:t>，后面会对每个</a:t>
+            </a:r>
+            <a:r>
+              <a:rPr lang="en-US" altLang="zh-CN" dirty="0" err="1"/>
+              <a:t>ip</a:t>
+            </a:r>
+            <a:r>
+              <a:rPr lang="zh-CN" altLang="en-US" dirty="0"/>
+              <a:t>都执行操作。</a:t>
+            </a:r>
+            <a:endParaRPr lang="en-US" altLang="zh-CN" dirty="0"/>
+          </a:p>
+          <a:p>
+            <a:r>
+              <a:rPr lang="en-US" altLang="zh-CN" dirty="0"/>
+              <a:t>3. </a:t>
+            </a:r>
+            <a:r>
+              <a:rPr lang="zh-CN" altLang="en-US" dirty="0"/>
+              <a:t>获取</a:t>
+            </a:r>
+            <a:r>
+              <a:rPr lang="en-US" altLang="zh-CN" dirty="0" err="1"/>
+              <a:t>fisco</a:t>
+            </a:r>
+            <a:r>
+              <a:rPr lang="zh-CN" altLang="en-US" dirty="0"/>
+              <a:t>版本、下载并校验</a:t>
+            </a:r>
+            <a:r>
+              <a:rPr lang="en-US" altLang="zh-CN" dirty="0" err="1"/>
+              <a:t>fisco-bcos</a:t>
+            </a:r>
+            <a:r>
+              <a:rPr lang="en-US" altLang="zh-CN" dirty="0"/>
+              <a:t>  </a:t>
+            </a:r>
+          </a:p>
+          <a:p>
+            <a:r>
+              <a:rPr lang="en-US" altLang="zh-CN" dirty="0"/>
+              <a:t>    </a:t>
+            </a:r>
+            <a:r>
+              <a:rPr lang="zh-CN" altLang="en-US" dirty="0"/>
+              <a:t>可以通过</a:t>
+            </a:r>
+            <a:r>
+              <a:rPr lang="en-US" altLang="zh-CN" dirty="0"/>
+              <a:t>-v</a:t>
+            </a:r>
+            <a:r>
+              <a:rPr lang="zh-CN" altLang="en-US" dirty="0"/>
+              <a:t>选项指定</a:t>
+            </a:r>
+            <a:r>
+              <a:rPr lang="en-US" altLang="zh-CN" dirty="0" err="1"/>
+              <a:t>fisco</a:t>
+            </a:r>
+            <a:r>
+              <a:rPr lang="zh-CN" altLang="en-US" dirty="0"/>
+              <a:t>的版本，如果没有指定版本，那么默认使用</a:t>
+            </a:r>
+            <a:r>
+              <a:rPr lang="en-US" altLang="zh-CN" dirty="0"/>
+              <a:t>master</a:t>
+            </a:r>
+            <a:r>
+              <a:rPr lang="zh-CN" altLang="en-US" dirty="0"/>
+              <a:t>版本。</a:t>
+            </a:r>
+          </a:p>
+          <a:p>
+            <a:r>
+              <a:rPr lang="en-US" altLang="zh-CN" dirty="0"/>
+              <a:t>4. </a:t>
+            </a:r>
+            <a:r>
+              <a:rPr lang="zh-CN" altLang="en-US" dirty="0"/>
+              <a:t>准备</a:t>
+            </a:r>
+            <a:r>
+              <a:rPr lang="en-US" altLang="zh-CN" dirty="0"/>
+              <a:t>CA   </a:t>
+            </a:r>
+          </a:p>
+          <a:p>
+            <a:r>
+              <a:rPr lang="en-US" altLang="zh-CN" dirty="0"/>
+              <a:t>    </a:t>
+            </a:r>
+            <a:r>
+              <a:rPr lang="zh-CN" altLang="en-US" dirty="0"/>
+              <a:t>如果</a:t>
+            </a:r>
+            <a:r>
+              <a:rPr lang="en-US" altLang="zh-CN" dirty="0"/>
+              <a:t>CA</a:t>
+            </a:r>
+            <a:r>
+              <a:rPr lang="zh-CN" altLang="en-US" dirty="0"/>
+              <a:t>文件已经存在，那么就会跳过这一步。如果不存在的话，首先，它会先确保</a:t>
+            </a:r>
+            <a:r>
+              <a:rPr lang="en-US" altLang="zh-CN" dirty="0"/>
+              <a:t>${</a:t>
+            </a:r>
+            <a:r>
+              <a:rPr lang="en-US" altLang="zh-CN" dirty="0" err="1"/>
+              <a:t>output_dir</a:t>
+            </a:r>
+            <a:r>
+              <a:rPr lang="en-US" altLang="zh-CN" dirty="0"/>
+              <a:t>}/chain</a:t>
+            </a:r>
+            <a:r>
+              <a:rPr lang="zh-CN" altLang="en-US" dirty="0"/>
+              <a:t>目录不存在，然后调用</a:t>
+            </a:r>
+            <a:r>
+              <a:rPr lang="en-US" altLang="zh-CN" dirty="0" err="1"/>
+              <a:t>gen_chain_cert</a:t>
+            </a:r>
+            <a:r>
+              <a:rPr lang="zh-CN" altLang="en-US" dirty="0"/>
+              <a:t>生成区块链的证书，然后再调用</a:t>
+            </a:r>
+            <a:r>
+              <a:rPr lang="en-US" altLang="zh-CN" dirty="0" err="1"/>
+              <a:t>gen_agency_cert</a:t>
+            </a:r>
+            <a:r>
+              <a:rPr lang="zh-CN" altLang="en-US" dirty="0"/>
+              <a:t>为每个机构生成证书。</a:t>
+            </a:r>
+          </a:p>
+          <a:p>
+            <a:r>
+              <a:rPr lang="en-US" altLang="zh-CN" dirty="0"/>
+              <a:t>5. </a:t>
+            </a:r>
+            <a:r>
+              <a:rPr lang="zh-CN" altLang="en-US" dirty="0"/>
+              <a:t>处理国密模式   </a:t>
+            </a:r>
+          </a:p>
+          <a:p>
+            <a:r>
+              <a:rPr lang="zh-CN" altLang="en-US" dirty="0"/>
+              <a:t>    如果使用</a:t>
+            </a:r>
+            <a:r>
+              <a:rPr lang="en-US" altLang="zh-CN" dirty="0"/>
+              <a:t>-g</a:t>
+            </a:r>
+            <a:r>
+              <a:rPr lang="zh-CN" altLang="en-US" dirty="0"/>
+              <a:t>选项，那么就会使用国密模式。首先，它会先检查并安装</a:t>
+            </a:r>
+            <a:r>
+              <a:rPr lang="en-US" altLang="zh-CN" dirty="0" err="1"/>
+              <a:t>TaSSL</a:t>
+            </a:r>
+            <a:r>
+              <a:rPr lang="zh-CN" altLang="en-US" dirty="0"/>
+              <a:t>，然后调用</a:t>
+            </a:r>
+            <a:r>
+              <a:rPr lang="en-US" altLang="zh-CN" dirty="0" err="1"/>
+              <a:t>generate_cert_conf_gm</a:t>
+            </a:r>
+            <a:r>
+              <a:rPr lang="zh-CN" altLang="en-US" dirty="0"/>
+              <a:t>生成国密版的证书配置，然后调用</a:t>
+            </a:r>
+            <a:r>
+              <a:rPr lang="en-US" altLang="zh-CN" dirty="0" err="1"/>
+              <a:t>gen_chain_cert_gm</a:t>
+            </a:r>
+            <a:r>
+              <a:rPr lang="zh-CN" altLang="en-US" dirty="0"/>
+              <a:t>生成国密版的区块链证书，最后调用</a:t>
+            </a:r>
+            <a:r>
+              <a:rPr lang="en-US" altLang="zh-CN" dirty="0" err="1"/>
+              <a:t>gen_agency_cert_gm</a:t>
+            </a:r>
+            <a:r>
+              <a:rPr lang="zh-CN" altLang="en-US" dirty="0"/>
+              <a:t>生成国密版的机构证书。</a:t>
+            </a:r>
+          </a:p>
+          <a:p>
+            <a:r>
+              <a:rPr lang="en-US" altLang="zh-CN" dirty="0"/>
+              <a:t>6. </a:t>
+            </a:r>
+            <a:r>
+              <a:rPr lang="zh-CN" altLang="en-US" dirty="0"/>
+              <a:t>生成密钥   </a:t>
+            </a:r>
+            <a:endParaRPr lang="en-US" altLang="zh-CN" dirty="0"/>
+          </a:p>
+          <a:p>
+            <a:r>
+              <a:rPr lang="en-US" altLang="zh-CN" dirty="0"/>
+              <a:t>    </a:t>
+            </a:r>
+            <a:r>
+              <a:rPr lang="zh-CN" altLang="en-US" dirty="0"/>
+              <a:t>生成节点的私钥、证书等文件</a:t>
+            </a:r>
+          </a:p>
+          <a:p>
+            <a:r>
+              <a:rPr lang="en-US" altLang="zh-CN" dirty="0"/>
+              <a:t>7. </a:t>
+            </a:r>
+            <a:r>
+              <a:rPr lang="zh-CN" altLang="en-US" dirty="0"/>
+              <a:t>生成配置</a:t>
+            </a:r>
+            <a:endParaRPr lang="en-US" altLang="zh-CN" dirty="0"/>
+          </a:p>
+          <a:p>
+            <a:r>
+              <a:rPr lang="en-US" altLang="zh-CN" dirty="0"/>
+              <a:t>    </a:t>
+            </a:r>
+            <a:r>
+              <a:rPr lang="zh-CN" altLang="en-US" dirty="0"/>
+              <a:t>生成配置文件以及脚本文件等</a:t>
+            </a:r>
+          </a:p>
+        </p:txBody>
+      </p:sp>
+    </p:spTree>
+    <p:extLst>
+      <p:ext uri="{BB962C8B-B14F-4D97-AF65-F5344CB8AC3E}">
+        <p14:creationId xmlns:p14="http://schemas.microsoft.com/office/powerpoint/2010/main" val="2239202989"/>
+      </p:ext>
+    </p:extLst>
+  </p:cSld>
+  <p:clrMapOvr>
+    <a:masterClrMapping/>
+  </p:clrMapOvr>
+</p:sld>
+</file>
+
+<file path=ppt/slides/slide17.xml><?xml version="1.0" encoding="utf-8"?>
 <p:sld xmlns:a="http://schemas.openxmlformats.org/drawingml/2006/main" xmlns:r="http://schemas.openxmlformats.org/officeDocument/2006/relationships" xmlns:p="http://schemas.openxmlformats.org/presentationml/2006/main">
   <p:cSld>
     <p:spTree>
@@ -6228,7 +10350,7 @@
         </p:blipFill>
         <p:spPr>
           <a:xfrm>
-            <a:off x="1032934" y="794528"/>
+            <a:off x="939800" y="734979"/>
             <a:ext cx="10312400" cy="5718580"/>
           </a:xfrm>
           <a:prstGeom prst="rect">
@@ -6240,6 +10362,187 @@
     <p:extLst>
       <p:ext uri="{BB962C8B-B14F-4D97-AF65-F5344CB8AC3E}">
         <p14:creationId xmlns:p14="http://schemas.microsoft.com/office/powerpoint/2010/main" val="3233389457"/>
+      </p:ext>
+    </p:extLst>
+  </p:cSld>
+  <p:clrMapOvr>
+    <a:masterClrMapping/>
+  </p:clrMapOvr>
+</p:sld>
+</file>
+
+<file path=ppt/slides/slide18.xml><?xml version="1.0" encoding="utf-8"?>
+<p:sld xmlns:a="http://schemas.openxmlformats.org/drawingml/2006/main" xmlns:r="http://schemas.openxmlformats.org/officeDocument/2006/relationships" xmlns:p="http://schemas.openxmlformats.org/presentationml/2006/main">
+  <p:cSld>
+    <p:spTree>
+      <p:nvGrpSpPr>
+        <p:cNvPr id="1" name=""/>
+        <p:cNvGrpSpPr/>
+        <p:nvPr/>
+      </p:nvGrpSpPr>
+      <p:grpSpPr>
+        <a:xfrm>
+          <a:off x="0" y="0"/>
+          <a:ext cx="0" cy="0"/>
+          <a:chOff x="0" y="0"/>
+          <a:chExt cx="0" cy="0"/>
+        </a:xfrm>
+      </p:grpSpPr>
+      <p:sp>
+        <p:nvSpPr>
+          <p:cNvPr id="2" name="文本框 1">
+            <a:extLst>
+              <a:ext uri="{FF2B5EF4-FFF2-40B4-BE49-F238E27FC236}">
+                <a16:creationId xmlns:a16="http://schemas.microsoft.com/office/drawing/2014/main" id="{C9CBD455-0CE7-496D-9DCA-3E58481C44CB}"/>
+              </a:ext>
+            </a:extLst>
+          </p:cNvPr>
+          <p:cNvSpPr txBox="1"/>
+          <p:nvPr/>
+        </p:nvSpPr>
+        <p:spPr>
+          <a:xfrm>
+            <a:off x="5206341" y="2921168"/>
+            <a:ext cx="1779317" cy="1015663"/>
+          </a:xfrm>
+          <a:prstGeom prst="rect">
+            <a:avLst/>
+          </a:prstGeom>
+          <a:noFill/>
+          <a:ln>
+            <a:noFill/>
+          </a:ln>
+          <a:extLst>
+            <a:ext uri="{909E8E84-426E-40DD-AFC4-6F175D3DCCD1}">
+              <a14:hiddenFill xmlns:a14="http://schemas.microsoft.com/office/drawing/2010/main">
+                <a:solidFill>
+                  <a:srgbClr val="FFFFFF"/>
+                </a:solidFill>
+              </a14:hiddenFill>
+            </a:ext>
+            <a:ext uri="{91240B29-F687-4F45-9708-019B960494DF}">
+              <a14:hiddenLine xmlns:a14="http://schemas.microsoft.com/office/drawing/2010/main" w="9525">
+                <a:solidFill>
+                  <a:srgbClr val="000000"/>
+                </a:solidFill>
+                <a:miter lim="800000"/>
+                <a:headEnd/>
+                <a:tailEnd/>
+              </a14:hiddenLine>
+            </a:ext>
+          </a:extLst>
+        </p:spPr>
+        <p:txBody>
+          <a:bodyPr wrap="square">
+            <a:spAutoFit/>
+          </a:bodyPr>
+          <a:lstStyle>
+            <a:defPPr>
+              <a:defRPr lang="zh-CN"/>
+            </a:defPPr>
+            <a:lvl1pPr>
+              <a:buFont typeface="Arial" panose="020B0604020202020204" pitchFamily="34" charset="0"/>
+              <a:defRPr sz="2400" b="1">
+                <a:solidFill>
+                  <a:srgbClr val="007F58"/>
+                </a:solidFill>
+                <a:latin typeface="微软雅黑" panose="020B0503020204020204" pitchFamily="34" charset="-122"/>
+                <a:ea typeface="微软雅黑" panose="020B0503020204020204" pitchFamily="34" charset="-122"/>
+              </a:defRPr>
+            </a:lvl1pPr>
+            <a:lvl2pPr marL="742950" indent="-285750">
+              <a:buFont typeface="Arial" panose="020B0604020202020204" pitchFamily="34" charset="0"/>
+              <a:defRPr>
+                <a:latin typeface="Arial" panose="020B0604020202020204" pitchFamily="34" charset="0"/>
+                <a:ea typeface="微软雅黑" panose="020B0503020204020204" pitchFamily="34" charset="-122"/>
+              </a:defRPr>
+            </a:lvl2pPr>
+            <a:lvl3pPr marL="1143000" indent="-228600">
+              <a:buFont typeface="Arial" panose="020B0604020202020204" pitchFamily="34" charset="0"/>
+              <a:defRPr>
+                <a:latin typeface="Arial" panose="020B0604020202020204" pitchFamily="34" charset="0"/>
+                <a:ea typeface="微软雅黑" panose="020B0503020204020204" pitchFamily="34" charset="-122"/>
+              </a:defRPr>
+            </a:lvl3pPr>
+            <a:lvl4pPr marL="1600200" indent="-228600">
+              <a:buFont typeface="Arial" panose="020B0604020202020204" pitchFamily="34" charset="0"/>
+              <a:defRPr>
+                <a:latin typeface="Arial" panose="020B0604020202020204" pitchFamily="34" charset="0"/>
+                <a:ea typeface="微软雅黑" panose="020B0503020204020204" pitchFamily="34" charset="-122"/>
+              </a:defRPr>
+            </a:lvl4pPr>
+            <a:lvl5pPr marL="2057400" indent="-228600">
+              <a:buFont typeface="Arial" panose="020B0604020202020204" pitchFamily="34" charset="0"/>
+              <a:defRPr>
+                <a:latin typeface="Arial" panose="020B0604020202020204" pitchFamily="34" charset="0"/>
+                <a:ea typeface="微软雅黑" panose="020B0503020204020204" pitchFamily="34" charset="-122"/>
+              </a:defRPr>
+            </a:lvl5pPr>
+            <a:lvl6pPr marL="2514600" indent="-228600" eaLnBrk="0" fontAlgn="base" hangingPunct="0">
+              <a:spcBef>
+                <a:spcPct val="0"/>
+              </a:spcBef>
+              <a:spcAft>
+                <a:spcPct val="0"/>
+              </a:spcAft>
+              <a:buFont typeface="Arial" panose="020B0604020202020204" pitchFamily="34" charset="0"/>
+              <a:defRPr>
+                <a:latin typeface="Arial" panose="020B0604020202020204" pitchFamily="34" charset="0"/>
+                <a:ea typeface="微软雅黑" panose="020B0503020204020204" pitchFamily="34" charset="-122"/>
+              </a:defRPr>
+            </a:lvl6pPr>
+            <a:lvl7pPr marL="2971800" indent="-228600" eaLnBrk="0" fontAlgn="base" hangingPunct="0">
+              <a:spcBef>
+                <a:spcPct val="0"/>
+              </a:spcBef>
+              <a:spcAft>
+                <a:spcPct val="0"/>
+              </a:spcAft>
+              <a:buFont typeface="Arial" panose="020B0604020202020204" pitchFamily="34" charset="0"/>
+              <a:defRPr>
+                <a:latin typeface="Arial" panose="020B0604020202020204" pitchFamily="34" charset="0"/>
+                <a:ea typeface="微软雅黑" panose="020B0503020204020204" pitchFamily="34" charset="-122"/>
+              </a:defRPr>
+            </a:lvl7pPr>
+            <a:lvl8pPr marL="3429000" indent="-228600" eaLnBrk="0" fontAlgn="base" hangingPunct="0">
+              <a:spcBef>
+                <a:spcPct val="0"/>
+              </a:spcBef>
+              <a:spcAft>
+                <a:spcPct val="0"/>
+              </a:spcAft>
+              <a:buFont typeface="Arial" panose="020B0604020202020204" pitchFamily="34" charset="0"/>
+              <a:defRPr>
+                <a:latin typeface="Arial" panose="020B0604020202020204" pitchFamily="34" charset="0"/>
+                <a:ea typeface="微软雅黑" panose="020B0503020204020204" pitchFamily="34" charset="-122"/>
+              </a:defRPr>
+            </a:lvl8pPr>
+            <a:lvl9pPr marL="3886200" indent="-228600" eaLnBrk="0" fontAlgn="base" hangingPunct="0">
+              <a:spcBef>
+                <a:spcPct val="0"/>
+              </a:spcBef>
+              <a:spcAft>
+                <a:spcPct val="0"/>
+              </a:spcAft>
+              <a:buFont typeface="Arial" panose="020B0604020202020204" pitchFamily="34" charset="0"/>
+              <a:defRPr>
+                <a:latin typeface="Arial" panose="020B0604020202020204" pitchFamily="34" charset="0"/>
+                <a:ea typeface="微软雅黑" panose="020B0503020204020204" pitchFamily="34" charset="-122"/>
+              </a:defRPr>
+            </a:lvl9pPr>
+          </a:lstStyle>
+          <a:p>
+            <a:r>
+              <a:rPr lang="zh-CN" altLang="en-US" sz="6000" dirty="0"/>
+              <a:t>谢谢</a:t>
+            </a:r>
+          </a:p>
+        </p:txBody>
+      </p:sp>
+    </p:spTree>
+    <p:extLst>
+      <p:ext uri="{BB962C8B-B14F-4D97-AF65-F5344CB8AC3E}">
+        <p14:creationId xmlns:p14="http://schemas.microsoft.com/office/powerpoint/2010/main" val="3208289805"/>
       </p:ext>
     </p:extLst>
   </p:cSld>
@@ -6786,7 +11089,7 @@
         <p:spPr>
           <a:xfrm>
             <a:off x="1227667" y="319669"/>
-            <a:ext cx="3479800" cy="461665"/>
+            <a:ext cx="8577814" cy="461665"/>
           </a:xfrm>
           <a:prstGeom prst="rect">
             <a:avLst/>
@@ -6827,7 +11130,27 @@
                 <a:latin typeface="微软雅黑" panose="020B0503020204020204" pitchFamily="34" charset="-122"/>
                 <a:ea typeface="微软雅黑" panose="020B0503020204020204" pitchFamily="34" charset="-122"/>
               </a:rPr>
-              <a:t>个全局变量</a:t>
+              <a:t>个全局变量，其中有</a:t>
+            </a:r>
+            <a:r>
+              <a:rPr lang="en-US" altLang="zh-CN" sz="2400" b="1" dirty="0">
+                <a:solidFill>
+                  <a:srgbClr val="007F58"/>
+                </a:solidFill>
+                <a:latin typeface="微软雅黑" panose="020B0503020204020204" pitchFamily="34" charset="-122"/>
+                <a:ea typeface="微软雅黑" panose="020B0503020204020204" pitchFamily="34" charset="-122"/>
+              </a:rPr>
+              <a:t>19</a:t>
+            </a:r>
+            <a:r>
+              <a:rPr lang="zh-CN" altLang="en-US" sz="2400" b="1" dirty="0">
+                <a:solidFill>
+                  <a:srgbClr val="007F58"/>
+                </a:solidFill>
+                <a:latin typeface="微软雅黑" panose="020B0503020204020204" pitchFamily="34" charset="-122"/>
+                <a:ea typeface="微软雅黑" panose="020B0503020204020204" pitchFamily="34" charset="-122"/>
+              </a:rPr>
+              <a:t>个是通过命令行参数确定的</a:t>
             </a:r>
             <a:endParaRPr lang="en-US" altLang="zh-CN" sz="2400" b="1" dirty="0">
               <a:solidFill>
@@ -6841,10 +11164,10 @@
       </p:sp>
       <p:graphicFrame>
         <p:nvGraphicFramePr>
-          <p:cNvPr id="3" name="表格 2">
+          <p:cNvPr id="5" name="表格 4">
             <a:extLst>
               <a:ext uri="{FF2B5EF4-FFF2-40B4-BE49-F238E27FC236}">
-                <a16:creationId xmlns:a16="http://schemas.microsoft.com/office/drawing/2014/main" id="{8F173948-CCB7-4F9B-90C1-288329ECD205}"/>
+                <a16:creationId xmlns:a16="http://schemas.microsoft.com/office/drawing/2014/main" id="{F30E9AD7-76E5-4B07-BAFF-B357FB6674CC}"/>
               </a:ext>
             </a:extLst>
           </p:cNvPr>
@@ -6854,14 +11177,14 @@
           <p:nvPr>
             <p:extLst>
               <p:ext uri="{D42A27DB-BD31-4B8C-83A1-F6EECF244321}">
-                <p14:modId xmlns:p14="http://schemas.microsoft.com/office/powerpoint/2010/main" val="2128599869"/>
+                <p14:modId xmlns:p14="http://schemas.microsoft.com/office/powerpoint/2010/main" val="846950405"/>
               </p:ext>
             </p:extLst>
           </p:nvPr>
         </p:nvGraphicFramePr>
         <p:xfrm>
-          <a:off x="3319302" y="1254760"/>
-          <a:ext cx="5553393" cy="3332480"/>
+          <a:off x="665748" y="1125384"/>
+          <a:ext cx="10860504" cy="5151120"/>
         </p:xfrm>
         <a:graphic>
           <a:graphicData uri="http://schemas.openxmlformats.org/drawingml/2006/table">
@@ -6870,22 +11193,29 @@
                 <a:tableStyleId>{5C22544A-7EE6-4342-B048-85BDC9FD1C3A}</a:tableStyleId>
               </a:tblPr>
               <a:tblGrid>
-                <a:gridCol w="1489393">
+                <a:gridCol w="866272">
                   <a:extLst>
                     <a:ext uri="{9D8B030D-6E8A-4147-A177-3AD203B41FA5}">
-                      <a16:colId xmlns:a16="http://schemas.microsoft.com/office/drawing/2014/main" val="733820324"/>
+                      <a16:colId xmlns:a16="http://schemas.microsoft.com/office/drawing/2014/main" val="3752003716"/>
                     </a:ext>
                   </a:extLst>
                 </a:gridCol>
-                <a:gridCol w="4064000">
+                <a:gridCol w="2342148">
                   <a:extLst>
                     <a:ext uri="{9D8B030D-6E8A-4147-A177-3AD203B41FA5}">
-                      <a16:colId xmlns:a16="http://schemas.microsoft.com/office/drawing/2014/main" val="2633730898"/>
+                      <a16:colId xmlns:a16="http://schemas.microsoft.com/office/drawing/2014/main" val="1406625542"/>
+                    </a:ext>
+                  </a:extLst>
+                </a:gridCol>
+                <a:gridCol w="7652084">
+                  <a:extLst>
+                    <a:ext uri="{9D8B030D-6E8A-4147-A177-3AD203B41FA5}">
+                      <a16:colId xmlns:a16="http://schemas.microsoft.com/office/drawing/2014/main" val="1838408434"/>
                     </a:ext>
                   </a:extLst>
                 </a:gridCol>
               </a:tblGrid>
-              <a:tr h="269239">
+              <a:tr h="0">
                 <a:tc>
                   <a:txBody>
                     <a:bodyPr/>
@@ -6893,7 +11223,7 @@
                     <a:p>
                       <a:r>
                         <a:rPr lang="zh-CN" altLang="en-US" dirty="0"/>
-                        <a:t>变量名</a:t>
+                        <a:t>编号</a:t>
                       </a:r>
                     </a:p>
                   </a:txBody>
@@ -6906,7 +11236,20 @@
                     <a:p>
                       <a:r>
                         <a:rPr lang="zh-CN" altLang="en-US" dirty="0"/>
-                        <a:t>功能</a:t>
+                        <a:t>变量名</a:t>
+                      </a:r>
+                    </a:p>
+                  </a:txBody>
+                  <a:tcPr/>
+                </a:tc>
+                <a:tc>
+                  <a:txBody>
+                    <a:bodyPr/>
+                    <a:lstStyle/>
+                    <a:p>
+                      <a:r>
+                        <a:rPr lang="zh-CN" altLang="en-US" dirty="0"/>
+                        <a:t>说明</a:t>
                       </a:r>
                     </a:p>
                   </a:txBody>
@@ -6914,7 +11257,7 @@
                 </a:tc>
                 <a:extLst>
                   <a:ext uri="{0D108BD9-81ED-4DB2-BD59-A6C34878D82A}">
-                    <a16:rowId xmlns:a16="http://schemas.microsoft.com/office/drawing/2014/main" val="3776107987"/>
+                    <a16:rowId xmlns:a16="http://schemas.microsoft.com/office/drawing/2014/main" val="3508807612"/>
                   </a:ext>
                 </a:extLst>
               </a:tr>
@@ -6925,8 +11268,8 @@
                     <a:lstStyle/>
                     <a:p>
                       <a:r>
-                        <a:rPr lang="en-US" altLang="zh-CN" dirty="0" err="1"/>
-                        <a:t>ca_file</a:t>
+                        <a:rPr lang="en-US" altLang="zh-CN" dirty="0"/>
+                        <a:t>1</a:t>
                       </a:r>
                       <a:endParaRPr lang="zh-CN" altLang="en-US" dirty="0"/>
                     </a:p>
@@ -6939,20 +11282,63 @@
                     <a:lstStyle/>
                     <a:p>
                       <a:r>
+                        <a:rPr lang="en-US" altLang="zh-CN" dirty="0" err="1"/>
+                        <a:t>ip_file</a:t>
+                      </a:r>
+                      <a:endParaRPr lang="zh-CN" altLang="en-US" dirty="0"/>
+                    </a:p>
+                  </a:txBody>
+                  <a:tcPr/>
+                </a:tc>
+                <a:tc>
+                  <a:txBody>
+                    <a:bodyPr/>
+                    <a:lstStyle/>
+                    <a:p>
+                      <a:r>
+                        <a:rPr lang="en-US" altLang="zh-CN" dirty="0" err="1"/>
+                        <a:t>ip</a:t>
+                      </a:r>
+                      <a:r>
+                        <a:rPr lang="zh-CN" altLang="en-US" dirty="0"/>
+                        <a:t>文件，用来存储</a:t>
+                      </a:r>
+                      <a:r>
+                        <a:rPr lang="en-US" altLang="zh-CN" dirty="0" err="1"/>
+                        <a:t>ip</a:t>
+                      </a:r>
+                      <a:r>
+                        <a:rPr lang="zh-CN" altLang="en-US" dirty="0"/>
+                        <a:t>、机构、群组信息的文件，通过</a:t>
+                      </a:r>
+                      <a:r>
                         <a:rPr lang="en-US" altLang="zh-CN" dirty="0"/>
-                        <a:t>CA</a:t>
+                        <a:t>-f</a:t>
                       </a:r>
                       <a:r>
                         <a:rPr lang="zh-CN" altLang="en-US" dirty="0"/>
-                        <a:t>文件位置</a:t>
-                      </a:r>
+                        <a:t>选项指定，如果有指定则</a:t>
+                      </a:r>
+                      <a:r>
+                        <a:rPr lang="en-US" altLang="zh-CN" dirty="0" err="1"/>
+                        <a:t>use_ip_param</a:t>
+                      </a:r>
+                      <a:r>
+                        <a:rPr lang="zh-CN" altLang="en-US" dirty="0"/>
+                        <a:t>参数会被赋为</a:t>
+                      </a:r>
+                      <a:r>
+                        <a:rPr lang="en-US" altLang="zh-CN" dirty="0"/>
+                        <a:t>false</a:t>
+                      </a:r>
+                      <a:endParaRPr lang="zh-CN" altLang="en-US" dirty="0"/>
                     </a:p>
                   </a:txBody>
                   <a:tcPr/>
                 </a:tc>
                 <a:extLst>
                   <a:ext uri="{0D108BD9-81ED-4DB2-BD59-A6C34878D82A}">
-                    <a16:rowId xmlns:a16="http://schemas.microsoft.com/office/drawing/2014/main" val="627351566"/>
+                    <a16:rowId xmlns:a16="http://schemas.microsoft.com/office/drawing/2014/main" val="4114931450"/>
                   </a:ext>
                 </a:extLst>
               </a:tr>
@@ -6963,8 +11349,8 @@
                     <a:lstStyle/>
                     <a:p>
                       <a:r>
-                        <a:rPr lang="en-US" altLang="zh-CN" dirty="0" err="1"/>
-                        <a:t>node_num</a:t>
+                        <a:rPr lang="en-US" altLang="zh-CN" dirty="0"/>
+                        <a:t>2</a:t>
                       </a:r>
                       <a:endParaRPr lang="zh-CN" altLang="en-US" dirty="0"/>
                     </a:p>
@@ -6977,16 +11363,63 @@
                     <a:lstStyle/>
                     <a:p>
                       <a:r>
+                        <a:rPr lang="en-US" altLang="zh-CN" dirty="0" err="1"/>
+                        <a:t>ip_param</a:t>
+                      </a:r>
+                      <a:endParaRPr lang="zh-CN" altLang="en-US" dirty="0"/>
+                    </a:p>
+                  </a:txBody>
+                  <a:tcPr/>
+                </a:tc>
+                <a:tc>
+                  <a:txBody>
+                    <a:bodyPr/>
+                    <a:lstStyle/>
+                    <a:p>
+                      <a:r>
+                        <a:rPr lang="en-US" altLang="zh-CN" dirty="0" err="1"/>
+                        <a:t>ip</a:t>
+                      </a:r>
+                      <a:r>
                         <a:rPr lang="zh-CN" altLang="en-US" dirty="0"/>
-                        <a:t>节点数</a:t>
-                      </a:r>
+                        <a:t>参数，用来指定服务器的</a:t>
+                      </a:r>
+                      <a:r>
+                        <a:rPr lang="en-US" altLang="zh-CN" dirty="0" err="1"/>
+                        <a:t>ip</a:t>
+                      </a:r>
+                      <a:r>
+                        <a:rPr lang="zh-CN" altLang="en-US" dirty="0"/>
+                        <a:t>地址以及节点数，通过</a:t>
+                      </a:r>
+                      <a:r>
+                        <a:rPr lang="en-US" altLang="zh-CN" dirty="0"/>
+                        <a:t>-l</a:t>
+                      </a:r>
+                      <a:r>
+                        <a:rPr lang="zh-CN" altLang="en-US" dirty="0"/>
+                        <a:t>选项指定，如果有指定则</a:t>
+                      </a:r>
+                      <a:r>
+                        <a:rPr lang="en-US" altLang="zh-CN" dirty="0" err="1"/>
+                        <a:t>use_ip_param</a:t>
+                      </a:r>
+                      <a:r>
+                        <a:rPr lang="zh-CN" altLang="en-US" dirty="0"/>
+                        <a:t>参数会被赋为</a:t>
+                      </a:r>
+                      <a:r>
+                        <a:rPr lang="en-US" altLang="zh-CN" dirty="0"/>
+                        <a:t>true</a:t>
+                      </a:r>
+                      <a:endParaRPr lang="zh-CN" altLang="en-US" dirty="0"/>
                     </a:p>
                   </a:txBody>
                   <a:tcPr/>
                 </a:tc>
                 <a:extLst>
                   <a:ext uri="{0D108BD9-81ED-4DB2-BD59-A6C34878D82A}">
-                    <a16:rowId xmlns:a16="http://schemas.microsoft.com/office/drawing/2014/main" val="1958376201"/>
+                    <a16:rowId xmlns:a16="http://schemas.microsoft.com/office/drawing/2014/main" val="567832089"/>
                   </a:ext>
                 </a:extLst>
               </a:tr>
@@ -6997,8 +11430,8 @@
                     <a:lstStyle/>
                     <a:p>
                       <a:r>
-                        <a:rPr lang="en-US" altLang="zh-CN" dirty="0" err="1"/>
-                        <a:t>ip_file</a:t>
+                        <a:rPr lang="en-US" altLang="zh-CN" dirty="0"/>
+                        <a:t>3</a:t>
                       </a:r>
                       <a:endParaRPr lang="zh-CN" altLang="en-US" dirty="0"/>
                     </a:p>
@@ -7012,19 +11445,74 @@
                     <a:p>
                       <a:r>
                         <a:rPr lang="en-US" altLang="zh-CN" dirty="0" err="1"/>
+                        <a:t>use_ip_param</a:t>
+                      </a:r>
+                      <a:endParaRPr lang="zh-CN" altLang="en-US" dirty="0"/>
+                    </a:p>
+                  </a:txBody>
+                  <a:tcPr/>
+                </a:tc>
+                <a:tc>
+                  <a:txBody>
+                    <a:bodyPr/>
+                    <a:lstStyle/>
+                    <a:p>
+                      <a:r>
+                        <a:rPr lang="zh-CN" altLang="en-US" dirty="0"/>
+                        <a:t>是否使用</a:t>
+                      </a:r>
+                      <a:r>
+                        <a:rPr lang="en-US" altLang="zh-CN" dirty="0" err="1"/>
                         <a:t>ip</a:t>
                       </a:r>
                       <a:r>
                         <a:rPr lang="zh-CN" altLang="en-US" dirty="0"/>
-                        <a:t>文件</a:t>
-                      </a:r>
+                        <a:t>参数，</a:t>
+                      </a:r>
+                      <a:r>
+                        <a:rPr lang="en-US" altLang="zh-CN" dirty="0"/>
+                        <a:t>true</a:t>
+                      </a:r>
+                      <a:r>
+                        <a:rPr lang="zh-CN" altLang="en-US" dirty="0"/>
+                        <a:t>表示通过命令行参数指定</a:t>
+                      </a:r>
+                      <a:r>
+                        <a:rPr lang="en-US" altLang="zh-CN" dirty="0" err="1"/>
+                        <a:t>ip</a:t>
+                      </a:r>
+                      <a:r>
+                        <a:rPr lang="zh-CN" altLang="en-US" dirty="0"/>
+                        <a:t>，</a:t>
+                      </a:r>
+                      <a:r>
+                        <a:rPr lang="en-US" altLang="zh-CN" dirty="0"/>
+                        <a:t>false</a:t>
+                      </a:r>
+                      <a:r>
+                        <a:rPr lang="zh-CN" altLang="en-US" dirty="0"/>
+                        <a:t>表示通过</a:t>
+                      </a:r>
+                      <a:r>
+                        <a:rPr lang="en-US" altLang="zh-CN" dirty="0" err="1"/>
+                        <a:t>ip</a:t>
+                      </a:r>
+                      <a:r>
+                        <a:rPr lang="zh-CN" altLang="en-US" dirty="0"/>
+                        <a:t>文件指定</a:t>
+                      </a:r>
+                      <a:r>
+                        <a:rPr lang="en-US" altLang="zh-CN" dirty="0" err="1"/>
+                        <a:t>ip</a:t>
+                      </a:r>
+                      <a:endParaRPr lang="zh-CN" altLang="en-US" dirty="0"/>
                     </a:p>
                   </a:txBody>
                   <a:tcPr/>
                 </a:tc>
                 <a:extLst>
                   <a:ext uri="{0D108BD9-81ED-4DB2-BD59-A6C34878D82A}">
-                    <a16:rowId xmlns:a16="http://schemas.microsoft.com/office/drawing/2014/main" val="555431825"/>
+                    <a16:rowId xmlns:a16="http://schemas.microsoft.com/office/drawing/2014/main" val="2093670593"/>
                   </a:ext>
                 </a:extLst>
               </a:tr>
@@ -7036,7 +11524,7 @@
                     <a:p>
                       <a:r>
                         <a:rPr lang="en-US" altLang="zh-CN" dirty="0"/>
-                        <a:t>logfile</a:t>
+                        <a:t>4</a:t>
                       </a:r>
                       <a:endParaRPr lang="zh-CN" altLang="en-US" dirty="0"/>
                     </a:p>
@@ -7049,16 +11537,43 @@
                     <a:lstStyle/>
                     <a:p>
                       <a:r>
+                        <a:rPr lang="en-US" altLang="zh-CN" dirty="0" err="1"/>
+                        <a:t>output_dir</a:t>
+                      </a:r>
+                      <a:endParaRPr lang="zh-CN" altLang="en-US" dirty="0"/>
+                    </a:p>
+                  </a:txBody>
+                  <a:tcPr/>
+                </a:tc>
+                <a:tc>
+                  <a:txBody>
+                    <a:bodyPr/>
+                    <a:lstStyle/>
+                    <a:p>
+                      <a:r>
                         <a:rPr lang="zh-CN" altLang="en-US" dirty="0"/>
-                        <a:t>日志文件位置</a:t>
-                      </a:r>
+                        <a:t>输出路径，通过</a:t>
+                      </a:r>
+                      <a:r>
+                        <a:rPr lang="en-US" altLang="zh-CN" dirty="0"/>
+                        <a:t>-o</a:t>
+                      </a:r>
+                      <a:r>
+                        <a:rPr lang="zh-CN" altLang="en-US" dirty="0"/>
+                        <a:t>选项指定，默认是</a:t>
+                      </a:r>
+                      <a:r>
+                        <a:rPr lang="en-US" altLang="zh-CN" dirty="0"/>
+                        <a:t>nodes</a:t>
+                      </a:r>
+                      <a:endParaRPr lang="zh-CN" altLang="en-US" dirty="0"/>
                     </a:p>
                   </a:txBody>
                   <a:tcPr/>
                 </a:tc>
                 <a:extLst>
                   <a:ext uri="{0D108BD9-81ED-4DB2-BD59-A6C34878D82A}">
-                    <a16:rowId xmlns:a16="http://schemas.microsoft.com/office/drawing/2014/main" val="4126308653"/>
+                    <a16:rowId xmlns:a16="http://schemas.microsoft.com/office/drawing/2014/main" val="712091845"/>
                   </a:ext>
                 </a:extLst>
               </a:tr>
@@ -7069,8 +11584,8 @@
                     <a:lstStyle/>
                     <a:p>
                       <a:r>
-                        <a:rPr lang="en-US" altLang="zh-CN" dirty="0" err="1"/>
-                        <a:t>log_level</a:t>
+                        <a:rPr lang="en-US" altLang="zh-CN" dirty="0"/>
+                        <a:t>5</a:t>
                       </a:r>
                       <a:endParaRPr lang="zh-CN" altLang="en-US" dirty="0"/>
                     </a:p>
@@ -7083,16 +11598,87 @@
                     <a:lstStyle/>
                     <a:p>
                       <a:r>
+                        <a:rPr lang="en-US" altLang="zh-CN" dirty="0" err="1"/>
+                        <a:t>listen_ip</a:t>
+                      </a:r>
+                      <a:endParaRPr lang="zh-CN" altLang="en-US" dirty="0"/>
+                    </a:p>
+                  </a:txBody>
+                  <a:tcPr/>
+                </a:tc>
+                <a:tc>
+                  <a:txBody>
+                    <a:bodyPr/>
+                    <a:lstStyle/>
+                    <a:p>
+                      <a:r>
                         <a:rPr lang="zh-CN" altLang="en-US" dirty="0"/>
-                        <a:t>日志等级</a:t>
-                      </a:r>
+                        <a:t>主机的</a:t>
+                      </a:r>
+                      <a:r>
+                        <a:rPr lang="en-US" altLang="zh-CN" dirty="0" err="1"/>
+                        <a:t>ip</a:t>
+                      </a:r>
+                      <a:r>
+                        <a:rPr lang="zh-CN" altLang="en-US" dirty="0"/>
+                        <a:t>地址，通过</a:t>
+                      </a:r>
+                      <a:r>
+                        <a:rPr lang="en-US" altLang="zh-CN" dirty="0"/>
+                        <a:t>-</a:t>
+                      </a:r>
+                      <a:r>
+                        <a:rPr lang="en-US" altLang="zh-CN" dirty="0" err="1"/>
+                        <a:t>i</a:t>
+                      </a:r>
+                      <a:r>
+                        <a:rPr lang="zh-CN" altLang="en-US" dirty="0"/>
+                        <a:t>选项修改，如果没有</a:t>
+                      </a:r>
+                      <a:r>
+                        <a:rPr lang="en-US" altLang="zh-CN" dirty="0"/>
+                        <a:t>-</a:t>
+                      </a:r>
+                      <a:r>
+                        <a:rPr lang="en-US" altLang="zh-CN" dirty="0" err="1"/>
+                        <a:t>i</a:t>
+                      </a:r>
+                      <a:r>
+                        <a:rPr lang="zh-CN" altLang="en-US" dirty="0"/>
+                        <a:t>选项，则默认是</a:t>
+                      </a:r>
+                      <a:r>
+                        <a:rPr lang="en-US" altLang="zh-CN" dirty="0"/>
+                        <a:t>127.0.0.1</a:t>
+                      </a:r>
+                      <a:r>
+                        <a:rPr lang="zh-CN" altLang="en-US" dirty="0"/>
+                        <a:t>；如果有</a:t>
+                      </a:r>
+                      <a:r>
+                        <a:rPr lang="en-US" altLang="zh-CN" dirty="0"/>
+                        <a:t>-</a:t>
+                      </a:r>
+                      <a:r>
+                        <a:rPr lang="en-US" altLang="zh-CN" dirty="0" err="1"/>
+                        <a:t>i</a:t>
+                      </a:r>
+                      <a:r>
+                        <a:rPr lang="zh-CN" altLang="en-US" dirty="0"/>
+                        <a:t>选项，则为</a:t>
+                      </a:r>
+                      <a:r>
+                        <a:rPr lang="en-US" altLang="zh-CN" dirty="0"/>
+                        <a:t>0.0.0.0</a:t>
+                      </a:r>
+                      <a:endParaRPr lang="zh-CN" altLang="en-US" dirty="0"/>
                     </a:p>
                   </a:txBody>
                   <a:tcPr/>
                 </a:tc>
                 <a:extLst>
                   <a:ext uri="{0D108BD9-81ED-4DB2-BD59-A6C34878D82A}">
-                    <a16:rowId xmlns:a16="http://schemas.microsoft.com/office/drawing/2014/main" val="2484800299"/>
+                    <a16:rowId xmlns:a16="http://schemas.microsoft.com/office/drawing/2014/main" val="3452690254"/>
                   </a:ext>
                 </a:extLst>
               </a:tr>
@@ -7103,8 +11689,8 @@
                     <a:lstStyle/>
                     <a:p>
                       <a:r>
-                        <a:rPr lang="en-US" altLang="zh-CN" dirty="0" err="1"/>
-                        <a:t>fisco_version</a:t>
+                        <a:rPr lang="en-US" altLang="zh-CN" dirty="0"/>
+                        <a:t>6</a:t>
                       </a:r>
                       <a:endParaRPr lang="zh-CN" altLang="en-US" dirty="0"/>
                     </a:p>
@@ -7118,20 +11704,41 @@
                     <a:p>
                       <a:r>
                         <a:rPr lang="en-US" altLang="zh-CN" dirty="0" err="1"/>
-                        <a:t>fisco</a:t>
+                        <a:t>fisco_version</a:t>
+                      </a:r>
+                      <a:endParaRPr lang="zh-CN" altLang="en-US" dirty="0"/>
+                    </a:p>
+                  </a:txBody>
+                  <a:tcPr/>
+                </a:tc>
+                <a:tc>
+                  <a:txBody>
+                    <a:bodyPr/>
+                    <a:lstStyle/>
+                    <a:p>
+                      <a:r>
+                        <a:rPr lang="en-US" altLang="zh-CN" dirty="0" err="1"/>
+                        <a:t>fisco-bcos</a:t>
                       </a:r>
                       <a:r>
                         <a:rPr lang="zh-CN" altLang="en-US" dirty="0"/>
-                        <a:t>版本</a:t>
-                      </a:r>
-                      <a:endParaRPr lang="en-US" altLang="zh-CN" dirty="0"/>
+                        <a:t>的版本，通过</a:t>
+                      </a:r>
+                      <a:r>
+                        <a:rPr lang="en-US" altLang="zh-CN" dirty="0"/>
+                        <a:t>-v</a:t>
+                      </a:r>
+                      <a:r>
+                        <a:rPr lang="zh-CN" altLang="en-US" dirty="0"/>
+                        <a:t>选项指定</a:t>
+                      </a:r>
                     </a:p>
                   </a:txBody>
                   <a:tcPr/>
                 </a:tc>
                 <a:extLst>
                   <a:ext uri="{0D108BD9-81ED-4DB2-BD59-A6C34878D82A}">
-                    <a16:rowId xmlns:a16="http://schemas.microsoft.com/office/drawing/2014/main" val="3841084010"/>
+                    <a16:rowId xmlns:a16="http://schemas.microsoft.com/office/drawing/2014/main" val="2257457748"/>
                   </a:ext>
                 </a:extLst>
               </a:tr>
@@ -7143,7 +11750,7 @@
                     <a:p>
                       <a:r>
                         <a:rPr lang="en-US" altLang="zh-CN" dirty="0"/>
-                        <a:t>0S</a:t>
+                        <a:t>7</a:t>
                       </a:r>
                       <a:endParaRPr lang="zh-CN" altLang="en-US" dirty="0"/>
                     </a:p>
@@ -7156,17 +11763,58 @@
                     <a:lstStyle/>
                     <a:p>
                       <a:r>
+                        <a:rPr lang="en-US" altLang="zh-CN" dirty="0" err="1"/>
+                        <a:t>port_start</a:t>
+                      </a:r>
+                      <a:endParaRPr lang="zh-CN" altLang="en-US" dirty="0"/>
+                    </a:p>
+                  </a:txBody>
+                  <a:tcPr/>
+                </a:tc>
+                <a:tc>
+                  <a:txBody>
+                    <a:bodyPr/>
+                    <a:lstStyle/>
+                    <a:p>
+                      <a:r>
+                        <a:rPr lang="en-US" altLang="zh-CN" dirty="0"/>
+                        <a:t>p2p</a:t>
+                      </a:r>
+                      <a:r>
                         <a:rPr lang="zh-CN" altLang="en-US" dirty="0"/>
-                        <a:t>操作系统类型</a:t>
-                      </a:r>
-                      <a:endParaRPr lang="en-US" altLang="zh-CN" dirty="0"/>
+                        <a:t>端口、</a:t>
+                      </a:r>
+                      <a:r>
+                        <a:rPr lang="en-US" altLang="zh-CN" dirty="0"/>
+                        <a:t>channel</a:t>
+                      </a:r>
+                      <a:r>
+                        <a:rPr lang="zh-CN" altLang="en-US" dirty="0"/>
+                        <a:t>端口和</a:t>
+                      </a:r>
+                      <a:r>
+                        <a:rPr lang="en-US" altLang="zh-CN" dirty="0" err="1"/>
+                        <a:t>jsonrpc</a:t>
+                      </a:r>
+                      <a:r>
+                        <a:rPr lang="zh-CN" altLang="en-US" dirty="0"/>
+                        <a:t>端口，通过</a:t>
+                      </a:r>
+                      <a:r>
+                        <a:rPr lang="en-US" altLang="zh-CN" dirty="0"/>
+                        <a:t>-p</a:t>
+                      </a:r>
+                      <a:r>
+                        <a:rPr lang="zh-CN" altLang="en-US" dirty="0"/>
+                        <a:t>选项指定</a:t>
+                      </a:r>
                     </a:p>
                   </a:txBody>
                   <a:tcPr/>
                 </a:tc>
                 <a:extLst>
                   <a:ext uri="{0D108BD9-81ED-4DB2-BD59-A6C34878D82A}">
-                    <a16:rowId xmlns:a16="http://schemas.microsoft.com/office/drawing/2014/main" val="3969915453"/>
+                    <a16:rowId xmlns:a16="http://schemas.microsoft.com/office/drawing/2014/main" val="3269515607"/>
                   </a:ext>
                 </a:extLst>
               </a:tr>
@@ -7178,7 +11826,7 @@
                     <a:p>
                       <a:r>
                         <a:rPr lang="en-US" altLang="zh-CN" dirty="0"/>
-                        <a:t>…</a:t>
+                        <a:t>8</a:t>
                       </a:r>
                       <a:endParaRPr lang="zh-CN" altLang="en-US" dirty="0"/>
                     </a:p>
@@ -7191,8 +11839,42 @@
                     <a:lstStyle/>
                     <a:p>
                       <a:r>
+                        <a:rPr lang="en-US" altLang="zh-CN" dirty="0" err="1"/>
+                        <a:t>bin_path</a:t>
+                      </a:r>
+                      <a:endParaRPr lang="zh-CN" altLang="en-US" dirty="0"/>
+                    </a:p>
+                  </a:txBody>
+                  <a:tcPr/>
+                </a:tc>
+                <a:tc>
+                  <a:txBody>
+                    <a:bodyPr/>
+                    <a:lstStyle/>
+                    <a:p>
+                      <a:r>
+                        <a:rPr lang="en-US" altLang="zh-CN" dirty="0" err="1"/>
+                        <a:t>fisco-bcos</a:t>
+                      </a:r>
+                      <a:r>
+                        <a:rPr lang="zh-CN" altLang="en-US" dirty="0"/>
+                        <a:t>二进制文件的路径，通过</a:t>
+                      </a:r>
+                      <a:r>
                         <a:rPr lang="en-US" altLang="zh-CN" dirty="0"/>
-                        <a:t>…</a:t>
+                        <a:t>-e</a:t>
+                      </a:r>
+                      <a:r>
+                        <a:rPr lang="zh-CN" altLang="en-US" dirty="0"/>
+                        <a:t>选项指定，默认是从</a:t>
+                      </a:r>
+                      <a:r>
+                        <a:rPr lang="en-US" altLang="zh-CN" dirty="0" err="1"/>
+                        <a:t>github</a:t>
+                      </a:r>
+                      <a:r>
+                        <a:rPr lang="zh-CN" altLang="en-US" dirty="0"/>
+                        <a:t>上下载</a:t>
                       </a:r>
                     </a:p>
                   </a:txBody>
@@ -7200,7 +11882,165 @@
                 </a:tc>
                 <a:extLst>
                   <a:ext uri="{0D108BD9-81ED-4DB2-BD59-A6C34878D82A}">
-                    <a16:rowId xmlns:a16="http://schemas.microsoft.com/office/drawing/2014/main" val="2818085919"/>
+                    <a16:rowId xmlns:a16="http://schemas.microsoft.com/office/drawing/2014/main" val="3656011359"/>
+                  </a:ext>
+                </a:extLst>
+              </a:tr>
+              <a:tr h="370840">
+                <a:tc>
+                  <a:txBody>
+                    <a:bodyPr/>
+                    <a:lstStyle/>
+                    <a:p>
+                      <a:r>
+                        <a:rPr lang="en-US" altLang="zh-CN" dirty="0"/>
+                        <a:t>9</a:t>
+                      </a:r>
+                      <a:endParaRPr lang="zh-CN" altLang="en-US" dirty="0"/>
+                    </a:p>
+                  </a:txBody>
+                  <a:tcPr/>
+                </a:tc>
+                <a:tc>
+                  <a:txBody>
+                    <a:bodyPr/>
+                    <a:lstStyle/>
+                    <a:p>
+                      <a:r>
+                        <a:rPr lang="en-US" altLang="zh-CN" dirty="0" err="1"/>
+                        <a:t>state_type</a:t>
+                      </a:r>
+                      <a:endParaRPr lang="zh-CN" altLang="en-US" dirty="0"/>
+                    </a:p>
+                  </a:txBody>
+                  <a:tcPr/>
+                </a:tc>
+                <a:tc>
+                  <a:txBody>
+                    <a:bodyPr/>
+                    <a:lstStyle/>
+                    <a:p>
+                      <a:r>
+                        <a:rPr lang="zh-CN" altLang="en-US" dirty="0"/>
+                        <a:t>通过</a:t>
+                      </a:r>
+                      <a:r>
+                        <a:rPr lang="en-US" altLang="zh-CN" dirty="0"/>
+                        <a:t>-s</a:t>
+                      </a:r>
+                      <a:r>
+                        <a:rPr lang="zh-CN" altLang="en-US" dirty="0"/>
+                        <a:t>选项指定，默认是</a:t>
+                      </a:r>
+                      <a:r>
+                        <a:rPr lang="en-US" altLang="zh-CN" dirty="0"/>
+                        <a:t>storage</a:t>
+                      </a:r>
+                      <a:r>
+                        <a:rPr lang="zh-CN" altLang="en-US" dirty="0"/>
+                        <a:t>，用</a:t>
+                      </a:r>
+                      <a:r>
+                        <a:rPr lang="en-US" altLang="zh-CN" dirty="0"/>
+                        <a:t>-s</a:t>
+                      </a:r>
+                      <a:r>
+                        <a:rPr lang="zh-CN" altLang="en-US" dirty="0"/>
+                        <a:t>可指定为</a:t>
+                      </a:r>
+                      <a:r>
+                        <a:rPr lang="en-US" altLang="zh-CN" dirty="0" err="1"/>
+                        <a:t>mpt</a:t>
+                      </a:r>
+                      <a:r>
+                        <a:rPr lang="en-US" altLang="zh-CN" dirty="0"/>
+                        <a:t> </a:t>
+                      </a:r>
+                      <a:endParaRPr lang="zh-CN" altLang="en-US" dirty="0"/>
+                    </a:p>
+                  </a:txBody>
+                  <a:tcPr/>
+                </a:tc>
+                <a:extLst>
+                  <a:ext uri="{0D108BD9-81ED-4DB2-BD59-A6C34878D82A}">
+                    <a16:rowId xmlns:a16="http://schemas.microsoft.com/office/drawing/2014/main" val="2562150986"/>
+                  </a:ext>
+                </a:extLst>
+              </a:tr>
+              <a:tr h="370840">
+                <a:tc>
+                  <a:txBody>
+                    <a:bodyPr/>
+                    <a:lstStyle/>
+                    <a:p>
+                      <a:r>
+                        <a:rPr lang="en-US" altLang="zh-CN" dirty="0"/>
+                        <a:t>10</a:t>
+                      </a:r>
+                      <a:endParaRPr lang="zh-CN" altLang="en-US" dirty="0"/>
+                    </a:p>
+                  </a:txBody>
+                  <a:tcPr/>
+                </a:tc>
+                <a:tc>
+                  <a:txBody>
+                    <a:bodyPr/>
+                    <a:lstStyle/>
+                    <a:p>
+                      <a:r>
+                        <a:rPr lang="en-US" altLang="zh-CN" dirty="0" err="1"/>
+                        <a:t>Storage_type</a:t>
+                      </a:r>
+                      <a:endParaRPr lang="zh-CN" altLang="en-US" dirty="0"/>
+                    </a:p>
+                  </a:txBody>
+                  <a:tcPr/>
+                </a:tc>
+                <a:tc>
+                  <a:txBody>
+                    <a:bodyPr/>
+                    <a:lstStyle/>
+                    <a:p>
+                      <a:r>
+                        <a:rPr lang="zh-CN" altLang="en-US" dirty="0"/>
+                        <a:t>通过</a:t>
+                      </a:r>
+                      <a:r>
+                        <a:rPr lang="en-US" altLang="zh-CN" dirty="0"/>
+                        <a:t>-S</a:t>
+                      </a:r>
+                      <a:r>
+                        <a:rPr lang="zh-CN" altLang="en-US" dirty="0"/>
+                        <a:t>选项指定，默认是</a:t>
+                      </a:r>
+                      <a:r>
+                        <a:rPr lang="en-US" altLang="zh-CN" dirty="0" err="1"/>
+                        <a:t>leveldb</a:t>
+                      </a:r>
+                      <a:r>
+                        <a:rPr lang="zh-CN" altLang="en-US" dirty="0"/>
+                        <a:t>，用</a:t>
+                      </a:r>
+                      <a:r>
+                        <a:rPr lang="en-US" altLang="zh-CN" dirty="0"/>
+                        <a:t>-S</a:t>
+                      </a:r>
+                      <a:r>
+                        <a:rPr lang="zh-CN" altLang="en-US" dirty="0"/>
+                        <a:t>可指定为</a:t>
+                      </a:r>
+                      <a:r>
+                        <a:rPr lang="en-US" altLang="zh-CN" dirty="0"/>
+                        <a:t>external </a:t>
+                      </a:r>
+                      <a:endParaRPr lang="zh-CN" altLang="en-US" dirty="0"/>
+                    </a:p>
+                  </a:txBody>
+                  <a:tcPr/>
+                </a:tc>
+                <a:extLst>
+                  <a:ext uri="{0D108BD9-81ED-4DB2-BD59-A6C34878D82A}">
+                    <a16:rowId xmlns:a16="http://schemas.microsoft.com/office/drawing/2014/main" val="2135348871"/>
                   </a:ext>
                 </a:extLst>
               </a:tr>
@@ -7208,77 +12048,6 @@
           </a:graphicData>
         </a:graphic>
       </p:graphicFrame>
-      <p:sp>
-        <p:nvSpPr>
-          <p:cNvPr id="4" name="文本框 3">
-            <a:extLst>
-              <a:ext uri="{FF2B5EF4-FFF2-40B4-BE49-F238E27FC236}">
-                <a16:creationId xmlns:a16="http://schemas.microsoft.com/office/drawing/2014/main" id="{2C642C25-FD62-4EAB-96FD-F6E549C96406}"/>
-              </a:ext>
-            </a:extLst>
-          </p:cNvPr>
-          <p:cNvSpPr txBox="1"/>
-          <p:nvPr/>
-        </p:nvSpPr>
-        <p:spPr>
-          <a:xfrm>
-            <a:off x="3234265" y="5060666"/>
-            <a:ext cx="5723466" cy="1200329"/>
-          </a:xfrm>
-          <a:prstGeom prst="rect">
-            <a:avLst/>
-          </a:prstGeom>
-          <a:noFill/>
-        </p:spPr>
-        <p:txBody>
-          <a:bodyPr wrap="square" rtlCol="0">
-            <a:spAutoFit/>
-          </a:bodyPr>
-          <a:lstStyle/>
-          <a:p>
-            <a:r>
-              <a:rPr lang="zh-CN" altLang="en-US" sz="2400" b="1" dirty="0">
-                <a:solidFill>
-                  <a:srgbClr val="007F58"/>
-                </a:solidFill>
-                <a:latin typeface="微软雅黑" panose="020B0503020204020204" pitchFamily="34" charset="-122"/>
-                <a:ea typeface="微软雅黑" panose="020B0503020204020204" pitchFamily="34" charset="-122"/>
-              </a:rPr>
-              <a:t>它们的值大部分都会在后面的过程中通过命令行参数确定或者被修改，主要是在</a:t>
-            </a:r>
-            <a:r>
-              <a:rPr lang="en-US" altLang="zh-CN" sz="2400" b="1" dirty="0" err="1">
-                <a:solidFill>
-                  <a:srgbClr val="007F58"/>
-                </a:solidFill>
-                <a:latin typeface="微软雅黑" panose="020B0503020204020204" pitchFamily="34" charset="-122"/>
-                <a:ea typeface="微软雅黑" panose="020B0503020204020204" pitchFamily="34" charset="-122"/>
-              </a:rPr>
-              <a:t>parse_params</a:t>
-            </a:r>
-            <a:r>
-              <a:rPr lang="en-US" altLang="zh-CN" sz="2400" b="1" dirty="0">
-                <a:solidFill>
-                  <a:srgbClr val="007F58"/>
-                </a:solidFill>
-                <a:latin typeface="微软雅黑" panose="020B0503020204020204" pitchFamily="34" charset="-122"/>
-                <a:ea typeface="微软雅黑" panose="020B0503020204020204" pitchFamily="34" charset="-122"/>
-              </a:rPr>
-              <a:t>()</a:t>
-            </a:r>
-            <a:r>
-              <a:rPr lang="zh-CN" altLang="en-US" sz="2400" b="1" dirty="0">
-                <a:solidFill>
-                  <a:srgbClr val="007F58"/>
-                </a:solidFill>
-                <a:latin typeface="微软雅黑" panose="020B0503020204020204" pitchFamily="34" charset="-122"/>
-                <a:ea typeface="微软雅黑" panose="020B0503020204020204" pitchFamily="34" charset="-122"/>
-              </a:rPr>
-              <a:t>方法中确定或者修改。</a:t>
-            </a:r>
-          </a:p>
-        </p:txBody>
-      </p:sp>
     </p:spTree>
     <p:extLst>
       <p:ext uri="{BB962C8B-B14F-4D97-AF65-F5344CB8AC3E}">
@@ -7293,6 +12062,825 @@
 </file>
 
 <file path=ppt/slides/slide4.xml><?xml version="1.0" encoding="utf-8"?>
+<p:sld xmlns:a="http://schemas.openxmlformats.org/drawingml/2006/main" xmlns:r="http://schemas.openxmlformats.org/officeDocument/2006/relationships" xmlns:p="http://schemas.openxmlformats.org/presentationml/2006/main">
+  <p:cSld>
+    <p:spTree>
+      <p:nvGrpSpPr>
+        <p:cNvPr id="1" name=""/>
+        <p:cNvGrpSpPr/>
+        <p:nvPr/>
+      </p:nvGrpSpPr>
+      <p:grpSpPr>
+        <a:xfrm>
+          <a:off x="0" y="0"/>
+          <a:ext cx="0" cy="0"/>
+          <a:chOff x="0" y="0"/>
+          <a:chExt cx="0" cy="0"/>
+        </a:xfrm>
+      </p:grpSpPr>
+      <p:sp>
+        <p:nvSpPr>
+          <p:cNvPr id="2" name="文本框 1">
+            <a:extLst>
+              <a:ext uri="{FF2B5EF4-FFF2-40B4-BE49-F238E27FC236}">
+                <a16:creationId xmlns:a16="http://schemas.microsoft.com/office/drawing/2014/main" id="{EDEC4111-7AE3-48E2-AE23-891F27CD8D2F}"/>
+              </a:ext>
+            </a:extLst>
+          </p:cNvPr>
+          <p:cNvSpPr txBox="1"/>
+          <p:nvPr/>
+        </p:nvSpPr>
+        <p:spPr>
+          <a:xfrm>
+            <a:off x="1227667" y="319669"/>
+            <a:ext cx="8577814" cy="461665"/>
+          </a:xfrm>
+          <a:prstGeom prst="rect">
+            <a:avLst/>
+          </a:prstGeom>
+          <a:noFill/>
+        </p:spPr>
+        <p:txBody>
+          <a:bodyPr wrap="square" rtlCol="0">
+            <a:spAutoFit/>
+          </a:bodyPr>
+          <a:lstStyle/>
+          <a:p>
+            <a:r>
+              <a:rPr lang="zh-CN" altLang="en-US" sz="2400" b="1" dirty="0">
+                <a:solidFill>
+                  <a:srgbClr val="007F58"/>
+                </a:solidFill>
+                <a:latin typeface="微软雅黑" panose="020B0503020204020204" pitchFamily="34" charset="-122"/>
+                <a:ea typeface="微软雅黑" panose="020B0503020204020204" pitchFamily="34" charset="-122"/>
+              </a:rPr>
+              <a:t>共计</a:t>
+            </a:r>
+            <a:r>
+              <a:rPr lang="en-US" altLang="zh-CN" sz="2400" b="1" dirty="0">
+                <a:solidFill>
+                  <a:srgbClr val="007F58"/>
+                </a:solidFill>
+                <a:latin typeface="微软雅黑" panose="020B0503020204020204" pitchFamily="34" charset="-122"/>
+                <a:ea typeface="微软雅黑" panose="020B0503020204020204" pitchFamily="34" charset="-122"/>
+              </a:rPr>
+              <a:t>31</a:t>
+            </a:r>
+            <a:r>
+              <a:rPr lang="zh-CN" altLang="en-US" sz="2400" b="1" dirty="0">
+                <a:solidFill>
+                  <a:srgbClr val="007F58"/>
+                </a:solidFill>
+                <a:latin typeface="微软雅黑" panose="020B0503020204020204" pitchFamily="34" charset="-122"/>
+                <a:ea typeface="微软雅黑" panose="020B0503020204020204" pitchFamily="34" charset="-122"/>
+              </a:rPr>
+              <a:t>个全局变量，其中有</a:t>
+            </a:r>
+            <a:r>
+              <a:rPr lang="en-US" altLang="zh-CN" sz="2400" b="1" dirty="0">
+                <a:solidFill>
+                  <a:srgbClr val="007F58"/>
+                </a:solidFill>
+                <a:latin typeface="微软雅黑" panose="020B0503020204020204" pitchFamily="34" charset="-122"/>
+                <a:ea typeface="微软雅黑" panose="020B0503020204020204" pitchFamily="34" charset="-122"/>
+              </a:rPr>
+              <a:t>19</a:t>
+            </a:r>
+            <a:r>
+              <a:rPr lang="zh-CN" altLang="en-US" sz="2400" b="1" dirty="0">
+                <a:solidFill>
+                  <a:srgbClr val="007F58"/>
+                </a:solidFill>
+                <a:latin typeface="微软雅黑" panose="020B0503020204020204" pitchFamily="34" charset="-122"/>
+                <a:ea typeface="微软雅黑" panose="020B0503020204020204" pitchFamily="34" charset="-122"/>
+              </a:rPr>
+              <a:t>个是通过命令行参数确定的</a:t>
+            </a:r>
+            <a:endParaRPr lang="en-US" altLang="zh-CN" sz="2400" b="1" dirty="0">
+              <a:solidFill>
+                <a:srgbClr val="007F58"/>
+              </a:solidFill>
+              <a:latin typeface="微软雅黑" panose="020B0503020204020204" pitchFamily="34" charset="-122"/>
+              <a:ea typeface="微软雅黑" panose="020B0503020204020204" pitchFamily="34" charset="-122"/>
+            </a:endParaRPr>
+          </a:p>
+        </p:txBody>
+      </p:sp>
+      <p:graphicFrame>
+        <p:nvGraphicFramePr>
+          <p:cNvPr id="5" name="表格 4">
+            <a:extLst>
+              <a:ext uri="{FF2B5EF4-FFF2-40B4-BE49-F238E27FC236}">
+                <a16:creationId xmlns:a16="http://schemas.microsoft.com/office/drawing/2014/main" id="{F30E9AD7-76E5-4B07-BAFF-B357FB6674CC}"/>
+              </a:ext>
+            </a:extLst>
+          </p:cNvPr>
+          <p:cNvGraphicFramePr>
+            <a:graphicFrameLocks noGrp="1"/>
+          </p:cNvGraphicFramePr>
+          <p:nvPr>
+            <p:extLst>
+              <p:ext uri="{D42A27DB-BD31-4B8C-83A1-F6EECF244321}">
+                <p14:modId xmlns:p14="http://schemas.microsoft.com/office/powerpoint/2010/main" val="3534524290"/>
+              </p:ext>
+            </p:extLst>
+          </p:nvPr>
+        </p:nvGraphicFramePr>
+        <p:xfrm>
+          <a:off x="665748" y="1308100"/>
+          <a:ext cx="10860504" cy="4241800"/>
+        </p:xfrm>
+        <a:graphic>
+          <a:graphicData uri="http://schemas.openxmlformats.org/drawingml/2006/table">
+            <a:tbl>
+              <a:tblPr firstRow="1" bandRow="1">
+                <a:tableStyleId>{5C22544A-7EE6-4342-B048-85BDC9FD1C3A}</a:tableStyleId>
+              </a:tblPr>
+              <a:tblGrid>
+                <a:gridCol w="866272">
+                  <a:extLst>
+                    <a:ext uri="{9D8B030D-6E8A-4147-A177-3AD203B41FA5}">
+                      <a16:colId xmlns:a16="http://schemas.microsoft.com/office/drawing/2014/main" val="3752003716"/>
+                    </a:ext>
+                  </a:extLst>
+                </a:gridCol>
+                <a:gridCol w="2342148">
+                  <a:extLst>
+                    <a:ext uri="{9D8B030D-6E8A-4147-A177-3AD203B41FA5}">
+                      <a16:colId xmlns:a16="http://schemas.microsoft.com/office/drawing/2014/main" val="1406625542"/>
+                    </a:ext>
+                  </a:extLst>
+                </a:gridCol>
+                <a:gridCol w="7652084">
+                  <a:extLst>
+                    <a:ext uri="{9D8B030D-6E8A-4147-A177-3AD203B41FA5}">
+                      <a16:colId xmlns:a16="http://schemas.microsoft.com/office/drawing/2014/main" val="1838408434"/>
+                    </a:ext>
+                  </a:extLst>
+                </a:gridCol>
+              </a:tblGrid>
+              <a:tr h="0">
+                <a:tc>
+                  <a:txBody>
+                    <a:bodyPr/>
+                    <a:lstStyle/>
+                    <a:p>
+                      <a:r>
+                        <a:rPr lang="zh-CN" altLang="en-US" dirty="0"/>
+                        <a:t>编号</a:t>
+                      </a:r>
+                    </a:p>
+                  </a:txBody>
+                  <a:tcPr/>
+                </a:tc>
+                <a:tc>
+                  <a:txBody>
+                    <a:bodyPr/>
+                    <a:lstStyle/>
+                    <a:p>
+                      <a:r>
+                        <a:rPr lang="zh-CN" altLang="en-US" dirty="0"/>
+                        <a:t>变量名</a:t>
+                      </a:r>
+                    </a:p>
+                  </a:txBody>
+                  <a:tcPr/>
+                </a:tc>
+                <a:tc>
+                  <a:txBody>
+                    <a:bodyPr/>
+                    <a:lstStyle/>
+                    <a:p>
+                      <a:r>
+                        <a:rPr lang="zh-CN" altLang="en-US" dirty="0"/>
+                        <a:t>说明</a:t>
+                      </a:r>
+                    </a:p>
+                  </a:txBody>
+                  <a:tcPr/>
+                </a:tc>
+                <a:extLst>
+                  <a:ext uri="{0D108BD9-81ED-4DB2-BD59-A6C34878D82A}">
+                    <a16:rowId xmlns:a16="http://schemas.microsoft.com/office/drawing/2014/main" val="3508807612"/>
+                  </a:ext>
+                </a:extLst>
+              </a:tr>
+              <a:tr h="370840">
+                <a:tc>
+                  <a:txBody>
+                    <a:bodyPr/>
+                    <a:lstStyle/>
+                    <a:p>
+                      <a:r>
+                        <a:rPr lang="en-US" altLang="zh-CN" dirty="0"/>
+                        <a:t>11</a:t>
+                      </a:r>
+                      <a:endParaRPr lang="zh-CN" altLang="en-US" dirty="0"/>
+                    </a:p>
+                  </a:txBody>
+                  <a:tcPr/>
+                </a:tc>
+                <a:tc>
+                  <a:txBody>
+                    <a:bodyPr/>
+                    <a:lstStyle/>
+                    <a:p>
+                      <a:r>
+                        <a:rPr lang="en-US" altLang="zh-CN" dirty="0" err="1"/>
+                        <a:t>CertConfig</a:t>
+                      </a:r>
+                      <a:endParaRPr lang="zh-CN" altLang="en-US" dirty="0"/>
+                    </a:p>
+                  </a:txBody>
+                  <a:tcPr/>
+                </a:tc>
+                <a:tc>
+                  <a:txBody>
+                    <a:bodyPr/>
+                    <a:lstStyle/>
+                    <a:p>
+                      <a:r>
+                        <a:rPr lang="zh-CN" altLang="en-US" dirty="0"/>
+                        <a:t>证书的配置文件，默认情况下是自动生成的，也可以通过</a:t>
+                      </a:r>
+                      <a:r>
+                        <a:rPr lang="en-US" altLang="zh-CN" dirty="0"/>
+                        <a:t>-t</a:t>
+                      </a:r>
+                      <a:r>
+                        <a:rPr lang="zh-CN" altLang="en-US" dirty="0"/>
+                        <a:t>选项指定配置文件</a:t>
+                      </a:r>
+                    </a:p>
+                  </a:txBody>
+                  <a:tcPr/>
+                </a:tc>
+                <a:extLst>
+                  <a:ext uri="{0D108BD9-81ED-4DB2-BD59-A6C34878D82A}">
+                    <a16:rowId xmlns:a16="http://schemas.microsoft.com/office/drawing/2014/main" val="4114931450"/>
+                  </a:ext>
+                </a:extLst>
+              </a:tr>
+              <a:tr h="370840">
+                <a:tc>
+                  <a:txBody>
+                    <a:bodyPr/>
+                    <a:lstStyle/>
+                    <a:p>
+                      <a:r>
+                        <a:rPr lang="en-US" altLang="zh-CN" dirty="0"/>
+                        <a:t>12</a:t>
+                      </a:r>
+                      <a:endParaRPr lang="zh-CN" altLang="en-US" dirty="0"/>
+                    </a:p>
+                  </a:txBody>
+                  <a:tcPr/>
+                </a:tc>
+                <a:tc>
+                  <a:txBody>
+                    <a:bodyPr/>
+                    <a:lstStyle/>
+                    <a:p>
+                      <a:r>
+                        <a:rPr lang="en-US" altLang="zh-CN" dirty="0" err="1"/>
+                        <a:t>consensus_type</a:t>
+                      </a:r>
+                      <a:endParaRPr lang="zh-CN" altLang="en-US" dirty="0"/>
+                    </a:p>
+                  </a:txBody>
+                  <a:tcPr/>
+                </a:tc>
+                <a:tc>
+                  <a:txBody>
+                    <a:bodyPr/>
+                    <a:lstStyle/>
+                    <a:p>
+                      <a:r>
+                        <a:rPr lang="zh-CN" altLang="en-US" dirty="0"/>
+                        <a:t>共识算法类型，默认是</a:t>
+                      </a:r>
+                      <a:r>
+                        <a:rPr lang="en-US" altLang="zh-CN" dirty="0" err="1"/>
+                        <a:t>pbft</a:t>
+                      </a:r>
+                      <a:r>
+                        <a:rPr lang="zh-CN" altLang="en-US" dirty="0"/>
+                        <a:t>，用</a:t>
+                      </a:r>
+                      <a:r>
+                        <a:rPr lang="en-US" altLang="zh-CN" dirty="0"/>
+                        <a:t>-c</a:t>
+                      </a:r>
+                      <a:r>
+                        <a:rPr lang="zh-CN" altLang="en-US" dirty="0"/>
+                        <a:t>选项可修改为</a:t>
+                      </a:r>
+                      <a:r>
+                        <a:rPr lang="en-US" altLang="zh-CN" dirty="0"/>
+                        <a:t>raft</a:t>
+                      </a:r>
+                      <a:r>
+                        <a:rPr lang="zh-CN" altLang="en-US" dirty="0"/>
+                        <a:t>共识算法</a:t>
+                      </a:r>
+                    </a:p>
+                  </a:txBody>
+                  <a:tcPr/>
+                </a:tc>
+                <a:extLst>
+                  <a:ext uri="{0D108BD9-81ED-4DB2-BD59-A6C34878D82A}">
+                    <a16:rowId xmlns:a16="http://schemas.microsoft.com/office/drawing/2014/main" val="567832089"/>
+                  </a:ext>
+                </a:extLst>
+              </a:tr>
+              <a:tr h="370840">
+                <a:tc>
+                  <a:txBody>
+                    <a:bodyPr/>
+                    <a:lstStyle/>
+                    <a:p>
+                      <a:r>
+                        <a:rPr lang="en-US" altLang="zh-CN" dirty="0"/>
+                        <a:t>13</a:t>
+                      </a:r>
+                      <a:endParaRPr lang="zh-CN" altLang="en-US" dirty="0"/>
+                    </a:p>
+                  </a:txBody>
+                  <a:tcPr/>
+                </a:tc>
+                <a:tc>
+                  <a:txBody>
+                    <a:bodyPr/>
+                    <a:lstStyle/>
+                    <a:p>
+                      <a:r>
+                        <a:rPr lang="en-US" altLang="zh-CN" dirty="0" err="1"/>
+                        <a:t>chain_id</a:t>
+                      </a:r>
+                      <a:endParaRPr lang="zh-CN" altLang="en-US" dirty="0"/>
+                    </a:p>
+                  </a:txBody>
+                  <a:tcPr/>
+                </a:tc>
+                <a:tc>
+                  <a:txBody>
+                    <a:bodyPr/>
+                    <a:lstStyle/>
+                    <a:p>
+                      <a:r>
+                        <a:rPr lang="zh-CN" altLang="en-US" dirty="0"/>
+                        <a:t>区块链的</a:t>
+                      </a:r>
+                      <a:r>
+                        <a:rPr lang="en-US" altLang="zh-CN" dirty="0"/>
+                        <a:t>id</a:t>
+                      </a:r>
+                      <a:r>
+                        <a:rPr lang="zh-CN" altLang="en-US" dirty="0"/>
+                        <a:t>，默认是</a:t>
+                      </a:r>
+                      <a:r>
+                        <a:rPr lang="en-US" altLang="zh-CN" dirty="0"/>
+                        <a:t>1</a:t>
+                      </a:r>
+                      <a:r>
+                        <a:rPr lang="zh-CN" altLang="en-US" dirty="0"/>
+                        <a:t>，通过</a:t>
+                      </a:r>
+                      <a:r>
+                        <a:rPr lang="en-US" altLang="zh-CN" dirty="0"/>
+                        <a:t>-C</a:t>
+                      </a:r>
+                      <a:r>
+                        <a:rPr lang="zh-CN" altLang="en-US" dirty="0"/>
+                        <a:t>选项可以指定一个无符号整数作为区块链</a:t>
+                      </a:r>
+                      <a:r>
+                        <a:rPr lang="en-US" altLang="zh-CN" dirty="0"/>
+                        <a:t>id</a:t>
+                      </a:r>
+                      <a:endParaRPr lang="zh-CN" altLang="en-US" dirty="0"/>
+                    </a:p>
+                  </a:txBody>
+                  <a:tcPr/>
+                </a:tc>
+                <a:extLst>
+                  <a:ext uri="{0D108BD9-81ED-4DB2-BD59-A6C34878D82A}">
+                    <a16:rowId xmlns:a16="http://schemas.microsoft.com/office/drawing/2014/main" val="2093670593"/>
+                  </a:ext>
+                </a:extLst>
+              </a:tr>
+              <a:tr h="370840">
+                <a:tc>
+                  <a:txBody>
+                    <a:bodyPr/>
+                    <a:lstStyle/>
+                    <a:p>
+                      <a:r>
+                        <a:rPr lang="en-US" altLang="zh-CN" dirty="0"/>
+                        <a:t>14</a:t>
+                      </a:r>
+                      <a:endParaRPr lang="zh-CN" altLang="en-US" dirty="0"/>
+                    </a:p>
+                  </a:txBody>
+                  <a:tcPr/>
+                </a:tc>
+                <a:tc>
+                  <a:txBody>
+                    <a:bodyPr/>
+                    <a:lstStyle/>
+                    <a:p>
+                      <a:r>
+                        <a:rPr lang="en-US" altLang="zh-CN" dirty="0" err="1"/>
+                        <a:t>debug_log</a:t>
+                      </a:r>
+                      <a:endParaRPr lang="zh-CN" altLang="en-US" dirty="0"/>
+                    </a:p>
+                  </a:txBody>
+                  <a:tcPr/>
+                </a:tc>
+                <a:tc>
+                  <a:txBody>
+                    <a:bodyPr/>
+                    <a:lstStyle/>
+                    <a:p>
+                      <a:r>
+                        <a:rPr lang="zh-CN" altLang="en-US" dirty="0"/>
+                        <a:t>是否开启调试日志，默认是关闭的，用</a:t>
+                      </a:r>
+                      <a:r>
+                        <a:rPr lang="en-US" altLang="zh-CN" dirty="0"/>
+                        <a:t>-T</a:t>
+                      </a:r>
+                      <a:r>
+                        <a:rPr lang="zh-CN" altLang="en-US" dirty="0"/>
+                        <a:t>选项开启</a:t>
+                      </a:r>
+                    </a:p>
+                  </a:txBody>
+                  <a:tcPr/>
+                </a:tc>
+                <a:extLst>
+                  <a:ext uri="{0D108BD9-81ED-4DB2-BD59-A6C34878D82A}">
+                    <a16:rowId xmlns:a16="http://schemas.microsoft.com/office/drawing/2014/main" val="712091845"/>
+                  </a:ext>
+                </a:extLst>
+              </a:tr>
+              <a:tr h="370840">
+                <a:tc>
+                  <a:txBody>
+                    <a:bodyPr/>
+                    <a:lstStyle/>
+                    <a:p>
+                      <a:r>
+                        <a:rPr lang="en-US" altLang="zh-CN" dirty="0"/>
+                        <a:t>15</a:t>
+                      </a:r>
+                      <a:endParaRPr lang="zh-CN" altLang="en-US" dirty="0"/>
+                    </a:p>
+                  </a:txBody>
+                  <a:tcPr/>
+                </a:tc>
+                <a:tc>
+                  <a:txBody>
+                    <a:bodyPr/>
+                    <a:lstStyle/>
+                    <a:p>
+                      <a:r>
+                        <a:rPr lang="en-US" altLang="zh-CN" dirty="0" err="1"/>
+                        <a:t>log_level</a:t>
+                      </a:r>
+                      <a:endParaRPr lang="zh-CN" altLang="en-US" dirty="0"/>
+                    </a:p>
+                  </a:txBody>
+                  <a:tcPr/>
+                </a:tc>
+                <a:tc>
+                  <a:txBody>
+                    <a:bodyPr/>
+                    <a:lstStyle/>
+                    <a:p>
+                      <a:r>
+                        <a:rPr lang="zh-CN" altLang="en-US" dirty="0"/>
+                        <a:t>日志的等级，默认是</a:t>
+                      </a:r>
+                      <a:r>
+                        <a:rPr lang="en-US" altLang="zh-CN" dirty="0"/>
+                        <a:t>info</a:t>
+                      </a:r>
+                      <a:r>
+                        <a:rPr lang="zh-CN" altLang="en-US" dirty="0"/>
+                        <a:t>，在用</a:t>
+                      </a:r>
+                      <a:r>
+                        <a:rPr lang="en-US" altLang="zh-CN" dirty="0"/>
+                        <a:t>-T</a:t>
+                      </a:r>
+                      <a:r>
+                        <a:rPr lang="zh-CN" altLang="en-US" dirty="0"/>
+                        <a:t>选项开启调试日志时会被修改为</a:t>
+                      </a:r>
+                      <a:r>
+                        <a:rPr lang="en-US" altLang="zh-CN" dirty="0"/>
+                        <a:t>debug</a:t>
+                      </a:r>
+                      <a:endParaRPr lang="zh-CN" altLang="en-US" dirty="0"/>
+                    </a:p>
+                  </a:txBody>
+                  <a:tcPr/>
+                </a:tc>
+                <a:extLst>
+                  <a:ext uri="{0D108BD9-81ED-4DB2-BD59-A6C34878D82A}">
+                    <a16:rowId xmlns:a16="http://schemas.microsoft.com/office/drawing/2014/main" val="3452690254"/>
+                  </a:ext>
+                </a:extLst>
+              </a:tr>
+              <a:tr h="370840">
+                <a:tc>
+                  <a:txBody>
+                    <a:bodyPr/>
+                    <a:lstStyle/>
+                    <a:p>
+                      <a:r>
+                        <a:rPr lang="en-US" altLang="zh-CN" dirty="0"/>
+                        <a:t>16</a:t>
+                      </a:r>
+                      <a:endParaRPr lang="zh-CN" altLang="en-US" dirty="0"/>
+                    </a:p>
+                  </a:txBody>
+                  <a:tcPr/>
+                </a:tc>
+                <a:tc>
+                  <a:txBody>
+                    <a:bodyPr/>
+                    <a:lstStyle/>
+                    <a:p>
+                      <a:r>
+                        <a:rPr lang="en-US" altLang="zh-CN" dirty="0" err="1"/>
+                        <a:t>auto_flush</a:t>
+                      </a:r>
+                      <a:endParaRPr lang="zh-CN" altLang="en-US" dirty="0"/>
+                    </a:p>
+                  </a:txBody>
+                  <a:tcPr/>
+                </a:tc>
+                <a:tc>
+                  <a:txBody>
+                    <a:bodyPr/>
+                    <a:lstStyle/>
+                    <a:p>
+                      <a:r>
+                        <a:rPr lang="zh-CN" altLang="en-US" dirty="0"/>
+                        <a:t>是否自动刷新日志，默认自动刷新，用</a:t>
+                      </a:r>
+                      <a:r>
+                        <a:rPr lang="en-US" altLang="zh-CN" dirty="0"/>
+                        <a:t>-F</a:t>
+                      </a:r>
+                      <a:r>
+                        <a:rPr lang="zh-CN" altLang="en-US" dirty="0"/>
+                        <a:t>关闭自动刷新</a:t>
+                      </a:r>
+                    </a:p>
+                  </a:txBody>
+                  <a:tcPr/>
+                </a:tc>
+                <a:extLst>
+                  <a:ext uri="{0D108BD9-81ED-4DB2-BD59-A6C34878D82A}">
+                    <a16:rowId xmlns:a16="http://schemas.microsoft.com/office/drawing/2014/main" val="2257457748"/>
+                  </a:ext>
+                </a:extLst>
+              </a:tr>
+              <a:tr h="370840">
+                <a:tc>
+                  <a:txBody>
+                    <a:bodyPr/>
+                    <a:lstStyle/>
+                    <a:p>
+                      <a:r>
+                        <a:rPr lang="en-US" altLang="zh-CN" dirty="0"/>
+                        <a:t>17</a:t>
+                      </a:r>
+                      <a:endParaRPr lang="zh-CN" altLang="en-US" dirty="0"/>
+                    </a:p>
+                  </a:txBody>
+                  <a:tcPr/>
+                </a:tc>
+                <a:tc>
+                  <a:txBody>
+                    <a:bodyPr/>
+                    <a:lstStyle/>
+                    <a:p>
+                      <a:r>
+                        <a:rPr lang="en-US" altLang="zh-CN" dirty="0" err="1"/>
+                        <a:t>make_tar</a:t>
+                      </a:r>
+                      <a:endParaRPr lang="zh-CN" altLang="en-US" dirty="0"/>
+                    </a:p>
+                  </a:txBody>
+                  <a:tcPr/>
+                </a:tc>
+                <a:tc>
+                  <a:txBody>
+                    <a:bodyPr/>
+                    <a:lstStyle/>
+                    <a:p>
+                      <a:r>
+                        <a:rPr lang="zh-CN" altLang="en-US" dirty="0"/>
+                        <a:t>是否将</a:t>
+                      </a:r>
+                      <a:r>
+                        <a:rPr lang="en-US" altLang="zh-CN" dirty="0" err="1"/>
+                        <a:t>pwd</a:t>
+                      </a:r>
+                      <a:r>
+                        <a:rPr lang="en-US" altLang="zh-CN" dirty="0"/>
+                        <a:t>/</a:t>
+                      </a:r>
+                      <a:r>
+                        <a:rPr lang="en-US" altLang="zh-CN" dirty="0" err="1"/>
+                        <a:t>ip_addr</a:t>
+                      </a:r>
+                      <a:r>
+                        <a:rPr lang="zh-CN" altLang="en-US" dirty="0"/>
+                        <a:t>文件夹打包成</a:t>
+                      </a:r>
+                      <a:r>
+                        <a:rPr lang="en-US" altLang="zh-CN" dirty="0" err="1"/>
+                        <a:t>pwd</a:t>
+                      </a:r>
+                      <a:r>
+                        <a:rPr lang="en-US" altLang="zh-CN" dirty="0"/>
+                        <a:t>/ip_addr.tar.gz</a:t>
+                      </a:r>
+                      <a:r>
+                        <a:rPr lang="zh-CN" altLang="en-US" dirty="0"/>
+                        <a:t>，默认不打包，如果要打包则使用</a:t>
+                      </a:r>
+                      <a:r>
+                        <a:rPr lang="en-US" altLang="zh-CN" dirty="0"/>
+                        <a:t>-z</a:t>
+                      </a:r>
+                      <a:r>
+                        <a:rPr lang="zh-CN" altLang="en-US" dirty="0"/>
+                        <a:t>选项</a:t>
+                      </a:r>
+                    </a:p>
+                  </a:txBody>
+                  <a:tcPr/>
+                </a:tc>
+                <a:extLst>
+                  <a:ext uri="{0D108BD9-81ED-4DB2-BD59-A6C34878D82A}">
+                    <a16:rowId xmlns:a16="http://schemas.microsoft.com/office/drawing/2014/main" val="3269515607"/>
+                  </a:ext>
+                </a:extLst>
+              </a:tr>
+              <a:tr h="370840">
+                <a:tc>
+                  <a:txBody>
+                    <a:bodyPr/>
+                    <a:lstStyle/>
+                    <a:p>
+                      <a:r>
+                        <a:rPr lang="en-US" altLang="zh-CN" dirty="0"/>
+                        <a:t>18</a:t>
+                      </a:r>
+                      <a:endParaRPr lang="zh-CN" altLang="en-US" dirty="0"/>
+                    </a:p>
+                  </a:txBody>
+                  <a:tcPr/>
+                </a:tc>
+                <a:tc>
+                  <a:txBody>
+                    <a:bodyPr/>
+                    <a:lstStyle/>
+                    <a:p>
+                      <a:r>
+                        <a:rPr lang="en-US" altLang="zh-CN" dirty="0" err="1"/>
+                        <a:t>guomi_mode</a:t>
+                      </a:r>
+                      <a:endParaRPr lang="zh-CN" altLang="en-US" dirty="0"/>
+                    </a:p>
+                  </a:txBody>
+                  <a:tcPr/>
+                </a:tc>
+                <a:tc>
+                  <a:txBody>
+                    <a:bodyPr/>
+                    <a:lstStyle/>
+                    <a:p>
+                      <a:r>
+                        <a:rPr lang="zh-CN" altLang="en-US" dirty="0"/>
+                        <a:t>是否使用国密模式，默认不使用，用</a:t>
+                      </a:r>
+                      <a:r>
+                        <a:rPr lang="en-US" altLang="zh-CN" dirty="0"/>
+                        <a:t>-g</a:t>
+                      </a:r>
+                      <a:r>
+                        <a:rPr lang="zh-CN" altLang="en-US" dirty="0"/>
+                        <a:t>选项表示使用国密模式</a:t>
+                      </a:r>
+                    </a:p>
+                  </a:txBody>
+                  <a:tcPr/>
+                </a:tc>
+                <a:extLst>
+                  <a:ext uri="{0D108BD9-81ED-4DB2-BD59-A6C34878D82A}">
+                    <a16:rowId xmlns:a16="http://schemas.microsoft.com/office/drawing/2014/main" val="3656011359"/>
+                  </a:ext>
+                </a:extLst>
+              </a:tr>
+              <a:tr h="370840">
+                <a:tc>
+                  <a:txBody>
+                    <a:bodyPr/>
+                    <a:lstStyle/>
+                    <a:p>
+                      <a:r>
+                        <a:rPr lang="en-US" altLang="zh-CN" dirty="0"/>
+                        <a:t>19</a:t>
+                      </a:r>
+                      <a:endParaRPr lang="zh-CN" altLang="en-US" dirty="0"/>
+                    </a:p>
+                  </a:txBody>
+                  <a:tcPr/>
+                </a:tc>
+                <a:tc>
+                  <a:txBody>
+                    <a:bodyPr/>
+                    <a:lstStyle/>
+                    <a:p>
+                      <a:r>
+                        <a:rPr lang="en-US" altLang="zh-CN" dirty="0" err="1"/>
+                        <a:t>docker_mode</a:t>
+                      </a:r>
+                      <a:endParaRPr lang="zh-CN" altLang="en-US" dirty="0"/>
+                    </a:p>
+                  </a:txBody>
+                  <a:tcPr/>
+                </a:tc>
+                <a:tc>
+                  <a:txBody>
+                    <a:bodyPr/>
+                    <a:lstStyle/>
+                    <a:p>
+                      <a:r>
+                        <a:rPr lang="zh-CN" altLang="en-US" dirty="0"/>
+                        <a:t>是否使用</a:t>
+                      </a:r>
+                      <a:r>
+                        <a:rPr lang="en-US" altLang="zh-CN" dirty="0"/>
+                        <a:t>docker</a:t>
+                      </a:r>
+                      <a:r>
+                        <a:rPr lang="zh-CN" altLang="en-US" dirty="0"/>
+                        <a:t>模式，默认不使用，用</a:t>
+                      </a:r>
+                      <a:r>
+                        <a:rPr lang="en-US" altLang="zh-CN" dirty="0"/>
+                        <a:t>-d</a:t>
+                      </a:r>
+                      <a:r>
+                        <a:rPr lang="zh-CN" altLang="en-US" dirty="0"/>
+                        <a:t>选项表示使用</a:t>
+                      </a:r>
+                      <a:r>
+                        <a:rPr lang="en-US" altLang="zh-CN" dirty="0"/>
+                        <a:t>docker</a:t>
+                      </a:r>
+                      <a:r>
+                        <a:rPr lang="zh-CN" altLang="en-US" dirty="0"/>
+                        <a:t>模式</a:t>
+                      </a:r>
+                    </a:p>
+                  </a:txBody>
+                  <a:tcPr/>
+                </a:tc>
+                <a:extLst>
+                  <a:ext uri="{0D108BD9-81ED-4DB2-BD59-A6C34878D82A}">
+                    <a16:rowId xmlns:a16="http://schemas.microsoft.com/office/drawing/2014/main" val="2562150986"/>
+                  </a:ext>
+                </a:extLst>
+              </a:tr>
+            </a:tbl>
+          </a:graphicData>
+        </a:graphic>
+      </p:graphicFrame>
+    </p:spTree>
+    <p:extLst>
+      <p:ext uri="{BB962C8B-B14F-4D97-AF65-F5344CB8AC3E}">
+        <p14:creationId xmlns:p14="http://schemas.microsoft.com/office/powerpoint/2010/main" val="4242784921"/>
+      </p:ext>
+    </p:extLst>
+  </p:cSld>
+  <p:clrMapOvr>
+    <a:masterClrMapping/>
+  </p:clrMapOvr>
+</p:sld>
+</file>
+
+<file path=ppt/slides/slide5.xml><?xml version="1.0" encoding="utf-8"?>
 <p:sld xmlns:a="http://schemas.openxmlformats.org/drawingml/2006/main" xmlns:r="http://schemas.openxmlformats.org/officeDocument/2006/relationships" xmlns:p="http://schemas.openxmlformats.org/presentationml/2006/main">
   <p:cSld>
     <p:spTree>
@@ -7797,7 +13385,7 @@
 </p:sld>
 </file>
 
-<file path=ppt/slides/slide5.xml><?xml version="1.0" encoding="utf-8"?>
+<file path=ppt/slides/slide6.xml><?xml version="1.0" encoding="utf-8"?>
 <p:sld xmlns:a="http://schemas.openxmlformats.org/drawingml/2006/main" xmlns:r="http://schemas.openxmlformats.org/officeDocument/2006/relationships" xmlns:p="http://schemas.openxmlformats.org/presentationml/2006/main">
   <p:cSld>
     <p:spTree>
@@ -10572,7 +16160,7 @@
 </p:sld>
 </file>
 
-<file path=ppt/slides/slide6.xml><?xml version="1.0" encoding="utf-8"?>
+<file path=ppt/slides/slide7.xml><?xml version="1.0" encoding="utf-8"?>
 <p:sld xmlns:a="http://schemas.openxmlformats.org/drawingml/2006/main" xmlns:r="http://schemas.openxmlformats.org/officeDocument/2006/relationships" xmlns:p="http://schemas.openxmlformats.org/presentationml/2006/main">
   <p:cSld>
     <p:spTree>
@@ -11134,7 +16722,7 @@
 </p:sld>
 </file>
 
-<file path=ppt/slides/slide7.xml><?xml version="1.0" encoding="utf-8"?>
+<file path=ppt/slides/slide8.xml><?xml version="1.0" encoding="utf-8"?>
 <p:sld xmlns:a="http://schemas.openxmlformats.org/drawingml/2006/main" xmlns:r="http://schemas.openxmlformats.org/officeDocument/2006/relationships" xmlns:p="http://schemas.openxmlformats.org/presentationml/2006/main">
   <p:cSld>
     <p:spTree>
@@ -11878,7 +17466,7 @@
 </p:sld>
 </file>
 
-<file path=ppt/slides/slide8.xml><?xml version="1.0" encoding="utf-8"?>
+<file path=ppt/slides/slide9.xml><?xml version="1.0" encoding="utf-8"?>
 <p:sld xmlns:a="http://schemas.openxmlformats.org/drawingml/2006/main" xmlns:r="http://schemas.openxmlformats.org/officeDocument/2006/relationships" xmlns:p="http://schemas.openxmlformats.org/presentationml/2006/main">
   <p:cSld>
     <p:spTree>
@@ -12350,1301 +17938,6 @@
     <p:extLst>
       <p:ext uri="{BB962C8B-B14F-4D97-AF65-F5344CB8AC3E}">
         <p14:creationId xmlns:p14="http://schemas.microsoft.com/office/powerpoint/2010/main" val="1150987112"/>
-      </p:ext>
-    </p:extLst>
-  </p:cSld>
-  <p:clrMapOvr>
-    <a:masterClrMapping/>
-  </p:clrMapOvr>
-</p:sld>
-</file>
-
-<file path=ppt/slides/slide9.xml><?xml version="1.0" encoding="utf-8"?>
-<p:sld xmlns:a="http://schemas.openxmlformats.org/drawingml/2006/main" xmlns:r="http://schemas.openxmlformats.org/officeDocument/2006/relationships" xmlns:p="http://schemas.openxmlformats.org/presentationml/2006/main">
-  <p:cSld>
-    <p:spTree>
-      <p:nvGrpSpPr>
-        <p:cNvPr id="1" name=""/>
-        <p:cNvGrpSpPr/>
-        <p:nvPr/>
-      </p:nvGrpSpPr>
-      <p:grpSpPr>
-        <a:xfrm>
-          <a:off x="0" y="0"/>
-          <a:ext cx="0" cy="0"/>
-          <a:chOff x="0" y="0"/>
-          <a:chExt cx="0" cy="0"/>
-        </a:xfrm>
-      </p:grpSpPr>
-      <p:sp>
-        <p:nvSpPr>
-          <p:cNvPr id="2" name="文本框 20">
-            <a:extLst>
-              <a:ext uri="{FF2B5EF4-FFF2-40B4-BE49-F238E27FC236}">
-                <a16:creationId xmlns:a16="http://schemas.microsoft.com/office/drawing/2014/main" id="{DE3889F8-6551-4A68-BC45-154B108E5FE8}"/>
-              </a:ext>
-            </a:extLst>
-          </p:cNvPr>
-          <p:cNvSpPr txBox="1">
-            <a:spLocks noChangeArrowheads="1"/>
-          </p:cNvSpPr>
-          <p:nvPr/>
-        </p:nvSpPr>
-        <p:spPr bwMode="auto">
-          <a:xfrm>
-            <a:off x="568854" y="273314"/>
-            <a:ext cx="5527146" cy="461665"/>
-          </a:xfrm>
-          <a:prstGeom prst="rect">
-            <a:avLst/>
-          </a:prstGeom>
-          <a:noFill/>
-          <a:ln>
-            <a:noFill/>
-          </a:ln>
-          <a:extLst>
-            <a:ext uri="{909E8E84-426E-40DD-AFC4-6F175D3DCCD1}">
-              <a14:hiddenFill xmlns:a14="http://schemas.microsoft.com/office/drawing/2010/main">
-                <a:solidFill>
-                  <a:srgbClr val="FFFFFF"/>
-                </a:solidFill>
-              </a14:hiddenFill>
-            </a:ext>
-            <a:ext uri="{91240B29-F687-4F45-9708-019B960494DF}">
-              <a14:hiddenLine xmlns:a14="http://schemas.microsoft.com/office/drawing/2010/main" w="9525">
-                <a:solidFill>
-                  <a:srgbClr val="000000"/>
-                </a:solidFill>
-                <a:miter lim="800000"/>
-                <a:headEnd/>
-                <a:tailEnd/>
-              </a14:hiddenLine>
-            </a:ext>
-          </a:extLst>
-        </p:spPr>
-        <p:txBody>
-          <a:bodyPr wrap="square">
-            <a:spAutoFit/>
-          </a:bodyPr>
-          <a:lstStyle>
-            <a:lvl1pPr>
-              <a:buFont typeface="Arial" panose="020B0604020202020204" pitchFamily="34" charset="0"/>
-              <a:defRPr>
-                <a:solidFill>
-                  <a:schemeClr val="tx1"/>
-                </a:solidFill>
-                <a:latin typeface="Arial" panose="020B0604020202020204" pitchFamily="34" charset="0"/>
-                <a:ea typeface="微软雅黑" panose="020B0503020204020204" pitchFamily="34" charset="-122"/>
-              </a:defRPr>
-            </a:lvl1pPr>
-            <a:lvl2pPr marL="742950" indent="-285750">
-              <a:buFont typeface="Arial" panose="020B0604020202020204" pitchFamily="34" charset="0"/>
-              <a:defRPr>
-                <a:solidFill>
-                  <a:schemeClr val="tx1"/>
-                </a:solidFill>
-                <a:latin typeface="Arial" panose="020B0604020202020204" pitchFamily="34" charset="0"/>
-                <a:ea typeface="微软雅黑" panose="020B0503020204020204" pitchFamily="34" charset="-122"/>
-              </a:defRPr>
-            </a:lvl2pPr>
-            <a:lvl3pPr marL="1143000" indent="-228600">
-              <a:buFont typeface="Arial" panose="020B0604020202020204" pitchFamily="34" charset="0"/>
-              <a:defRPr>
-                <a:solidFill>
-                  <a:schemeClr val="tx1"/>
-                </a:solidFill>
-                <a:latin typeface="Arial" panose="020B0604020202020204" pitchFamily="34" charset="0"/>
-                <a:ea typeface="微软雅黑" panose="020B0503020204020204" pitchFamily="34" charset="-122"/>
-              </a:defRPr>
-            </a:lvl3pPr>
-            <a:lvl4pPr marL="1600200" indent="-228600">
-              <a:buFont typeface="Arial" panose="020B0604020202020204" pitchFamily="34" charset="0"/>
-              <a:defRPr>
-                <a:solidFill>
-                  <a:schemeClr val="tx1"/>
-                </a:solidFill>
-                <a:latin typeface="Arial" panose="020B0604020202020204" pitchFamily="34" charset="0"/>
-                <a:ea typeface="微软雅黑" panose="020B0503020204020204" pitchFamily="34" charset="-122"/>
-              </a:defRPr>
-            </a:lvl4pPr>
-            <a:lvl5pPr marL="2057400" indent="-228600">
-              <a:buFont typeface="Arial" panose="020B0604020202020204" pitchFamily="34" charset="0"/>
-              <a:defRPr>
-                <a:solidFill>
-                  <a:schemeClr val="tx1"/>
-                </a:solidFill>
-                <a:latin typeface="Arial" panose="020B0604020202020204" pitchFamily="34" charset="0"/>
-                <a:ea typeface="微软雅黑" panose="020B0503020204020204" pitchFamily="34" charset="-122"/>
-              </a:defRPr>
-            </a:lvl5pPr>
-            <a:lvl6pPr marL="2514600" indent="-228600" eaLnBrk="0" fontAlgn="base" hangingPunct="0">
-              <a:spcBef>
-                <a:spcPct val="0"/>
-              </a:spcBef>
-              <a:spcAft>
-                <a:spcPct val="0"/>
-              </a:spcAft>
-              <a:buFont typeface="Arial" panose="020B0604020202020204" pitchFamily="34" charset="0"/>
-              <a:defRPr>
-                <a:solidFill>
-                  <a:schemeClr val="tx1"/>
-                </a:solidFill>
-                <a:latin typeface="Arial" panose="020B0604020202020204" pitchFamily="34" charset="0"/>
-                <a:ea typeface="微软雅黑" panose="020B0503020204020204" pitchFamily="34" charset="-122"/>
-              </a:defRPr>
-            </a:lvl6pPr>
-            <a:lvl7pPr marL="2971800" indent="-228600" eaLnBrk="0" fontAlgn="base" hangingPunct="0">
-              <a:spcBef>
-                <a:spcPct val="0"/>
-              </a:spcBef>
-              <a:spcAft>
-                <a:spcPct val="0"/>
-              </a:spcAft>
-              <a:buFont typeface="Arial" panose="020B0604020202020204" pitchFamily="34" charset="0"/>
-              <a:defRPr>
-                <a:solidFill>
-                  <a:schemeClr val="tx1"/>
-                </a:solidFill>
-                <a:latin typeface="Arial" panose="020B0604020202020204" pitchFamily="34" charset="0"/>
-                <a:ea typeface="微软雅黑" panose="020B0503020204020204" pitchFamily="34" charset="-122"/>
-              </a:defRPr>
-            </a:lvl7pPr>
-            <a:lvl8pPr marL="3429000" indent="-228600" eaLnBrk="0" fontAlgn="base" hangingPunct="0">
-              <a:spcBef>
-                <a:spcPct val="0"/>
-              </a:spcBef>
-              <a:spcAft>
-                <a:spcPct val="0"/>
-              </a:spcAft>
-              <a:buFont typeface="Arial" panose="020B0604020202020204" pitchFamily="34" charset="0"/>
-              <a:defRPr>
-                <a:solidFill>
-                  <a:schemeClr val="tx1"/>
-                </a:solidFill>
-                <a:latin typeface="Arial" panose="020B0604020202020204" pitchFamily="34" charset="0"/>
-                <a:ea typeface="微软雅黑" panose="020B0503020204020204" pitchFamily="34" charset="-122"/>
-              </a:defRPr>
-            </a:lvl8pPr>
-            <a:lvl9pPr marL="3886200" indent="-228600" eaLnBrk="0" fontAlgn="base" hangingPunct="0">
-              <a:spcBef>
-                <a:spcPct val="0"/>
-              </a:spcBef>
-              <a:spcAft>
-                <a:spcPct val="0"/>
-              </a:spcAft>
-              <a:buFont typeface="Arial" panose="020B0604020202020204" pitchFamily="34" charset="0"/>
-              <a:defRPr>
-                <a:solidFill>
-                  <a:schemeClr val="tx1"/>
-                </a:solidFill>
-                <a:latin typeface="Arial" panose="020B0604020202020204" pitchFamily="34" charset="0"/>
-                <a:ea typeface="微软雅黑" panose="020B0503020204020204" pitchFamily="34" charset="-122"/>
-              </a:defRPr>
-            </a:lvl9pPr>
-          </a:lstStyle>
-          <a:p>
-            <a:r>
-              <a:rPr lang="zh-CN" altLang="en-US" sz="2400" b="1" dirty="0">
-                <a:solidFill>
-                  <a:srgbClr val="007F58"/>
-                </a:solidFill>
-                <a:latin typeface="微软雅黑" panose="020B0503020204020204" pitchFamily="34" charset="-122"/>
-              </a:rPr>
-              <a:t>用来生成证书、密钥、配置文件的函数</a:t>
-            </a:r>
-          </a:p>
-        </p:txBody>
-      </p:sp>
-      <p:graphicFrame>
-        <p:nvGraphicFramePr>
-          <p:cNvPr id="3" name="表格 2">
-            <a:extLst>
-              <a:ext uri="{FF2B5EF4-FFF2-40B4-BE49-F238E27FC236}">
-                <a16:creationId xmlns:a16="http://schemas.microsoft.com/office/drawing/2014/main" id="{426923CA-DD5F-4F31-ABAA-67790CFE3E25}"/>
-              </a:ext>
-            </a:extLst>
-          </p:cNvPr>
-          <p:cNvGraphicFramePr>
-            <a:graphicFrameLocks noGrp="1"/>
-          </p:cNvGraphicFramePr>
-          <p:nvPr>
-            <p:extLst>
-              <p:ext uri="{D42A27DB-BD31-4B8C-83A1-F6EECF244321}">
-                <p14:modId xmlns:p14="http://schemas.microsoft.com/office/powerpoint/2010/main" val="4156285042"/>
-              </p:ext>
-            </p:extLst>
-          </p:nvPr>
-        </p:nvGraphicFramePr>
-        <p:xfrm>
-          <a:off x="2032000" y="734979"/>
-          <a:ext cx="8128000" cy="5933440"/>
-        </p:xfrm>
-        <a:graphic>
-          <a:graphicData uri="http://schemas.openxmlformats.org/drawingml/2006/table">
-            <a:tbl>
-              <a:tblPr firstRow="1" bandRow="1">
-                <a:tableStyleId>{5C22544A-7EE6-4342-B048-85BDC9FD1C3A}</a:tableStyleId>
-              </a:tblPr>
-              <a:tblGrid>
-                <a:gridCol w="4064000">
-                  <a:extLst>
-                    <a:ext uri="{9D8B030D-6E8A-4147-A177-3AD203B41FA5}">
-                      <a16:colId xmlns:a16="http://schemas.microsoft.com/office/drawing/2014/main" val="275840825"/>
-                    </a:ext>
-                  </a:extLst>
-                </a:gridCol>
-                <a:gridCol w="4064000">
-                  <a:extLst>
-                    <a:ext uri="{9D8B030D-6E8A-4147-A177-3AD203B41FA5}">
-                      <a16:colId xmlns:a16="http://schemas.microsoft.com/office/drawing/2014/main" val="2921224805"/>
-                    </a:ext>
-                  </a:extLst>
-                </a:gridCol>
-              </a:tblGrid>
-              <a:tr h="370840">
-                <a:tc>
-                  <a:txBody>
-                    <a:bodyPr/>
-                    <a:lstStyle/>
-                    <a:p>
-                      <a:r>
-                        <a:rPr lang="zh-CN" altLang="en-US" b="0" dirty="0"/>
-                        <a:t>函数名</a:t>
-                      </a:r>
-                    </a:p>
-                  </a:txBody>
-                  <a:tcPr/>
-                </a:tc>
-                <a:tc>
-                  <a:txBody>
-                    <a:bodyPr/>
-                    <a:lstStyle/>
-                    <a:p>
-                      <a:r>
-                        <a:rPr lang="zh-CN" altLang="en-US" b="0" dirty="0"/>
-                        <a:t>功能描述</a:t>
-                      </a:r>
-                    </a:p>
-                  </a:txBody>
-                  <a:tcPr/>
-                </a:tc>
-                <a:extLst>
-                  <a:ext uri="{0D108BD9-81ED-4DB2-BD59-A6C34878D82A}">
-                    <a16:rowId xmlns:a16="http://schemas.microsoft.com/office/drawing/2014/main" val="2319463917"/>
-                  </a:ext>
-                </a:extLst>
-              </a:tr>
-              <a:tr h="370840">
-                <a:tc>
-                  <a:txBody>
-                    <a:bodyPr/>
-                    <a:lstStyle/>
-                    <a:p>
-                      <a:r>
-                        <a:rPr lang="en-US" altLang="zh-CN" sz="1800" b="0" i="0" kern="1200" dirty="0" err="1">
-                          <a:solidFill>
-                            <a:schemeClr val="dk1"/>
-                          </a:solidFill>
-                          <a:effectLst/>
-                          <a:latin typeface="+mn-lt"/>
-                          <a:ea typeface="+mn-ea"/>
-                          <a:cs typeface="+mn-cs"/>
-                        </a:rPr>
-                        <a:t>gen_chain_cert</a:t>
-                      </a:r>
-                      <a:r>
-                        <a:rPr lang="en-US" altLang="zh-CN" sz="1800" b="0" i="0" kern="1200" dirty="0">
-                          <a:solidFill>
-                            <a:schemeClr val="dk1"/>
-                          </a:solidFill>
-                          <a:effectLst/>
-                          <a:latin typeface="+mn-lt"/>
-                          <a:ea typeface="+mn-ea"/>
-                          <a:cs typeface="+mn-cs"/>
-                        </a:rPr>
-                        <a:t>()</a:t>
-                      </a:r>
-                    </a:p>
-                  </a:txBody>
-                  <a:tcPr/>
-                </a:tc>
-                <a:tc>
-                  <a:txBody>
-                    <a:bodyPr/>
-                    <a:lstStyle/>
-                    <a:p>
-                      <a:r>
-                        <a:rPr lang="zh-CN" altLang="en-US" sz="1800" b="0" i="0" kern="1200" dirty="0">
-                          <a:solidFill>
-                            <a:schemeClr val="dk1"/>
-                          </a:solidFill>
-                          <a:effectLst/>
-                          <a:latin typeface="+mn-lt"/>
-                          <a:ea typeface="+mn-ea"/>
-                          <a:cs typeface="+mn-cs"/>
-                        </a:rPr>
-                        <a:t>生成本地区块链证书</a:t>
-                      </a:r>
-                      <a:endParaRPr lang="zh-CN" altLang="en-US" b="0" dirty="0"/>
-                    </a:p>
-                  </a:txBody>
-                  <a:tcPr/>
-                </a:tc>
-                <a:extLst>
-                  <a:ext uri="{0D108BD9-81ED-4DB2-BD59-A6C34878D82A}">
-                    <a16:rowId xmlns:a16="http://schemas.microsoft.com/office/drawing/2014/main" val="1414814724"/>
-                  </a:ext>
-                </a:extLst>
-              </a:tr>
-              <a:tr h="370840">
-                <a:tc>
-                  <a:txBody>
-                    <a:bodyPr/>
-                    <a:lstStyle/>
-                    <a:p>
-                      <a:r>
-                        <a:rPr lang="en-US" altLang="zh-CN" sz="1800" b="0" i="0" kern="1200" dirty="0" err="1">
-                          <a:solidFill>
-                            <a:schemeClr val="dk1"/>
-                          </a:solidFill>
-                          <a:effectLst/>
-                          <a:latin typeface="+mn-lt"/>
-                          <a:ea typeface="+mn-ea"/>
-                          <a:cs typeface="+mn-cs"/>
-                        </a:rPr>
-                        <a:t>gen_chain_cert_gm</a:t>
-                      </a:r>
-                      <a:r>
-                        <a:rPr lang="en-US" altLang="zh-CN" sz="1800" b="0" i="0" kern="1200" dirty="0">
-                          <a:solidFill>
-                            <a:schemeClr val="dk1"/>
-                          </a:solidFill>
-                          <a:effectLst/>
-                          <a:latin typeface="+mn-lt"/>
-                          <a:ea typeface="+mn-ea"/>
-                          <a:cs typeface="+mn-cs"/>
-                        </a:rPr>
-                        <a:t>()</a:t>
-                      </a:r>
-                    </a:p>
-                  </a:txBody>
-                  <a:tcPr/>
-                </a:tc>
-                <a:tc>
-                  <a:txBody>
-                    <a:bodyPr/>
-                    <a:lstStyle/>
-                    <a:p>
-                      <a:r>
-                        <a:rPr lang="zh-CN" altLang="en-US" sz="1800" b="0" i="0" kern="1200" dirty="0">
-                          <a:solidFill>
-                            <a:schemeClr val="dk1"/>
-                          </a:solidFill>
-                          <a:effectLst/>
-                          <a:latin typeface="+mn-lt"/>
-                          <a:ea typeface="+mn-ea"/>
-                          <a:cs typeface="+mn-cs"/>
-                        </a:rPr>
-                        <a:t>生成国密版本地区块链证书</a:t>
-                      </a:r>
-                      <a:endParaRPr lang="zh-CN" altLang="en-US" b="0" dirty="0"/>
-                    </a:p>
-                  </a:txBody>
-                  <a:tcPr/>
-                </a:tc>
-                <a:extLst>
-                  <a:ext uri="{0D108BD9-81ED-4DB2-BD59-A6C34878D82A}">
-                    <a16:rowId xmlns:a16="http://schemas.microsoft.com/office/drawing/2014/main" val="1746408502"/>
-                  </a:ext>
-                </a:extLst>
-              </a:tr>
-              <a:tr h="370840">
-                <a:tc>
-                  <a:txBody>
-                    <a:bodyPr/>
-                    <a:lstStyle/>
-                    <a:p>
-                      <a:r>
-                        <a:rPr lang="en-US" altLang="zh-CN" sz="1800" b="0" i="0" kern="1200" dirty="0" err="1">
-                          <a:solidFill>
-                            <a:schemeClr val="dk1"/>
-                          </a:solidFill>
-                          <a:effectLst/>
-                          <a:latin typeface="+mn-lt"/>
-                          <a:ea typeface="+mn-ea"/>
-                          <a:cs typeface="+mn-cs"/>
-                        </a:rPr>
-                        <a:t>gen_agency_cert</a:t>
-                      </a:r>
-                      <a:r>
-                        <a:rPr lang="en-US" altLang="zh-CN" sz="1800" b="0" i="0" kern="1200" dirty="0">
-                          <a:solidFill>
-                            <a:schemeClr val="dk1"/>
-                          </a:solidFill>
-                          <a:effectLst/>
-                          <a:latin typeface="+mn-lt"/>
-                          <a:ea typeface="+mn-ea"/>
-                          <a:cs typeface="+mn-cs"/>
-                        </a:rPr>
-                        <a:t>()</a:t>
-                      </a:r>
-                    </a:p>
-                  </a:txBody>
-                  <a:tcPr/>
-                </a:tc>
-                <a:tc>
-                  <a:txBody>
-                    <a:bodyPr/>
-                    <a:lstStyle/>
-                    <a:p>
-                      <a:r>
-                        <a:rPr lang="zh-CN" altLang="en-US" sz="1800" b="0" i="0" kern="1200" dirty="0">
-                          <a:solidFill>
-                            <a:schemeClr val="dk1"/>
-                          </a:solidFill>
-                          <a:effectLst/>
-                          <a:latin typeface="+mn-lt"/>
-                          <a:ea typeface="+mn-ea"/>
-                          <a:cs typeface="+mn-cs"/>
-                        </a:rPr>
-                        <a:t>生成代理证书</a:t>
-                      </a:r>
-                      <a:endParaRPr lang="zh-CN" altLang="en-US" b="0" dirty="0"/>
-                    </a:p>
-                  </a:txBody>
-                  <a:tcPr/>
-                </a:tc>
-                <a:extLst>
-                  <a:ext uri="{0D108BD9-81ED-4DB2-BD59-A6C34878D82A}">
-                    <a16:rowId xmlns:a16="http://schemas.microsoft.com/office/drawing/2014/main" val="1347231957"/>
-                  </a:ext>
-                </a:extLst>
-              </a:tr>
-              <a:tr h="370840">
-                <a:tc>
-                  <a:txBody>
-                    <a:bodyPr/>
-                    <a:lstStyle/>
-                    <a:p>
-                      <a:pPr marL="0" marR="0" lvl="0" indent="0" algn="l" defTabSz="914400" rtl="0" eaLnBrk="1" fontAlgn="auto" latinLnBrk="0" hangingPunct="1">
-                        <a:lnSpc>
-                          <a:spcPct val="100000"/>
-                        </a:lnSpc>
-                        <a:spcBef>
-                          <a:spcPts val="0"/>
-                        </a:spcBef>
-                        <a:spcAft>
-                          <a:spcPts val="0"/>
-                        </a:spcAft>
-                        <a:buClrTx/>
-                        <a:buSzTx/>
-                        <a:buFontTx/>
-                        <a:buNone/>
-                        <a:tabLst/>
-                        <a:defRPr/>
-                      </a:pPr>
-                      <a:r>
-                        <a:rPr lang="en-US" altLang="zh-CN" sz="1800" b="0" i="0" kern="1200" dirty="0" err="1">
-                          <a:solidFill>
-                            <a:schemeClr val="dk1"/>
-                          </a:solidFill>
-                          <a:effectLst/>
-                          <a:latin typeface="+mn-lt"/>
-                          <a:ea typeface="+mn-ea"/>
-                          <a:cs typeface="+mn-cs"/>
-                        </a:rPr>
-                        <a:t>gen_agency_cert_gem</a:t>
-                      </a:r>
-                      <a:r>
-                        <a:rPr lang="en-US" altLang="zh-CN" sz="1800" b="0" i="0" kern="1200" dirty="0">
-                          <a:solidFill>
-                            <a:schemeClr val="dk1"/>
-                          </a:solidFill>
-                          <a:effectLst/>
-                          <a:latin typeface="+mn-lt"/>
-                          <a:ea typeface="+mn-ea"/>
-                          <a:cs typeface="+mn-cs"/>
-                        </a:rPr>
-                        <a:t>()</a:t>
-                      </a:r>
-                    </a:p>
-                  </a:txBody>
-                  <a:tcPr/>
-                </a:tc>
-                <a:tc>
-                  <a:txBody>
-                    <a:bodyPr/>
-                    <a:lstStyle/>
-                    <a:p>
-                      <a:r>
-                        <a:rPr lang="en-US" altLang="zh-CN" b="0" dirty="0"/>
-                        <a:t>…</a:t>
-                      </a:r>
-                    </a:p>
-                  </a:txBody>
-                  <a:tcPr/>
-                </a:tc>
-                <a:extLst>
-                  <a:ext uri="{0D108BD9-81ED-4DB2-BD59-A6C34878D82A}">
-                    <a16:rowId xmlns:a16="http://schemas.microsoft.com/office/drawing/2014/main" val="2524831023"/>
-                  </a:ext>
-                </a:extLst>
-              </a:tr>
-              <a:tr h="370840">
-                <a:tc>
-                  <a:txBody>
-                    <a:bodyPr/>
-                    <a:lstStyle/>
-                    <a:p>
-                      <a:pPr marL="0" marR="0" lvl="0" indent="0" algn="l" defTabSz="914400" rtl="0" eaLnBrk="1" fontAlgn="auto" latinLnBrk="0" hangingPunct="1">
-                        <a:lnSpc>
-                          <a:spcPct val="100000"/>
-                        </a:lnSpc>
-                        <a:spcBef>
-                          <a:spcPts val="0"/>
-                        </a:spcBef>
-                        <a:spcAft>
-                          <a:spcPts val="0"/>
-                        </a:spcAft>
-                        <a:buClrTx/>
-                        <a:buSzTx/>
-                        <a:buFontTx/>
-                        <a:buNone/>
-                        <a:tabLst/>
-                        <a:defRPr/>
-                      </a:pPr>
-                      <a:r>
-                        <a:rPr lang="en-US" altLang="zh-CN" sz="1800" b="0" i="0" kern="1200" dirty="0" err="1">
-                          <a:solidFill>
-                            <a:schemeClr val="dk1"/>
-                          </a:solidFill>
-                          <a:effectLst/>
-                          <a:latin typeface="+mn-lt"/>
-                          <a:ea typeface="+mn-ea"/>
-                          <a:cs typeface="+mn-cs"/>
-                        </a:rPr>
-                        <a:t>gen_node_cert</a:t>
-                      </a:r>
-                      <a:r>
-                        <a:rPr lang="en-US" altLang="zh-CN" sz="1800" b="0" i="0" kern="1200" dirty="0">
-                          <a:solidFill>
-                            <a:schemeClr val="dk1"/>
-                          </a:solidFill>
-                          <a:effectLst/>
-                          <a:latin typeface="+mn-lt"/>
-                          <a:ea typeface="+mn-ea"/>
-                          <a:cs typeface="+mn-cs"/>
-                        </a:rPr>
-                        <a:t>()</a:t>
-                      </a:r>
-                    </a:p>
-                  </a:txBody>
-                  <a:tcPr/>
-                </a:tc>
-                <a:tc>
-                  <a:txBody>
-                    <a:bodyPr/>
-                    <a:lstStyle/>
-                    <a:p>
-                      <a:r>
-                        <a:rPr lang="zh-CN" altLang="en-US" b="0" dirty="0"/>
-                        <a:t>生成节点证书</a:t>
-                      </a:r>
-                      <a:endParaRPr lang="en-US" altLang="zh-CN" b="0" dirty="0"/>
-                    </a:p>
-                  </a:txBody>
-                  <a:tcPr/>
-                </a:tc>
-                <a:extLst>
-                  <a:ext uri="{0D108BD9-81ED-4DB2-BD59-A6C34878D82A}">
-                    <a16:rowId xmlns:a16="http://schemas.microsoft.com/office/drawing/2014/main" val="3204236790"/>
-                  </a:ext>
-                </a:extLst>
-              </a:tr>
-              <a:tr h="370840">
-                <a:tc>
-                  <a:txBody>
-                    <a:bodyPr/>
-                    <a:lstStyle/>
-                    <a:p>
-                      <a:pPr marL="0" marR="0" lvl="0" indent="0" algn="l" defTabSz="914400" rtl="0" eaLnBrk="1" fontAlgn="auto" latinLnBrk="0" hangingPunct="1">
-                        <a:lnSpc>
-                          <a:spcPct val="100000"/>
-                        </a:lnSpc>
-                        <a:spcBef>
-                          <a:spcPts val="0"/>
-                        </a:spcBef>
-                        <a:spcAft>
-                          <a:spcPts val="0"/>
-                        </a:spcAft>
-                        <a:buClrTx/>
-                        <a:buSzTx/>
-                        <a:buFontTx/>
-                        <a:buNone/>
-                        <a:tabLst/>
-                        <a:defRPr/>
-                      </a:pPr>
-                      <a:r>
-                        <a:rPr lang="en-US" altLang="zh-CN" sz="1800" b="0" i="0" kern="1200" dirty="0">
-                          <a:solidFill>
-                            <a:schemeClr val="dk1"/>
-                          </a:solidFill>
-                          <a:effectLst/>
-                          <a:latin typeface="+mn-lt"/>
-                          <a:ea typeface="+mn-ea"/>
-                          <a:cs typeface="+mn-cs"/>
-                        </a:rPr>
-                        <a:t>gen_cert_secp256k1()</a:t>
-                      </a:r>
-                    </a:p>
-                  </a:txBody>
-                  <a:tcPr/>
-                </a:tc>
-                <a:tc>
-                  <a:txBody>
-                    <a:bodyPr/>
-                    <a:lstStyle/>
-                    <a:p>
-                      <a:r>
-                        <a:rPr lang="en-US" altLang="zh-CN" b="0" dirty="0"/>
-                        <a:t>…</a:t>
-                      </a:r>
-                    </a:p>
-                  </a:txBody>
-                  <a:tcPr/>
-                </a:tc>
-                <a:extLst>
-                  <a:ext uri="{0D108BD9-81ED-4DB2-BD59-A6C34878D82A}">
-                    <a16:rowId xmlns:a16="http://schemas.microsoft.com/office/drawing/2014/main" val="4082999756"/>
-                  </a:ext>
-                </a:extLst>
-              </a:tr>
-              <a:tr h="370840">
-                <a:tc>
-                  <a:txBody>
-                    <a:bodyPr/>
-                    <a:lstStyle/>
-                    <a:p>
-                      <a:pPr marL="0" marR="0" lvl="0" indent="0" algn="l" defTabSz="914400" rtl="0" eaLnBrk="1" fontAlgn="auto" latinLnBrk="0" hangingPunct="1">
-                        <a:lnSpc>
-                          <a:spcPct val="100000"/>
-                        </a:lnSpc>
-                        <a:spcBef>
-                          <a:spcPts val="0"/>
-                        </a:spcBef>
-                        <a:spcAft>
-                          <a:spcPts val="0"/>
-                        </a:spcAft>
-                        <a:buClrTx/>
-                        <a:buSzTx/>
-                        <a:buFontTx/>
-                        <a:buNone/>
-                        <a:tabLst/>
-                        <a:defRPr/>
-                      </a:pPr>
-                      <a:r>
-                        <a:rPr lang="en-US" altLang="zh-CN" sz="1800" b="0" i="0" kern="1200" dirty="0" err="1">
-                          <a:solidFill>
-                            <a:schemeClr val="dk1"/>
-                          </a:solidFill>
-                          <a:effectLst/>
-                          <a:latin typeface="+mn-lt"/>
-                          <a:ea typeface="+mn-ea"/>
-                          <a:cs typeface="+mn-cs"/>
-                        </a:rPr>
-                        <a:t>gen_node_cert_gm</a:t>
-                      </a:r>
-                      <a:r>
-                        <a:rPr lang="en-US" altLang="zh-CN" sz="1800" b="0" i="0" kern="1200" dirty="0">
-                          <a:solidFill>
-                            <a:schemeClr val="dk1"/>
-                          </a:solidFill>
-                          <a:effectLst/>
-                          <a:latin typeface="+mn-lt"/>
-                          <a:ea typeface="+mn-ea"/>
-                          <a:cs typeface="+mn-cs"/>
-                        </a:rPr>
-                        <a:t>()</a:t>
-                      </a:r>
-                    </a:p>
-                  </a:txBody>
-                  <a:tcPr/>
-                </a:tc>
-                <a:tc>
-                  <a:txBody>
-                    <a:bodyPr/>
-                    <a:lstStyle/>
-                    <a:p>
-                      <a:r>
-                        <a:rPr lang="en-US" altLang="zh-CN" b="0" dirty="0"/>
-                        <a:t>…</a:t>
-                      </a:r>
-                    </a:p>
-                  </a:txBody>
-                  <a:tcPr/>
-                </a:tc>
-                <a:extLst>
-                  <a:ext uri="{0D108BD9-81ED-4DB2-BD59-A6C34878D82A}">
-                    <a16:rowId xmlns:a16="http://schemas.microsoft.com/office/drawing/2014/main" val="1972875420"/>
-                  </a:ext>
-                </a:extLst>
-              </a:tr>
-              <a:tr h="370840">
-                <a:tc>
-                  <a:txBody>
-                    <a:bodyPr/>
-                    <a:lstStyle/>
-                    <a:p>
-                      <a:pPr marL="0" marR="0" lvl="0" indent="0" algn="l" defTabSz="914400" rtl="0" eaLnBrk="1" fontAlgn="auto" latinLnBrk="0" hangingPunct="1">
-                        <a:lnSpc>
-                          <a:spcPct val="100000"/>
-                        </a:lnSpc>
-                        <a:spcBef>
-                          <a:spcPts val="0"/>
-                        </a:spcBef>
-                        <a:spcAft>
-                          <a:spcPts val="0"/>
-                        </a:spcAft>
-                        <a:buClrTx/>
-                        <a:buSzTx/>
-                        <a:buFontTx/>
-                        <a:buNone/>
-                        <a:tabLst/>
-                        <a:defRPr/>
-                      </a:pPr>
-                      <a:r>
-                        <a:rPr lang="en-US" altLang="zh-CN" sz="1800" b="0" i="0" kern="1200" dirty="0" err="1">
-                          <a:solidFill>
-                            <a:schemeClr val="dk1"/>
-                          </a:solidFill>
-                          <a:effectLst/>
-                          <a:latin typeface="+mn-lt"/>
-                          <a:ea typeface="+mn-ea"/>
-                          <a:cs typeface="+mn-cs"/>
-                        </a:rPr>
-                        <a:t>gen_node_cert_with_extensions_gm</a:t>
-                      </a:r>
-                      <a:r>
-                        <a:rPr lang="en-US" altLang="zh-CN" sz="1800" b="0" i="0" kern="1200" dirty="0">
-                          <a:solidFill>
-                            <a:schemeClr val="dk1"/>
-                          </a:solidFill>
-                          <a:effectLst/>
-                          <a:latin typeface="+mn-lt"/>
-                          <a:ea typeface="+mn-ea"/>
-                          <a:cs typeface="+mn-cs"/>
-                        </a:rPr>
-                        <a:t>()</a:t>
-                      </a:r>
-                    </a:p>
-                  </a:txBody>
-                  <a:tcPr/>
-                </a:tc>
-                <a:tc>
-                  <a:txBody>
-                    <a:bodyPr/>
-                    <a:lstStyle/>
-                    <a:p>
-                      <a:r>
-                        <a:rPr lang="en-US" altLang="zh-CN" b="0" dirty="0"/>
-                        <a:t>…</a:t>
-                      </a:r>
-                    </a:p>
-                  </a:txBody>
-                  <a:tcPr/>
-                </a:tc>
-                <a:extLst>
-                  <a:ext uri="{0D108BD9-81ED-4DB2-BD59-A6C34878D82A}">
-                    <a16:rowId xmlns:a16="http://schemas.microsoft.com/office/drawing/2014/main" val="277300830"/>
-                  </a:ext>
-                </a:extLst>
-              </a:tr>
-              <a:tr h="370840">
-                <a:tc>
-                  <a:txBody>
-                    <a:bodyPr/>
-                    <a:lstStyle/>
-                    <a:p>
-                      <a:pPr marL="0" marR="0" lvl="0" indent="0" algn="l" defTabSz="914400" rtl="0" eaLnBrk="1" fontAlgn="auto" latinLnBrk="0" hangingPunct="1">
-                        <a:lnSpc>
-                          <a:spcPct val="100000"/>
-                        </a:lnSpc>
-                        <a:spcBef>
-                          <a:spcPts val="0"/>
-                        </a:spcBef>
-                        <a:spcAft>
-                          <a:spcPts val="0"/>
-                        </a:spcAft>
-                        <a:buClrTx/>
-                        <a:buSzTx/>
-                        <a:buFontTx/>
-                        <a:buNone/>
-                        <a:tabLst/>
-                        <a:defRPr/>
-                      </a:pPr>
-                      <a:r>
-                        <a:rPr lang="en-US" altLang="zh-CN" sz="1800" b="0" i="0" kern="1200" dirty="0">
-                          <a:solidFill>
-                            <a:schemeClr val="dk1"/>
-                          </a:solidFill>
-                          <a:effectLst/>
-                          <a:latin typeface="+mn-lt"/>
-                          <a:ea typeface="+mn-ea"/>
-                          <a:cs typeface="+mn-cs"/>
-                        </a:rPr>
-                        <a:t>generate_gmsm2_param()</a:t>
-                      </a:r>
-                    </a:p>
-                  </a:txBody>
-                  <a:tcPr/>
-                </a:tc>
-                <a:tc>
-                  <a:txBody>
-                    <a:bodyPr/>
-                    <a:lstStyle/>
-                    <a:p>
-                      <a:r>
-                        <a:rPr lang="en-US" altLang="zh-CN" b="0" dirty="0"/>
-                        <a:t>…</a:t>
-                      </a:r>
-                    </a:p>
-                  </a:txBody>
-                  <a:tcPr/>
-                </a:tc>
-                <a:extLst>
-                  <a:ext uri="{0D108BD9-81ED-4DB2-BD59-A6C34878D82A}">
-                    <a16:rowId xmlns:a16="http://schemas.microsoft.com/office/drawing/2014/main" val="278445190"/>
-                  </a:ext>
-                </a:extLst>
-              </a:tr>
-              <a:tr h="370840">
-                <a:tc>
-                  <a:txBody>
-                    <a:bodyPr/>
-                    <a:lstStyle/>
-                    <a:p>
-                      <a:pPr marL="0" marR="0" lvl="0" indent="0" algn="l" defTabSz="914400" rtl="0" eaLnBrk="1" fontAlgn="auto" latinLnBrk="0" hangingPunct="1">
-                        <a:lnSpc>
-                          <a:spcPct val="100000"/>
-                        </a:lnSpc>
-                        <a:spcBef>
-                          <a:spcPts val="0"/>
-                        </a:spcBef>
-                        <a:spcAft>
-                          <a:spcPts val="0"/>
-                        </a:spcAft>
-                        <a:buClrTx/>
-                        <a:buSzTx/>
-                        <a:buFontTx/>
-                        <a:buNone/>
-                        <a:tabLst/>
-                        <a:defRPr/>
-                      </a:pPr>
-                      <a:r>
-                        <a:rPr lang="en-US" altLang="zh-CN" sz="1800" b="0" i="0" kern="1200" dirty="0" err="1">
-                          <a:solidFill>
-                            <a:schemeClr val="dk1"/>
-                          </a:solidFill>
-                          <a:effectLst/>
-                          <a:latin typeface="+mn-lt"/>
-                          <a:ea typeface="+mn-ea"/>
-                          <a:cs typeface="+mn-cs"/>
-                        </a:rPr>
-                        <a:t>generate_config_ini</a:t>
-                      </a:r>
-                      <a:r>
-                        <a:rPr lang="en-US" altLang="zh-CN" sz="1800" b="0" i="0" kern="1200" dirty="0">
-                          <a:solidFill>
-                            <a:schemeClr val="dk1"/>
-                          </a:solidFill>
-                          <a:effectLst/>
-                          <a:latin typeface="+mn-lt"/>
-                          <a:ea typeface="+mn-ea"/>
-                          <a:cs typeface="+mn-cs"/>
-                        </a:rPr>
-                        <a:t>()</a:t>
-                      </a:r>
-                    </a:p>
-                  </a:txBody>
-                  <a:tcPr/>
-                </a:tc>
-                <a:tc>
-                  <a:txBody>
-                    <a:bodyPr/>
-                    <a:lstStyle/>
-                    <a:p>
-                      <a:r>
-                        <a:rPr lang="en-US" altLang="zh-CN" b="0" dirty="0"/>
-                        <a:t>…</a:t>
-                      </a:r>
-                    </a:p>
-                  </a:txBody>
-                  <a:tcPr/>
-                </a:tc>
-                <a:extLst>
-                  <a:ext uri="{0D108BD9-81ED-4DB2-BD59-A6C34878D82A}">
-                    <a16:rowId xmlns:a16="http://schemas.microsoft.com/office/drawing/2014/main" val="2394758973"/>
-                  </a:ext>
-                </a:extLst>
-              </a:tr>
-              <a:tr h="370840">
-                <a:tc>
-                  <a:txBody>
-                    <a:bodyPr/>
-                    <a:lstStyle/>
-                    <a:p>
-                      <a:pPr marL="0" marR="0" lvl="0" indent="0" algn="l" defTabSz="914400" rtl="0" eaLnBrk="1" fontAlgn="auto" latinLnBrk="0" hangingPunct="1">
-                        <a:lnSpc>
-                          <a:spcPct val="100000"/>
-                        </a:lnSpc>
-                        <a:spcBef>
-                          <a:spcPts val="0"/>
-                        </a:spcBef>
-                        <a:spcAft>
-                          <a:spcPts val="0"/>
-                        </a:spcAft>
-                        <a:buClrTx/>
-                        <a:buSzTx/>
-                        <a:buFontTx/>
-                        <a:buNone/>
-                        <a:tabLst/>
-                        <a:defRPr/>
-                      </a:pPr>
-                      <a:r>
-                        <a:rPr lang="en-US" altLang="zh-CN" sz="1800" b="0" i="0" kern="1200" dirty="0" err="1">
-                          <a:solidFill>
-                            <a:schemeClr val="dk1"/>
-                          </a:solidFill>
-                          <a:effectLst/>
-                          <a:latin typeface="+mn-lt"/>
-                          <a:ea typeface="+mn-ea"/>
-                          <a:cs typeface="+mn-cs"/>
-                        </a:rPr>
-                        <a:t>generate_group_genesis</a:t>
-                      </a:r>
-                      <a:r>
-                        <a:rPr lang="en-US" altLang="zh-CN" sz="1800" b="0" i="0" kern="1200" dirty="0">
-                          <a:solidFill>
-                            <a:schemeClr val="dk1"/>
-                          </a:solidFill>
-                          <a:effectLst/>
-                          <a:latin typeface="+mn-lt"/>
-                          <a:ea typeface="+mn-ea"/>
-                          <a:cs typeface="+mn-cs"/>
-                        </a:rPr>
-                        <a:t>()</a:t>
-                      </a:r>
-                    </a:p>
-                  </a:txBody>
-                  <a:tcPr/>
-                </a:tc>
-                <a:tc>
-                  <a:txBody>
-                    <a:bodyPr/>
-                    <a:lstStyle/>
-                    <a:p>
-                      <a:r>
-                        <a:rPr lang="en-US" altLang="zh-CN" b="0" dirty="0"/>
-                        <a:t>…</a:t>
-                      </a:r>
-                    </a:p>
-                  </a:txBody>
-                  <a:tcPr/>
-                </a:tc>
-                <a:extLst>
-                  <a:ext uri="{0D108BD9-81ED-4DB2-BD59-A6C34878D82A}">
-                    <a16:rowId xmlns:a16="http://schemas.microsoft.com/office/drawing/2014/main" val="528288169"/>
-                  </a:ext>
-                </a:extLst>
-              </a:tr>
-              <a:tr h="370840">
-                <a:tc>
-                  <a:txBody>
-                    <a:bodyPr/>
-                    <a:lstStyle/>
-                    <a:p>
-                      <a:pPr marL="0" marR="0" lvl="0" indent="0" algn="l" defTabSz="914400" rtl="0" eaLnBrk="1" fontAlgn="auto" latinLnBrk="0" hangingPunct="1">
-                        <a:lnSpc>
-                          <a:spcPct val="100000"/>
-                        </a:lnSpc>
-                        <a:spcBef>
-                          <a:spcPts val="0"/>
-                        </a:spcBef>
-                        <a:spcAft>
-                          <a:spcPts val="0"/>
-                        </a:spcAft>
-                        <a:buClrTx/>
-                        <a:buSzTx/>
-                        <a:buFontTx/>
-                        <a:buNone/>
-                        <a:tabLst/>
-                        <a:defRPr/>
-                      </a:pPr>
-                      <a:r>
-                        <a:rPr lang="en-US" altLang="zh-CN" sz="1800" b="0" i="0" kern="1200" dirty="0" err="1">
-                          <a:solidFill>
-                            <a:schemeClr val="dk1"/>
-                          </a:solidFill>
-                          <a:effectLst/>
-                          <a:latin typeface="+mn-lt"/>
-                          <a:ea typeface="+mn-ea"/>
-                          <a:cs typeface="+mn-cs"/>
-                        </a:rPr>
-                        <a:t>generate_group_ini</a:t>
-                      </a:r>
-                      <a:r>
-                        <a:rPr lang="en-US" altLang="zh-CN" sz="1800" b="0" i="0" kern="1200" dirty="0">
-                          <a:solidFill>
-                            <a:schemeClr val="dk1"/>
-                          </a:solidFill>
-                          <a:effectLst/>
-                          <a:latin typeface="+mn-lt"/>
-                          <a:ea typeface="+mn-ea"/>
-                          <a:cs typeface="+mn-cs"/>
-                        </a:rPr>
-                        <a:t>()</a:t>
-                      </a:r>
-                    </a:p>
-                  </a:txBody>
-                  <a:tcPr/>
-                </a:tc>
-                <a:tc>
-                  <a:txBody>
-                    <a:bodyPr/>
-                    <a:lstStyle/>
-                    <a:p>
-                      <a:r>
-                        <a:rPr lang="en-US" altLang="zh-CN" b="0" dirty="0"/>
-                        <a:t>…</a:t>
-                      </a:r>
-                    </a:p>
-                  </a:txBody>
-                  <a:tcPr/>
-                </a:tc>
-                <a:extLst>
-                  <a:ext uri="{0D108BD9-81ED-4DB2-BD59-A6C34878D82A}">
-                    <a16:rowId xmlns:a16="http://schemas.microsoft.com/office/drawing/2014/main" val="1689023611"/>
-                  </a:ext>
-                </a:extLst>
-              </a:tr>
-              <a:tr h="370840">
-                <a:tc>
-                  <a:txBody>
-                    <a:bodyPr/>
-                    <a:lstStyle/>
-                    <a:p>
-                      <a:pPr marL="0" marR="0" lvl="0" indent="0" algn="l" defTabSz="914400" rtl="0" eaLnBrk="1" fontAlgn="auto" latinLnBrk="0" hangingPunct="1">
-                        <a:lnSpc>
-                          <a:spcPct val="100000"/>
-                        </a:lnSpc>
-                        <a:spcBef>
-                          <a:spcPts val="0"/>
-                        </a:spcBef>
-                        <a:spcAft>
-                          <a:spcPts val="0"/>
-                        </a:spcAft>
-                        <a:buClrTx/>
-                        <a:buSzTx/>
-                        <a:buFontTx/>
-                        <a:buNone/>
-                        <a:tabLst/>
-                        <a:defRPr/>
-                      </a:pPr>
-                      <a:r>
-                        <a:rPr lang="en-US" altLang="zh-CN" sz="1800" b="0" i="0" kern="1200" dirty="0" err="1">
-                          <a:solidFill>
-                            <a:schemeClr val="dk1"/>
-                          </a:solidFill>
-                          <a:effectLst/>
-                          <a:latin typeface="+mn-lt"/>
-                          <a:ea typeface="+mn-ea"/>
-                          <a:cs typeface="+mn-cs"/>
-                        </a:rPr>
-                        <a:t>generate_cert_conf</a:t>
-                      </a:r>
-                      <a:r>
-                        <a:rPr lang="en-US" altLang="zh-CN" sz="1800" b="0" i="0" kern="1200" dirty="0">
-                          <a:solidFill>
-                            <a:schemeClr val="dk1"/>
-                          </a:solidFill>
-                          <a:effectLst/>
-                          <a:latin typeface="+mn-lt"/>
-                          <a:ea typeface="+mn-ea"/>
-                          <a:cs typeface="+mn-cs"/>
-                        </a:rPr>
-                        <a:t>()</a:t>
-                      </a:r>
-                    </a:p>
-                  </a:txBody>
-                  <a:tcPr/>
-                </a:tc>
-                <a:tc>
-                  <a:txBody>
-                    <a:bodyPr/>
-                    <a:lstStyle/>
-                    <a:p>
-                      <a:r>
-                        <a:rPr lang="en-US" altLang="zh-CN" b="0" dirty="0"/>
-                        <a:t>…</a:t>
-                      </a:r>
-                    </a:p>
-                  </a:txBody>
-                  <a:tcPr/>
-                </a:tc>
-                <a:extLst>
-                  <a:ext uri="{0D108BD9-81ED-4DB2-BD59-A6C34878D82A}">
-                    <a16:rowId xmlns:a16="http://schemas.microsoft.com/office/drawing/2014/main" val="3551816937"/>
-                  </a:ext>
-                </a:extLst>
-              </a:tr>
-              <a:tr h="370840">
-                <a:tc>
-                  <a:txBody>
-                    <a:bodyPr/>
-                    <a:lstStyle/>
-                    <a:p>
-                      <a:pPr marL="0" marR="0" lvl="0" indent="0" algn="l" defTabSz="914400" rtl="0" eaLnBrk="1" fontAlgn="auto" latinLnBrk="0" hangingPunct="1">
-                        <a:lnSpc>
-                          <a:spcPct val="100000"/>
-                        </a:lnSpc>
-                        <a:spcBef>
-                          <a:spcPts val="0"/>
-                        </a:spcBef>
-                        <a:spcAft>
-                          <a:spcPts val="0"/>
-                        </a:spcAft>
-                        <a:buClrTx/>
-                        <a:buSzTx/>
-                        <a:buFontTx/>
-                        <a:buNone/>
-                        <a:tabLst/>
-                        <a:defRPr/>
-                      </a:pPr>
-                      <a:r>
-                        <a:rPr lang="en-US" altLang="zh-CN" sz="1800" b="0" i="0" kern="1200" dirty="0" err="1">
-                          <a:solidFill>
-                            <a:schemeClr val="dk1"/>
-                          </a:solidFill>
-                          <a:effectLst/>
-                          <a:latin typeface="+mn-lt"/>
-                          <a:ea typeface="+mn-ea"/>
-                          <a:cs typeface="+mn-cs"/>
-                        </a:rPr>
-                        <a:t>generate_cert_conf_gm</a:t>
-                      </a:r>
-                      <a:r>
-                        <a:rPr lang="en-US" altLang="zh-CN" sz="1800" b="0" i="0" kern="1200" dirty="0">
-                          <a:solidFill>
-                            <a:schemeClr val="dk1"/>
-                          </a:solidFill>
-                          <a:effectLst/>
-                          <a:latin typeface="+mn-lt"/>
-                          <a:ea typeface="+mn-ea"/>
-                          <a:cs typeface="+mn-cs"/>
-                        </a:rPr>
-                        <a:t>()</a:t>
-                      </a:r>
-                    </a:p>
-                  </a:txBody>
-                  <a:tcPr/>
-                </a:tc>
-                <a:tc>
-                  <a:txBody>
-                    <a:bodyPr/>
-                    <a:lstStyle/>
-                    <a:p>
-                      <a:r>
-                        <a:rPr lang="en-US" altLang="zh-CN" b="0" dirty="0"/>
-                        <a:t>…</a:t>
-                      </a:r>
-                    </a:p>
-                  </a:txBody>
-                  <a:tcPr/>
-                </a:tc>
-                <a:extLst>
-                  <a:ext uri="{0D108BD9-81ED-4DB2-BD59-A6C34878D82A}">
-                    <a16:rowId xmlns:a16="http://schemas.microsoft.com/office/drawing/2014/main" val="1090392918"/>
-                  </a:ext>
-                </a:extLst>
-              </a:tr>
-              <a:tr h="370840">
-                <a:tc>
-                  <a:txBody>
-                    <a:bodyPr/>
-                    <a:lstStyle/>
-                    <a:p>
-                      <a:pPr marL="0" marR="0" lvl="0" indent="0" algn="l" defTabSz="914400" rtl="0" eaLnBrk="1" fontAlgn="auto" latinLnBrk="0" hangingPunct="1">
-                        <a:lnSpc>
-                          <a:spcPct val="100000"/>
-                        </a:lnSpc>
-                        <a:spcBef>
-                          <a:spcPts val="0"/>
-                        </a:spcBef>
-                        <a:spcAft>
-                          <a:spcPts val="0"/>
-                        </a:spcAft>
-                        <a:buClrTx/>
-                        <a:buSzTx/>
-                        <a:buFontTx/>
-                        <a:buNone/>
-                        <a:tabLst/>
-                        <a:defRPr/>
-                      </a:pPr>
-                      <a:r>
-                        <a:rPr lang="en-US" altLang="zh-CN" sz="1800" b="0" i="0" kern="1200" dirty="0" err="1">
-                          <a:solidFill>
-                            <a:schemeClr val="dk1"/>
-                          </a:solidFill>
-                          <a:effectLst/>
-                          <a:latin typeface="+mn-lt"/>
-                          <a:ea typeface="+mn-ea"/>
-                          <a:cs typeface="+mn-cs"/>
-                        </a:rPr>
-                        <a:t>generate_script_template</a:t>
-                      </a:r>
-                      <a:r>
-                        <a:rPr lang="en-US" altLang="zh-CN" sz="1800" b="0" i="0" kern="1200" dirty="0">
-                          <a:solidFill>
-                            <a:schemeClr val="dk1"/>
-                          </a:solidFill>
-                          <a:effectLst/>
-                          <a:latin typeface="+mn-lt"/>
-                          <a:ea typeface="+mn-ea"/>
-                          <a:cs typeface="+mn-cs"/>
-                        </a:rPr>
-                        <a:t>()</a:t>
-                      </a:r>
-                    </a:p>
-                  </a:txBody>
-                  <a:tcPr/>
-                </a:tc>
-                <a:tc>
-                  <a:txBody>
-                    <a:bodyPr/>
-                    <a:lstStyle/>
-                    <a:p>
-                      <a:r>
-                        <a:rPr lang="en-US" altLang="zh-CN" b="0" dirty="0"/>
-                        <a:t>…</a:t>
-                      </a:r>
-                    </a:p>
-                  </a:txBody>
-                  <a:tcPr/>
-                </a:tc>
-                <a:extLst>
-                  <a:ext uri="{0D108BD9-81ED-4DB2-BD59-A6C34878D82A}">
-                    <a16:rowId xmlns:a16="http://schemas.microsoft.com/office/drawing/2014/main" val="645913585"/>
-                  </a:ext>
-                </a:extLst>
-              </a:tr>
-            </a:tbl>
-          </a:graphicData>
-        </a:graphic>
-      </p:graphicFrame>
-    </p:spTree>
-    <p:extLst>
-      <p:ext uri="{BB962C8B-B14F-4D97-AF65-F5344CB8AC3E}">
-        <p14:creationId xmlns:p14="http://schemas.microsoft.com/office/powerpoint/2010/main" val="2171223688"/>
       </p:ext>
     </p:extLst>
   </p:cSld>

--- a/汇报资料/Group4_脚本研读.pptx
+++ b/汇报资料/Group4_脚本研读.pptx
@@ -6,23 +6,26 @@
   </p:sldMasterIdLst>
   <p:sldIdLst>
     <p:sldId id="421" r:id="rId2"/>
-    <p:sldId id="422" r:id="rId3"/>
-    <p:sldId id="430" r:id="rId4"/>
-    <p:sldId id="440" r:id="rId5"/>
-    <p:sldId id="423" r:id="rId6"/>
-    <p:sldId id="429" r:id="rId7"/>
-    <p:sldId id="431" r:id="rId8"/>
-    <p:sldId id="432" r:id="rId9"/>
-    <p:sldId id="433" r:id="rId10"/>
-    <p:sldId id="434" r:id="rId11"/>
-    <p:sldId id="441" r:id="rId12"/>
-    <p:sldId id="442" r:id="rId13"/>
-    <p:sldId id="436" r:id="rId14"/>
-    <p:sldId id="437" r:id="rId15"/>
-    <p:sldId id="438" r:id="rId16"/>
-    <p:sldId id="443" r:id="rId17"/>
-    <p:sldId id="439" r:id="rId18"/>
-    <p:sldId id="444" r:id="rId19"/>
+    <p:sldId id="445" r:id="rId3"/>
+    <p:sldId id="422" r:id="rId4"/>
+    <p:sldId id="430" r:id="rId5"/>
+    <p:sldId id="440" r:id="rId6"/>
+    <p:sldId id="423" r:id="rId7"/>
+    <p:sldId id="429" r:id="rId8"/>
+    <p:sldId id="431" r:id="rId9"/>
+    <p:sldId id="432" r:id="rId10"/>
+    <p:sldId id="433" r:id="rId11"/>
+    <p:sldId id="434" r:id="rId12"/>
+    <p:sldId id="441" r:id="rId13"/>
+    <p:sldId id="442" r:id="rId14"/>
+    <p:sldId id="436" r:id="rId15"/>
+    <p:sldId id="437" r:id="rId16"/>
+    <p:sldId id="438" r:id="rId17"/>
+    <p:sldId id="443" r:id="rId18"/>
+    <p:sldId id="446" r:id="rId19"/>
+    <p:sldId id="447" r:id="rId20"/>
+    <p:sldId id="439" r:id="rId21"/>
+    <p:sldId id="444" r:id="rId22"/>
   </p:sldIdLst>
   <p:sldSz cx="12192000" cy="6858000"/>
   <p:notesSz cx="6858000" cy="9144000"/>
@@ -276,7 +279,7 @@
           <a:p>
             <a:fld id="{C18E308C-462E-40DB-9943-3A1BB72F7A2A}" type="datetimeFigureOut">
               <a:rPr lang="zh-CN" altLang="en-US" smtClean="0"/>
-              <a:t>2019/6/9</a:t>
+              <a:t>2019/6/11</a:t>
             </a:fld>
             <a:endParaRPr lang="zh-CN" altLang="en-US"/>
           </a:p>
@@ -474,7 +477,7 @@
           <a:p>
             <a:fld id="{C18E308C-462E-40DB-9943-3A1BB72F7A2A}" type="datetimeFigureOut">
               <a:rPr lang="zh-CN" altLang="en-US" smtClean="0"/>
-              <a:t>2019/6/9</a:t>
+              <a:t>2019/6/11</a:t>
             </a:fld>
             <a:endParaRPr lang="zh-CN" altLang="en-US"/>
           </a:p>
@@ -682,7 +685,7 @@
           <a:p>
             <a:fld id="{C18E308C-462E-40DB-9943-3A1BB72F7A2A}" type="datetimeFigureOut">
               <a:rPr lang="zh-CN" altLang="en-US" smtClean="0"/>
-              <a:t>2019/6/9</a:t>
+              <a:t>2019/6/11</a:t>
             </a:fld>
             <a:endParaRPr lang="zh-CN" altLang="en-US"/>
           </a:p>
@@ -880,7 +883,7 @@
           <a:p>
             <a:fld id="{C18E308C-462E-40DB-9943-3A1BB72F7A2A}" type="datetimeFigureOut">
               <a:rPr lang="zh-CN" altLang="en-US" smtClean="0"/>
-              <a:t>2019/6/9</a:t>
+              <a:t>2019/6/11</a:t>
             </a:fld>
             <a:endParaRPr lang="zh-CN" altLang="en-US"/>
           </a:p>
@@ -1155,7 +1158,7 @@
           <a:p>
             <a:fld id="{C18E308C-462E-40DB-9943-3A1BB72F7A2A}" type="datetimeFigureOut">
               <a:rPr lang="zh-CN" altLang="en-US" smtClean="0"/>
-              <a:t>2019/6/9</a:t>
+              <a:t>2019/6/11</a:t>
             </a:fld>
             <a:endParaRPr lang="zh-CN" altLang="en-US"/>
           </a:p>
@@ -1420,7 +1423,7 @@
           <a:p>
             <a:fld id="{C18E308C-462E-40DB-9943-3A1BB72F7A2A}" type="datetimeFigureOut">
               <a:rPr lang="zh-CN" altLang="en-US" smtClean="0"/>
-              <a:t>2019/6/9</a:t>
+              <a:t>2019/6/11</a:t>
             </a:fld>
             <a:endParaRPr lang="zh-CN" altLang="en-US"/>
           </a:p>
@@ -1832,7 +1835,7 @@
           <a:p>
             <a:fld id="{C18E308C-462E-40DB-9943-3A1BB72F7A2A}" type="datetimeFigureOut">
               <a:rPr lang="zh-CN" altLang="en-US" smtClean="0"/>
-              <a:t>2019/6/9</a:t>
+              <a:t>2019/6/11</a:t>
             </a:fld>
             <a:endParaRPr lang="zh-CN" altLang="en-US"/>
           </a:p>
@@ -1973,7 +1976,7 @@
           <a:p>
             <a:fld id="{C18E308C-462E-40DB-9943-3A1BB72F7A2A}" type="datetimeFigureOut">
               <a:rPr lang="zh-CN" altLang="en-US" smtClean="0"/>
-              <a:t>2019/6/9</a:t>
+              <a:t>2019/6/11</a:t>
             </a:fld>
             <a:endParaRPr lang="zh-CN" altLang="en-US"/>
           </a:p>
@@ -2086,7 +2089,7 @@
           <a:p>
             <a:fld id="{C18E308C-462E-40DB-9943-3A1BB72F7A2A}" type="datetimeFigureOut">
               <a:rPr lang="zh-CN" altLang="en-US" smtClean="0"/>
-              <a:t>2019/6/9</a:t>
+              <a:t>2019/6/11</a:t>
             </a:fld>
             <a:endParaRPr lang="zh-CN" altLang="en-US"/>
           </a:p>
@@ -2397,7 +2400,7 @@
           <a:p>
             <a:fld id="{C18E308C-462E-40DB-9943-3A1BB72F7A2A}" type="datetimeFigureOut">
               <a:rPr lang="zh-CN" altLang="en-US" smtClean="0"/>
-              <a:t>2019/6/9</a:t>
+              <a:t>2019/6/11</a:t>
             </a:fld>
             <a:endParaRPr lang="zh-CN" altLang="en-US"/>
           </a:p>
@@ -2685,7 +2688,7 @@
           <a:p>
             <a:fld id="{C18E308C-462E-40DB-9943-3A1BB72F7A2A}" type="datetimeFigureOut">
               <a:rPr lang="zh-CN" altLang="en-US" smtClean="0"/>
-              <a:t>2019/6/9</a:t>
+              <a:t>2019/6/11</a:t>
             </a:fld>
             <a:endParaRPr lang="zh-CN" altLang="en-US"/>
           </a:p>
@@ -2926,7 +2929,7 @@
           <a:p>
             <a:fld id="{C18E308C-462E-40DB-9943-3A1BB72F7A2A}" type="datetimeFigureOut">
               <a:rPr lang="zh-CN" altLang="en-US" smtClean="0"/>
-              <a:t>2019/6/9</a:t>
+              <a:t>2019/6/11</a:t>
             </a:fld>
             <a:endParaRPr lang="zh-CN" altLang="en-US"/>
           </a:p>
@@ -3817,6 +3820,487 @@
         </p:nvSpPr>
         <p:spPr bwMode="auto">
           <a:xfrm>
+            <a:off x="568854" y="273314"/>
+            <a:ext cx="4485746" cy="461665"/>
+          </a:xfrm>
+          <a:prstGeom prst="rect">
+            <a:avLst/>
+          </a:prstGeom>
+          <a:noFill/>
+          <a:ln>
+            <a:noFill/>
+          </a:ln>
+          <a:extLst>
+            <a:ext uri="{909E8E84-426E-40DD-AFC4-6F175D3DCCD1}">
+              <a14:hiddenFill xmlns:a14="http://schemas.microsoft.com/office/drawing/2010/main">
+                <a:solidFill>
+                  <a:srgbClr val="FFFFFF"/>
+                </a:solidFill>
+              </a14:hiddenFill>
+            </a:ext>
+            <a:ext uri="{91240B29-F687-4F45-9708-019B960494DF}">
+              <a14:hiddenLine xmlns:a14="http://schemas.microsoft.com/office/drawing/2010/main" w="9525">
+                <a:solidFill>
+                  <a:srgbClr val="000000"/>
+                </a:solidFill>
+                <a:miter lim="800000"/>
+                <a:headEnd/>
+                <a:tailEnd/>
+              </a14:hiddenLine>
+            </a:ext>
+          </a:extLst>
+        </p:spPr>
+        <p:txBody>
+          <a:bodyPr wrap="square">
+            <a:spAutoFit/>
+          </a:bodyPr>
+          <a:lstStyle>
+            <a:lvl1pPr>
+              <a:buFont typeface="Arial" panose="020B0604020202020204" pitchFamily="34" charset="0"/>
+              <a:defRPr>
+                <a:solidFill>
+                  <a:schemeClr val="tx1"/>
+                </a:solidFill>
+                <a:latin typeface="Arial" panose="020B0604020202020204" pitchFamily="34" charset="0"/>
+                <a:ea typeface="微软雅黑" panose="020B0503020204020204" pitchFamily="34" charset="-122"/>
+              </a:defRPr>
+            </a:lvl1pPr>
+            <a:lvl2pPr marL="742950" indent="-285750">
+              <a:buFont typeface="Arial" panose="020B0604020202020204" pitchFamily="34" charset="0"/>
+              <a:defRPr>
+                <a:solidFill>
+                  <a:schemeClr val="tx1"/>
+                </a:solidFill>
+                <a:latin typeface="Arial" panose="020B0604020202020204" pitchFamily="34" charset="0"/>
+                <a:ea typeface="微软雅黑" panose="020B0503020204020204" pitchFamily="34" charset="-122"/>
+              </a:defRPr>
+            </a:lvl2pPr>
+            <a:lvl3pPr marL="1143000" indent="-228600">
+              <a:buFont typeface="Arial" panose="020B0604020202020204" pitchFamily="34" charset="0"/>
+              <a:defRPr>
+                <a:solidFill>
+                  <a:schemeClr val="tx1"/>
+                </a:solidFill>
+                <a:latin typeface="Arial" panose="020B0604020202020204" pitchFamily="34" charset="0"/>
+                <a:ea typeface="微软雅黑" panose="020B0503020204020204" pitchFamily="34" charset="-122"/>
+              </a:defRPr>
+            </a:lvl3pPr>
+            <a:lvl4pPr marL="1600200" indent="-228600">
+              <a:buFont typeface="Arial" panose="020B0604020202020204" pitchFamily="34" charset="0"/>
+              <a:defRPr>
+                <a:solidFill>
+                  <a:schemeClr val="tx1"/>
+                </a:solidFill>
+                <a:latin typeface="Arial" panose="020B0604020202020204" pitchFamily="34" charset="0"/>
+                <a:ea typeface="微软雅黑" panose="020B0503020204020204" pitchFamily="34" charset="-122"/>
+              </a:defRPr>
+            </a:lvl4pPr>
+            <a:lvl5pPr marL="2057400" indent="-228600">
+              <a:buFont typeface="Arial" panose="020B0604020202020204" pitchFamily="34" charset="0"/>
+              <a:defRPr>
+                <a:solidFill>
+                  <a:schemeClr val="tx1"/>
+                </a:solidFill>
+                <a:latin typeface="Arial" panose="020B0604020202020204" pitchFamily="34" charset="0"/>
+                <a:ea typeface="微软雅黑" panose="020B0503020204020204" pitchFamily="34" charset="-122"/>
+              </a:defRPr>
+            </a:lvl5pPr>
+            <a:lvl6pPr marL="2514600" indent="-228600" eaLnBrk="0" fontAlgn="base" hangingPunct="0">
+              <a:spcBef>
+                <a:spcPct val="0"/>
+              </a:spcBef>
+              <a:spcAft>
+                <a:spcPct val="0"/>
+              </a:spcAft>
+              <a:buFont typeface="Arial" panose="020B0604020202020204" pitchFamily="34" charset="0"/>
+              <a:defRPr>
+                <a:solidFill>
+                  <a:schemeClr val="tx1"/>
+                </a:solidFill>
+                <a:latin typeface="Arial" panose="020B0604020202020204" pitchFamily="34" charset="0"/>
+                <a:ea typeface="微软雅黑" panose="020B0503020204020204" pitchFamily="34" charset="-122"/>
+              </a:defRPr>
+            </a:lvl6pPr>
+            <a:lvl7pPr marL="2971800" indent="-228600" eaLnBrk="0" fontAlgn="base" hangingPunct="0">
+              <a:spcBef>
+                <a:spcPct val="0"/>
+              </a:spcBef>
+              <a:spcAft>
+                <a:spcPct val="0"/>
+              </a:spcAft>
+              <a:buFont typeface="Arial" panose="020B0604020202020204" pitchFamily="34" charset="0"/>
+              <a:defRPr>
+                <a:solidFill>
+                  <a:schemeClr val="tx1"/>
+                </a:solidFill>
+                <a:latin typeface="Arial" panose="020B0604020202020204" pitchFamily="34" charset="0"/>
+                <a:ea typeface="微软雅黑" panose="020B0503020204020204" pitchFamily="34" charset="-122"/>
+              </a:defRPr>
+            </a:lvl7pPr>
+            <a:lvl8pPr marL="3429000" indent="-228600" eaLnBrk="0" fontAlgn="base" hangingPunct="0">
+              <a:spcBef>
+                <a:spcPct val="0"/>
+              </a:spcBef>
+              <a:spcAft>
+                <a:spcPct val="0"/>
+              </a:spcAft>
+              <a:buFont typeface="Arial" panose="020B0604020202020204" pitchFamily="34" charset="0"/>
+              <a:defRPr>
+                <a:solidFill>
+                  <a:schemeClr val="tx1"/>
+                </a:solidFill>
+                <a:latin typeface="Arial" panose="020B0604020202020204" pitchFamily="34" charset="0"/>
+                <a:ea typeface="微软雅黑" panose="020B0503020204020204" pitchFamily="34" charset="-122"/>
+              </a:defRPr>
+            </a:lvl8pPr>
+            <a:lvl9pPr marL="3886200" indent="-228600" eaLnBrk="0" fontAlgn="base" hangingPunct="0">
+              <a:spcBef>
+                <a:spcPct val="0"/>
+              </a:spcBef>
+              <a:spcAft>
+                <a:spcPct val="0"/>
+              </a:spcAft>
+              <a:buFont typeface="Arial" panose="020B0604020202020204" pitchFamily="34" charset="0"/>
+              <a:defRPr>
+                <a:solidFill>
+                  <a:schemeClr val="tx1"/>
+                </a:solidFill>
+                <a:latin typeface="Arial" panose="020B0604020202020204" pitchFamily="34" charset="0"/>
+                <a:ea typeface="微软雅黑" panose="020B0503020204020204" pitchFamily="34" charset="-122"/>
+              </a:defRPr>
+            </a:lvl9pPr>
+          </a:lstStyle>
+          <a:p>
+            <a:r>
+              <a:rPr lang="zh-CN" altLang="en-US" sz="2400" b="1" dirty="0">
+                <a:solidFill>
+                  <a:srgbClr val="007F58"/>
+                </a:solidFill>
+                <a:latin typeface="微软雅黑" panose="020B0503020204020204" pitchFamily="34" charset="-122"/>
+              </a:rPr>
+              <a:t>判断文件或者目录是否存在函数</a:t>
+            </a:r>
+          </a:p>
+        </p:txBody>
+      </p:sp>
+      <p:graphicFrame>
+        <p:nvGraphicFramePr>
+          <p:cNvPr id="3" name="表格 2">
+            <a:extLst>
+              <a:ext uri="{FF2B5EF4-FFF2-40B4-BE49-F238E27FC236}">
+                <a16:creationId xmlns:a16="http://schemas.microsoft.com/office/drawing/2014/main" id="{426923CA-DD5F-4F31-ABAA-67790CFE3E25}"/>
+              </a:ext>
+            </a:extLst>
+          </p:cNvPr>
+          <p:cNvGraphicFramePr>
+            <a:graphicFrameLocks noGrp="1"/>
+          </p:cNvGraphicFramePr>
+          <p:nvPr>
+            <p:extLst>
+              <p:ext uri="{D42A27DB-BD31-4B8C-83A1-F6EECF244321}">
+                <p14:modId xmlns:p14="http://schemas.microsoft.com/office/powerpoint/2010/main" val="3915785674"/>
+              </p:ext>
+            </p:extLst>
+          </p:nvPr>
+        </p:nvGraphicFramePr>
+        <p:xfrm>
+          <a:off x="2032000" y="2082799"/>
+          <a:ext cx="8128000" cy="2291080"/>
+        </p:xfrm>
+        <a:graphic>
+          <a:graphicData uri="http://schemas.openxmlformats.org/drawingml/2006/table">
+            <a:tbl>
+              <a:tblPr firstRow="1" bandRow="1">
+                <a:tableStyleId>{5C22544A-7EE6-4342-B048-85BDC9FD1C3A}</a:tableStyleId>
+              </a:tblPr>
+              <a:tblGrid>
+                <a:gridCol w="4064000">
+                  <a:extLst>
+                    <a:ext uri="{9D8B030D-6E8A-4147-A177-3AD203B41FA5}">
+                      <a16:colId xmlns:a16="http://schemas.microsoft.com/office/drawing/2014/main" val="275840825"/>
+                    </a:ext>
+                  </a:extLst>
+                </a:gridCol>
+                <a:gridCol w="4064000">
+                  <a:extLst>
+                    <a:ext uri="{9D8B030D-6E8A-4147-A177-3AD203B41FA5}">
+                      <a16:colId xmlns:a16="http://schemas.microsoft.com/office/drawing/2014/main" val="2921224805"/>
+                    </a:ext>
+                  </a:extLst>
+                </a:gridCol>
+              </a:tblGrid>
+              <a:tr h="370840">
+                <a:tc>
+                  <a:txBody>
+                    <a:bodyPr/>
+                    <a:lstStyle/>
+                    <a:p>
+                      <a:r>
+                        <a:rPr lang="zh-CN" altLang="en-US" dirty="0"/>
+                        <a:t>函数名</a:t>
+                      </a:r>
+                    </a:p>
+                  </a:txBody>
+                  <a:tcPr/>
+                </a:tc>
+                <a:tc>
+                  <a:txBody>
+                    <a:bodyPr/>
+                    <a:lstStyle/>
+                    <a:p>
+                      <a:r>
+                        <a:rPr lang="zh-CN" altLang="en-US" dirty="0"/>
+                        <a:t>功能描述</a:t>
+                      </a:r>
+                    </a:p>
+                  </a:txBody>
+                  <a:tcPr/>
+                </a:tc>
+                <a:extLst>
+                  <a:ext uri="{0D108BD9-81ED-4DB2-BD59-A6C34878D82A}">
+                    <a16:rowId xmlns:a16="http://schemas.microsoft.com/office/drawing/2014/main" val="2319463917"/>
+                  </a:ext>
+                </a:extLst>
+              </a:tr>
+              <a:tr h="370840">
+                <a:tc>
+                  <a:txBody>
+                    <a:bodyPr/>
+                    <a:lstStyle/>
+                    <a:p>
+                      <a:r>
+                        <a:rPr lang="en-US" altLang="zh-CN" sz="1800" b="0" i="0" kern="1200" dirty="0" err="1">
+                          <a:solidFill>
+                            <a:schemeClr val="dk1"/>
+                          </a:solidFill>
+                          <a:effectLst/>
+                          <a:latin typeface="+mn-lt"/>
+                          <a:ea typeface="+mn-ea"/>
+                          <a:cs typeface="+mn-cs"/>
+                        </a:rPr>
+                        <a:t>file_must_exists</a:t>
+                      </a:r>
+                      <a:r>
+                        <a:rPr lang="en-US" altLang="zh-CN" sz="1800" b="0" i="0" kern="1200" dirty="0">
+                          <a:solidFill>
+                            <a:schemeClr val="dk1"/>
+                          </a:solidFill>
+                          <a:effectLst/>
+                          <a:latin typeface="+mn-lt"/>
+                          <a:ea typeface="+mn-ea"/>
+                          <a:cs typeface="+mn-cs"/>
+                        </a:rPr>
+                        <a:t>()</a:t>
+                      </a:r>
+                      <a:endParaRPr lang="zh-CN" altLang="en-US" dirty="0"/>
+                    </a:p>
+                  </a:txBody>
+                  <a:tcPr/>
+                </a:tc>
+                <a:tc>
+                  <a:txBody>
+                    <a:bodyPr/>
+                    <a:lstStyle/>
+                    <a:p>
+                      <a:r>
+                        <a:rPr lang="zh-CN" altLang="en-US" sz="1800" b="0" i="0" kern="1200" dirty="0">
+                          <a:solidFill>
+                            <a:schemeClr val="dk1"/>
+                          </a:solidFill>
+                          <a:effectLst/>
+                          <a:latin typeface="+mn-lt"/>
+                          <a:ea typeface="+mn-ea"/>
+                          <a:cs typeface="+mn-cs"/>
+                        </a:rPr>
+                        <a:t>判断文件是否存在，如果不存在则输出提示并结束脚本</a:t>
+                      </a:r>
+                      <a:endParaRPr lang="zh-CN" altLang="en-US" dirty="0"/>
+                    </a:p>
+                  </a:txBody>
+                  <a:tcPr/>
+                </a:tc>
+                <a:extLst>
+                  <a:ext uri="{0D108BD9-81ED-4DB2-BD59-A6C34878D82A}">
+                    <a16:rowId xmlns:a16="http://schemas.microsoft.com/office/drawing/2014/main" val="1414814724"/>
+                  </a:ext>
+                </a:extLst>
+              </a:tr>
+              <a:tr h="370840">
+                <a:tc>
+                  <a:txBody>
+                    <a:bodyPr/>
+                    <a:lstStyle/>
+                    <a:p>
+                      <a:r>
+                        <a:rPr lang="en-US" altLang="zh-CN" sz="1800" b="0" i="0" kern="1200" dirty="0" err="1">
+                          <a:solidFill>
+                            <a:schemeClr val="dk1"/>
+                          </a:solidFill>
+                          <a:effectLst/>
+                          <a:latin typeface="+mn-lt"/>
+                          <a:ea typeface="+mn-ea"/>
+                          <a:cs typeface="+mn-cs"/>
+                        </a:rPr>
+                        <a:t>dir_must_exists</a:t>
+                      </a:r>
+                      <a:r>
+                        <a:rPr lang="en-US" altLang="zh-CN" sz="1800" b="0" i="0" kern="1200" dirty="0">
+                          <a:solidFill>
+                            <a:schemeClr val="dk1"/>
+                          </a:solidFill>
+                          <a:effectLst/>
+                          <a:latin typeface="+mn-lt"/>
+                          <a:ea typeface="+mn-ea"/>
+                          <a:cs typeface="+mn-cs"/>
+                        </a:rPr>
+                        <a:t>()</a:t>
+                      </a:r>
+                      <a:endParaRPr lang="zh-CN" altLang="en-US" dirty="0"/>
+                    </a:p>
+                  </a:txBody>
+                  <a:tcPr/>
+                </a:tc>
+                <a:tc>
+                  <a:txBody>
+                    <a:bodyPr/>
+                    <a:lstStyle/>
+                    <a:p>
+                      <a:r>
+                        <a:rPr lang="zh-CN" altLang="en-US" sz="1800" b="0" i="0" kern="1200" dirty="0">
+                          <a:solidFill>
+                            <a:schemeClr val="dk1"/>
+                          </a:solidFill>
+                          <a:effectLst/>
+                          <a:latin typeface="+mn-lt"/>
+                          <a:ea typeface="+mn-ea"/>
+                          <a:cs typeface="+mn-cs"/>
+                        </a:rPr>
+                        <a:t>判断目录是否存在，如果不存在则输出提示并结束脚本</a:t>
+                      </a:r>
+                      <a:endParaRPr lang="zh-CN" altLang="en-US" dirty="0"/>
+                    </a:p>
+                  </a:txBody>
+                  <a:tcPr/>
+                </a:tc>
+                <a:extLst>
+                  <a:ext uri="{0D108BD9-81ED-4DB2-BD59-A6C34878D82A}">
+                    <a16:rowId xmlns:a16="http://schemas.microsoft.com/office/drawing/2014/main" val="1746408502"/>
+                  </a:ext>
+                </a:extLst>
+              </a:tr>
+              <a:tr h="370840">
+                <a:tc>
+                  <a:txBody>
+                    <a:bodyPr/>
+                    <a:lstStyle/>
+                    <a:p>
+                      <a:r>
+                        <a:rPr lang="en-US" altLang="zh-CN" sz="1800" b="0" i="0" kern="1200" dirty="0" err="1">
+                          <a:solidFill>
+                            <a:schemeClr val="dk1"/>
+                          </a:solidFill>
+                          <a:effectLst/>
+                          <a:latin typeface="+mn-lt"/>
+                          <a:ea typeface="+mn-ea"/>
+                          <a:cs typeface="+mn-cs"/>
+                        </a:rPr>
+                        <a:t>dir_must_not_exists</a:t>
+                      </a:r>
+                      <a:r>
+                        <a:rPr lang="en-US" altLang="zh-CN" sz="1800" b="0" i="0" kern="1200" dirty="0">
+                          <a:solidFill>
+                            <a:schemeClr val="dk1"/>
+                          </a:solidFill>
+                          <a:effectLst/>
+                          <a:latin typeface="+mn-lt"/>
+                          <a:ea typeface="+mn-ea"/>
+                          <a:cs typeface="+mn-cs"/>
+                        </a:rPr>
+                        <a:t>()</a:t>
+                      </a:r>
+                      <a:endParaRPr lang="zh-CN" altLang="en-US" dirty="0"/>
+                    </a:p>
+                  </a:txBody>
+                  <a:tcPr/>
+                </a:tc>
+                <a:tc>
+                  <a:txBody>
+                    <a:bodyPr/>
+                    <a:lstStyle/>
+                    <a:p>
+                      <a:r>
+                        <a:rPr lang="zh-CN" altLang="en-US" sz="1800" b="0" i="0" kern="1200" dirty="0">
+                          <a:solidFill>
+                            <a:schemeClr val="dk1"/>
+                          </a:solidFill>
+                          <a:effectLst/>
+                          <a:latin typeface="+mn-lt"/>
+                          <a:ea typeface="+mn-ea"/>
+                          <a:cs typeface="+mn-cs"/>
+                        </a:rPr>
+                        <a:t>判断目录是否存在，如果存在则输出提示（删除旧的目录）并结束脚本</a:t>
+                      </a:r>
+                      <a:endParaRPr lang="zh-CN" altLang="en-US" dirty="0"/>
+                    </a:p>
+                  </a:txBody>
+                  <a:tcPr/>
+                </a:tc>
+                <a:extLst>
+                  <a:ext uri="{0D108BD9-81ED-4DB2-BD59-A6C34878D82A}">
+                    <a16:rowId xmlns:a16="http://schemas.microsoft.com/office/drawing/2014/main" val="1347231957"/>
+                  </a:ext>
+                </a:extLst>
+              </a:tr>
+            </a:tbl>
+          </a:graphicData>
+        </a:graphic>
+      </p:graphicFrame>
+    </p:spTree>
+    <p:extLst>
+      <p:ext uri="{BB962C8B-B14F-4D97-AF65-F5344CB8AC3E}">
+        <p14:creationId xmlns:p14="http://schemas.microsoft.com/office/powerpoint/2010/main" val="1150987112"/>
+      </p:ext>
+    </p:extLst>
+  </p:cSld>
+  <p:clrMapOvr>
+    <a:masterClrMapping/>
+  </p:clrMapOvr>
+</p:sld>
+</file>
+
+<file path=ppt/slides/slide11.xml><?xml version="1.0" encoding="utf-8"?>
+<p:sld xmlns:a="http://schemas.openxmlformats.org/drawingml/2006/main" xmlns:r="http://schemas.openxmlformats.org/officeDocument/2006/relationships" xmlns:p="http://schemas.openxmlformats.org/presentationml/2006/main">
+  <p:cSld>
+    <p:spTree>
+      <p:nvGrpSpPr>
+        <p:cNvPr id="1" name=""/>
+        <p:cNvGrpSpPr/>
+        <p:nvPr/>
+      </p:nvGrpSpPr>
+      <p:grpSpPr>
+        <a:xfrm>
+          <a:off x="0" y="0"/>
+          <a:ext cx="0" cy="0"/>
+          <a:chOff x="0" y="0"/>
+          <a:chExt cx="0" cy="0"/>
+        </a:xfrm>
+      </p:grpSpPr>
+      <p:sp>
+        <p:nvSpPr>
+          <p:cNvPr id="2" name="文本框 20">
+            <a:extLst>
+              <a:ext uri="{FF2B5EF4-FFF2-40B4-BE49-F238E27FC236}">
+                <a16:creationId xmlns:a16="http://schemas.microsoft.com/office/drawing/2014/main" id="{DE3889F8-6551-4A68-BC45-154B108E5FE8}"/>
+              </a:ext>
+            </a:extLst>
+          </p:cNvPr>
+          <p:cNvSpPr txBox="1">
+            <a:spLocks noChangeArrowheads="1"/>
+          </p:cNvSpPr>
+          <p:nvPr/>
+        </p:nvSpPr>
+        <p:spPr bwMode="auto">
+          <a:xfrm>
             <a:off x="568853" y="273314"/>
             <a:ext cx="6970935" cy="461665"/>
           </a:xfrm>
@@ -5337,7 +5821,7 @@
 </p:sld>
 </file>
 
-<file path=ppt/slides/slide11.xml><?xml version="1.0" encoding="utf-8"?>
+<file path=ppt/slides/slide12.xml><?xml version="1.0" encoding="utf-8"?>
 <p:sld xmlns:a="http://schemas.openxmlformats.org/drawingml/2006/main" xmlns:r="http://schemas.openxmlformats.org/officeDocument/2006/relationships" xmlns:p="http://schemas.openxmlformats.org/presentationml/2006/main">
   <p:cSld>
     <p:spTree>
@@ -6550,7 +7034,7 @@
 </p:sld>
 </file>
 
-<file path=ppt/slides/slide12.xml><?xml version="1.0" encoding="utf-8"?>
+<file path=ppt/slides/slide13.xml><?xml version="1.0" encoding="utf-8"?>
 <p:sld xmlns:a="http://schemas.openxmlformats.org/drawingml/2006/main" xmlns:r="http://schemas.openxmlformats.org/officeDocument/2006/relationships" xmlns:p="http://schemas.openxmlformats.org/presentationml/2006/main">
   <p:cSld>
     <p:spTree>
@@ -7637,7 +8121,7 @@
 </p:sld>
 </file>
 
-<file path=ppt/slides/slide13.xml><?xml version="1.0" encoding="utf-8"?>
+<file path=ppt/slides/slide14.xml><?xml version="1.0" encoding="utf-8"?>
 <p:sld xmlns:a="http://schemas.openxmlformats.org/drawingml/2006/main" xmlns:r="http://schemas.openxmlformats.org/officeDocument/2006/relationships" xmlns:p="http://schemas.openxmlformats.org/presentationml/2006/main">
   <p:cSld>
     <p:spTree>
@@ -8432,7 +8916,7 @@
 </p:sld>
 </file>
 
-<file path=ppt/slides/slide14.xml><?xml version="1.0" encoding="utf-8"?>
+<file path=ppt/slides/slide15.xml><?xml version="1.0" encoding="utf-8"?>
 <p:sld xmlns:a="http://schemas.openxmlformats.org/drawingml/2006/main" xmlns:r="http://schemas.openxmlformats.org/officeDocument/2006/relationships" xmlns:p="http://schemas.openxmlformats.org/presentationml/2006/main">
   <p:cSld>
     <p:spTree>
@@ -9154,7 +9638,7 @@
 </p:sld>
 </file>
 
-<file path=ppt/slides/slide15.xml><?xml version="1.0" encoding="utf-8"?>
+<file path=ppt/slides/slide16.xml><?xml version="1.0" encoding="utf-8"?>
 <p:sld xmlns:a="http://schemas.openxmlformats.org/drawingml/2006/main" xmlns:r="http://schemas.openxmlformats.org/officeDocument/2006/relationships" xmlns:p="http://schemas.openxmlformats.org/presentationml/2006/main">
   <p:cSld>
     <p:spTree>
@@ -9486,7 +9970,7 @@
 </p:sld>
 </file>
 
-<file path=ppt/slides/slide16.xml><?xml version="1.0" encoding="utf-8"?>
+<file path=ppt/slides/slide17.xml><?xml version="1.0" encoding="utf-8"?>
 <p:sld xmlns:a="http://schemas.openxmlformats.org/drawingml/2006/main" xmlns:r="http://schemas.openxmlformats.org/officeDocument/2006/relationships" xmlns:p="http://schemas.openxmlformats.org/presentationml/2006/main">
   <p:cSld>
     <p:spTree>
@@ -10132,7 +10616,1033 @@
 </p:sld>
 </file>
 
-<file path=ppt/slides/slide17.xml><?xml version="1.0" encoding="utf-8"?>
+<file path=ppt/slides/slide18.xml><?xml version="1.0" encoding="utf-8"?>
+<p:sld xmlns:a="http://schemas.openxmlformats.org/drawingml/2006/main" xmlns:r="http://schemas.openxmlformats.org/officeDocument/2006/relationships" xmlns:p="http://schemas.openxmlformats.org/presentationml/2006/main">
+  <p:cSld>
+    <p:spTree>
+      <p:nvGrpSpPr>
+        <p:cNvPr id="1" name=""/>
+        <p:cNvGrpSpPr/>
+        <p:nvPr/>
+      </p:nvGrpSpPr>
+      <p:grpSpPr>
+        <a:xfrm>
+          <a:off x="0" y="0"/>
+          <a:ext cx="0" cy="0"/>
+          <a:chOff x="0" y="0"/>
+          <a:chExt cx="0" cy="0"/>
+        </a:xfrm>
+      </p:grpSpPr>
+      <p:sp>
+        <p:nvSpPr>
+          <p:cNvPr id="17410" name="文本框 13"/>
+          <p:cNvSpPr txBox="1">
+            <a:spLocks noChangeArrowheads="1"/>
+          </p:cNvSpPr>
+          <p:nvPr/>
+        </p:nvSpPr>
+        <p:spPr bwMode="auto">
+          <a:xfrm>
+            <a:off x="2967038" y="4416425"/>
+            <a:ext cx="6064250" cy="831850"/>
+          </a:xfrm>
+          <a:prstGeom prst="rect">
+            <a:avLst/>
+          </a:prstGeom>
+          <a:noFill/>
+          <a:ln>
+            <a:noFill/>
+          </a:ln>
+          <a:extLst>
+            <a:ext uri="{909E8E84-426E-40DD-AFC4-6F175D3DCCD1}">
+              <a14:hiddenFill xmlns:a14="http://schemas.microsoft.com/office/drawing/2010/main">
+                <a:solidFill>
+                  <a:srgbClr val="FFFFFF"/>
+                </a:solidFill>
+              </a14:hiddenFill>
+            </a:ext>
+            <a:ext uri="{91240B29-F687-4F45-9708-019B960494DF}">
+              <a14:hiddenLine xmlns:a14="http://schemas.microsoft.com/office/drawing/2010/main" w="9525">
+                <a:solidFill>
+                  <a:srgbClr val="000000"/>
+                </a:solidFill>
+                <a:miter lim="800000"/>
+                <a:headEnd/>
+                <a:tailEnd/>
+              </a14:hiddenLine>
+            </a:ext>
+          </a:extLst>
+        </p:spPr>
+        <p:txBody>
+          <a:bodyPr>
+            <a:spAutoFit/>
+          </a:bodyPr>
+          <a:lstStyle>
+            <a:lvl1pPr>
+              <a:buFont typeface="Arial" panose="020B0604020202020204" pitchFamily="34" charset="0"/>
+              <a:defRPr>
+                <a:solidFill>
+                  <a:schemeClr val="tx1"/>
+                </a:solidFill>
+                <a:latin typeface="Arial" panose="020B0604020202020204" pitchFamily="34" charset="0"/>
+                <a:ea typeface="微软雅黑" panose="020B0503020204020204" pitchFamily="34" charset="-122"/>
+              </a:defRPr>
+            </a:lvl1pPr>
+            <a:lvl2pPr marL="742950" indent="-285750">
+              <a:buFont typeface="Arial" panose="020B0604020202020204" pitchFamily="34" charset="0"/>
+              <a:defRPr>
+                <a:solidFill>
+                  <a:schemeClr val="tx1"/>
+                </a:solidFill>
+                <a:latin typeface="Arial" panose="020B0604020202020204" pitchFamily="34" charset="0"/>
+                <a:ea typeface="微软雅黑" panose="020B0503020204020204" pitchFamily="34" charset="-122"/>
+              </a:defRPr>
+            </a:lvl2pPr>
+            <a:lvl3pPr marL="1143000" indent="-228600">
+              <a:buFont typeface="Arial" panose="020B0604020202020204" pitchFamily="34" charset="0"/>
+              <a:defRPr>
+                <a:solidFill>
+                  <a:schemeClr val="tx1"/>
+                </a:solidFill>
+                <a:latin typeface="Arial" panose="020B0604020202020204" pitchFamily="34" charset="0"/>
+                <a:ea typeface="微软雅黑" panose="020B0503020204020204" pitchFamily="34" charset="-122"/>
+              </a:defRPr>
+            </a:lvl3pPr>
+            <a:lvl4pPr marL="1600200" indent="-228600">
+              <a:buFont typeface="Arial" panose="020B0604020202020204" pitchFamily="34" charset="0"/>
+              <a:defRPr>
+                <a:solidFill>
+                  <a:schemeClr val="tx1"/>
+                </a:solidFill>
+                <a:latin typeface="Arial" panose="020B0604020202020204" pitchFamily="34" charset="0"/>
+                <a:ea typeface="微软雅黑" panose="020B0503020204020204" pitchFamily="34" charset="-122"/>
+              </a:defRPr>
+            </a:lvl4pPr>
+            <a:lvl5pPr marL="2057400" indent="-228600">
+              <a:buFont typeface="Arial" panose="020B0604020202020204" pitchFamily="34" charset="0"/>
+              <a:defRPr>
+                <a:solidFill>
+                  <a:schemeClr val="tx1"/>
+                </a:solidFill>
+                <a:latin typeface="Arial" panose="020B0604020202020204" pitchFamily="34" charset="0"/>
+                <a:ea typeface="微软雅黑" panose="020B0503020204020204" pitchFamily="34" charset="-122"/>
+              </a:defRPr>
+            </a:lvl5pPr>
+            <a:lvl6pPr marL="2514600" indent="-228600" eaLnBrk="0" fontAlgn="base" hangingPunct="0">
+              <a:spcBef>
+                <a:spcPct val="0"/>
+              </a:spcBef>
+              <a:spcAft>
+                <a:spcPct val="0"/>
+              </a:spcAft>
+              <a:buFont typeface="Arial" panose="020B0604020202020204" pitchFamily="34" charset="0"/>
+              <a:defRPr>
+                <a:solidFill>
+                  <a:schemeClr val="tx1"/>
+                </a:solidFill>
+                <a:latin typeface="Arial" panose="020B0604020202020204" pitchFamily="34" charset="0"/>
+                <a:ea typeface="微软雅黑" panose="020B0503020204020204" pitchFamily="34" charset="-122"/>
+              </a:defRPr>
+            </a:lvl6pPr>
+            <a:lvl7pPr marL="2971800" indent="-228600" eaLnBrk="0" fontAlgn="base" hangingPunct="0">
+              <a:spcBef>
+                <a:spcPct val="0"/>
+              </a:spcBef>
+              <a:spcAft>
+                <a:spcPct val="0"/>
+              </a:spcAft>
+              <a:buFont typeface="Arial" panose="020B0604020202020204" pitchFamily="34" charset="0"/>
+              <a:defRPr>
+                <a:solidFill>
+                  <a:schemeClr val="tx1"/>
+                </a:solidFill>
+                <a:latin typeface="Arial" panose="020B0604020202020204" pitchFamily="34" charset="0"/>
+                <a:ea typeface="微软雅黑" panose="020B0503020204020204" pitchFamily="34" charset="-122"/>
+              </a:defRPr>
+            </a:lvl7pPr>
+            <a:lvl8pPr marL="3429000" indent="-228600" eaLnBrk="0" fontAlgn="base" hangingPunct="0">
+              <a:spcBef>
+                <a:spcPct val="0"/>
+              </a:spcBef>
+              <a:spcAft>
+                <a:spcPct val="0"/>
+              </a:spcAft>
+              <a:buFont typeface="Arial" panose="020B0604020202020204" pitchFamily="34" charset="0"/>
+              <a:defRPr>
+                <a:solidFill>
+                  <a:schemeClr val="tx1"/>
+                </a:solidFill>
+                <a:latin typeface="Arial" panose="020B0604020202020204" pitchFamily="34" charset="0"/>
+                <a:ea typeface="微软雅黑" panose="020B0503020204020204" pitchFamily="34" charset="-122"/>
+              </a:defRPr>
+            </a:lvl8pPr>
+            <a:lvl9pPr marL="3886200" indent="-228600" eaLnBrk="0" fontAlgn="base" hangingPunct="0">
+              <a:spcBef>
+                <a:spcPct val="0"/>
+              </a:spcBef>
+              <a:spcAft>
+                <a:spcPct val="0"/>
+              </a:spcAft>
+              <a:buFont typeface="Arial" panose="020B0604020202020204" pitchFamily="34" charset="0"/>
+              <a:defRPr>
+                <a:solidFill>
+                  <a:schemeClr val="tx1"/>
+                </a:solidFill>
+                <a:latin typeface="Arial" panose="020B0604020202020204" pitchFamily="34" charset="0"/>
+                <a:ea typeface="微软雅黑" panose="020B0503020204020204" pitchFamily="34" charset="-122"/>
+              </a:defRPr>
+            </a:lvl9pPr>
+          </a:lstStyle>
+          <a:p>
+            <a:pPr algn="ctr" eaLnBrk="1" hangingPunct="1"/>
+            <a:r>
+              <a:rPr lang="zh-CN" altLang="en-US" sz="4800" b="1" dirty="0">
+                <a:solidFill>
+                  <a:srgbClr val="007F58"/>
+                </a:solidFill>
+                <a:latin typeface="微软雅黑" panose="020B0503020204020204" pitchFamily="34" charset="-122"/>
+              </a:rPr>
+              <a:t>调用函数</a:t>
+            </a:r>
+          </a:p>
+        </p:txBody>
+      </p:sp>
+      <p:grpSp>
+        <p:nvGrpSpPr>
+          <p:cNvPr id="17411" name="组合 4"/>
+          <p:cNvGrpSpPr>
+            <a:grpSpLocks noChangeAspect="1"/>
+          </p:cNvGrpSpPr>
+          <p:nvPr/>
+        </p:nvGrpSpPr>
+        <p:grpSpPr bwMode="auto">
+          <a:xfrm>
+            <a:off x="4357688" y="1117600"/>
+            <a:ext cx="3155950" cy="2946400"/>
+            <a:chOff x="0" y="0"/>
+            <a:chExt cx="6822015" cy="6383223"/>
+          </a:xfrm>
+        </p:grpSpPr>
+        <p:pic>
+          <p:nvPicPr>
+            <p:cNvPr id="17414" name="图片 1"/>
+            <p:cNvPicPr>
+              <a:picLocks noChangeAspect="1" noChangeArrowheads="1"/>
+            </p:cNvPicPr>
+            <p:nvPr/>
+          </p:nvPicPr>
+          <p:blipFill>
+            <a:blip r:embed="rId2">
+              <a:extLst>
+                <a:ext uri="{28A0092B-C50C-407E-A947-70E740481C1C}">
+                  <a14:useLocalDpi xmlns:a14="http://schemas.microsoft.com/office/drawing/2010/main" val="0"/>
+                </a:ext>
+              </a:extLst>
+            </a:blip>
+            <a:srcRect/>
+            <a:stretch>
+              <a:fillRect/>
+            </a:stretch>
+          </p:blipFill>
+          <p:spPr bwMode="auto">
+            <a:xfrm>
+              <a:off x="3573" y="0"/>
+              <a:ext cx="6818442" cy="6383223"/>
+            </a:xfrm>
+            <a:prstGeom prst="rect">
+              <a:avLst/>
+            </a:prstGeom>
+            <a:noFill/>
+            <a:ln>
+              <a:noFill/>
+            </a:ln>
+            <a:extLst>
+              <a:ext uri="{909E8E84-426E-40DD-AFC4-6F175D3DCCD1}">
+                <a14:hiddenFill xmlns:a14="http://schemas.microsoft.com/office/drawing/2010/main">
+                  <a:solidFill>
+                    <a:srgbClr val="FFFFFF"/>
+                  </a:solidFill>
+                </a14:hiddenFill>
+              </a:ext>
+              <a:ext uri="{91240B29-F687-4F45-9708-019B960494DF}">
+                <a14:hiddenLine xmlns:a14="http://schemas.microsoft.com/office/drawing/2010/main" w="9525">
+                  <a:solidFill>
+                    <a:srgbClr val="000000"/>
+                  </a:solidFill>
+                  <a:miter lim="800000"/>
+                  <a:headEnd/>
+                  <a:tailEnd/>
+                </a14:hiddenLine>
+              </a:ext>
+            </a:extLst>
+          </p:spPr>
+        </p:pic>
+        <p:pic>
+          <p:nvPicPr>
+            <p:cNvPr id="17415" name="图片 3"/>
+            <p:cNvPicPr>
+              <a:picLocks noChangeAspect="1" noChangeArrowheads="1"/>
+            </p:cNvPicPr>
+            <p:nvPr/>
+          </p:nvPicPr>
+          <p:blipFill>
+            <a:blip r:embed="rId3">
+              <a:extLst>
+                <a:ext uri="{28A0092B-C50C-407E-A947-70E740481C1C}">
+                  <a14:useLocalDpi xmlns:a14="http://schemas.microsoft.com/office/drawing/2010/main" val="0"/>
+                </a:ext>
+              </a:extLst>
+            </a:blip>
+            <a:srcRect/>
+            <a:stretch>
+              <a:fillRect/>
+            </a:stretch>
+          </p:blipFill>
+          <p:spPr bwMode="auto">
+            <a:xfrm>
+              <a:off x="0" y="0"/>
+              <a:ext cx="6822015" cy="6383065"/>
+            </a:xfrm>
+            <a:prstGeom prst="rect">
+              <a:avLst/>
+            </a:prstGeom>
+            <a:noFill/>
+            <a:ln>
+              <a:noFill/>
+            </a:ln>
+            <a:extLst>
+              <a:ext uri="{909E8E84-426E-40DD-AFC4-6F175D3DCCD1}">
+                <a14:hiddenFill xmlns:a14="http://schemas.microsoft.com/office/drawing/2010/main">
+                  <a:solidFill>
+                    <a:srgbClr val="FFFFFF"/>
+                  </a:solidFill>
+                </a14:hiddenFill>
+              </a:ext>
+              <a:ext uri="{91240B29-F687-4F45-9708-019B960494DF}">
+                <a14:hiddenLine xmlns:a14="http://schemas.microsoft.com/office/drawing/2010/main" w="9525">
+                  <a:solidFill>
+                    <a:srgbClr val="000000"/>
+                  </a:solidFill>
+                  <a:miter lim="800000"/>
+                  <a:headEnd/>
+                  <a:tailEnd/>
+                </a14:hiddenLine>
+              </a:ext>
+            </a:extLst>
+          </p:spPr>
+        </p:pic>
+      </p:grpSp>
+      <p:sp>
+        <p:nvSpPr>
+          <p:cNvPr id="17412" name="文本框 2"/>
+          <p:cNvSpPr txBox="1">
+            <a:spLocks noChangeArrowheads="1"/>
+          </p:cNvSpPr>
+          <p:nvPr/>
+        </p:nvSpPr>
+        <p:spPr bwMode="auto">
+          <a:xfrm>
+            <a:off x="5130800" y="1338263"/>
+            <a:ext cx="1609725" cy="2555875"/>
+          </a:xfrm>
+          <a:prstGeom prst="rect">
+            <a:avLst/>
+          </a:prstGeom>
+          <a:noFill/>
+          <a:ln>
+            <a:noFill/>
+          </a:ln>
+          <a:extLst>
+            <a:ext uri="{909E8E84-426E-40DD-AFC4-6F175D3DCCD1}">
+              <a14:hiddenFill xmlns:a14="http://schemas.microsoft.com/office/drawing/2010/main">
+                <a:solidFill>
+                  <a:srgbClr val="FFFFFF"/>
+                </a:solidFill>
+              </a14:hiddenFill>
+            </a:ext>
+            <a:ext uri="{91240B29-F687-4F45-9708-019B960494DF}">
+              <a14:hiddenLine xmlns:a14="http://schemas.microsoft.com/office/drawing/2010/main" w="9525">
+                <a:solidFill>
+                  <a:srgbClr val="000000"/>
+                </a:solidFill>
+                <a:miter lim="800000"/>
+                <a:headEnd/>
+                <a:tailEnd/>
+              </a14:hiddenLine>
+            </a:ext>
+          </a:extLst>
+        </p:spPr>
+        <p:txBody>
+          <a:bodyPr lIns="0" tIns="0" rIns="0" bIns="0">
+            <a:spAutoFit/>
+          </a:bodyPr>
+          <a:lstStyle>
+            <a:lvl1pPr>
+              <a:buFont typeface="Arial" panose="020B0604020202020204" pitchFamily="34" charset="0"/>
+              <a:defRPr>
+                <a:solidFill>
+                  <a:schemeClr val="tx1"/>
+                </a:solidFill>
+                <a:latin typeface="Arial" panose="020B0604020202020204" pitchFamily="34" charset="0"/>
+                <a:ea typeface="微软雅黑" panose="020B0503020204020204" pitchFamily="34" charset="-122"/>
+              </a:defRPr>
+            </a:lvl1pPr>
+            <a:lvl2pPr marL="742950" indent="-285750">
+              <a:buFont typeface="Arial" panose="020B0604020202020204" pitchFamily="34" charset="0"/>
+              <a:defRPr>
+                <a:solidFill>
+                  <a:schemeClr val="tx1"/>
+                </a:solidFill>
+                <a:latin typeface="Arial" panose="020B0604020202020204" pitchFamily="34" charset="0"/>
+                <a:ea typeface="微软雅黑" panose="020B0503020204020204" pitchFamily="34" charset="-122"/>
+              </a:defRPr>
+            </a:lvl2pPr>
+            <a:lvl3pPr marL="1143000" indent="-228600">
+              <a:buFont typeface="Arial" panose="020B0604020202020204" pitchFamily="34" charset="0"/>
+              <a:defRPr>
+                <a:solidFill>
+                  <a:schemeClr val="tx1"/>
+                </a:solidFill>
+                <a:latin typeface="Arial" panose="020B0604020202020204" pitchFamily="34" charset="0"/>
+                <a:ea typeface="微软雅黑" panose="020B0503020204020204" pitchFamily="34" charset="-122"/>
+              </a:defRPr>
+            </a:lvl3pPr>
+            <a:lvl4pPr marL="1600200" indent="-228600">
+              <a:buFont typeface="Arial" panose="020B0604020202020204" pitchFamily="34" charset="0"/>
+              <a:defRPr>
+                <a:solidFill>
+                  <a:schemeClr val="tx1"/>
+                </a:solidFill>
+                <a:latin typeface="Arial" panose="020B0604020202020204" pitchFamily="34" charset="0"/>
+                <a:ea typeface="微软雅黑" panose="020B0503020204020204" pitchFamily="34" charset="-122"/>
+              </a:defRPr>
+            </a:lvl4pPr>
+            <a:lvl5pPr marL="2057400" indent="-228600">
+              <a:buFont typeface="Arial" panose="020B0604020202020204" pitchFamily="34" charset="0"/>
+              <a:defRPr>
+                <a:solidFill>
+                  <a:schemeClr val="tx1"/>
+                </a:solidFill>
+                <a:latin typeface="Arial" panose="020B0604020202020204" pitchFamily="34" charset="0"/>
+                <a:ea typeface="微软雅黑" panose="020B0503020204020204" pitchFamily="34" charset="-122"/>
+              </a:defRPr>
+            </a:lvl5pPr>
+            <a:lvl6pPr marL="2514600" indent="-228600" eaLnBrk="0" fontAlgn="base" hangingPunct="0">
+              <a:spcBef>
+                <a:spcPct val="0"/>
+              </a:spcBef>
+              <a:spcAft>
+                <a:spcPct val="0"/>
+              </a:spcAft>
+              <a:buFont typeface="Arial" panose="020B0604020202020204" pitchFamily="34" charset="0"/>
+              <a:defRPr>
+                <a:solidFill>
+                  <a:schemeClr val="tx1"/>
+                </a:solidFill>
+                <a:latin typeface="Arial" panose="020B0604020202020204" pitchFamily="34" charset="0"/>
+                <a:ea typeface="微软雅黑" panose="020B0503020204020204" pitchFamily="34" charset="-122"/>
+              </a:defRPr>
+            </a:lvl6pPr>
+            <a:lvl7pPr marL="2971800" indent="-228600" eaLnBrk="0" fontAlgn="base" hangingPunct="0">
+              <a:spcBef>
+                <a:spcPct val="0"/>
+              </a:spcBef>
+              <a:spcAft>
+                <a:spcPct val="0"/>
+              </a:spcAft>
+              <a:buFont typeface="Arial" panose="020B0604020202020204" pitchFamily="34" charset="0"/>
+              <a:defRPr>
+                <a:solidFill>
+                  <a:schemeClr val="tx1"/>
+                </a:solidFill>
+                <a:latin typeface="Arial" panose="020B0604020202020204" pitchFamily="34" charset="0"/>
+                <a:ea typeface="微软雅黑" panose="020B0503020204020204" pitchFamily="34" charset="-122"/>
+              </a:defRPr>
+            </a:lvl7pPr>
+            <a:lvl8pPr marL="3429000" indent="-228600" eaLnBrk="0" fontAlgn="base" hangingPunct="0">
+              <a:spcBef>
+                <a:spcPct val="0"/>
+              </a:spcBef>
+              <a:spcAft>
+                <a:spcPct val="0"/>
+              </a:spcAft>
+              <a:buFont typeface="Arial" panose="020B0604020202020204" pitchFamily="34" charset="0"/>
+              <a:defRPr>
+                <a:solidFill>
+                  <a:schemeClr val="tx1"/>
+                </a:solidFill>
+                <a:latin typeface="Arial" panose="020B0604020202020204" pitchFamily="34" charset="0"/>
+                <a:ea typeface="微软雅黑" panose="020B0503020204020204" pitchFamily="34" charset="-122"/>
+              </a:defRPr>
+            </a:lvl8pPr>
+            <a:lvl9pPr marL="3886200" indent="-228600" eaLnBrk="0" fontAlgn="base" hangingPunct="0">
+              <a:spcBef>
+                <a:spcPct val="0"/>
+              </a:spcBef>
+              <a:spcAft>
+                <a:spcPct val="0"/>
+              </a:spcAft>
+              <a:buFont typeface="Arial" panose="020B0604020202020204" pitchFamily="34" charset="0"/>
+              <a:defRPr>
+                <a:solidFill>
+                  <a:schemeClr val="tx1"/>
+                </a:solidFill>
+                <a:latin typeface="Arial" panose="020B0604020202020204" pitchFamily="34" charset="0"/>
+                <a:ea typeface="微软雅黑" panose="020B0503020204020204" pitchFamily="34" charset="-122"/>
+              </a:defRPr>
+            </a:lvl9pPr>
+          </a:lstStyle>
+          <a:p>
+            <a:pPr algn="ctr" eaLnBrk="1" hangingPunct="1"/>
+            <a:r>
+              <a:rPr lang="en-US" altLang="zh-CN" sz="16600" dirty="0">
+                <a:solidFill>
+                  <a:schemeClr val="bg1"/>
+                </a:solidFill>
+                <a:latin typeface="Impact" panose="020B0806030902050204" pitchFamily="34" charset="0"/>
+              </a:rPr>
+              <a:t>3</a:t>
+            </a:r>
+            <a:endParaRPr lang="zh-CN" altLang="en-US" sz="16600" dirty="0">
+              <a:solidFill>
+                <a:schemeClr val="bg1"/>
+              </a:solidFill>
+              <a:latin typeface="Impact" panose="020B0806030902050204" pitchFamily="34" charset="0"/>
+            </a:endParaRPr>
+          </a:p>
+        </p:txBody>
+      </p:sp>
+    </p:spTree>
+    <p:extLst>
+      <p:ext uri="{BB962C8B-B14F-4D97-AF65-F5344CB8AC3E}">
+        <p14:creationId xmlns:p14="http://schemas.microsoft.com/office/powerpoint/2010/main" val="3929630065"/>
+      </p:ext>
+    </p:extLst>
+  </p:cSld>
+  <p:clrMapOvr>
+    <a:masterClrMapping/>
+  </p:clrMapOvr>
+  <p:transition spd="slow"/>
+</p:sld>
+</file>
+
+<file path=ppt/slides/slide19.xml><?xml version="1.0" encoding="utf-8"?>
+<p:sld xmlns:a="http://schemas.openxmlformats.org/drawingml/2006/main" xmlns:r="http://schemas.openxmlformats.org/officeDocument/2006/relationships" xmlns:p="http://schemas.openxmlformats.org/presentationml/2006/main">
+  <p:cSld>
+    <p:spTree>
+      <p:nvGrpSpPr>
+        <p:cNvPr id="1" name=""/>
+        <p:cNvGrpSpPr/>
+        <p:nvPr/>
+      </p:nvGrpSpPr>
+      <p:grpSpPr>
+        <a:xfrm>
+          <a:off x="0" y="0"/>
+          <a:ext cx="0" cy="0"/>
+          <a:chOff x="0" y="0"/>
+          <a:chExt cx="0" cy="0"/>
+        </a:xfrm>
+      </p:grpSpPr>
+      <p:sp>
+        <p:nvSpPr>
+          <p:cNvPr id="2" name="文本框 20">
+            <a:extLst>
+              <a:ext uri="{FF2B5EF4-FFF2-40B4-BE49-F238E27FC236}">
+                <a16:creationId xmlns:a16="http://schemas.microsoft.com/office/drawing/2014/main" id="{DE3889F8-6551-4A68-BC45-154B108E5FE8}"/>
+              </a:ext>
+            </a:extLst>
+          </p:cNvPr>
+          <p:cNvSpPr txBox="1">
+            <a:spLocks noChangeArrowheads="1"/>
+          </p:cNvSpPr>
+          <p:nvPr/>
+        </p:nvSpPr>
+        <p:spPr bwMode="auto">
+          <a:xfrm>
+            <a:off x="3844918" y="1432874"/>
+            <a:ext cx="4502164" cy="2677656"/>
+          </a:xfrm>
+          <a:prstGeom prst="rect">
+            <a:avLst/>
+          </a:prstGeom>
+          <a:noFill/>
+          <a:ln>
+            <a:noFill/>
+          </a:ln>
+          <a:extLst>
+            <a:ext uri="{909E8E84-426E-40DD-AFC4-6F175D3DCCD1}">
+              <a14:hiddenFill xmlns:a14="http://schemas.microsoft.com/office/drawing/2010/main">
+                <a:solidFill>
+                  <a:srgbClr val="FFFFFF"/>
+                </a:solidFill>
+              </a14:hiddenFill>
+            </a:ext>
+            <a:ext uri="{91240B29-F687-4F45-9708-019B960494DF}">
+              <a14:hiddenLine xmlns:a14="http://schemas.microsoft.com/office/drawing/2010/main" w="9525">
+                <a:solidFill>
+                  <a:srgbClr val="000000"/>
+                </a:solidFill>
+                <a:miter lim="800000"/>
+                <a:headEnd/>
+                <a:tailEnd/>
+              </a14:hiddenLine>
+            </a:ext>
+          </a:extLst>
+        </p:spPr>
+        <p:txBody>
+          <a:bodyPr wrap="square">
+            <a:spAutoFit/>
+          </a:bodyPr>
+          <a:lstStyle>
+            <a:lvl1pPr>
+              <a:buFont typeface="Arial" panose="020B0604020202020204" pitchFamily="34" charset="0"/>
+              <a:defRPr>
+                <a:solidFill>
+                  <a:schemeClr val="tx1"/>
+                </a:solidFill>
+                <a:latin typeface="Arial" panose="020B0604020202020204" pitchFamily="34" charset="0"/>
+                <a:ea typeface="微软雅黑" panose="020B0503020204020204" pitchFamily="34" charset="-122"/>
+              </a:defRPr>
+            </a:lvl1pPr>
+            <a:lvl2pPr marL="742950" indent="-285750">
+              <a:buFont typeface="Arial" panose="020B0604020202020204" pitchFamily="34" charset="0"/>
+              <a:defRPr>
+                <a:solidFill>
+                  <a:schemeClr val="tx1"/>
+                </a:solidFill>
+                <a:latin typeface="Arial" panose="020B0604020202020204" pitchFamily="34" charset="0"/>
+                <a:ea typeface="微软雅黑" panose="020B0503020204020204" pitchFamily="34" charset="-122"/>
+              </a:defRPr>
+            </a:lvl2pPr>
+            <a:lvl3pPr marL="1143000" indent="-228600">
+              <a:buFont typeface="Arial" panose="020B0604020202020204" pitchFamily="34" charset="0"/>
+              <a:defRPr>
+                <a:solidFill>
+                  <a:schemeClr val="tx1"/>
+                </a:solidFill>
+                <a:latin typeface="Arial" panose="020B0604020202020204" pitchFamily="34" charset="0"/>
+                <a:ea typeface="微软雅黑" panose="020B0503020204020204" pitchFamily="34" charset="-122"/>
+              </a:defRPr>
+            </a:lvl3pPr>
+            <a:lvl4pPr marL="1600200" indent="-228600">
+              <a:buFont typeface="Arial" panose="020B0604020202020204" pitchFamily="34" charset="0"/>
+              <a:defRPr>
+                <a:solidFill>
+                  <a:schemeClr val="tx1"/>
+                </a:solidFill>
+                <a:latin typeface="Arial" panose="020B0604020202020204" pitchFamily="34" charset="0"/>
+                <a:ea typeface="微软雅黑" panose="020B0503020204020204" pitchFamily="34" charset="-122"/>
+              </a:defRPr>
+            </a:lvl4pPr>
+            <a:lvl5pPr marL="2057400" indent="-228600">
+              <a:buFont typeface="Arial" panose="020B0604020202020204" pitchFamily="34" charset="0"/>
+              <a:defRPr>
+                <a:solidFill>
+                  <a:schemeClr val="tx1"/>
+                </a:solidFill>
+                <a:latin typeface="Arial" panose="020B0604020202020204" pitchFamily="34" charset="0"/>
+                <a:ea typeface="微软雅黑" panose="020B0503020204020204" pitchFamily="34" charset="-122"/>
+              </a:defRPr>
+            </a:lvl5pPr>
+            <a:lvl6pPr marL="2514600" indent="-228600" eaLnBrk="0" fontAlgn="base" hangingPunct="0">
+              <a:spcBef>
+                <a:spcPct val="0"/>
+              </a:spcBef>
+              <a:spcAft>
+                <a:spcPct val="0"/>
+              </a:spcAft>
+              <a:buFont typeface="Arial" panose="020B0604020202020204" pitchFamily="34" charset="0"/>
+              <a:defRPr>
+                <a:solidFill>
+                  <a:schemeClr val="tx1"/>
+                </a:solidFill>
+                <a:latin typeface="Arial" panose="020B0604020202020204" pitchFamily="34" charset="0"/>
+                <a:ea typeface="微软雅黑" panose="020B0503020204020204" pitchFamily="34" charset="-122"/>
+              </a:defRPr>
+            </a:lvl6pPr>
+            <a:lvl7pPr marL="2971800" indent="-228600" eaLnBrk="0" fontAlgn="base" hangingPunct="0">
+              <a:spcBef>
+                <a:spcPct val="0"/>
+              </a:spcBef>
+              <a:spcAft>
+                <a:spcPct val="0"/>
+              </a:spcAft>
+              <a:buFont typeface="Arial" panose="020B0604020202020204" pitchFamily="34" charset="0"/>
+              <a:defRPr>
+                <a:solidFill>
+                  <a:schemeClr val="tx1"/>
+                </a:solidFill>
+                <a:latin typeface="Arial" panose="020B0604020202020204" pitchFamily="34" charset="0"/>
+                <a:ea typeface="微软雅黑" panose="020B0503020204020204" pitchFamily="34" charset="-122"/>
+              </a:defRPr>
+            </a:lvl7pPr>
+            <a:lvl8pPr marL="3429000" indent="-228600" eaLnBrk="0" fontAlgn="base" hangingPunct="0">
+              <a:spcBef>
+                <a:spcPct val="0"/>
+              </a:spcBef>
+              <a:spcAft>
+                <a:spcPct val="0"/>
+              </a:spcAft>
+              <a:buFont typeface="Arial" panose="020B0604020202020204" pitchFamily="34" charset="0"/>
+              <a:defRPr>
+                <a:solidFill>
+                  <a:schemeClr val="tx1"/>
+                </a:solidFill>
+                <a:latin typeface="Arial" panose="020B0604020202020204" pitchFamily="34" charset="0"/>
+                <a:ea typeface="微软雅黑" panose="020B0503020204020204" pitchFamily="34" charset="-122"/>
+              </a:defRPr>
+            </a:lvl8pPr>
+            <a:lvl9pPr marL="3886200" indent="-228600" eaLnBrk="0" fontAlgn="base" hangingPunct="0">
+              <a:spcBef>
+                <a:spcPct val="0"/>
+              </a:spcBef>
+              <a:spcAft>
+                <a:spcPct val="0"/>
+              </a:spcAft>
+              <a:buFont typeface="Arial" panose="020B0604020202020204" pitchFamily="34" charset="0"/>
+              <a:defRPr>
+                <a:solidFill>
+                  <a:schemeClr val="tx1"/>
+                </a:solidFill>
+                <a:latin typeface="Arial" panose="020B0604020202020204" pitchFamily="34" charset="0"/>
+                <a:ea typeface="微软雅黑" panose="020B0503020204020204" pitchFamily="34" charset="-122"/>
+              </a:defRPr>
+            </a:lvl9pPr>
+          </a:lstStyle>
+          <a:p>
+            <a:pPr algn="ctr"/>
+            <a:r>
+              <a:rPr lang="zh-CN" altLang="en-US" sz="3600" b="1" dirty="0">
+                <a:solidFill>
+                  <a:srgbClr val="007F58"/>
+                </a:solidFill>
+                <a:latin typeface="微软雅黑" panose="020B0503020204020204" pitchFamily="34" charset="-122"/>
+              </a:rPr>
+              <a:t>依次调用</a:t>
+            </a:r>
+            <a:endParaRPr lang="en-US" altLang="zh-CN" sz="3600" b="1" dirty="0">
+              <a:solidFill>
+                <a:srgbClr val="007F58"/>
+              </a:solidFill>
+              <a:latin typeface="微软雅黑" panose="020B0503020204020204" pitchFamily="34" charset="-122"/>
+            </a:endParaRPr>
+          </a:p>
+          <a:p>
+            <a:pPr algn="ctr"/>
+            <a:endParaRPr lang="en-US" altLang="zh-CN" sz="3600" b="1" dirty="0">
+              <a:solidFill>
+                <a:srgbClr val="007F58"/>
+              </a:solidFill>
+              <a:latin typeface="微软雅黑" panose="020B0503020204020204" pitchFamily="34" charset="-122"/>
+            </a:endParaRPr>
+          </a:p>
+          <a:p>
+            <a:r>
+              <a:rPr lang="en-US" altLang="zh-CN" sz="2400" b="1" dirty="0" err="1">
+                <a:solidFill>
+                  <a:srgbClr val="007F58"/>
+                </a:solidFill>
+                <a:latin typeface="微软雅黑" panose="020B0503020204020204" pitchFamily="34" charset="-122"/>
+              </a:rPr>
+              <a:t>check_env</a:t>
+            </a:r>
+            <a:endParaRPr lang="en-US" altLang="zh-CN" sz="2400" b="1" dirty="0">
+              <a:solidFill>
+                <a:srgbClr val="007F58"/>
+              </a:solidFill>
+              <a:latin typeface="微软雅黑" panose="020B0503020204020204" pitchFamily="34" charset="-122"/>
+            </a:endParaRPr>
+          </a:p>
+          <a:p>
+            <a:r>
+              <a:rPr lang="en-US" altLang="zh-CN" sz="2400" b="1" dirty="0" err="1">
+                <a:solidFill>
+                  <a:srgbClr val="007F58"/>
+                </a:solidFill>
+                <a:latin typeface="微软雅黑" panose="020B0503020204020204" pitchFamily="34" charset="-122"/>
+              </a:rPr>
+              <a:t>parse_params</a:t>
+            </a:r>
+            <a:endParaRPr lang="en-US" altLang="zh-CN" sz="2400" b="1" dirty="0">
+              <a:solidFill>
+                <a:srgbClr val="007F58"/>
+              </a:solidFill>
+              <a:latin typeface="微软雅黑" panose="020B0503020204020204" pitchFamily="34" charset="-122"/>
+            </a:endParaRPr>
+          </a:p>
+          <a:p>
+            <a:r>
+              <a:rPr lang="en-US" altLang="zh-CN" sz="2400" b="1" dirty="0">
+                <a:solidFill>
+                  <a:srgbClr val="007F58"/>
+                </a:solidFill>
+                <a:latin typeface="微软雅黑" panose="020B0503020204020204" pitchFamily="34" charset="-122"/>
+              </a:rPr>
+              <a:t>main</a:t>
+            </a:r>
+          </a:p>
+          <a:p>
+            <a:r>
+              <a:rPr lang="en-US" altLang="zh-CN" sz="2400" b="1" dirty="0" err="1">
+                <a:solidFill>
+                  <a:srgbClr val="007F58"/>
+                </a:solidFill>
+                <a:latin typeface="微软雅黑" panose="020B0503020204020204" pitchFamily="34" charset="-122"/>
+              </a:rPr>
+              <a:t>print_result</a:t>
+            </a:r>
+            <a:endParaRPr lang="zh-CN" altLang="en-US" sz="2400" b="1" dirty="0">
+              <a:solidFill>
+                <a:srgbClr val="007F58"/>
+              </a:solidFill>
+              <a:latin typeface="微软雅黑" panose="020B0503020204020204" pitchFamily="34" charset="-122"/>
+            </a:endParaRPr>
+          </a:p>
+        </p:txBody>
+      </p:sp>
+    </p:spTree>
+    <p:extLst>
+      <p:ext uri="{BB962C8B-B14F-4D97-AF65-F5344CB8AC3E}">
+        <p14:creationId xmlns:p14="http://schemas.microsoft.com/office/powerpoint/2010/main" val="306640900"/>
+      </p:ext>
+    </p:extLst>
+  </p:cSld>
+  <p:clrMapOvr>
+    <a:masterClrMapping/>
+  </p:clrMapOvr>
+</p:sld>
+</file>
+
+<file path=ppt/slides/slide2.xml><?xml version="1.0" encoding="utf-8"?>
+<p:sld xmlns:a="http://schemas.openxmlformats.org/drawingml/2006/main" xmlns:r="http://schemas.openxmlformats.org/officeDocument/2006/relationships" xmlns:p="http://schemas.openxmlformats.org/presentationml/2006/main">
+  <p:cSld>
+    <p:spTree>
+      <p:nvGrpSpPr>
+        <p:cNvPr id="1" name=""/>
+        <p:cNvGrpSpPr/>
+        <p:nvPr/>
+      </p:nvGrpSpPr>
+      <p:grpSpPr>
+        <a:xfrm>
+          <a:off x="0" y="0"/>
+          <a:ext cx="0" cy="0"/>
+          <a:chOff x="0" y="0"/>
+          <a:chExt cx="0" cy="0"/>
+        </a:xfrm>
+      </p:grpSpPr>
+      <p:pic>
+        <p:nvPicPr>
+          <p:cNvPr id="3" name="图片 4">
+            <a:extLst>
+              <a:ext uri="{FF2B5EF4-FFF2-40B4-BE49-F238E27FC236}">
+                <a16:creationId xmlns:a16="http://schemas.microsoft.com/office/drawing/2014/main" id="{C472A03B-4C1C-44F9-B1A7-43A1DDF4C15B}"/>
+              </a:ext>
+            </a:extLst>
+          </p:cNvPr>
+          <p:cNvPicPr>
+            <a:picLocks noChangeAspect="1" noChangeArrowheads="1"/>
+          </p:cNvPicPr>
+          <p:nvPr/>
+        </p:nvPicPr>
+        <p:blipFill>
+          <a:blip r:embed="rId2">
+            <a:extLst>
+              <a:ext uri="{28A0092B-C50C-407E-A947-70E740481C1C}">
+                <a14:useLocalDpi xmlns:a14="http://schemas.microsoft.com/office/drawing/2010/main" val="0"/>
+              </a:ext>
+            </a:extLst>
+          </a:blip>
+          <a:srcRect/>
+          <a:stretch>
+            <a:fillRect/>
+          </a:stretch>
+        </p:blipFill>
+        <p:spPr bwMode="auto">
+          <a:xfrm rot="-624423">
+            <a:off x="1536243" y="1106093"/>
+            <a:ext cx="7821351" cy="4645813"/>
+          </a:xfrm>
+          <a:prstGeom prst="rect">
+            <a:avLst/>
+          </a:prstGeom>
+          <a:noFill/>
+          <a:ln>
+            <a:noFill/>
+          </a:ln>
+          <a:extLst>
+            <a:ext uri="{909E8E84-426E-40DD-AFC4-6F175D3DCCD1}">
+              <a14:hiddenFill xmlns:a14="http://schemas.microsoft.com/office/drawing/2010/main">
+                <a:solidFill>
+                  <a:srgbClr val="FFFFFF"/>
+                </a:solidFill>
+              </a14:hiddenFill>
+            </a:ext>
+            <a:ext uri="{91240B29-F687-4F45-9708-019B960494DF}">
+              <a14:hiddenLine xmlns:a14="http://schemas.microsoft.com/office/drawing/2010/main" w="9525">
+                <a:solidFill>
+                  <a:srgbClr val="000000"/>
+                </a:solidFill>
+                <a:miter lim="800000"/>
+                <a:headEnd/>
+                <a:tailEnd/>
+              </a14:hiddenLine>
+            </a:ext>
+          </a:extLst>
+        </p:spPr>
+      </p:pic>
+      <p:sp>
+        <p:nvSpPr>
+          <p:cNvPr id="2" name="文本框 1">
+            <a:extLst>
+              <a:ext uri="{FF2B5EF4-FFF2-40B4-BE49-F238E27FC236}">
+                <a16:creationId xmlns:a16="http://schemas.microsoft.com/office/drawing/2014/main" id="{D83EDCD0-726E-4B68-B5F1-7C08AEC578D6}"/>
+              </a:ext>
+            </a:extLst>
+          </p:cNvPr>
+          <p:cNvSpPr txBox="1"/>
+          <p:nvPr/>
+        </p:nvSpPr>
+        <p:spPr>
+          <a:xfrm>
+            <a:off x="3701626" y="1874728"/>
+            <a:ext cx="4788747" cy="3108543"/>
+          </a:xfrm>
+          <a:prstGeom prst="rect">
+            <a:avLst/>
+          </a:prstGeom>
+          <a:noFill/>
+        </p:spPr>
+        <p:txBody>
+          <a:bodyPr wrap="square" rtlCol="0">
+            <a:spAutoFit/>
+          </a:bodyPr>
+          <a:lstStyle/>
+          <a:p>
+            <a:pPr algn="ctr"/>
+            <a:r>
+              <a:rPr lang="zh-CN" altLang="en-US" sz="2800" b="1" dirty="0">
+                <a:solidFill>
+                  <a:schemeClr val="bg1"/>
+                </a:solidFill>
+                <a:latin typeface="微软雅黑" panose="020B0503020204020204" pitchFamily="34" charset="-122"/>
+                <a:ea typeface="微软雅黑" panose="020B0503020204020204" pitchFamily="34" charset="-122"/>
+              </a:rPr>
+              <a:t>目录</a:t>
+            </a:r>
+            <a:endParaRPr lang="en-US" altLang="zh-CN" sz="2800" b="1" dirty="0">
+              <a:solidFill>
+                <a:schemeClr val="bg1"/>
+              </a:solidFill>
+              <a:latin typeface="微软雅黑" panose="020B0503020204020204" pitchFamily="34" charset="-122"/>
+              <a:ea typeface="微软雅黑" panose="020B0503020204020204" pitchFamily="34" charset="-122"/>
+            </a:endParaRPr>
+          </a:p>
+          <a:p>
+            <a:pPr algn="ctr"/>
+            <a:endParaRPr lang="en-US" altLang="zh-CN" sz="2800" b="1" dirty="0">
+              <a:solidFill>
+                <a:schemeClr val="bg1"/>
+              </a:solidFill>
+              <a:latin typeface="微软雅黑" panose="020B0503020204020204" pitchFamily="34" charset="-122"/>
+              <a:ea typeface="微软雅黑" panose="020B0503020204020204" pitchFamily="34" charset="-122"/>
+            </a:endParaRPr>
+          </a:p>
+          <a:p>
+            <a:pPr marL="285750" indent="-285750">
+              <a:buFont typeface="Arial" panose="020B0604020202020204" pitchFamily="34" charset="0"/>
+              <a:buChar char="•"/>
+            </a:pPr>
+            <a:r>
+              <a:rPr lang="zh-CN" altLang="en-US" sz="2800" b="1" dirty="0">
+                <a:solidFill>
+                  <a:schemeClr val="bg1"/>
+                </a:solidFill>
+                <a:latin typeface="微软雅黑" panose="020B0503020204020204" pitchFamily="34" charset="-122"/>
+                <a:ea typeface="微软雅黑" panose="020B0503020204020204" pitchFamily="34" charset="-122"/>
+              </a:rPr>
+              <a:t>声明和定义全局变量</a:t>
+            </a:r>
+            <a:endParaRPr lang="en-US" altLang="zh-CN" sz="2800" b="1" dirty="0">
+              <a:solidFill>
+                <a:schemeClr val="bg1"/>
+              </a:solidFill>
+              <a:latin typeface="微软雅黑" panose="020B0503020204020204" pitchFamily="34" charset="-122"/>
+              <a:ea typeface="微软雅黑" panose="020B0503020204020204" pitchFamily="34" charset="-122"/>
+            </a:endParaRPr>
+          </a:p>
+          <a:p>
+            <a:endParaRPr lang="en-US" altLang="zh-CN" sz="2800" b="1" dirty="0">
+              <a:solidFill>
+                <a:schemeClr val="bg1"/>
+              </a:solidFill>
+              <a:latin typeface="微软雅黑" panose="020B0503020204020204" pitchFamily="34" charset="-122"/>
+              <a:ea typeface="微软雅黑" panose="020B0503020204020204" pitchFamily="34" charset="-122"/>
+            </a:endParaRPr>
+          </a:p>
+          <a:p>
+            <a:pPr marL="285750" indent="-285750">
+              <a:buFont typeface="Arial" panose="020B0604020202020204" pitchFamily="34" charset="0"/>
+              <a:buChar char="•"/>
+            </a:pPr>
+            <a:r>
+              <a:rPr lang="zh-CN" altLang="en-US" sz="2800" b="1" dirty="0">
+                <a:solidFill>
+                  <a:schemeClr val="bg1"/>
+                </a:solidFill>
+                <a:latin typeface="微软雅黑" panose="020B0503020204020204" pitchFamily="34" charset="-122"/>
+                <a:ea typeface="微软雅黑" panose="020B0503020204020204" pitchFamily="34" charset="-122"/>
+              </a:rPr>
+              <a:t>定义函数</a:t>
+            </a:r>
+            <a:endParaRPr lang="en-US" altLang="zh-CN" sz="2800" b="1" dirty="0">
+              <a:solidFill>
+                <a:schemeClr val="bg1"/>
+              </a:solidFill>
+              <a:latin typeface="微软雅黑" panose="020B0503020204020204" pitchFamily="34" charset="-122"/>
+              <a:ea typeface="微软雅黑" panose="020B0503020204020204" pitchFamily="34" charset="-122"/>
+            </a:endParaRPr>
+          </a:p>
+          <a:p>
+            <a:endParaRPr lang="en-US" altLang="zh-CN" sz="2800" b="1" dirty="0">
+              <a:solidFill>
+                <a:schemeClr val="bg1"/>
+              </a:solidFill>
+              <a:latin typeface="微软雅黑" panose="020B0503020204020204" pitchFamily="34" charset="-122"/>
+              <a:ea typeface="微软雅黑" panose="020B0503020204020204" pitchFamily="34" charset="-122"/>
+            </a:endParaRPr>
+          </a:p>
+          <a:p>
+            <a:pPr marL="285750" indent="-285750">
+              <a:buFont typeface="Arial" panose="020B0604020202020204" pitchFamily="34" charset="0"/>
+              <a:buChar char="•"/>
+            </a:pPr>
+            <a:r>
+              <a:rPr lang="zh-CN" altLang="en-US" sz="2800" b="1" dirty="0">
+                <a:solidFill>
+                  <a:schemeClr val="bg1"/>
+                </a:solidFill>
+                <a:latin typeface="微软雅黑" panose="020B0503020204020204" pitchFamily="34" charset="-122"/>
+                <a:ea typeface="微软雅黑" panose="020B0503020204020204" pitchFamily="34" charset="-122"/>
+              </a:rPr>
+              <a:t>调用函数</a:t>
+            </a:r>
+          </a:p>
+        </p:txBody>
+      </p:sp>
+    </p:spTree>
+    <p:extLst>
+      <p:ext uri="{BB962C8B-B14F-4D97-AF65-F5344CB8AC3E}">
+        <p14:creationId xmlns:p14="http://schemas.microsoft.com/office/powerpoint/2010/main" val="3417232550"/>
+      </p:ext>
+    </p:extLst>
+  </p:cSld>
+  <p:clrMapOvr>
+    <a:masterClrMapping/>
+  </p:clrMapOvr>
+</p:sld>
+</file>
+
+<file path=ppt/slides/slide20.xml><?xml version="1.0" encoding="utf-8"?>
 <p:sld xmlns:a="http://schemas.openxmlformats.org/drawingml/2006/main" xmlns:r="http://schemas.openxmlformats.org/officeDocument/2006/relationships" xmlns:p="http://schemas.openxmlformats.org/presentationml/2006/main">
   <p:cSld>
     <p:spTree>
@@ -10330,10 +11840,10 @@
       </p:sp>
       <p:pic>
         <p:nvPicPr>
-          <p:cNvPr id="4" name="图片 3">
+          <p:cNvPr id="5" name="图片 4">
             <a:extLst>
               <a:ext uri="{FF2B5EF4-FFF2-40B4-BE49-F238E27FC236}">
-                <a16:creationId xmlns:a16="http://schemas.microsoft.com/office/drawing/2014/main" id="{8A67DAEB-254B-4419-BF3C-EB62065AD9E5}"/>
+                <a16:creationId xmlns:a16="http://schemas.microsoft.com/office/drawing/2014/main" id="{F228320E-268D-4DFB-BF5A-86173CED8CFB}"/>
               </a:ext>
             </a:extLst>
           </p:cNvPr>
@@ -10343,15 +11853,21 @@
           <p:nvPr/>
         </p:nvPicPr>
         <p:blipFill>
-          <a:blip r:embed="rId2"/>
+          <a:blip r:embed="rId2">
+            <a:extLst>
+              <a:ext uri="{28A0092B-C50C-407E-A947-70E740481C1C}">
+                <a14:useLocalDpi xmlns:a14="http://schemas.microsoft.com/office/drawing/2010/main" val="0"/>
+              </a:ext>
+            </a:extLst>
+          </a:blip>
           <a:stretch>
             <a:fillRect/>
           </a:stretch>
         </p:blipFill>
         <p:spPr>
           <a:xfrm>
-            <a:off x="939800" y="734979"/>
-            <a:ext cx="10312400" cy="5718580"/>
+            <a:off x="403048" y="897497"/>
+            <a:ext cx="11385904" cy="5880220"/>
           </a:xfrm>
           <a:prstGeom prst="rect">
             <a:avLst/>
@@ -10371,7 +11887,7 @@
 </p:sld>
 </file>
 
-<file path=ppt/slides/slide18.xml><?xml version="1.0" encoding="utf-8"?>
+<file path=ppt/slides/slide21.xml><?xml version="1.0" encoding="utf-8"?>
 <p:sld xmlns:a="http://schemas.openxmlformats.org/drawingml/2006/main" xmlns:r="http://schemas.openxmlformats.org/officeDocument/2006/relationships" xmlns:p="http://schemas.openxmlformats.org/presentationml/2006/main">
   <p:cSld>
     <p:spTree>
@@ -10552,7 +12068,7 @@
 </p:sld>
 </file>
 
-<file path=ppt/slides/slide2.xml><?xml version="1.0" encoding="utf-8"?>
+<file path=ppt/slides/slide3.xml><?xml version="1.0" encoding="utf-8"?>
 <p:sld xmlns:a="http://schemas.openxmlformats.org/drawingml/2006/main" xmlns:r="http://schemas.openxmlformats.org/officeDocument/2006/relationships" xmlns:p="http://schemas.openxmlformats.org/presentationml/2006/main">
   <p:cSld>
     <p:spTree>
@@ -11057,7 +12573,7 @@
 </p:sld>
 </file>
 
-<file path=ppt/slides/slide3.xml><?xml version="1.0" encoding="utf-8"?>
+<file path=ppt/slides/slide4.xml><?xml version="1.0" encoding="utf-8"?>
 <p:sld xmlns:a="http://schemas.openxmlformats.org/drawingml/2006/main" xmlns:r="http://schemas.openxmlformats.org/officeDocument/2006/relationships" xmlns:p="http://schemas.openxmlformats.org/presentationml/2006/main">
   <p:cSld>
     <p:spTree>
@@ -12061,7 +13577,7 @@
 </p:sld>
 </file>
 
-<file path=ppt/slides/slide4.xml><?xml version="1.0" encoding="utf-8"?>
+<file path=ppt/slides/slide5.xml><?xml version="1.0" encoding="utf-8"?>
 <p:sld xmlns:a="http://schemas.openxmlformats.org/drawingml/2006/main" xmlns:r="http://schemas.openxmlformats.org/officeDocument/2006/relationships" xmlns:p="http://schemas.openxmlformats.org/presentationml/2006/main">
   <p:cSld>
     <p:spTree>
@@ -12880,7 +14396,7 @@
 </p:sld>
 </file>
 
-<file path=ppt/slides/slide5.xml><?xml version="1.0" encoding="utf-8"?>
+<file path=ppt/slides/slide6.xml><?xml version="1.0" encoding="utf-8"?>
 <p:sld xmlns:a="http://schemas.openxmlformats.org/drawingml/2006/main" xmlns:r="http://schemas.openxmlformats.org/officeDocument/2006/relationships" xmlns:p="http://schemas.openxmlformats.org/presentationml/2006/main">
   <p:cSld>
     <p:spTree>
@@ -13385,7 +14901,7 @@
 </p:sld>
 </file>
 
-<file path=ppt/slides/slide6.xml><?xml version="1.0" encoding="utf-8"?>
+<file path=ppt/slides/slide7.xml><?xml version="1.0" encoding="utf-8"?>
 <p:sld xmlns:a="http://schemas.openxmlformats.org/drawingml/2006/main" xmlns:r="http://schemas.openxmlformats.org/officeDocument/2006/relationships" xmlns:p="http://schemas.openxmlformats.org/presentationml/2006/main">
   <p:cSld>
     <p:spTree>
@@ -16160,7 +17676,7 @@
 </p:sld>
 </file>
 
-<file path=ppt/slides/slide7.xml><?xml version="1.0" encoding="utf-8"?>
+<file path=ppt/slides/slide8.xml><?xml version="1.0" encoding="utf-8"?>
 <p:sld xmlns:a="http://schemas.openxmlformats.org/drawingml/2006/main" xmlns:r="http://schemas.openxmlformats.org/officeDocument/2006/relationships" xmlns:p="http://schemas.openxmlformats.org/presentationml/2006/main">
   <p:cSld>
     <p:spTree>
@@ -16722,7 +18238,7 @@
 </p:sld>
 </file>
 
-<file path=ppt/slides/slide8.xml><?xml version="1.0" encoding="utf-8"?>
+<file path=ppt/slides/slide9.xml><?xml version="1.0" encoding="utf-8"?>
 <p:sld xmlns:a="http://schemas.openxmlformats.org/drawingml/2006/main" xmlns:r="http://schemas.openxmlformats.org/officeDocument/2006/relationships" xmlns:p="http://schemas.openxmlformats.org/presentationml/2006/main">
   <p:cSld>
     <p:spTree>
@@ -17457,487 +18973,6 @@
     <p:extLst>
       <p:ext uri="{BB962C8B-B14F-4D97-AF65-F5344CB8AC3E}">
         <p14:creationId xmlns:p14="http://schemas.microsoft.com/office/powerpoint/2010/main" val="3729256389"/>
-      </p:ext>
-    </p:extLst>
-  </p:cSld>
-  <p:clrMapOvr>
-    <a:masterClrMapping/>
-  </p:clrMapOvr>
-</p:sld>
-</file>
-
-<file path=ppt/slides/slide9.xml><?xml version="1.0" encoding="utf-8"?>
-<p:sld xmlns:a="http://schemas.openxmlformats.org/drawingml/2006/main" xmlns:r="http://schemas.openxmlformats.org/officeDocument/2006/relationships" xmlns:p="http://schemas.openxmlformats.org/presentationml/2006/main">
-  <p:cSld>
-    <p:spTree>
-      <p:nvGrpSpPr>
-        <p:cNvPr id="1" name=""/>
-        <p:cNvGrpSpPr/>
-        <p:nvPr/>
-      </p:nvGrpSpPr>
-      <p:grpSpPr>
-        <a:xfrm>
-          <a:off x="0" y="0"/>
-          <a:ext cx="0" cy="0"/>
-          <a:chOff x="0" y="0"/>
-          <a:chExt cx="0" cy="0"/>
-        </a:xfrm>
-      </p:grpSpPr>
-      <p:sp>
-        <p:nvSpPr>
-          <p:cNvPr id="2" name="文本框 20">
-            <a:extLst>
-              <a:ext uri="{FF2B5EF4-FFF2-40B4-BE49-F238E27FC236}">
-                <a16:creationId xmlns:a16="http://schemas.microsoft.com/office/drawing/2014/main" id="{DE3889F8-6551-4A68-BC45-154B108E5FE8}"/>
-              </a:ext>
-            </a:extLst>
-          </p:cNvPr>
-          <p:cNvSpPr txBox="1">
-            <a:spLocks noChangeArrowheads="1"/>
-          </p:cNvSpPr>
-          <p:nvPr/>
-        </p:nvSpPr>
-        <p:spPr bwMode="auto">
-          <a:xfrm>
-            <a:off x="568854" y="273314"/>
-            <a:ext cx="4485746" cy="461665"/>
-          </a:xfrm>
-          <a:prstGeom prst="rect">
-            <a:avLst/>
-          </a:prstGeom>
-          <a:noFill/>
-          <a:ln>
-            <a:noFill/>
-          </a:ln>
-          <a:extLst>
-            <a:ext uri="{909E8E84-426E-40DD-AFC4-6F175D3DCCD1}">
-              <a14:hiddenFill xmlns:a14="http://schemas.microsoft.com/office/drawing/2010/main">
-                <a:solidFill>
-                  <a:srgbClr val="FFFFFF"/>
-                </a:solidFill>
-              </a14:hiddenFill>
-            </a:ext>
-            <a:ext uri="{91240B29-F687-4F45-9708-019B960494DF}">
-              <a14:hiddenLine xmlns:a14="http://schemas.microsoft.com/office/drawing/2010/main" w="9525">
-                <a:solidFill>
-                  <a:srgbClr val="000000"/>
-                </a:solidFill>
-                <a:miter lim="800000"/>
-                <a:headEnd/>
-                <a:tailEnd/>
-              </a14:hiddenLine>
-            </a:ext>
-          </a:extLst>
-        </p:spPr>
-        <p:txBody>
-          <a:bodyPr wrap="square">
-            <a:spAutoFit/>
-          </a:bodyPr>
-          <a:lstStyle>
-            <a:lvl1pPr>
-              <a:buFont typeface="Arial" panose="020B0604020202020204" pitchFamily="34" charset="0"/>
-              <a:defRPr>
-                <a:solidFill>
-                  <a:schemeClr val="tx1"/>
-                </a:solidFill>
-                <a:latin typeface="Arial" panose="020B0604020202020204" pitchFamily="34" charset="0"/>
-                <a:ea typeface="微软雅黑" panose="020B0503020204020204" pitchFamily="34" charset="-122"/>
-              </a:defRPr>
-            </a:lvl1pPr>
-            <a:lvl2pPr marL="742950" indent="-285750">
-              <a:buFont typeface="Arial" panose="020B0604020202020204" pitchFamily="34" charset="0"/>
-              <a:defRPr>
-                <a:solidFill>
-                  <a:schemeClr val="tx1"/>
-                </a:solidFill>
-                <a:latin typeface="Arial" panose="020B0604020202020204" pitchFamily="34" charset="0"/>
-                <a:ea typeface="微软雅黑" panose="020B0503020204020204" pitchFamily="34" charset="-122"/>
-              </a:defRPr>
-            </a:lvl2pPr>
-            <a:lvl3pPr marL="1143000" indent="-228600">
-              <a:buFont typeface="Arial" panose="020B0604020202020204" pitchFamily="34" charset="0"/>
-              <a:defRPr>
-                <a:solidFill>
-                  <a:schemeClr val="tx1"/>
-                </a:solidFill>
-                <a:latin typeface="Arial" panose="020B0604020202020204" pitchFamily="34" charset="0"/>
-                <a:ea typeface="微软雅黑" panose="020B0503020204020204" pitchFamily="34" charset="-122"/>
-              </a:defRPr>
-            </a:lvl3pPr>
-            <a:lvl4pPr marL="1600200" indent="-228600">
-              <a:buFont typeface="Arial" panose="020B0604020202020204" pitchFamily="34" charset="0"/>
-              <a:defRPr>
-                <a:solidFill>
-                  <a:schemeClr val="tx1"/>
-                </a:solidFill>
-                <a:latin typeface="Arial" panose="020B0604020202020204" pitchFamily="34" charset="0"/>
-                <a:ea typeface="微软雅黑" panose="020B0503020204020204" pitchFamily="34" charset="-122"/>
-              </a:defRPr>
-            </a:lvl4pPr>
-            <a:lvl5pPr marL="2057400" indent="-228600">
-              <a:buFont typeface="Arial" panose="020B0604020202020204" pitchFamily="34" charset="0"/>
-              <a:defRPr>
-                <a:solidFill>
-                  <a:schemeClr val="tx1"/>
-                </a:solidFill>
-                <a:latin typeface="Arial" panose="020B0604020202020204" pitchFamily="34" charset="0"/>
-                <a:ea typeface="微软雅黑" panose="020B0503020204020204" pitchFamily="34" charset="-122"/>
-              </a:defRPr>
-            </a:lvl5pPr>
-            <a:lvl6pPr marL="2514600" indent="-228600" eaLnBrk="0" fontAlgn="base" hangingPunct="0">
-              <a:spcBef>
-                <a:spcPct val="0"/>
-              </a:spcBef>
-              <a:spcAft>
-                <a:spcPct val="0"/>
-              </a:spcAft>
-              <a:buFont typeface="Arial" panose="020B0604020202020204" pitchFamily="34" charset="0"/>
-              <a:defRPr>
-                <a:solidFill>
-                  <a:schemeClr val="tx1"/>
-                </a:solidFill>
-                <a:latin typeface="Arial" panose="020B0604020202020204" pitchFamily="34" charset="0"/>
-                <a:ea typeface="微软雅黑" panose="020B0503020204020204" pitchFamily="34" charset="-122"/>
-              </a:defRPr>
-            </a:lvl6pPr>
-            <a:lvl7pPr marL="2971800" indent="-228600" eaLnBrk="0" fontAlgn="base" hangingPunct="0">
-              <a:spcBef>
-                <a:spcPct val="0"/>
-              </a:spcBef>
-              <a:spcAft>
-                <a:spcPct val="0"/>
-              </a:spcAft>
-              <a:buFont typeface="Arial" panose="020B0604020202020204" pitchFamily="34" charset="0"/>
-              <a:defRPr>
-                <a:solidFill>
-                  <a:schemeClr val="tx1"/>
-                </a:solidFill>
-                <a:latin typeface="Arial" panose="020B0604020202020204" pitchFamily="34" charset="0"/>
-                <a:ea typeface="微软雅黑" panose="020B0503020204020204" pitchFamily="34" charset="-122"/>
-              </a:defRPr>
-            </a:lvl7pPr>
-            <a:lvl8pPr marL="3429000" indent="-228600" eaLnBrk="0" fontAlgn="base" hangingPunct="0">
-              <a:spcBef>
-                <a:spcPct val="0"/>
-              </a:spcBef>
-              <a:spcAft>
-                <a:spcPct val="0"/>
-              </a:spcAft>
-              <a:buFont typeface="Arial" panose="020B0604020202020204" pitchFamily="34" charset="0"/>
-              <a:defRPr>
-                <a:solidFill>
-                  <a:schemeClr val="tx1"/>
-                </a:solidFill>
-                <a:latin typeface="Arial" panose="020B0604020202020204" pitchFamily="34" charset="0"/>
-                <a:ea typeface="微软雅黑" panose="020B0503020204020204" pitchFamily="34" charset="-122"/>
-              </a:defRPr>
-            </a:lvl8pPr>
-            <a:lvl9pPr marL="3886200" indent="-228600" eaLnBrk="0" fontAlgn="base" hangingPunct="0">
-              <a:spcBef>
-                <a:spcPct val="0"/>
-              </a:spcBef>
-              <a:spcAft>
-                <a:spcPct val="0"/>
-              </a:spcAft>
-              <a:buFont typeface="Arial" panose="020B0604020202020204" pitchFamily="34" charset="0"/>
-              <a:defRPr>
-                <a:solidFill>
-                  <a:schemeClr val="tx1"/>
-                </a:solidFill>
-                <a:latin typeface="Arial" panose="020B0604020202020204" pitchFamily="34" charset="0"/>
-                <a:ea typeface="微软雅黑" panose="020B0503020204020204" pitchFamily="34" charset="-122"/>
-              </a:defRPr>
-            </a:lvl9pPr>
-          </a:lstStyle>
-          <a:p>
-            <a:r>
-              <a:rPr lang="zh-CN" altLang="en-US" sz="2400" b="1" dirty="0">
-                <a:solidFill>
-                  <a:srgbClr val="007F58"/>
-                </a:solidFill>
-                <a:latin typeface="微软雅黑" panose="020B0503020204020204" pitchFamily="34" charset="-122"/>
-              </a:rPr>
-              <a:t>判断文件或者目录是否存在函数</a:t>
-            </a:r>
-          </a:p>
-        </p:txBody>
-      </p:sp>
-      <p:graphicFrame>
-        <p:nvGraphicFramePr>
-          <p:cNvPr id="3" name="表格 2">
-            <a:extLst>
-              <a:ext uri="{FF2B5EF4-FFF2-40B4-BE49-F238E27FC236}">
-                <a16:creationId xmlns:a16="http://schemas.microsoft.com/office/drawing/2014/main" id="{426923CA-DD5F-4F31-ABAA-67790CFE3E25}"/>
-              </a:ext>
-            </a:extLst>
-          </p:cNvPr>
-          <p:cNvGraphicFramePr>
-            <a:graphicFrameLocks noGrp="1"/>
-          </p:cNvGraphicFramePr>
-          <p:nvPr>
-            <p:extLst>
-              <p:ext uri="{D42A27DB-BD31-4B8C-83A1-F6EECF244321}">
-                <p14:modId xmlns:p14="http://schemas.microsoft.com/office/powerpoint/2010/main" val="3915785674"/>
-              </p:ext>
-            </p:extLst>
-          </p:nvPr>
-        </p:nvGraphicFramePr>
-        <p:xfrm>
-          <a:off x="2032000" y="2082799"/>
-          <a:ext cx="8128000" cy="2291080"/>
-        </p:xfrm>
-        <a:graphic>
-          <a:graphicData uri="http://schemas.openxmlformats.org/drawingml/2006/table">
-            <a:tbl>
-              <a:tblPr firstRow="1" bandRow="1">
-                <a:tableStyleId>{5C22544A-7EE6-4342-B048-85BDC9FD1C3A}</a:tableStyleId>
-              </a:tblPr>
-              <a:tblGrid>
-                <a:gridCol w="4064000">
-                  <a:extLst>
-                    <a:ext uri="{9D8B030D-6E8A-4147-A177-3AD203B41FA5}">
-                      <a16:colId xmlns:a16="http://schemas.microsoft.com/office/drawing/2014/main" val="275840825"/>
-                    </a:ext>
-                  </a:extLst>
-                </a:gridCol>
-                <a:gridCol w="4064000">
-                  <a:extLst>
-                    <a:ext uri="{9D8B030D-6E8A-4147-A177-3AD203B41FA5}">
-                      <a16:colId xmlns:a16="http://schemas.microsoft.com/office/drawing/2014/main" val="2921224805"/>
-                    </a:ext>
-                  </a:extLst>
-                </a:gridCol>
-              </a:tblGrid>
-              <a:tr h="370840">
-                <a:tc>
-                  <a:txBody>
-                    <a:bodyPr/>
-                    <a:lstStyle/>
-                    <a:p>
-                      <a:r>
-                        <a:rPr lang="zh-CN" altLang="en-US" dirty="0"/>
-                        <a:t>函数名</a:t>
-                      </a:r>
-                    </a:p>
-                  </a:txBody>
-                  <a:tcPr/>
-                </a:tc>
-                <a:tc>
-                  <a:txBody>
-                    <a:bodyPr/>
-                    <a:lstStyle/>
-                    <a:p>
-                      <a:r>
-                        <a:rPr lang="zh-CN" altLang="en-US" dirty="0"/>
-                        <a:t>功能描述</a:t>
-                      </a:r>
-                    </a:p>
-                  </a:txBody>
-                  <a:tcPr/>
-                </a:tc>
-                <a:extLst>
-                  <a:ext uri="{0D108BD9-81ED-4DB2-BD59-A6C34878D82A}">
-                    <a16:rowId xmlns:a16="http://schemas.microsoft.com/office/drawing/2014/main" val="2319463917"/>
-                  </a:ext>
-                </a:extLst>
-              </a:tr>
-              <a:tr h="370840">
-                <a:tc>
-                  <a:txBody>
-                    <a:bodyPr/>
-                    <a:lstStyle/>
-                    <a:p>
-                      <a:r>
-                        <a:rPr lang="en-US" altLang="zh-CN" sz="1800" b="0" i="0" kern="1200" dirty="0" err="1">
-                          <a:solidFill>
-                            <a:schemeClr val="dk1"/>
-                          </a:solidFill>
-                          <a:effectLst/>
-                          <a:latin typeface="+mn-lt"/>
-                          <a:ea typeface="+mn-ea"/>
-                          <a:cs typeface="+mn-cs"/>
-                        </a:rPr>
-                        <a:t>file_must_exists</a:t>
-                      </a:r>
-                      <a:r>
-                        <a:rPr lang="en-US" altLang="zh-CN" sz="1800" b="0" i="0" kern="1200" dirty="0">
-                          <a:solidFill>
-                            <a:schemeClr val="dk1"/>
-                          </a:solidFill>
-                          <a:effectLst/>
-                          <a:latin typeface="+mn-lt"/>
-                          <a:ea typeface="+mn-ea"/>
-                          <a:cs typeface="+mn-cs"/>
-                        </a:rPr>
-                        <a:t>()</a:t>
-                      </a:r>
-                      <a:endParaRPr lang="zh-CN" altLang="en-US" dirty="0"/>
-                    </a:p>
-                  </a:txBody>
-                  <a:tcPr/>
-                </a:tc>
-                <a:tc>
-                  <a:txBody>
-                    <a:bodyPr/>
-                    <a:lstStyle/>
-                    <a:p>
-                      <a:r>
-                        <a:rPr lang="zh-CN" altLang="en-US" sz="1800" b="0" i="0" kern="1200" dirty="0">
-                          <a:solidFill>
-                            <a:schemeClr val="dk1"/>
-                          </a:solidFill>
-                          <a:effectLst/>
-                          <a:latin typeface="+mn-lt"/>
-                          <a:ea typeface="+mn-ea"/>
-                          <a:cs typeface="+mn-cs"/>
-                        </a:rPr>
-                        <a:t>判断文件是否存在，如果不存在则输出提示并结束脚本</a:t>
-                      </a:r>
-                      <a:endParaRPr lang="zh-CN" altLang="en-US" dirty="0"/>
-                    </a:p>
-                  </a:txBody>
-                  <a:tcPr/>
-                </a:tc>
-                <a:extLst>
-                  <a:ext uri="{0D108BD9-81ED-4DB2-BD59-A6C34878D82A}">
-                    <a16:rowId xmlns:a16="http://schemas.microsoft.com/office/drawing/2014/main" val="1414814724"/>
-                  </a:ext>
-                </a:extLst>
-              </a:tr>
-              <a:tr h="370840">
-                <a:tc>
-                  <a:txBody>
-                    <a:bodyPr/>
-                    <a:lstStyle/>
-                    <a:p>
-                      <a:r>
-                        <a:rPr lang="en-US" altLang="zh-CN" sz="1800" b="0" i="0" kern="1200" dirty="0" err="1">
-                          <a:solidFill>
-                            <a:schemeClr val="dk1"/>
-                          </a:solidFill>
-                          <a:effectLst/>
-                          <a:latin typeface="+mn-lt"/>
-                          <a:ea typeface="+mn-ea"/>
-                          <a:cs typeface="+mn-cs"/>
-                        </a:rPr>
-                        <a:t>dir_must_exists</a:t>
-                      </a:r>
-                      <a:r>
-                        <a:rPr lang="en-US" altLang="zh-CN" sz="1800" b="0" i="0" kern="1200" dirty="0">
-                          <a:solidFill>
-                            <a:schemeClr val="dk1"/>
-                          </a:solidFill>
-                          <a:effectLst/>
-                          <a:latin typeface="+mn-lt"/>
-                          <a:ea typeface="+mn-ea"/>
-                          <a:cs typeface="+mn-cs"/>
-                        </a:rPr>
-                        <a:t>()</a:t>
-                      </a:r>
-                      <a:endParaRPr lang="zh-CN" altLang="en-US" dirty="0"/>
-                    </a:p>
-                  </a:txBody>
-                  <a:tcPr/>
-                </a:tc>
-                <a:tc>
-                  <a:txBody>
-                    <a:bodyPr/>
-                    <a:lstStyle/>
-                    <a:p>
-                      <a:r>
-                        <a:rPr lang="zh-CN" altLang="en-US" sz="1800" b="0" i="0" kern="1200" dirty="0">
-                          <a:solidFill>
-                            <a:schemeClr val="dk1"/>
-                          </a:solidFill>
-                          <a:effectLst/>
-                          <a:latin typeface="+mn-lt"/>
-                          <a:ea typeface="+mn-ea"/>
-                          <a:cs typeface="+mn-cs"/>
-                        </a:rPr>
-                        <a:t>判断目录是否存在，如果不存在则输出提示并结束脚本</a:t>
-                      </a:r>
-                      <a:endParaRPr lang="zh-CN" altLang="en-US" dirty="0"/>
-                    </a:p>
-                  </a:txBody>
-                  <a:tcPr/>
-                </a:tc>
-                <a:extLst>
-                  <a:ext uri="{0D108BD9-81ED-4DB2-BD59-A6C34878D82A}">
-                    <a16:rowId xmlns:a16="http://schemas.microsoft.com/office/drawing/2014/main" val="1746408502"/>
-                  </a:ext>
-                </a:extLst>
-              </a:tr>
-              <a:tr h="370840">
-                <a:tc>
-                  <a:txBody>
-                    <a:bodyPr/>
-                    <a:lstStyle/>
-                    <a:p>
-                      <a:r>
-                        <a:rPr lang="en-US" altLang="zh-CN" sz="1800" b="0" i="0" kern="1200" dirty="0" err="1">
-                          <a:solidFill>
-                            <a:schemeClr val="dk1"/>
-                          </a:solidFill>
-                          <a:effectLst/>
-                          <a:latin typeface="+mn-lt"/>
-                          <a:ea typeface="+mn-ea"/>
-                          <a:cs typeface="+mn-cs"/>
-                        </a:rPr>
-                        <a:t>dir_must_not_exists</a:t>
-                      </a:r>
-                      <a:r>
-                        <a:rPr lang="en-US" altLang="zh-CN" sz="1800" b="0" i="0" kern="1200" dirty="0">
-                          <a:solidFill>
-                            <a:schemeClr val="dk1"/>
-                          </a:solidFill>
-                          <a:effectLst/>
-                          <a:latin typeface="+mn-lt"/>
-                          <a:ea typeface="+mn-ea"/>
-                          <a:cs typeface="+mn-cs"/>
-                        </a:rPr>
-                        <a:t>()</a:t>
-                      </a:r>
-                      <a:endParaRPr lang="zh-CN" altLang="en-US" dirty="0"/>
-                    </a:p>
-                  </a:txBody>
-                  <a:tcPr/>
-                </a:tc>
-                <a:tc>
-                  <a:txBody>
-                    <a:bodyPr/>
-                    <a:lstStyle/>
-                    <a:p>
-                      <a:r>
-                        <a:rPr lang="zh-CN" altLang="en-US" sz="1800" b="0" i="0" kern="1200" dirty="0">
-                          <a:solidFill>
-                            <a:schemeClr val="dk1"/>
-                          </a:solidFill>
-                          <a:effectLst/>
-                          <a:latin typeface="+mn-lt"/>
-                          <a:ea typeface="+mn-ea"/>
-                          <a:cs typeface="+mn-cs"/>
-                        </a:rPr>
-                        <a:t>判断目录是否存在，如果存在则输出提示（删除旧的目录）并结束脚本</a:t>
-                      </a:r>
-                      <a:endParaRPr lang="zh-CN" altLang="en-US" dirty="0"/>
-                    </a:p>
-                  </a:txBody>
-                  <a:tcPr/>
-                </a:tc>
-                <a:extLst>
-                  <a:ext uri="{0D108BD9-81ED-4DB2-BD59-A6C34878D82A}">
-                    <a16:rowId xmlns:a16="http://schemas.microsoft.com/office/drawing/2014/main" val="1347231957"/>
-                  </a:ext>
-                </a:extLst>
-              </a:tr>
-            </a:tbl>
-          </a:graphicData>
-        </a:graphic>
-      </p:graphicFrame>
-    </p:spTree>
-    <p:extLst>
-      <p:ext uri="{BB962C8B-B14F-4D97-AF65-F5344CB8AC3E}">
-        <p14:creationId xmlns:p14="http://schemas.microsoft.com/office/powerpoint/2010/main" val="1150987112"/>
       </p:ext>
     </p:extLst>
   </p:cSld>
